--- a/Advanced MATLAB Workshop.pptx
+++ b/Advanced MATLAB Workshop.pptx
@@ -5,7 +5,7 @@
     <p:sldMasterId id="2147483648" r:id="rId1"/>
   </p:sldMasterIdLst>
   <p:notesMasterIdLst>
-    <p:notesMasterId r:id="rId43"/>
+    <p:notesMasterId r:id="rId48"/>
   </p:notesMasterIdLst>
   <p:sldIdLst>
     <p:sldId id="256" r:id="rId2"/>
@@ -49,6 +49,11 @@
     <p:sldId id="307" r:id="rId40"/>
     <p:sldId id="308" r:id="rId41"/>
     <p:sldId id="306" r:id="rId42"/>
+    <p:sldId id="309" r:id="rId43"/>
+    <p:sldId id="310" r:id="rId44"/>
+    <p:sldId id="312" r:id="rId45"/>
+    <p:sldId id="313" r:id="rId46"/>
+    <p:sldId id="314" r:id="rId47"/>
   </p:sldIdLst>
   <p:sldSz cx="12192000" cy="6858000"/>
   <p:notesSz cx="6858000" cy="9144000"/>
@@ -245,7 +250,7 @@
           <a:p>
             <a:fld id="{B44DB2A5-721C-4590-AD57-37BABA192C78}" type="datetimeFigureOut">
               <a:rPr lang="en-US" smtClean="0"/>
-              <a:t>7/8/2019</a:t>
+              <a:t>7/10/2019</a:t>
             </a:fld>
             <a:endParaRPr lang="en-US"/>
           </a:p>
@@ -944,6 +949,98 @@
 </p:notes>
 </file>
 
+<file path=ppt/notesSlides/notesSlide14.xml><?xml version="1.0" encoding="utf-8"?>
+<p:notes xmlns:a="http://schemas.openxmlformats.org/drawingml/2006/main" xmlns:r="http://schemas.openxmlformats.org/officeDocument/2006/relationships" xmlns:p="http://schemas.openxmlformats.org/presentationml/2006/main">
+  <p:cSld>
+    <p:spTree>
+      <p:nvGrpSpPr>
+        <p:cNvPr id="1" name=""/>
+        <p:cNvGrpSpPr/>
+        <p:nvPr/>
+      </p:nvGrpSpPr>
+      <p:grpSpPr>
+        <a:xfrm>
+          <a:off x="0" y="0"/>
+          <a:ext cx="0" cy="0"/>
+          <a:chOff x="0" y="0"/>
+          <a:chExt cx="0" cy="0"/>
+        </a:xfrm>
+      </p:grpSpPr>
+      <p:sp>
+        <p:nvSpPr>
+          <p:cNvPr id="2" name="Slide Image Placeholder 1"/>
+          <p:cNvSpPr>
+            <a:spLocks noGrp="1" noRot="1" noChangeAspect="1"/>
+          </p:cNvSpPr>
+          <p:nvPr>
+            <p:ph type="sldImg"/>
+          </p:nvPr>
+        </p:nvSpPr>
+        <p:spPr/>
+      </p:sp>
+      <p:sp>
+        <p:nvSpPr>
+          <p:cNvPr id="3" name="Notes Placeholder 2"/>
+          <p:cNvSpPr>
+            <a:spLocks noGrp="1"/>
+          </p:cNvSpPr>
+          <p:nvPr>
+            <p:ph type="body" idx="1"/>
+          </p:nvPr>
+        </p:nvSpPr>
+        <p:spPr/>
+        <p:txBody>
+          <a:bodyPr/>
+          <a:lstStyle/>
+          <a:p>
+            <a:r>
+              <a:rPr lang="en-US" dirty="0" smtClean="0"/>
+              <a:t>Leads to multiple implementation of the same code if done</a:t>
+            </a:r>
+            <a:r>
+              <a:rPr lang="en-US" baseline="0" dirty="0" smtClean="0"/>
+              <a:t> manually. Slow. Error prone.</a:t>
+            </a:r>
+            <a:endParaRPr lang="en-US" dirty="0"/>
+          </a:p>
+        </p:txBody>
+      </p:sp>
+      <p:sp>
+        <p:nvSpPr>
+          <p:cNvPr id="4" name="Slide Number Placeholder 3"/>
+          <p:cNvSpPr>
+            <a:spLocks noGrp="1"/>
+          </p:cNvSpPr>
+          <p:nvPr>
+            <p:ph type="sldNum" sz="quarter" idx="10"/>
+          </p:nvPr>
+        </p:nvSpPr>
+        <p:spPr/>
+        <p:txBody>
+          <a:bodyPr/>
+          <a:lstStyle/>
+          <a:p>
+            <a:fld id="{A3912FFC-B366-4EEA-B91E-9EBDF6AED8A9}" type="slidenum">
+              <a:rPr lang="en-US" smtClean="0"/>
+              <a:t>42</a:t>
+            </a:fld>
+            <a:endParaRPr lang="en-US"/>
+          </a:p>
+        </p:txBody>
+      </p:sp>
+    </p:spTree>
+    <p:extLst>
+      <p:ext uri="{BB962C8B-B14F-4D97-AF65-F5344CB8AC3E}">
+        <p14:creationId xmlns:p14="http://schemas.microsoft.com/office/powerpoint/2010/main" val="1352255103"/>
+      </p:ext>
+    </p:extLst>
+  </p:cSld>
+  <p:clrMapOvr>
+    <a:masterClrMapping/>
+  </p:clrMapOvr>
+</p:notes>
+</file>
+
 <file path=ppt/notesSlides/notesSlide2.xml><?xml version="1.0" encoding="utf-8"?>
 <p:notes xmlns:a="http://schemas.openxmlformats.org/drawingml/2006/main" xmlns:r="http://schemas.openxmlformats.org/officeDocument/2006/relationships" xmlns:p="http://schemas.openxmlformats.org/presentationml/2006/main">
   <p:cSld>
@@ -1769,7 +1866,7 @@
           <a:p>
             <a:fld id="{1C1F2C98-C8FE-41C9-9C19-3C211CD93C9A}" type="datetimeFigureOut">
               <a:rPr lang="en-US" smtClean="0"/>
-              <a:t>7/8/2019</a:t>
+              <a:t>7/10/2019</a:t>
             </a:fld>
             <a:endParaRPr lang="en-US"/>
           </a:p>
@@ -1839,6 +1936,18 @@
   <p:clrMapOvr>
     <a:masterClrMapping/>
   </p:clrMapOvr>
+  <mc:AlternateContent xmlns:mc="http://schemas.openxmlformats.org/markup-compatibility/2006">
+    <mc:Choice xmlns:p14="http://schemas.microsoft.com/office/powerpoint/2010/main" Requires="p14">
+      <p:transition spd="med" p14:dur="700">
+        <p:fade/>
+      </p:transition>
+    </mc:Choice>
+    <mc:Fallback>
+      <p:transition spd="med">
+        <p:fade/>
+      </p:transition>
+    </mc:Fallback>
+  </mc:AlternateContent>
 </p:sldLayout>
 </file>
 
@@ -1967,7 +2076,7 @@
           <a:p>
             <a:fld id="{1C1F2C98-C8FE-41C9-9C19-3C211CD93C9A}" type="datetimeFigureOut">
               <a:rPr lang="en-US" smtClean="0"/>
-              <a:t>7/8/2019</a:t>
+              <a:t>7/10/2019</a:t>
             </a:fld>
             <a:endParaRPr lang="en-US"/>
           </a:p>
@@ -2037,6 +2146,18 @@
   <p:clrMapOvr>
     <a:masterClrMapping/>
   </p:clrMapOvr>
+  <mc:AlternateContent xmlns:mc="http://schemas.openxmlformats.org/markup-compatibility/2006">
+    <mc:Choice xmlns:p14="http://schemas.microsoft.com/office/powerpoint/2010/main" Requires="p14">
+      <p:transition spd="med" p14:dur="700">
+        <p:fade/>
+      </p:transition>
+    </mc:Choice>
+    <mc:Fallback>
+      <p:transition spd="med">
+        <p:fade/>
+      </p:transition>
+    </mc:Fallback>
+  </mc:AlternateContent>
 </p:sldLayout>
 </file>
 
@@ -2175,7 +2296,7 @@
           <a:p>
             <a:fld id="{1C1F2C98-C8FE-41C9-9C19-3C211CD93C9A}" type="datetimeFigureOut">
               <a:rPr lang="en-US" smtClean="0"/>
-              <a:t>7/8/2019</a:t>
+              <a:t>7/10/2019</a:t>
             </a:fld>
             <a:endParaRPr lang="en-US"/>
           </a:p>
@@ -2245,6 +2366,18 @@
   <p:clrMapOvr>
     <a:masterClrMapping/>
   </p:clrMapOvr>
+  <mc:AlternateContent xmlns:mc="http://schemas.openxmlformats.org/markup-compatibility/2006">
+    <mc:Choice xmlns:p14="http://schemas.microsoft.com/office/powerpoint/2010/main" Requires="p14">
+      <p:transition spd="med" p14:dur="700">
+        <p:fade/>
+      </p:transition>
+    </mc:Choice>
+    <mc:Fallback>
+      <p:transition spd="med">
+        <p:fade/>
+      </p:transition>
+    </mc:Fallback>
+  </mc:AlternateContent>
 </p:sldLayout>
 </file>
 
@@ -2373,7 +2506,7 @@
           <a:p>
             <a:fld id="{1C1F2C98-C8FE-41C9-9C19-3C211CD93C9A}" type="datetimeFigureOut">
               <a:rPr lang="en-US" smtClean="0"/>
-              <a:t>7/8/2019</a:t>
+              <a:t>7/10/2019</a:t>
             </a:fld>
             <a:endParaRPr lang="en-US"/>
           </a:p>
@@ -2443,6 +2576,18 @@
   <p:clrMapOvr>
     <a:masterClrMapping/>
   </p:clrMapOvr>
+  <mc:AlternateContent xmlns:mc="http://schemas.openxmlformats.org/markup-compatibility/2006">
+    <mc:Choice xmlns:p14="http://schemas.microsoft.com/office/powerpoint/2010/main" Requires="p14">
+      <p:transition spd="med" p14:dur="700">
+        <p:fade/>
+      </p:transition>
+    </mc:Choice>
+    <mc:Fallback>
+      <p:transition spd="med">
+        <p:fade/>
+      </p:transition>
+    </mc:Fallback>
+  </mc:AlternateContent>
 </p:sldLayout>
 </file>
 
@@ -2648,7 +2793,7 @@
           <a:p>
             <a:fld id="{1C1F2C98-C8FE-41C9-9C19-3C211CD93C9A}" type="datetimeFigureOut">
               <a:rPr lang="en-US" smtClean="0"/>
-              <a:t>7/8/2019</a:t>
+              <a:t>7/10/2019</a:t>
             </a:fld>
             <a:endParaRPr lang="en-US"/>
           </a:p>
@@ -2718,6 +2863,18 @@
   <p:clrMapOvr>
     <a:masterClrMapping/>
   </p:clrMapOvr>
+  <mc:AlternateContent xmlns:mc="http://schemas.openxmlformats.org/markup-compatibility/2006">
+    <mc:Choice xmlns:p14="http://schemas.microsoft.com/office/powerpoint/2010/main" Requires="p14">
+      <p:transition spd="med" p14:dur="700">
+        <p:fade/>
+      </p:transition>
+    </mc:Choice>
+    <mc:Fallback>
+      <p:transition spd="med">
+        <p:fade/>
+      </p:transition>
+    </mc:Fallback>
+  </mc:AlternateContent>
 </p:sldLayout>
 </file>
 
@@ -2913,7 +3070,7 @@
           <a:p>
             <a:fld id="{1C1F2C98-C8FE-41C9-9C19-3C211CD93C9A}" type="datetimeFigureOut">
               <a:rPr lang="en-US" smtClean="0"/>
-              <a:t>7/8/2019</a:t>
+              <a:t>7/10/2019</a:t>
             </a:fld>
             <a:endParaRPr lang="en-US"/>
           </a:p>
@@ -2983,6 +3140,18 @@
   <p:clrMapOvr>
     <a:masterClrMapping/>
   </p:clrMapOvr>
+  <mc:AlternateContent xmlns:mc="http://schemas.openxmlformats.org/markup-compatibility/2006">
+    <mc:Choice xmlns:p14="http://schemas.microsoft.com/office/powerpoint/2010/main" Requires="p14">
+      <p:transition spd="med" p14:dur="700">
+        <p:fade/>
+      </p:transition>
+    </mc:Choice>
+    <mc:Fallback>
+      <p:transition spd="med">
+        <p:fade/>
+      </p:transition>
+    </mc:Fallback>
+  </mc:AlternateContent>
 </p:sldLayout>
 </file>
 
@@ -3325,7 +3494,7 @@
           <a:p>
             <a:fld id="{1C1F2C98-C8FE-41C9-9C19-3C211CD93C9A}" type="datetimeFigureOut">
               <a:rPr lang="en-US" smtClean="0"/>
-              <a:t>7/8/2019</a:t>
+              <a:t>7/10/2019</a:t>
             </a:fld>
             <a:endParaRPr lang="en-US"/>
           </a:p>
@@ -3395,6 +3564,18 @@
   <p:clrMapOvr>
     <a:masterClrMapping/>
   </p:clrMapOvr>
+  <mc:AlternateContent xmlns:mc="http://schemas.openxmlformats.org/markup-compatibility/2006">
+    <mc:Choice xmlns:p14="http://schemas.microsoft.com/office/powerpoint/2010/main" Requires="p14">
+      <p:transition spd="med" p14:dur="700">
+        <p:fade/>
+      </p:transition>
+    </mc:Choice>
+    <mc:Fallback>
+      <p:transition spd="med">
+        <p:fade/>
+      </p:transition>
+    </mc:Fallback>
+  </mc:AlternateContent>
 </p:sldLayout>
 </file>
 
@@ -3466,7 +3647,7 @@
           <a:p>
             <a:fld id="{1C1F2C98-C8FE-41C9-9C19-3C211CD93C9A}" type="datetimeFigureOut">
               <a:rPr lang="en-US" smtClean="0"/>
-              <a:t>7/8/2019</a:t>
+              <a:t>7/10/2019</a:t>
             </a:fld>
             <a:endParaRPr lang="en-US"/>
           </a:p>
@@ -3536,6 +3717,18 @@
   <p:clrMapOvr>
     <a:masterClrMapping/>
   </p:clrMapOvr>
+  <mc:AlternateContent xmlns:mc="http://schemas.openxmlformats.org/markup-compatibility/2006">
+    <mc:Choice xmlns:p14="http://schemas.microsoft.com/office/powerpoint/2010/main" Requires="p14">
+      <p:transition spd="med" p14:dur="700">
+        <p:fade/>
+      </p:transition>
+    </mc:Choice>
+    <mc:Fallback>
+      <p:transition spd="med">
+        <p:fade/>
+      </p:transition>
+    </mc:Fallback>
+  </mc:AlternateContent>
 </p:sldLayout>
 </file>
 
@@ -3579,7 +3772,7 @@
           <a:p>
             <a:fld id="{1C1F2C98-C8FE-41C9-9C19-3C211CD93C9A}" type="datetimeFigureOut">
               <a:rPr lang="en-US" smtClean="0"/>
-              <a:t>7/8/2019</a:t>
+              <a:t>7/10/2019</a:t>
             </a:fld>
             <a:endParaRPr lang="en-US"/>
           </a:p>
@@ -3649,6 +3842,18 @@
   <p:clrMapOvr>
     <a:masterClrMapping/>
   </p:clrMapOvr>
+  <mc:AlternateContent xmlns:mc="http://schemas.openxmlformats.org/markup-compatibility/2006">
+    <mc:Choice xmlns:p14="http://schemas.microsoft.com/office/powerpoint/2010/main" Requires="p14">
+      <p:transition spd="med" p14:dur="700">
+        <p:fade/>
+      </p:transition>
+    </mc:Choice>
+    <mc:Fallback>
+      <p:transition spd="med">
+        <p:fade/>
+      </p:transition>
+    </mc:Fallback>
+  </mc:AlternateContent>
 </p:sldLayout>
 </file>
 
@@ -3890,7 +4095,7 @@
           <a:p>
             <a:fld id="{1C1F2C98-C8FE-41C9-9C19-3C211CD93C9A}" type="datetimeFigureOut">
               <a:rPr lang="en-US" smtClean="0"/>
-              <a:t>7/8/2019</a:t>
+              <a:t>7/10/2019</a:t>
             </a:fld>
             <a:endParaRPr lang="en-US"/>
           </a:p>
@@ -3960,6 +4165,18 @@
   <p:clrMapOvr>
     <a:masterClrMapping/>
   </p:clrMapOvr>
+  <mc:AlternateContent xmlns:mc="http://schemas.openxmlformats.org/markup-compatibility/2006">
+    <mc:Choice xmlns:p14="http://schemas.microsoft.com/office/powerpoint/2010/main" Requires="p14">
+      <p:transition spd="med" p14:dur="700">
+        <p:fade/>
+      </p:transition>
+    </mc:Choice>
+    <mc:Fallback>
+      <p:transition spd="med">
+        <p:fade/>
+      </p:transition>
+    </mc:Fallback>
+  </mc:AlternateContent>
 </p:sldLayout>
 </file>
 
@@ -4178,7 +4395,7 @@
           <a:p>
             <a:fld id="{1C1F2C98-C8FE-41C9-9C19-3C211CD93C9A}" type="datetimeFigureOut">
               <a:rPr lang="en-US" smtClean="0"/>
-              <a:t>7/8/2019</a:t>
+              <a:t>7/10/2019</a:t>
             </a:fld>
             <a:endParaRPr lang="en-US"/>
           </a:p>
@@ -4248,6 +4465,18 @@
   <p:clrMapOvr>
     <a:masterClrMapping/>
   </p:clrMapOvr>
+  <mc:AlternateContent xmlns:mc="http://schemas.openxmlformats.org/markup-compatibility/2006">
+    <mc:Choice xmlns:p14="http://schemas.microsoft.com/office/powerpoint/2010/main" Requires="p14">
+      <p:transition spd="med" p14:dur="700">
+        <p:fade/>
+      </p:transition>
+    </mc:Choice>
+    <mc:Fallback>
+      <p:transition spd="med">
+        <p:fade/>
+      </p:transition>
+    </mc:Fallback>
+  </mc:AlternateContent>
 </p:sldLayout>
 </file>
 
@@ -4419,7 +4648,7 @@
           <a:p>
             <a:fld id="{1C1F2C98-C8FE-41C9-9C19-3C211CD93C9A}" type="datetimeFigureOut">
               <a:rPr lang="en-US" smtClean="0"/>
-              <a:t>7/8/2019</a:t>
+              <a:t>7/10/2019</a:t>
             </a:fld>
             <a:endParaRPr lang="en-US"/>
           </a:p>
@@ -4536,6 +4765,18 @@
     <p:sldLayoutId id="2147483658" r:id="rId10"/>
     <p:sldLayoutId id="2147483659" r:id="rId11"/>
   </p:sldLayoutIdLst>
+  <mc:AlternateContent xmlns:mc="http://schemas.openxmlformats.org/markup-compatibility/2006">
+    <mc:Choice xmlns:p14="http://schemas.microsoft.com/office/powerpoint/2010/main" Requires="p14">
+      <p:transition spd="med" p14:dur="700">
+        <p:fade/>
+      </p:transition>
+    </mc:Choice>
+    <mc:Fallback>
+      <p:transition spd="med">
+        <p:fade/>
+      </p:transition>
+    </mc:Fallback>
+  </mc:AlternateContent>
   <p:txStyles>
     <p:titleStyle>
       <a:lvl1pPr algn="l" defTabSz="914400" rtl="0" eaLnBrk="1" latinLnBrk="0" hangingPunct="1">
@@ -4910,6 +5151,18 @@
   <p:clrMapOvr>
     <a:masterClrMapping/>
   </p:clrMapOvr>
+  <mc:AlternateContent xmlns:mc="http://schemas.openxmlformats.org/markup-compatibility/2006">
+    <mc:Choice xmlns:p14="http://schemas.microsoft.com/office/powerpoint/2010/main" Requires="p14">
+      <p:transition spd="med" p14:dur="700">
+        <p:fade/>
+      </p:transition>
+    </mc:Choice>
+    <mc:Fallback>
+      <p:transition spd="med">
+        <p:fade/>
+      </p:transition>
+    </mc:Fallback>
+  </mc:AlternateContent>
 </p:sld>
 </file>
 
@@ -5078,6 +5331,25 @@
   <p:clrMapOvr>
     <a:masterClrMapping/>
   </p:clrMapOvr>
+  <mc:AlternateContent xmlns:mc="http://schemas.openxmlformats.org/markup-compatibility/2006">
+    <mc:Choice xmlns:p14="http://schemas.microsoft.com/office/powerpoint/2010/main" Requires="p14">
+      <p:transition spd="med" p14:dur="700">
+        <p:fade/>
+      </p:transition>
+    </mc:Choice>
+    <mc:Fallback>
+      <p:transition spd="med">
+        <p:fade/>
+      </p:transition>
+    </mc:Fallback>
+  </mc:AlternateContent>
+  <p:timing>
+    <p:tnLst>
+      <p:par>
+        <p:cTn id="1" dur="indefinite" restart="never" nodeType="tmRoot"/>
+      </p:par>
+    </p:tnLst>
+  </p:timing>
 </p:sld>
 </file>
 
@@ -5287,6 +5559,25 @@
   <p:clrMapOvr>
     <a:masterClrMapping/>
   </p:clrMapOvr>
+  <mc:AlternateContent xmlns:mc="http://schemas.openxmlformats.org/markup-compatibility/2006">
+    <mc:Choice xmlns:p14="http://schemas.microsoft.com/office/powerpoint/2010/main" Requires="p14">
+      <p:transition spd="med" p14:dur="700">
+        <p:fade/>
+      </p:transition>
+    </mc:Choice>
+    <mc:Fallback>
+      <p:transition spd="med">
+        <p:fade/>
+      </p:transition>
+    </mc:Fallback>
+  </mc:AlternateContent>
+  <p:timing>
+    <p:tnLst>
+      <p:par>
+        <p:cTn id="1" dur="indefinite" restart="never" nodeType="tmRoot"/>
+      </p:par>
+    </p:tnLst>
+  </p:timing>
 </p:sld>
 </file>
 
@@ -5380,16 +5671,12 @@
           <a:p>
             <a:r>
               <a:rPr lang="en-US" sz="2000" dirty="0"/>
-              <a:t>Easy on memory</a:t>
-            </a:r>
-          </a:p>
-          <a:p>
-            <a:r>
-              <a:rPr lang="en-US" sz="2000" dirty="0"/>
-              <a:t>Interpretability</a:t>
-            </a:r>
-          </a:p>
-          <a:p>
+              <a:t>Easy on </a:t>
+            </a:r>
+            <a:r>
+              <a:rPr lang="en-US" sz="2000" dirty="0" smtClean="0"/>
+              <a:t>memory</a:t>
+            </a:r>
             <a:endParaRPr lang="en-US" sz="2000" dirty="0"/>
           </a:p>
           <a:p>
@@ -5420,6 +5707,356 @@
   <p:clrMapOvr>
     <a:masterClrMapping/>
   </p:clrMapOvr>
+  <mc:AlternateContent xmlns:mc="http://schemas.openxmlformats.org/markup-compatibility/2006">
+    <mc:Choice xmlns:p14="http://schemas.microsoft.com/office/powerpoint/2010/main" Requires="p14">
+      <p:transition spd="med" p14:dur="700">
+        <p:fade/>
+      </p:transition>
+    </mc:Choice>
+    <mc:Fallback>
+      <p:transition spd="med">
+        <p:fade/>
+      </p:transition>
+    </mc:Fallback>
+  </mc:AlternateContent>
+  <p:timing>
+    <p:tnLst>
+      <p:par>
+        <p:cTn id="1" dur="indefinite" restart="never" nodeType="tmRoot">
+          <p:childTnLst>
+            <p:seq concurrent="1" nextAc="seek">
+              <p:cTn id="2" dur="indefinite" nodeType="mainSeq">
+                <p:childTnLst>
+                  <p:par>
+                    <p:cTn id="3" fill="hold">
+                      <p:stCondLst>
+                        <p:cond delay="indefinite"/>
+                      </p:stCondLst>
+                      <p:childTnLst>
+                        <p:par>
+                          <p:cTn id="4" fill="hold">
+                            <p:stCondLst>
+                              <p:cond delay="0"/>
+                            </p:stCondLst>
+                            <p:childTnLst>
+                              <p:par>
+                                <p:cTn id="5" presetID="10" presetClass="entr" presetSubtype="0" fill="hold" grpId="0" nodeType="clickEffect">
+                                  <p:stCondLst>
+                                    <p:cond delay="0"/>
+                                  </p:stCondLst>
+                                  <p:childTnLst>
+                                    <p:set>
+                                      <p:cBhvr>
+                                        <p:cTn id="6" dur="1" fill="hold">
+                                          <p:stCondLst>
+                                            <p:cond delay="0"/>
+                                          </p:stCondLst>
+                                        </p:cTn>
+                                        <p:tgtEl>
+                                          <p:spTgt spid="3">
+                                            <p:txEl>
+                                              <p:pRg st="0" end="0"/>
+                                            </p:txEl>
+                                          </p:spTgt>
+                                        </p:tgtEl>
+                                        <p:attrNameLst>
+                                          <p:attrName>style.visibility</p:attrName>
+                                        </p:attrNameLst>
+                                      </p:cBhvr>
+                                      <p:to>
+                                        <p:strVal val="visible"/>
+                                      </p:to>
+                                    </p:set>
+                                    <p:animEffect transition="in" filter="fade">
+                                      <p:cBhvr>
+                                        <p:cTn id="7" dur="500"/>
+                                        <p:tgtEl>
+                                          <p:spTgt spid="3">
+                                            <p:txEl>
+                                              <p:pRg st="0" end="0"/>
+                                            </p:txEl>
+                                          </p:spTgt>
+                                        </p:tgtEl>
+                                      </p:cBhvr>
+                                    </p:animEffect>
+                                  </p:childTnLst>
+                                </p:cTn>
+                              </p:par>
+                            </p:childTnLst>
+                          </p:cTn>
+                        </p:par>
+                      </p:childTnLst>
+                    </p:cTn>
+                  </p:par>
+                  <p:par>
+                    <p:cTn id="8" fill="hold">
+                      <p:stCondLst>
+                        <p:cond delay="indefinite"/>
+                      </p:stCondLst>
+                      <p:childTnLst>
+                        <p:par>
+                          <p:cTn id="9" fill="hold">
+                            <p:stCondLst>
+                              <p:cond delay="0"/>
+                            </p:stCondLst>
+                            <p:childTnLst>
+                              <p:par>
+                                <p:cTn id="10" presetID="10" presetClass="entr" presetSubtype="0" fill="hold" grpId="0" nodeType="clickEffect">
+                                  <p:stCondLst>
+                                    <p:cond delay="0"/>
+                                  </p:stCondLst>
+                                  <p:childTnLst>
+                                    <p:set>
+                                      <p:cBhvr>
+                                        <p:cTn id="11" dur="1" fill="hold">
+                                          <p:stCondLst>
+                                            <p:cond delay="0"/>
+                                          </p:stCondLst>
+                                        </p:cTn>
+                                        <p:tgtEl>
+                                          <p:spTgt spid="3">
+                                            <p:txEl>
+                                              <p:pRg st="1" end="1"/>
+                                            </p:txEl>
+                                          </p:spTgt>
+                                        </p:tgtEl>
+                                        <p:attrNameLst>
+                                          <p:attrName>style.visibility</p:attrName>
+                                        </p:attrNameLst>
+                                      </p:cBhvr>
+                                      <p:to>
+                                        <p:strVal val="visible"/>
+                                      </p:to>
+                                    </p:set>
+                                    <p:animEffect transition="in" filter="fade">
+                                      <p:cBhvr>
+                                        <p:cTn id="12" dur="500"/>
+                                        <p:tgtEl>
+                                          <p:spTgt spid="3">
+                                            <p:txEl>
+                                              <p:pRg st="1" end="1"/>
+                                            </p:txEl>
+                                          </p:spTgt>
+                                        </p:tgtEl>
+                                      </p:cBhvr>
+                                    </p:animEffect>
+                                  </p:childTnLst>
+                                </p:cTn>
+                              </p:par>
+                            </p:childTnLst>
+                          </p:cTn>
+                        </p:par>
+                      </p:childTnLst>
+                    </p:cTn>
+                  </p:par>
+                  <p:par>
+                    <p:cTn id="13" fill="hold">
+                      <p:stCondLst>
+                        <p:cond delay="indefinite"/>
+                      </p:stCondLst>
+                      <p:childTnLst>
+                        <p:par>
+                          <p:cTn id="14" fill="hold">
+                            <p:stCondLst>
+                              <p:cond delay="0"/>
+                            </p:stCondLst>
+                            <p:childTnLst>
+                              <p:par>
+                                <p:cTn id="15" presetID="10" presetClass="entr" presetSubtype="0" fill="hold" grpId="0" nodeType="clickEffect">
+                                  <p:stCondLst>
+                                    <p:cond delay="0"/>
+                                  </p:stCondLst>
+                                  <p:childTnLst>
+                                    <p:set>
+                                      <p:cBhvr>
+                                        <p:cTn id="16" dur="1" fill="hold">
+                                          <p:stCondLst>
+                                            <p:cond delay="0"/>
+                                          </p:stCondLst>
+                                        </p:cTn>
+                                        <p:tgtEl>
+                                          <p:spTgt spid="3">
+                                            <p:txEl>
+                                              <p:pRg st="2" end="2"/>
+                                            </p:txEl>
+                                          </p:spTgt>
+                                        </p:tgtEl>
+                                        <p:attrNameLst>
+                                          <p:attrName>style.visibility</p:attrName>
+                                        </p:attrNameLst>
+                                      </p:cBhvr>
+                                      <p:to>
+                                        <p:strVal val="visible"/>
+                                      </p:to>
+                                    </p:set>
+                                    <p:animEffect transition="in" filter="fade">
+                                      <p:cBhvr>
+                                        <p:cTn id="17" dur="500"/>
+                                        <p:tgtEl>
+                                          <p:spTgt spid="3">
+                                            <p:txEl>
+                                              <p:pRg st="2" end="2"/>
+                                            </p:txEl>
+                                          </p:spTgt>
+                                        </p:tgtEl>
+                                      </p:cBhvr>
+                                    </p:animEffect>
+                                  </p:childTnLst>
+                                </p:cTn>
+                              </p:par>
+                            </p:childTnLst>
+                          </p:cTn>
+                        </p:par>
+                      </p:childTnLst>
+                    </p:cTn>
+                  </p:par>
+                  <p:par>
+                    <p:cTn id="18" fill="hold">
+                      <p:stCondLst>
+                        <p:cond delay="indefinite"/>
+                      </p:stCondLst>
+                      <p:childTnLst>
+                        <p:par>
+                          <p:cTn id="19" fill="hold">
+                            <p:stCondLst>
+                              <p:cond delay="0"/>
+                            </p:stCondLst>
+                            <p:childTnLst>
+                              <p:par>
+                                <p:cTn id="20" presetID="10" presetClass="entr" presetSubtype="0" fill="hold" grpId="0" nodeType="clickEffect">
+                                  <p:stCondLst>
+                                    <p:cond delay="0"/>
+                                  </p:stCondLst>
+                                  <p:childTnLst>
+                                    <p:set>
+                                      <p:cBhvr>
+                                        <p:cTn id="21" dur="1" fill="hold">
+                                          <p:stCondLst>
+                                            <p:cond delay="0"/>
+                                          </p:stCondLst>
+                                        </p:cTn>
+                                        <p:tgtEl>
+                                          <p:spTgt spid="3">
+                                            <p:txEl>
+                                              <p:pRg st="3" end="3"/>
+                                            </p:txEl>
+                                          </p:spTgt>
+                                        </p:tgtEl>
+                                        <p:attrNameLst>
+                                          <p:attrName>style.visibility</p:attrName>
+                                        </p:attrNameLst>
+                                      </p:cBhvr>
+                                      <p:to>
+                                        <p:strVal val="visible"/>
+                                      </p:to>
+                                    </p:set>
+                                    <p:animEffect transition="in" filter="fade">
+                                      <p:cBhvr>
+                                        <p:cTn id="22" dur="500"/>
+                                        <p:tgtEl>
+                                          <p:spTgt spid="3">
+                                            <p:txEl>
+                                              <p:pRg st="3" end="3"/>
+                                            </p:txEl>
+                                          </p:spTgt>
+                                        </p:tgtEl>
+                                      </p:cBhvr>
+                                    </p:animEffect>
+                                  </p:childTnLst>
+                                </p:cTn>
+                              </p:par>
+                            </p:childTnLst>
+                          </p:cTn>
+                        </p:par>
+                      </p:childTnLst>
+                    </p:cTn>
+                  </p:par>
+                  <p:par>
+                    <p:cTn id="23" fill="hold">
+                      <p:stCondLst>
+                        <p:cond delay="indefinite"/>
+                      </p:stCondLst>
+                      <p:childTnLst>
+                        <p:par>
+                          <p:cTn id="24" fill="hold">
+                            <p:stCondLst>
+                              <p:cond delay="0"/>
+                            </p:stCondLst>
+                            <p:childTnLst>
+                              <p:par>
+                                <p:cTn id="25" presetID="10" presetClass="entr" presetSubtype="0" fill="hold" grpId="0" nodeType="clickEffect">
+                                  <p:stCondLst>
+                                    <p:cond delay="0"/>
+                                  </p:stCondLst>
+                                  <p:childTnLst>
+                                    <p:set>
+                                      <p:cBhvr>
+                                        <p:cTn id="26" dur="1" fill="hold">
+                                          <p:stCondLst>
+                                            <p:cond delay="0"/>
+                                          </p:stCondLst>
+                                        </p:cTn>
+                                        <p:tgtEl>
+                                          <p:spTgt spid="3">
+                                            <p:txEl>
+                                              <p:pRg st="5" end="5"/>
+                                            </p:txEl>
+                                          </p:spTgt>
+                                        </p:tgtEl>
+                                        <p:attrNameLst>
+                                          <p:attrName>style.visibility</p:attrName>
+                                        </p:attrNameLst>
+                                      </p:cBhvr>
+                                      <p:to>
+                                        <p:strVal val="visible"/>
+                                      </p:to>
+                                    </p:set>
+                                    <p:animEffect transition="in" filter="fade">
+                                      <p:cBhvr>
+                                        <p:cTn id="27" dur="500"/>
+                                        <p:tgtEl>
+                                          <p:spTgt spid="3">
+                                            <p:txEl>
+                                              <p:pRg st="5" end="5"/>
+                                            </p:txEl>
+                                          </p:spTgt>
+                                        </p:tgtEl>
+                                      </p:cBhvr>
+                                    </p:animEffect>
+                                  </p:childTnLst>
+                                </p:cTn>
+                              </p:par>
+                            </p:childTnLst>
+                          </p:cTn>
+                        </p:par>
+                      </p:childTnLst>
+                    </p:cTn>
+                  </p:par>
+                </p:childTnLst>
+              </p:cTn>
+              <p:prevCondLst>
+                <p:cond evt="onPrev" delay="0">
+                  <p:tgtEl>
+                    <p:sldTgt/>
+                  </p:tgtEl>
+                </p:cond>
+              </p:prevCondLst>
+              <p:nextCondLst>
+                <p:cond evt="onNext" delay="0">
+                  <p:tgtEl>
+                    <p:sldTgt/>
+                  </p:tgtEl>
+                </p:cond>
+              </p:nextCondLst>
+            </p:seq>
+          </p:childTnLst>
+        </p:cTn>
+      </p:par>
+    </p:tnLst>
+    <p:bldLst>
+      <p:bldP spid="3" grpId="0" build="p"/>
+    </p:bldLst>
+  </p:timing>
 </p:sld>
 </file>
 
@@ -5594,6 +6231,25 @@
   <p:clrMapOvr>
     <a:masterClrMapping/>
   </p:clrMapOvr>
+  <mc:AlternateContent xmlns:mc="http://schemas.openxmlformats.org/markup-compatibility/2006">
+    <mc:Choice xmlns:p14="http://schemas.microsoft.com/office/powerpoint/2010/main" Requires="p14">
+      <p:transition spd="med" p14:dur="700">
+        <p:fade/>
+      </p:transition>
+    </mc:Choice>
+    <mc:Fallback>
+      <p:transition spd="med">
+        <p:fade/>
+      </p:transition>
+    </mc:Fallback>
+  </mc:AlternateContent>
+  <p:timing>
+    <p:tnLst>
+      <p:par>
+        <p:cTn id="1" dur="indefinite" restart="never" nodeType="tmRoot"/>
+      </p:par>
+    </p:tnLst>
+  </p:timing>
 </p:sld>
 </file>
 
@@ -5704,6 +6360,234 @@
   <p:clrMapOvr>
     <a:masterClrMapping/>
   </p:clrMapOvr>
+  <mc:AlternateContent xmlns:mc="http://schemas.openxmlformats.org/markup-compatibility/2006">
+    <mc:Choice xmlns:p14="http://schemas.microsoft.com/office/powerpoint/2010/main" Requires="p14">
+      <p:transition spd="med" p14:dur="700">
+        <p:fade/>
+      </p:transition>
+    </mc:Choice>
+    <mc:Fallback>
+      <p:transition spd="med">
+        <p:fade/>
+      </p:transition>
+    </mc:Fallback>
+  </mc:AlternateContent>
+  <p:timing>
+    <p:tnLst>
+      <p:par>
+        <p:cTn id="1" dur="indefinite" restart="never" nodeType="tmRoot">
+          <p:childTnLst>
+            <p:seq concurrent="1" nextAc="seek">
+              <p:cTn id="2" dur="indefinite" nodeType="mainSeq">
+                <p:childTnLst>
+                  <p:par>
+                    <p:cTn id="3" fill="hold">
+                      <p:stCondLst>
+                        <p:cond delay="indefinite"/>
+                      </p:stCondLst>
+                      <p:childTnLst>
+                        <p:par>
+                          <p:cTn id="4" fill="hold">
+                            <p:stCondLst>
+                              <p:cond delay="0"/>
+                            </p:stCondLst>
+                            <p:childTnLst>
+                              <p:par>
+                                <p:cTn id="5" presetID="10" presetClass="entr" presetSubtype="0" fill="hold" grpId="0" nodeType="clickEffect">
+                                  <p:stCondLst>
+                                    <p:cond delay="0"/>
+                                  </p:stCondLst>
+                                  <p:childTnLst>
+                                    <p:set>
+                                      <p:cBhvr>
+                                        <p:cTn id="6" dur="1" fill="hold">
+                                          <p:stCondLst>
+                                            <p:cond delay="0"/>
+                                          </p:stCondLst>
+                                        </p:cTn>
+                                        <p:tgtEl>
+                                          <p:spTgt spid="3">
+                                            <p:txEl>
+                                              <p:pRg st="0" end="0"/>
+                                            </p:txEl>
+                                          </p:spTgt>
+                                        </p:tgtEl>
+                                        <p:attrNameLst>
+                                          <p:attrName>style.visibility</p:attrName>
+                                        </p:attrNameLst>
+                                      </p:cBhvr>
+                                      <p:to>
+                                        <p:strVal val="visible"/>
+                                      </p:to>
+                                    </p:set>
+                                    <p:animEffect transition="in" filter="fade">
+                                      <p:cBhvr>
+                                        <p:cTn id="7" dur="500"/>
+                                        <p:tgtEl>
+                                          <p:spTgt spid="3">
+                                            <p:txEl>
+                                              <p:pRg st="0" end="0"/>
+                                            </p:txEl>
+                                          </p:spTgt>
+                                        </p:tgtEl>
+                                      </p:cBhvr>
+                                    </p:animEffect>
+                                  </p:childTnLst>
+                                </p:cTn>
+                              </p:par>
+                            </p:childTnLst>
+                          </p:cTn>
+                        </p:par>
+                      </p:childTnLst>
+                    </p:cTn>
+                  </p:par>
+                  <p:par>
+                    <p:cTn id="8" fill="hold">
+                      <p:stCondLst>
+                        <p:cond delay="indefinite"/>
+                      </p:stCondLst>
+                      <p:childTnLst>
+                        <p:par>
+                          <p:cTn id="9" fill="hold">
+                            <p:stCondLst>
+                              <p:cond delay="0"/>
+                            </p:stCondLst>
+                            <p:childTnLst>
+                              <p:par>
+                                <p:cTn id="10" presetID="10" presetClass="entr" presetSubtype="0" fill="hold" grpId="0" nodeType="clickEffect">
+                                  <p:stCondLst>
+                                    <p:cond delay="0"/>
+                                  </p:stCondLst>
+                                  <p:childTnLst>
+                                    <p:set>
+                                      <p:cBhvr>
+                                        <p:cTn id="11" dur="1" fill="hold">
+                                          <p:stCondLst>
+                                            <p:cond delay="0"/>
+                                          </p:stCondLst>
+                                        </p:cTn>
+                                        <p:tgtEl>
+                                          <p:spTgt spid="3">
+                                            <p:txEl>
+                                              <p:pRg st="1" end="1"/>
+                                            </p:txEl>
+                                          </p:spTgt>
+                                        </p:tgtEl>
+                                        <p:attrNameLst>
+                                          <p:attrName>style.visibility</p:attrName>
+                                        </p:attrNameLst>
+                                      </p:cBhvr>
+                                      <p:to>
+                                        <p:strVal val="visible"/>
+                                      </p:to>
+                                    </p:set>
+                                    <p:animEffect transition="in" filter="fade">
+                                      <p:cBhvr>
+                                        <p:cTn id="12" dur="500"/>
+                                        <p:tgtEl>
+                                          <p:spTgt spid="3">
+                                            <p:txEl>
+                                              <p:pRg st="1" end="1"/>
+                                            </p:txEl>
+                                          </p:spTgt>
+                                        </p:tgtEl>
+                                      </p:cBhvr>
+                                    </p:animEffect>
+                                  </p:childTnLst>
+                                </p:cTn>
+                              </p:par>
+                            </p:childTnLst>
+                          </p:cTn>
+                        </p:par>
+                      </p:childTnLst>
+                    </p:cTn>
+                  </p:par>
+                  <p:par>
+                    <p:cTn id="13" fill="hold">
+                      <p:stCondLst>
+                        <p:cond delay="indefinite"/>
+                      </p:stCondLst>
+                      <p:childTnLst>
+                        <p:par>
+                          <p:cTn id="14" fill="hold">
+                            <p:stCondLst>
+                              <p:cond delay="0"/>
+                            </p:stCondLst>
+                            <p:childTnLst>
+                              <p:par>
+                                <p:cTn id="15" presetID="10" presetClass="entr" presetSubtype="0" fill="hold" grpId="0" nodeType="clickEffect">
+                                  <p:stCondLst>
+                                    <p:cond delay="0"/>
+                                  </p:stCondLst>
+                                  <p:childTnLst>
+                                    <p:set>
+                                      <p:cBhvr>
+                                        <p:cTn id="16" dur="1" fill="hold">
+                                          <p:stCondLst>
+                                            <p:cond delay="0"/>
+                                          </p:stCondLst>
+                                        </p:cTn>
+                                        <p:tgtEl>
+                                          <p:spTgt spid="3">
+                                            <p:txEl>
+                                              <p:pRg st="2" end="2"/>
+                                            </p:txEl>
+                                          </p:spTgt>
+                                        </p:tgtEl>
+                                        <p:attrNameLst>
+                                          <p:attrName>style.visibility</p:attrName>
+                                        </p:attrNameLst>
+                                      </p:cBhvr>
+                                      <p:to>
+                                        <p:strVal val="visible"/>
+                                      </p:to>
+                                    </p:set>
+                                    <p:animEffect transition="in" filter="fade">
+                                      <p:cBhvr>
+                                        <p:cTn id="17" dur="500"/>
+                                        <p:tgtEl>
+                                          <p:spTgt spid="3">
+                                            <p:txEl>
+                                              <p:pRg st="2" end="2"/>
+                                            </p:txEl>
+                                          </p:spTgt>
+                                        </p:tgtEl>
+                                      </p:cBhvr>
+                                    </p:animEffect>
+                                  </p:childTnLst>
+                                </p:cTn>
+                              </p:par>
+                            </p:childTnLst>
+                          </p:cTn>
+                        </p:par>
+                      </p:childTnLst>
+                    </p:cTn>
+                  </p:par>
+                </p:childTnLst>
+              </p:cTn>
+              <p:prevCondLst>
+                <p:cond evt="onPrev" delay="0">
+                  <p:tgtEl>
+                    <p:sldTgt/>
+                  </p:tgtEl>
+                </p:cond>
+              </p:prevCondLst>
+              <p:nextCondLst>
+                <p:cond evt="onNext" delay="0">
+                  <p:tgtEl>
+                    <p:sldTgt/>
+                  </p:tgtEl>
+                </p:cond>
+              </p:nextCondLst>
+            </p:seq>
+          </p:childTnLst>
+        </p:cTn>
+      </p:par>
+    </p:tnLst>
+    <p:bldLst>
+      <p:bldP spid="3" grpId="0" build="p"/>
+    </p:bldLst>
+  </p:timing>
 </p:sld>
 </file>
 
@@ -5747,6 +6631,10 @@
           </a:bodyPr>
           <a:lstStyle/>
           <a:p>
+            <a:r>
+              <a:rPr lang="en-US" sz="3200" dirty="0"/>
+              <a:t/>
+            </a:r>
             <a:br>
               <a:rPr lang="en-US" sz="3200" dirty="0"/>
             </a:br>
@@ -5800,28 +6688,25 @@
           <a:p>
             <a:r>
               <a:rPr lang="en-US" sz="2000" dirty="0"/>
-              <a:t>OS might limit the memory use (limit in </a:t>
-            </a:r>
-            <a:r>
-              <a:rPr lang="en-US" sz="2000" dirty="0" err="1"/>
-              <a:t>linux</a:t>
+              <a:t>OS might limit the memory use </a:t>
+            </a:r>
+            <a:endParaRPr lang="en-US" sz="2000" dirty="0" smtClean="0"/>
+          </a:p>
+          <a:p>
+            <a:r>
+              <a:rPr lang="en-US" sz="2000" dirty="0" smtClean="0"/>
+              <a:t>Increase </a:t>
             </a:r>
             <a:r>
               <a:rPr lang="en-US" sz="2000" dirty="0"/>
-              <a:t>)</a:t>
-            </a:r>
-          </a:p>
-          <a:p>
-            <a:r>
-              <a:rPr lang="en-US" sz="2000" dirty="0"/>
-              <a:t>Increase system swap space – swap space is additional memory on disk (but it’s painfully slow!)</a:t>
-            </a:r>
-          </a:p>
-        </p:txBody>
-      </p:sp>
-      <p:sp>
-        <p:nvSpPr>
-          <p:cNvPr id="4" name="Rectangle 3">
+              <a:t>system swap space – swap space is additional memory on disk (but it’s painfully slow!)</a:t>
+            </a:r>
+          </a:p>
+        </p:txBody>
+      </p:sp>
+      <p:sp>
+        <p:nvSpPr>
+          <p:cNvPr id="5" name="Rectangle 4">
             <a:extLst>
               <a:ext uri="{FF2B5EF4-FFF2-40B4-BE49-F238E27FC236}">
                 <a16:creationId xmlns:a16="http://schemas.microsoft.com/office/drawing/2014/main" id="{1022804A-382C-469E-8F30-015186D0A808}"/>
@@ -5833,7 +6718,7 @@
         </p:nvSpPr>
         <p:spPr>
           <a:xfrm>
-            <a:off x="838200" y="5327777"/>
+            <a:off x="391303" y="6147396"/>
             <a:ext cx="3212803" cy="369332"/>
           </a:xfrm>
           <a:prstGeom prst="rect">
@@ -5864,6 +6749,356 @@
   <p:clrMapOvr>
     <a:masterClrMapping/>
   </p:clrMapOvr>
+  <mc:AlternateContent xmlns:mc="http://schemas.openxmlformats.org/markup-compatibility/2006">
+    <mc:Choice xmlns:p14="http://schemas.microsoft.com/office/powerpoint/2010/main" Requires="p14">
+      <p:transition spd="med" p14:dur="700">
+        <p:fade/>
+      </p:transition>
+    </mc:Choice>
+    <mc:Fallback>
+      <p:transition spd="med">
+        <p:fade/>
+      </p:transition>
+    </mc:Fallback>
+  </mc:AlternateContent>
+  <p:timing>
+    <p:tnLst>
+      <p:par>
+        <p:cTn id="1" dur="indefinite" restart="never" nodeType="tmRoot">
+          <p:childTnLst>
+            <p:seq concurrent="1" nextAc="seek">
+              <p:cTn id="2" dur="indefinite" nodeType="mainSeq">
+                <p:childTnLst>
+                  <p:par>
+                    <p:cTn id="3" fill="hold">
+                      <p:stCondLst>
+                        <p:cond delay="indefinite"/>
+                      </p:stCondLst>
+                      <p:childTnLst>
+                        <p:par>
+                          <p:cTn id="4" fill="hold">
+                            <p:stCondLst>
+                              <p:cond delay="0"/>
+                            </p:stCondLst>
+                            <p:childTnLst>
+                              <p:par>
+                                <p:cTn id="5" presetID="10" presetClass="entr" presetSubtype="0" fill="hold" grpId="0" nodeType="clickEffect">
+                                  <p:stCondLst>
+                                    <p:cond delay="0"/>
+                                  </p:stCondLst>
+                                  <p:childTnLst>
+                                    <p:set>
+                                      <p:cBhvr>
+                                        <p:cTn id="6" dur="1" fill="hold">
+                                          <p:stCondLst>
+                                            <p:cond delay="0"/>
+                                          </p:stCondLst>
+                                        </p:cTn>
+                                        <p:tgtEl>
+                                          <p:spTgt spid="3">
+                                            <p:txEl>
+                                              <p:pRg st="0" end="0"/>
+                                            </p:txEl>
+                                          </p:spTgt>
+                                        </p:tgtEl>
+                                        <p:attrNameLst>
+                                          <p:attrName>style.visibility</p:attrName>
+                                        </p:attrNameLst>
+                                      </p:cBhvr>
+                                      <p:to>
+                                        <p:strVal val="visible"/>
+                                      </p:to>
+                                    </p:set>
+                                    <p:animEffect transition="in" filter="fade">
+                                      <p:cBhvr>
+                                        <p:cTn id="7" dur="500"/>
+                                        <p:tgtEl>
+                                          <p:spTgt spid="3">
+                                            <p:txEl>
+                                              <p:pRg st="0" end="0"/>
+                                            </p:txEl>
+                                          </p:spTgt>
+                                        </p:tgtEl>
+                                      </p:cBhvr>
+                                    </p:animEffect>
+                                  </p:childTnLst>
+                                </p:cTn>
+                              </p:par>
+                            </p:childTnLst>
+                          </p:cTn>
+                        </p:par>
+                      </p:childTnLst>
+                    </p:cTn>
+                  </p:par>
+                  <p:par>
+                    <p:cTn id="8" fill="hold">
+                      <p:stCondLst>
+                        <p:cond delay="indefinite"/>
+                      </p:stCondLst>
+                      <p:childTnLst>
+                        <p:par>
+                          <p:cTn id="9" fill="hold">
+                            <p:stCondLst>
+                              <p:cond delay="0"/>
+                            </p:stCondLst>
+                            <p:childTnLst>
+                              <p:par>
+                                <p:cTn id="10" presetID="10" presetClass="entr" presetSubtype="0" fill="hold" grpId="0" nodeType="clickEffect">
+                                  <p:stCondLst>
+                                    <p:cond delay="0"/>
+                                  </p:stCondLst>
+                                  <p:childTnLst>
+                                    <p:set>
+                                      <p:cBhvr>
+                                        <p:cTn id="11" dur="1" fill="hold">
+                                          <p:stCondLst>
+                                            <p:cond delay="0"/>
+                                          </p:stCondLst>
+                                        </p:cTn>
+                                        <p:tgtEl>
+                                          <p:spTgt spid="3">
+                                            <p:txEl>
+                                              <p:pRg st="1" end="1"/>
+                                            </p:txEl>
+                                          </p:spTgt>
+                                        </p:tgtEl>
+                                        <p:attrNameLst>
+                                          <p:attrName>style.visibility</p:attrName>
+                                        </p:attrNameLst>
+                                      </p:cBhvr>
+                                      <p:to>
+                                        <p:strVal val="visible"/>
+                                      </p:to>
+                                    </p:set>
+                                    <p:animEffect transition="in" filter="fade">
+                                      <p:cBhvr>
+                                        <p:cTn id="12" dur="500"/>
+                                        <p:tgtEl>
+                                          <p:spTgt spid="3">
+                                            <p:txEl>
+                                              <p:pRg st="1" end="1"/>
+                                            </p:txEl>
+                                          </p:spTgt>
+                                        </p:tgtEl>
+                                      </p:cBhvr>
+                                    </p:animEffect>
+                                  </p:childTnLst>
+                                </p:cTn>
+                              </p:par>
+                            </p:childTnLst>
+                          </p:cTn>
+                        </p:par>
+                      </p:childTnLst>
+                    </p:cTn>
+                  </p:par>
+                  <p:par>
+                    <p:cTn id="13" fill="hold">
+                      <p:stCondLst>
+                        <p:cond delay="indefinite"/>
+                      </p:stCondLst>
+                      <p:childTnLst>
+                        <p:par>
+                          <p:cTn id="14" fill="hold">
+                            <p:stCondLst>
+                              <p:cond delay="0"/>
+                            </p:stCondLst>
+                            <p:childTnLst>
+                              <p:par>
+                                <p:cTn id="15" presetID="10" presetClass="entr" presetSubtype="0" fill="hold" grpId="0" nodeType="clickEffect">
+                                  <p:stCondLst>
+                                    <p:cond delay="0"/>
+                                  </p:stCondLst>
+                                  <p:childTnLst>
+                                    <p:set>
+                                      <p:cBhvr>
+                                        <p:cTn id="16" dur="1" fill="hold">
+                                          <p:stCondLst>
+                                            <p:cond delay="0"/>
+                                          </p:stCondLst>
+                                        </p:cTn>
+                                        <p:tgtEl>
+                                          <p:spTgt spid="3">
+                                            <p:txEl>
+                                              <p:pRg st="2" end="2"/>
+                                            </p:txEl>
+                                          </p:spTgt>
+                                        </p:tgtEl>
+                                        <p:attrNameLst>
+                                          <p:attrName>style.visibility</p:attrName>
+                                        </p:attrNameLst>
+                                      </p:cBhvr>
+                                      <p:to>
+                                        <p:strVal val="visible"/>
+                                      </p:to>
+                                    </p:set>
+                                    <p:animEffect transition="in" filter="fade">
+                                      <p:cBhvr>
+                                        <p:cTn id="17" dur="500"/>
+                                        <p:tgtEl>
+                                          <p:spTgt spid="3">
+                                            <p:txEl>
+                                              <p:pRg st="2" end="2"/>
+                                            </p:txEl>
+                                          </p:spTgt>
+                                        </p:tgtEl>
+                                      </p:cBhvr>
+                                    </p:animEffect>
+                                  </p:childTnLst>
+                                </p:cTn>
+                              </p:par>
+                            </p:childTnLst>
+                          </p:cTn>
+                        </p:par>
+                      </p:childTnLst>
+                    </p:cTn>
+                  </p:par>
+                  <p:par>
+                    <p:cTn id="18" fill="hold">
+                      <p:stCondLst>
+                        <p:cond delay="indefinite"/>
+                      </p:stCondLst>
+                      <p:childTnLst>
+                        <p:par>
+                          <p:cTn id="19" fill="hold">
+                            <p:stCondLst>
+                              <p:cond delay="0"/>
+                            </p:stCondLst>
+                            <p:childTnLst>
+                              <p:par>
+                                <p:cTn id="20" presetID="10" presetClass="entr" presetSubtype="0" fill="hold" grpId="0" nodeType="clickEffect">
+                                  <p:stCondLst>
+                                    <p:cond delay="0"/>
+                                  </p:stCondLst>
+                                  <p:childTnLst>
+                                    <p:set>
+                                      <p:cBhvr>
+                                        <p:cTn id="21" dur="1" fill="hold">
+                                          <p:stCondLst>
+                                            <p:cond delay="0"/>
+                                          </p:stCondLst>
+                                        </p:cTn>
+                                        <p:tgtEl>
+                                          <p:spTgt spid="3">
+                                            <p:txEl>
+                                              <p:pRg st="3" end="3"/>
+                                            </p:txEl>
+                                          </p:spTgt>
+                                        </p:tgtEl>
+                                        <p:attrNameLst>
+                                          <p:attrName>style.visibility</p:attrName>
+                                        </p:attrNameLst>
+                                      </p:cBhvr>
+                                      <p:to>
+                                        <p:strVal val="visible"/>
+                                      </p:to>
+                                    </p:set>
+                                    <p:animEffect transition="in" filter="fade">
+                                      <p:cBhvr>
+                                        <p:cTn id="22" dur="500"/>
+                                        <p:tgtEl>
+                                          <p:spTgt spid="3">
+                                            <p:txEl>
+                                              <p:pRg st="3" end="3"/>
+                                            </p:txEl>
+                                          </p:spTgt>
+                                        </p:tgtEl>
+                                      </p:cBhvr>
+                                    </p:animEffect>
+                                  </p:childTnLst>
+                                </p:cTn>
+                              </p:par>
+                            </p:childTnLst>
+                          </p:cTn>
+                        </p:par>
+                      </p:childTnLst>
+                    </p:cTn>
+                  </p:par>
+                  <p:par>
+                    <p:cTn id="23" fill="hold">
+                      <p:stCondLst>
+                        <p:cond delay="indefinite"/>
+                      </p:stCondLst>
+                      <p:childTnLst>
+                        <p:par>
+                          <p:cTn id="24" fill="hold">
+                            <p:stCondLst>
+                              <p:cond delay="0"/>
+                            </p:stCondLst>
+                            <p:childTnLst>
+                              <p:par>
+                                <p:cTn id="25" presetID="10" presetClass="entr" presetSubtype="0" fill="hold" grpId="0" nodeType="clickEffect">
+                                  <p:stCondLst>
+                                    <p:cond delay="0"/>
+                                  </p:stCondLst>
+                                  <p:childTnLst>
+                                    <p:set>
+                                      <p:cBhvr>
+                                        <p:cTn id="26" dur="1" fill="hold">
+                                          <p:stCondLst>
+                                            <p:cond delay="0"/>
+                                          </p:stCondLst>
+                                        </p:cTn>
+                                        <p:tgtEl>
+                                          <p:spTgt spid="3">
+                                            <p:txEl>
+                                              <p:pRg st="4" end="4"/>
+                                            </p:txEl>
+                                          </p:spTgt>
+                                        </p:tgtEl>
+                                        <p:attrNameLst>
+                                          <p:attrName>style.visibility</p:attrName>
+                                        </p:attrNameLst>
+                                      </p:cBhvr>
+                                      <p:to>
+                                        <p:strVal val="visible"/>
+                                      </p:to>
+                                    </p:set>
+                                    <p:animEffect transition="in" filter="fade">
+                                      <p:cBhvr>
+                                        <p:cTn id="27" dur="500"/>
+                                        <p:tgtEl>
+                                          <p:spTgt spid="3">
+                                            <p:txEl>
+                                              <p:pRg st="4" end="4"/>
+                                            </p:txEl>
+                                          </p:spTgt>
+                                        </p:tgtEl>
+                                      </p:cBhvr>
+                                    </p:animEffect>
+                                  </p:childTnLst>
+                                </p:cTn>
+                              </p:par>
+                            </p:childTnLst>
+                          </p:cTn>
+                        </p:par>
+                      </p:childTnLst>
+                    </p:cTn>
+                  </p:par>
+                </p:childTnLst>
+              </p:cTn>
+              <p:prevCondLst>
+                <p:cond evt="onPrev" delay="0">
+                  <p:tgtEl>
+                    <p:sldTgt/>
+                  </p:tgtEl>
+                </p:cond>
+              </p:prevCondLst>
+              <p:nextCondLst>
+                <p:cond evt="onNext" delay="0">
+                  <p:tgtEl>
+                    <p:sldTgt/>
+                  </p:tgtEl>
+                </p:cond>
+              </p:nextCondLst>
+            </p:seq>
+          </p:childTnLst>
+        </p:cTn>
+      </p:par>
+    </p:tnLst>
+    <p:bldLst>
+      <p:bldP spid="3" grpId="0" build="p"/>
+    </p:bldLst>
+  </p:timing>
 </p:sld>
 </file>
 
@@ -5959,6 +7194,25 @@
   <p:clrMapOvr>
     <a:masterClrMapping/>
   </p:clrMapOvr>
+  <mc:AlternateContent xmlns:mc="http://schemas.openxmlformats.org/markup-compatibility/2006">
+    <mc:Choice xmlns:p14="http://schemas.microsoft.com/office/powerpoint/2010/main" Requires="p14">
+      <p:transition spd="med" p14:dur="700">
+        <p:fade/>
+      </p:transition>
+    </mc:Choice>
+    <mc:Fallback>
+      <p:transition spd="med">
+        <p:fade/>
+      </p:transition>
+    </mc:Fallback>
+  </mc:AlternateContent>
+  <p:timing>
+    <p:tnLst>
+      <p:par>
+        <p:cTn id="1" dur="indefinite" restart="never" nodeType="tmRoot"/>
+      </p:par>
+    </p:tnLst>
+  </p:timing>
 </p:sld>
 </file>
 
@@ -6080,6 +7334,25 @@
   <p:clrMapOvr>
     <a:masterClrMapping/>
   </p:clrMapOvr>
+  <mc:AlternateContent xmlns:mc="http://schemas.openxmlformats.org/markup-compatibility/2006">
+    <mc:Choice xmlns:p14="http://schemas.microsoft.com/office/powerpoint/2010/main" Requires="p14">
+      <p:transition spd="med" p14:dur="700">
+        <p:fade/>
+      </p:transition>
+    </mc:Choice>
+    <mc:Fallback>
+      <p:transition spd="med">
+        <p:fade/>
+      </p:transition>
+    </mc:Fallback>
+  </mc:AlternateContent>
+  <p:timing>
+    <p:tnLst>
+      <p:par>
+        <p:cTn id="1" dur="indefinite" restart="never" nodeType="tmRoot"/>
+      </p:par>
+    </p:tnLst>
+  </p:timing>
 </p:sld>
 </file>
 
@@ -6187,6 +7460,25 @@
   <p:clrMapOvr>
     <a:masterClrMapping/>
   </p:clrMapOvr>
+  <mc:AlternateContent xmlns:mc="http://schemas.openxmlformats.org/markup-compatibility/2006">
+    <mc:Choice xmlns:p14="http://schemas.microsoft.com/office/powerpoint/2010/main" Requires="p14">
+      <p:transition spd="med" p14:dur="700">
+        <p:fade/>
+      </p:transition>
+    </mc:Choice>
+    <mc:Fallback>
+      <p:transition spd="med">
+        <p:fade/>
+      </p:transition>
+    </mc:Fallback>
+  </mc:AlternateContent>
+  <p:timing>
+    <p:tnLst>
+      <p:par>
+        <p:cTn id="1" dur="indefinite" restart="never" nodeType="tmRoot"/>
+      </p:par>
+    </p:tnLst>
+  </p:timing>
 </p:sld>
 </file>
 
@@ -6774,6 +8066,25 @@
   <p:clrMapOvr>
     <a:masterClrMapping/>
   </p:clrMapOvr>
+  <mc:AlternateContent xmlns:mc="http://schemas.openxmlformats.org/markup-compatibility/2006">
+    <mc:Choice xmlns:p14="http://schemas.microsoft.com/office/powerpoint/2010/main" Requires="p14">
+      <p:transition spd="med" p14:dur="700">
+        <p:fade/>
+      </p:transition>
+    </mc:Choice>
+    <mc:Fallback>
+      <p:transition spd="med">
+        <p:fade/>
+      </p:transition>
+    </mc:Fallback>
+  </mc:AlternateContent>
+  <p:timing>
+    <p:tnLst>
+      <p:par>
+        <p:cTn id="1" dur="indefinite" restart="never" nodeType="tmRoot"/>
+      </p:par>
+    </p:tnLst>
+  </p:timing>
 </p:sld>
 </file>
 
@@ -6930,6 +8241,25 @@
   <p:clrMapOvr>
     <a:masterClrMapping/>
   </p:clrMapOvr>
+  <mc:AlternateContent xmlns:mc="http://schemas.openxmlformats.org/markup-compatibility/2006">
+    <mc:Choice xmlns:p14="http://schemas.microsoft.com/office/powerpoint/2010/main" Requires="p14">
+      <p:transition spd="med" p14:dur="700">
+        <p:fade/>
+      </p:transition>
+    </mc:Choice>
+    <mc:Fallback>
+      <p:transition spd="med">
+        <p:fade/>
+      </p:transition>
+    </mc:Fallback>
+  </mc:AlternateContent>
+  <p:timing>
+    <p:tnLst>
+      <p:par>
+        <p:cTn id="1" dur="indefinite" restart="never" nodeType="tmRoot"/>
+      </p:par>
+    </p:tnLst>
+  </p:timing>
 </p:sld>
 </file>
 
@@ -7043,6 +8373,25 @@
   <p:clrMapOvr>
     <a:masterClrMapping/>
   </p:clrMapOvr>
+  <mc:AlternateContent xmlns:mc="http://schemas.openxmlformats.org/markup-compatibility/2006">
+    <mc:Choice xmlns:p14="http://schemas.microsoft.com/office/powerpoint/2010/main" Requires="p14">
+      <p:transition spd="med" p14:dur="700">
+        <p:fade/>
+      </p:transition>
+    </mc:Choice>
+    <mc:Fallback>
+      <p:transition spd="med">
+        <p:fade/>
+      </p:transition>
+    </mc:Fallback>
+  </mc:AlternateContent>
+  <p:timing>
+    <p:tnLst>
+      <p:par>
+        <p:cTn id="1" dur="indefinite" restart="never" nodeType="tmRoot"/>
+      </p:par>
+    </p:tnLst>
+  </p:timing>
 </p:sld>
 </file>
 
@@ -7173,6 +8522,356 @@
   <p:clrMapOvr>
     <a:masterClrMapping/>
   </p:clrMapOvr>
+  <mc:AlternateContent xmlns:mc="http://schemas.openxmlformats.org/markup-compatibility/2006">
+    <mc:Choice xmlns:p14="http://schemas.microsoft.com/office/powerpoint/2010/main" Requires="p14">
+      <p:transition spd="med" p14:dur="700">
+        <p:fade/>
+      </p:transition>
+    </mc:Choice>
+    <mc:Fallback>
+      <p:transition spd="med">
+        <p:fade/>
+      </p:transition>
+    </mc:Fallback>
+  </mc:AlternateContent>
+  <p:timing>
+    <p:tnLst>
+      <p:par>
+        <p:cTn id="1" dur="indefinite" restart="never" nodeType="tmRoot">
+          <p:childTnLst>
+            <p:seq concurrent="1" nextAc="seek">
+              <p:cTn id="2" dur="indefinite" nodeType="mainSeq">
+                <p:childTnLst>
+                  <p:par>
+                    <p:cTn id="3" fill="hold">
+                      <p:stCondLst>
+                        <p:cond delay="indefinite"/>
+                      </p:stCondLst>
+                      <p:childTnLst>
+                        <p:par>
+                          <p:cTn id="4" fill="hold">
+                            <p:stCondLst>
+                              <p:cond delay="0"/>
+                            </p:stCondLst>
+                            <p:childTnLst>
+                              <p:par>
+                                <p:cTn id="5" presetID="10" presetClass="entr" presetSubtype="0" fill="hold" grpId="0" nodeType="clickEffect">
+                                  <p:stCondLst>
+                                    <p:cond delay="0"/>
+                                  </p:stCondLst>
+                                  <p:childTnLst>
+                                    <p:set>
+                                      <p:cBhvr>
+                                        <p:cTn id="6" dur="1" fill="hold">
+                                          <p:stCondLst>
+                                            <p:cond delay="0"/>
+                                          </p:stCondLst>
+                                        </p:cTn>
+                                        <p:tgtEl>
+                                          <p:spTgt spid="3">
+                                            <p:txEl>
+                                              <p:pRg st="0" end="0"/>
+                                            </p:txEl>
+                                          </p:spTgt>
+                                        </p:tgtEl>
+                                        <p:attrNameLst>
+                                          <p:attrName>style.visibility</p:attrName>
+                                        </p:attrNameLst>
+                                      </p:cBhvr>
+                                      <p:to>
+                                        <p:strVal val="visible"/>
+                                      </p:to>
+                                    </p:set>
+                                    <p:animEffect transition="in" filter="fade">
+                                      <p:cBhvr>
+                                        <p:cTn id="7" dur="500"/>
+                                        <p:tgtEl>
+                                          <p:spTgt spid="3">
+                                            <p:txEl>
+                                              <p:pRg st="0" end="0"/>
+                                            </p:txEl>
+                                          </p:spTgt>
+                                        </p:tgtEl>
+                                      </p:cBhvr>
+                                    </p:animEffect>
+                                  </p:childTnLst>
+                                </p:cTn>
+                              </p:par>
+                            </p:childTnLst>
+                          </p:cTn>
+                        </p:par>
+                      </p:childTnLst>
+                    </p:cTn>
+                  </p:par>
+                  <p:par>
+                    <p:cTn id="8" fill="hold">
+                      <p:stCondLst>
+                        <p:cond delay="indefinite"/>
+                      </p:stCondLst>
+                      <p:childTnLst>
+                        <p:par>
+                          <p:cTn id="9" fill="hold">
+                            <p:stCondLst>
+                              <p:cond delay="0"/>
+                            </p:stCondLst>
+                            <p:childTnLst>
+                              <p:par>
+                                <p:cTn id="10" presetID="10" presetClass="entr" presetSubtype="0" fill="hold" grpId="0" nodeType="clickEffect">
+                                  <p:stCondLst>
+                                    <p:cond delay="0"/>
+                                  </p:stCondLst>
+                                  <p:childTnLst>
+                                    <p:set>
+                                      <p:cBhvr>
+                                        <p:cTn id="11" dur="1" fill="hold">
+                                          <p:stCondLst>
+                                            <p:cond delay="0"/>
+                                          </p:stCondLst>
+                                        </p:cTn>
+                                        <p:tgtEl>
+                                          <p:spTgt spid="3">
+                                            <p:txEl>
+                                              <p:pRg st="1" end="1"/>
+                                            </p:txEl>
+                                          </p:spTgt>
+                                        </p:tgtEl>
+                                        <p:attrNameLst>
+                                          <p:attrName>style.visibility</p:attrName>
+                                        </p:attrNameLst>
+                                      </p:cBhvr>
+                                      <p:to>
+                                        <p:strVal val="visible"/>
+                                      </p:to>
+                                    </p:set>
+                                    <p:animEffect transition="in" filter="fade">
+                                      <p:cBhvr>
+                                        <p:cTn id="12" dur="500"/>
+                                        <p:tgtEl>
+                                          <p:spTgt spid="3">
+                                            <p:txEl>
+                                              <p:pRg st="1" end="1"/>
+                                            </p:txEl>
+                                          </p:spTgt>
+                                        </p:tgtEl>
+                                      </p:cBhvr>
+                                    </p:animEffect>
+                                  </p:childTnLst>
+                                </p:cTn>
+                              </p:par>
+                            </p:childTnLst>
+                          </p:cTn>
+                        </p:par>
+                      </p:childTnLst>
+                    </p:cTn>
+                  </p:par>
+                  <p:par>
+                    <p:cTn id="13" fill="hold">
+                      <p:stCondLst>
+                        <p:cond delay="indefinite"/>
+                      </p:stCondLst>
+                      <p:childTnLst>
+                        <p:par>
+                          <p:cTn id="14" fill="hold">
+                            <p:stCondLst>
+                              <p:cond delay="0"/>
+                            </p:stCondLst>
+                            <p:childTnLst>
+                              <p:par>
+                                <p:cTn id="15" presetID="10" presetClass="entr" presetSubtype="0" fill="hold" grpId="0" nodeType="clickEffect">
+                                  <p:stCondLst>
+                                    <p:cond delay="0"/>
+                                  </p:stCondLst>
+                                  <p:childTnLst>
+                                    <p:set>
+                                      <p:cBhvr>
+                                        <p:cTn id="16" dur="1" fill="hold">
+                                          <p:stCondLst>
+                                            <p:cond delay="0"/>
+                                          </p:stCondLst>
+                                        </p:cTn>
+                                        <p:tgtEl>
+                                          <p:spTgt spid="3">
+                                            <p:txEl>
+                                              <p:pRg st="2" end="2"/>
+                                            </p:txEl>
+                                          </p:spTgt>
+                                        </p:tgtEl>
+                                        <p:attrNameLst>
+                                          <p:attrName>style.visibility</p:attrName>
+                                        </p:attrNameLst>
+                                      </p:cBhvr>
+                                      <p:to>
+                                        <p:strVal val="visible"/>
+                                      </p:to>
+                                    </p:set>
+                                    <p:animEffect transition="in" filter="fade">
+                                      <p:cBhvr>
+                                        <p:cTn id="17" dur="500"/>
+                                        <p:tgtEl>
+                                          <p:spTgt spid="3">
+                                            <p:txEl>
+                                              <p:pRg st="2" end="2"/>
+                                            </p:txEl>
+                                          </p:spTgt>
+                                        </p:tgtEl>
+                                      </p:cBhvr>
+                                    </p:animEffect>
+                                  </p:childTnLst>
+                                </p:cTn>
+                              </p:par>
+                            </p:childTnLst>
+                          </p:cTn>
+                        </p:par>
+                      </p:childTnLst>
+                    </p:cTn>
+                  </p:par>
+                  <p:par>
+                    <p:cTn id="18" fill="hold">
+                      <p:stCondLst>
+                        <p:cond delay="indefinite"/>
+                      </p:stCondLst>
+                      <p:childTnLst>
+                        <p:par>
+                          <p:cTn id="19" fill="hold">
+                            <p:stCondLst>
+                              <p:cond delay="0"/>
+                            </p:stCondLst>
+                            <p:childTnLst>
+                              <p:par>
+                                <p:cTn id="20" presetID="10" presetClass="entr" presetSubtype="0" fill="hold" grpId="0" nodeType="clickEffect">
+                                  <p:stCondLst>
+                                    <p:cond delay="0"/>
+                                  </p:stCondLst>
+                                  <p:childTnLst>
+                                    <p:set>
+                                      <p:cBhvr>
+                                        <p:cTn id="21" dur="1" fill="hold">
+                                          <p:stCondLst>
+                                            <p:cond delay="0"/>
+                                          </p:stCondLst>
+                                        </p:cTn>
+                                        <p:tgtEl>
+                                          <p:spTgt spid="3">
+                                            <p:txEl>
+                                              <p:pRg st="3" end="3"/>
+                                            </p:txEl>
+                                          </p:spTgt>
+                                        </p:tgtEl>
+                                        <p:attrNameLst>
+                                          <p:attrName>style.visibility</p:attrName>
+                                        </p:attrNameLst>
+                                      </p:cBhvr>
+                                      <p:to>
+                                        <p:strVal val="visible"/>
+                                      </p:to>
+                                    </p:set>
+                                    <p:animEffect transition="in" filter="fade">
+                                      <p:cBhvr>
+                                        <p:cTn id="22" dur="500"/>
+                                        <p:tgtEl>
+                                          <p:spTgt spid="3">
+                                            <p:txEl>
+                                              <p:pRg st="3" end="3"/>
+                                            </p:txEl>
+                                          </p:spTgt>
+                                        </p:tgtEl>
+                                      </p:cBhvr>
+                                    </p:animEffect>
+                                  </p:childTnLst>
+                                </p:cTn>
+                              </p:par>
+                            </p:childTnLst>
+                          </p:cTn>
+                        </p:par>
+                      </p:childTnLst>
+                    </p:cTn>
+                  </p:par>
+                  <p:par>
+                    <p:cTn id="23" fill="hold">
+                      <p:stCondLst>
+                        <p:cond delay="indefinite"/>
+                      </p:stCondLst>
+                      <p:childTnLst>
+                        <p:par>
+                          <p:cTn id="24" fill="hold">
+                            <p:stCondLst>
+                              <p:cond delay="0"/>
+                            </p:stCondLst>
+                            <p:childTnLst>
+                              <p:par>
+                                <p:cTn id="25" presetID="10" presetClass="entr" presetSubtype="0" fill="hold" grpId="0" nodeType="clickEffect">
+                                  <p:stCondLst>
+                                    <p:cond delay="0"/>
+                                  </p:stCondLst>
+                                  <p:childTnLst>
+                                    <p:set>
+                                      <p:cBhvr>
+                                        <p:cTn id="26" dur="1" fill="hold">
+                                          <p:stCondLst>
+                                            <p:cond delay="0"/>
+                                          </p:stCondLst>
+                                        </p:cTn>
+                                        <p:tgtEl>
+                                          <p:spTgt spid="3">
+                                            <p:txEl>
+                                              <p:pRg st="4" end="4"/>
+                                            </p:txEl>
+                                          </p:spTgt>
+                                        </p:tgtEl>
+                                        <p:attrNameLst>
+                                          <p:attrName>style.visibility</p:attrName>
+                                        </p:attrNameLst>
+                                      </p:cBhvr>
+                                      <p:to>
+                                        <p:strVal val="visible"/>
+                                      </p:to>
+                                    </p:set>
+                                    <p:animEffect transition="in" filter="fade">
+                                      <p:cBhvr>
+                                        <p:cTn id="27" dur="500"/>
+                                        <p:tgtEl>
+                                          <p:spTgt spid="3">
+                                            <p:txEl>
+                                              <p:pRg st="4" end="4"/>
+                                            </p:txEl>
+                                          </p:spTgt>
+                                        </p:tgtEl>
+                                      </p:cBhvr>
+                                    </p:animEffect>
+                                  </p:childTnLst>
+                                </p:cTn>
+                              </p:par>
+                            </p:childTnLst>
+                          </p:cTn>
+                        </p:par>
+                      </p:childTnLst>
+                    </p:cTn>
+                  </p:par>
+                </p:childTnLst>
+              </p:cTn>
+              <p:prevCondLst>
+                <p:cond evt="onPrev" delay="0">
+                  <p:tgtEl>
+                    <p:sldTgt/>
+                  </p:tgtEl>
+                </p:cond>
+              </p:prevCondLst>
+              <p:nextCondLst>
+                <p:cond evt="onNext" delay="0">
+                  <p:tgtEl>
+                    <p:sldTgt/>
+                  </p:tgtEl>
+                </p:cond>
+              </p:nextCondLst>
+            </p:seq>
+          </p:childTnLst>
+        </p:cTn>
+      </p:par>
+    </p:tnLst>
+    <p:bldLst>
+      <p:bldP spid="3" grpId="0" build="p"/>
+    </p:bldLst>
+  </p:timing>
 </p:sld>
 </file>
 
@@ -7354,6 +9053,25 @@
   <p:clrMapOvr>
     <a:masterClrMapping/>
   </p:clrMapOvr>
+  <mc:AlternateContent xmlns:mc="http://schemas.openxmlformats.org/markup-compatibility/2006">
+    <mc:Choice xmlns:p14="http://schemas.microsoft.com/office/powerpoint/2010/main" Requires="p14">
+      <p:transition spd="med" p14:dur="700">
+        <p:fade/>
+      </p:transition>
+    </mc:Choice>
+    <mc:Fallback>
+      <p:transition spd="med">
+        <p:fade/>
+      </p:transition>
+    </mc:Fallback>
+  </mc:AlternateContent>
+  <p:timing>
+    <p:tnLst>
+      <p:par>
+        <p:cTn id="1" dur="indefinite" restart="never" nodeType="tmRoot"/>
+      </p:par>
+    </p:tnLst>
+  </p:timing>
 </p:sld>
 </file>
 
@@ -7505,6 +9223,295 @@
   <p:clrMapOvr>
     <a:masterClrMapping/>
   </p:clrMapOvr>
+  <mc:AlternateContent xmlns:mc="http://schemas.openxmlformats.org/markup-compatibility/2006">
+    <mc:Choice xmlns:p14="http://schemas.microsoft.com/office/powerpoint/2010/main" Requires="p14">
+      <p:transition spd="med" p14:dur="700">
+        <p:fade/>
+      </p:transition>
+    </mc:Choice>
+    <mc:Fallback>
+      <p:transition spd="med">
+        <p:fade/>
+      </p:transition>
+    </mc:Fallback>
+  </mc:AlternateContent>
+  <p:timing>
+    <p:tnLst>
+      <p:par>
+        <p:cTn id="1" dur="indefinite" restart="never" nodeType="tmRoot">
+          <p:childTnLst>
+            <p:seq concurrent="1" nextAc="seek">
+              <p:cTn id="2" dur="indefinite" nodeType="mainSeq">
+                <p:childTnLst>
+                  <p:par>
+                    <p:cTn id="3" fill="hold">
+                      <p:stCondLst>
+                        <p:cond delay="indefinite"/>
+                      </p:stCondLst>
+                      <p:childTnLst>
+                        <p:par>
+                          <p:cTn id="4" fill="hold">
+                            <p:stCondLst>
+                              <p:cond delay="0"/>
+                            </p:stCondLst>
+                            <p:childTnLst>
+                              <p:par>
+                                <p:cTn id="5" presetID="10" presetClass="entr" presetSubtype="0" fill="hold" grpId="0" nodeType="clickEffect">
+                                  <p:stCondLst>
+                                    <p:cond delay="0"/>
+                                  </p:stCondLst>
+                                  <p:childTnLst>
+                                    <p:set>
+                                      <p:cBhvr>
+                                        <p:cTn id="6" dur="1" fill="hold">
+                                          <p:stCondLst>
+                                            <p:cond delay="0"/>
+                                          </p:stCondLst>
+                                        </p:cTn>
+                                        <p:tgtEl>
+                                          <p:spTgt spid="3">
+                                            <p:txEl>
+                                              <p:pRg st="0" end="0"/>
+                                            </p:txEl>
+                                          </p:spTgt>
+                                        </p:tgtEl>
+                                        <p:attrNameLst>
+                                          <p:attrName>style.visibility</p:attrName>
+                                        </p:attrNameLst>
+                                      </p:cBhvr>
+                                      <p:to>
+                                        <p:strVal val="visible"/>
+                                      </p:to>
+                                    </p:set>
+                                    <p:animEffect transition="in" filter="fade">
+                                      <p:cBhvr>
+                                        <p:cTn id="7" dur="500"/>
+                                        <p:tgtEl>
+                                          <p:spTgt spid="3">
+                                            <p:txEl>
+                                              <p:pRg st="0" end="0"/>
+                                            </p:txEl>
+                                          </p:spTgt>
+                                        </p:tgtEl>
+                                      </p:cBhvr>
+                                    </p:animEffect>
+                                  </p:childTnLst>
+                                </p:cTn>
+                              </p:par>
+                            </p:childTnLst>
+                          </p:cTn>
+                        </p:par>
+                      </p:childTnLst>
+                    </p:cTn>
+                  </p:par>
+                  <p:par>
+                    <p:cTn id="8" fill="hold">
+                      <p:stCondLst>
+                        <p:cond delay="indefinite"/>
+                      </p:stCondLst>
+                      <p:childTnLst>
+                        <p:par>
+                          <p:cTn id="9" fill="hold">
+                            <p:stCondLst>
+                              <p:cond delay="0"/>
+                            </p:stCondLst>
+                            <p:childTnLst>
+                              <p:par>
+                                <p:cTn id="10" presetID="10" presetClass="entr" presetSubtype="0" fill="hold" grpId="0" nodeType="clickEffect">
+                                  <p:stCondLst>
+                                    <p:cond delay="0"/>
+                                  </p:stCondLst>
+                                  <p:childTnLst>
+                                    <p:set>
+                                      <p:cBhvr>
+                                        <p:cTn id="11" dur="1" fill="hold">
+                                          <p:stCondLst>
+                                            <p:cond delay="0"/>
+                                          </p:stCondLst>
+                                        </p:cTn>
+                                        <p:tgtEl>
+                                          <p:spTgt spid="3">
+                                            <p:txEl>
+                                              <p:pRg st="1" end="1"/>
+                                            </p:txEl>
+                                          </p:spTgt>
+                                        </p:tgtEl>
+                                        <p:attrNameLst>
+                                          <p:attrName>style.visibility</p:attrName>
+                                        </p:attrNameLst>
+                                      </p:cBhvr>
+                                      <p:to>
+                                        <p:strVal val="visible"/>
+                                      </p:to>
+                                    </p:set>
+                                    <p:animEffect transition="in" filter="fade">
+                                      <p:cBhvr>
+                                        <p:cTn id="12" dur="500"/>
+                                        <p:tgtEl>
+                                          <p:spTgt spid="3">
+                                            <p:txEl>
+                                              <p:pRg st="1" end="1"/>
+                                            </p:txEl>
+                                          </p:spTgt>
+                                        </p:tgtEl>
+                                      </p:cBhvr>
+                                    </p:animEffect>
+                                  </p:childTnLst>
+                                </p:cTn>
+                              </p:par>
+                            </p:childTnLst>
+                          </p:cTn>
+                        </p:par>
+                      </p:childTnLst>
+                    </p:cTn>
+                  </p:par>
+                  <p:par>
+                    <p:cTn id="13" fill="hold">
+                      <p:stCondLst>
+                        <p:cond delay="indefinite"/>
+                      </p:stCondLst>
+                      <p:childTnLst>
+                        <p:par>
+                          <p:cTn id="14" fill="hold">
+                            <p:stCondLst>
+                              <p:cond delay="0"/>
+                            </p:stCondLst>
+                            <p:childTnLst>
+                              <p:par>
+                                <p:cTn id="15" presetID="10" presetClass="entr" presetSubtype="0" fill="hold" grpId="0" nodeType="clickEffect">
+                                  <p:stCondLst>
+                                    <p:cond delay="0"/>
+                                  </p:stCondLst>
+                                  <p:childTnLst>
+                                    <p:set>
+                                      <p:cBhvr>
+                                        <p:cTn id="16" dur="1" fill="hold">
+                                          <p:stCondLst>
+                                            <p:cond delay="0"/>
+                                          </p:stCondLst>
+                                        </p:cTn>
+                                        <p:tgtEl>
+                                          <p:spTgt spid="3">
+                                            <p:txEl>
+                                              <p:pRg st="2" end="2"/>
+                                            </p:txEl>
+                                          </p:spTgt>
+                                        </p:tgtEl>
+                                        <p:attrNameLst>
+                                          <p:attrName>style.visibility</p:attrName>
+                                        </p:attrNameLst>
+                                      </p:cBhvr>
+                                      <p:to>
+                                        <p:strVal val="visible"/>
+                                      </p:to>
+                                    </p:set>
+                                    <p:animEffect transition="in" filter="fade">
+                                      <p:cBhvr>
+                                        <p:cTn id="17" dur="500"/>
+                                        <p:tgtEl>
+                                          <p:spTgt spid="3">
+                                            <p:txEl>
+                                              <p:pRg st="2" end="2"/>
+                                            </p:txEl>
+                                          </p:spTgt>
+                                        </p:tgtEl>
+                                      </p:cBhvr>
+                                    </p:animEffect>
+                                  </p:childTnLst>
+                                </p:cTn>
+                              </p:par>
+                            </p:childTnLst>
+                          </p:cTn>
+                        </p:par>
+                      </p:childTnLst>
+                    </p:cTn>
+                  </p:par>
+                  <p:par>
+                    <p:cTn id="18" fill="hold">
+                      <p:stCondLst>
+                        <p:cond delay="indefinite"/>
+                      </p:stCondLst>
+                      <p:childTnLst>
+                        <p:par>
+                          <p:cTn id="19" fill="hold">
+                            <p:stCondLst>
+                              <p:cond delay="0"/>
+                            </p:stCondLst>
+                            <p:childTnLst>
+                              <p:par>
+                                <p:cTn id="20" presetID="10" presetClass="entr" presetSubtype="0" fill="hold" grpId="0" nodeType="clickEffect">
+                                  <p:stCondLst>
+                                    <p:cond delay="0"/>
+                                  </p:stCondLst>
+                                  <p:childTnLst>
+                                    <p:set>
+                                      <p:cBhvr>
+                                        <p:cTn id="21" dur="1" fill="hold">
+                                          <p:stCondLst>
+                                            <p:cond delay="0"/>
+                                          </p:stCondLst>
+                                        </p:cTn>
+                                        <p:tgtEl>
+                                          <p:spTgt spid="3">
+                                            <p:txEl>
+                                              <p:pRg st="3" end="3"/>
+                                            </p:txEl>
+                                          </p:spTgt>
+                                        </p:tgtEl>
+                                        <p:attrNameLst>
+                                          <p:attrName>style.visibility</p:attrName>
+                                        </p:attrNameLst>
+                                      </p:cBhvr>
+                                      <p:to>
+                                        <p:strVal val="visible"/>
+                                      </p:to>
+                                    </p:set>
+                                    <p:animEffect transition="in" filter="fade">
+                                      <p:cBhvr>
+                                        <p:cTn id="22" dur="500"/>
+                                        <p:tgtEl>
+                                          <p:spTgt spid="3">
+                                            <p:txEl>
+                                              <p:pRg st="3" end="3"/>
+                                            </p:txEl>
+                                          </p:spTgt>
+                                        </p:tgtEl>
+                                      </p:cBhvr>
+                                    </p:animEffect>
+                                  </p:childTnLst>
+                                </p:cTn>
+                              </p:par>
+                            </p:childTnLst>
+                          </p:cTn>
+                        </p:par>
+                      </p:childTnLst>
+                    </p:cTn>
+                  </p:par>
+                </p:childTnLst>
+              </p:cTn>
+              <p:prevCondLst>
+                <p:cond evt="onPrev" delay="0">
+                  <p:tgtEl>
+                    <p:sldTgt/>
+                  </p:tgtEl>
+                </p:cond>
+              </p:prevCondLst>
+              <p:nextCondLst>
+                <p:cond evt="onNext" delay="0">
+                  <p:tgtEl>
+                    <p:sldTgt/>
+                  </p:tgtEl>
+                </p:cond>
+              </p:nextCondLst>
+            </p:seq>
+          </p:childTnLst>
+        </p:cTn>
+      </p:par>
+    </p:tnLst>
+    <p:bldLst>
+      <p:bldP spid="3" grpId="0" build="p"/>
+    </p:bldLst>
+  </p:timing>
 </p:sld>
 </file>
 
@@ -7678,6 +9685,25 @@
   <p:clrMapOvr>
     <a:masterClrMapping/>
   </p:clrMapOvr>
+  <mc:AlternateContent xmlns:mc="http://schemas.openxmlformats.org/markup-compatibility/2006">
+    <mc:Choice xmlns:p14="http://schemas.microsoft.com/office/powerpoint/2010/main" Requires="p14">
+      <p:transition spd="med" p14:dur="700">
+        <p:fade/>
+      </p:transition>
+    </mc:Choice>
+    <mc:Fallback>
+      <p:transition spd="med">
+        <p:fade/>
+      </p:transition>
+    </mc:Fallback>
+  </mc:AlternateContent>
+  <p:timing>
+    <p:tnLst>
+      <p:par>
+        <p:cTn id="1" dur="indefinite" restart="never" nodeType="tmRoot"/>
+      </p:par>
+    </p:tnLst>
+  </p:timing>
 </p:sld>
 </file>
 
@@ -7821,6 +9847,25 @@
   <p:clrMapOvr>
     <a:masterClrMapping/>
   </p:clrMapOvr>
+  <mc:AlternateContent xmlns:mc="http://schemas.openxmlformats.org/markup-compatibility/2006">
+    <mc:Choice xmlns:p14="http://schemas.microsoft.com/office/powerpoint/2010/main" Requires="p14">
+      <p:transition spd="med" p14:dur="700">
+        <p:fade/>
+      </p:transition>
+    </mc:Choice>
+    <mc:Fallback>
+      <p:transition spd="med">
+        <p:fade/>
+      </p:transition>
+    </mc:Fallback>
+  </mc:AlternateContent>
+  <p:timing>
+    <p:tnLst>
+      <p:par>
+        <p:cTn id="1" dur="indefinite" restart="never" nodeType="tmRoot"/>
+      </p:par>
+    </p:tnLst>
+  </p:timing>
 </p:sld>
 </file>
 
@@ -7884,6 +9929,25 @@
   <p:clrMapOvr>
     <a:masterClrMapping/>
   </p:clrMapOvr>
+  <mc:AlternateContent xmlns:mc="http://schemas.openxmlformats.org/markup-compatibility/2006">
+    <mc:Choice xmlns:p14="http://schemas.microsoft.com/office/powerpoint/2010/main" Requires="p14">
+      <p:transition spd="med" p14:dur="700">
+        <p:fade/>
+      </p:transition>
+    </mc:Choice>
+    <mc:Fallback>
+      <p:transition spd="med">
+        <p:fade/>
+      </p:transition>
+    </mc:Fallback>
+  </mc:AlternateContent>
+  <p:timing>
+    <p:tnLst>
+      <p:par>
+        <p:cTn id="1" dur="indefinite" restart="never" nodeType="tmRoot"/>
+      </p:par>
+    </p:tnLst>
+  </p:timing>
 </p:sld>
 </file>
 
@@ -8070,6 +10134,25 @@
   <p:clrMapOvr>
     <a:masterClrMapping/>
   </p:clrMapOvr>
+  <mc:AlternateContent xmlns:mc="http://schemas.openxmlformats.org/markup-compatibility/2006">
+    <mc:Choice xmlns:p14="http://schemas.microsoft.com/office/powerpoint/2010/main" Requires="p14">
+      <p:transition spd="med" p14:dur="700">
+        <p:fade/>
+      </p:transition>
+    </mc:Choice>
+    <mc:Fallback>
+      <p:transition spd="med">
+        <p:fade/>
+      </p:transition>
+    </mc:Fallback>
+  </mc:AlternateContent>
+  <p:timing>
+    <p:tnLst>
+      <p:par>
+        <p:cTn id="1" dur="indefinite" restart="never" nodeType="tmRoot"/>
+      </p:par>
+    </p:tnLst>
+  </p:timing>
 </p:sld>
 </file>
 
@@ -8190,6 +10273,25 @@
   <p:clrMapOvr>
     <a:masterClrMapping/>
   </p:clrMapOvr>
+  <mc:AlternateContent xmlns:mc="http://schemas.openxmlformats.org/markup-compatibility/2006">
+    <mc:Choice xmlns:p14="http://schemas.microsoft.com/office/powerpoint/2010/main" Requires="p14">
+      <p:transition spd="med" p14:dur="700">
+        <p:fade/>
+      </p:transition>
+    </mc:Choice>
+    <mc:Fallback>
+      <p:transition spd="med">
+        <p:fade/>
+      </p:transition>
+    </mc:Fallback>
+  </mc:AlternateContent>
+  <p:timing>
+    <p:tnLst>
+      <p:par>
+        <p:cTn id="1" dur="indefinite" restart="never" nodeType="tmRoot"/>
+      </p:par>
+    </p:tnLst>
+  </p:timing>
 </p:sld>
 </file>
 
@@ -8285,6 +10387,25 @@
   <p:clrMapOvr>
     <a:masterClrMapping/>
   </p:clrMapOvr>
+  <mc:AlternateContent xmlns:mc="http://schemas.openxmlformats.org/markup-compatibility/2006">
+    <mc:Choice xmlns:p14="http://schemas.microsoft.com/office/powerpoint/2010/main" Requires="p14">
+      <p:transition spd="med" p14:dur="700">
+        <p:fade/>
+      </p:transition>
+    </mc:Choice>
+    <mc:Fallback>
+      <p:transition spd="med">
+        <p:fade/>
+      </p:transition>
+    </mc:Fallback>
+  </mc:AlternateContent>
+  <p:timing>
+    <p:tnLst>
+      <p:par>
+        <p:cTn id="1" dur="indefinite" restart="never" nodeType="tmRoot"/>
+      </p:par>
+    </p:tnLst>
+  </p:timing>
 </p:sld>
 </file>
 
@@ -8456,6 +10577,25 @@
   <p:clrMapOvr>
     <a:masterClrMapping/>
   </p:clrMapOvr>
+  <mc:AlternateContent xmlns:mc="http://schemas.openxmlformats.org/markup-compatibility/2006">
+    <mc:Choice xmlns:p14="http://schemas.microsoft.com/office/powerpoint/2010/main" Requires="p14">
+      <p:transition spd="med" p14:dur="700">
+        <p:fade/>
+      </p:transition>
+    </mc:Choice>
+    <mc:Fallback>
+      <p:transition spd="med">
+        <p:fade/>
+      </p:transition>
+    </mc:Fallback>
+  </mc:AlternateContent>
+  <p:timing>
+    <p:tnLst>
+      <p:par>
+        <p:cTn id="1" dur="indefinite" restart="never" nodeType="tmRoot"/>
+      </p:par>
+    </p:tnLst>
+  </p:timing>
 </p:sld>
 </file>
 
@@ -8597,6 +10737,25 @@
   <p:clrMapOvr>
     <a:masterClrMapping/>
   </p:clrMapOvr>
+  <mc:AlternateContent xmlns:mc="http://schemas.openxmlformats.org/markup-compatibility/2006">
+    <mc:Choice xmlns:p14="http://schemas.microsoft.com/office/powerpoint/2010/main" Requires="p14">
+      <p:transition spd="med" p14:dur="700">
+        <p:fade/>
+      </p:transition>
+    </mc:Choice>
+    <mc:Fallback>
+      <p:transition spd="med">
+        <p:fade/>
+      </p:transition>
+    </mc:Fallback>
+  </mc:AlternateContent>
+  <p:timing>
+    <p:tnLst>
+      <p:par>
+        <p:cTn id="1" dur="indefinite" restart="never" nodeType="tmRoot"/>
+      </p:par>
+    </p:tnLst>
+  </p:timing>
 </p:sld>
 </file>
 
@@ -8727,6 +10886,234 @@
   <p:clrMapOvr>
     <a:masterClrMapping/>
   </p:clrMapOvr>
+  <mc:AlternateContent xmlns:mc="http://schemas.openxmlformats.org/markup-compatibility/2006">
+    <mc:Choice xmlns:p14="http://schemas.microsoft.com/office/powerpoint/2010/main" Requires="p14">
+      <p:transition spd="med" p14:dur="700">
+        <p:fade/>
+      </p:transition>
+    </mc:Choice>
+    <mc:Fallback>
+      <p:transition spd="med">
+        <p:fade/>
+      </p:transition>
+    </mc:Fallback>
+  </mc:AlternateContent>
+  <p:timing>
+    <p:tnLst>
+      <p:par>
+        <p:cTn id="1" dur="indefinite" restart="never" nodeType="tmRoot">
+          <p:childTnLst>
+            <p:seq concurrent="1" nextAc="seek">
+              <p:cTn id="2" dur="indefinite" nodeType="mainSeq">
+                <p:childTnLst>
+                  <p:par>
+                    <p:cTn id="3" fill="hold">
+                      <p:stCondLst>
+                        <p:cond delay="indefinite"/>
+                      </p:stCondLst>
+                      <p:childTnLst>
+                        <p:par>
+                          <p:cTn id="4" fill="hold">
+                            <p:stCondLst>
+                              <p:cond delay="0"/>
+                            </p:stCondLst>
+                            <p:childTnLst>
+                              <p:par>
+                                <p:cTn id="5" presetID="10" presetClass="entr" presetSubtype="0" fill="hold" grpId="0" nodeType="clickEffect">
+                                  <p:stCondLst>
+                                    <p:cond delay="0"/>
+                                  </p:stCondLst>
+                                  <p:childTnLst>
+                                    <p:set>
+                                      <p:cBhvr>
+                                        <p:cTn id="6" dur="1" fill="hold">
+                                          <p:stCondLst>
+                                            <p:cond delay="0"/>
+                                          </p:stCondLst>
+                                        </p:cTn>
+                                        <p:tgtEl>
+                                          <p:spTgt spid="6">
+                                            <p:txEl>
+                                              <p:pRg st="0" end="0"/>
+                                            </p:txEl>
+                                          </p:spTgt>
+                                        </p:tgtEl>
+                                        <p:attrNameLst>
+                                          <p:attrName>style.visibility</p:attrName>
+                                        </p:attrNameLst>
+                                      </p:cBhvr>
+                                      <p:to>
+                                        <p:strVal val="visible"/>
+                                      </p:to>
+                                    </p:set>
+                                    <p:animEffect transition="in" filter="fade">
+                                      <p:cBhvr>
+                                        <p:cTn id="7" dur="500"/>
+                                        <p:tgtEl>
+                                          <p:spTgt spid="6">
+                                            <p:txEl>
+                                              <p:pRg st="0" end="0"/>
+                                            </p:txEl>
+                                          </p:spTgt>
+                                        </p:tgtEl>
+                                      </p:cBhvr>
+                                    </p:animEffect>
+                                  </p:childTnLst>
+                                </p:cTn>
+                              </p:par>
+                            </p:childTnLst>
+                          </p:cTn>
+                        </p:par>
+                      </p:childTnLst>
+                    </p:cTn>
+                  </p:par>
+                  <p:par>
+                    <p:cTn id="8" fill="hold">
+                      <p:stCondLst>
+                        <p:cond delay="indefinite"/>
+                      </p:stCondLst>
+                      <p:childTnLst>
+                        <p:par>
+                          <p:cTn id="9" fill="hold">
+                            <p:stCondLst>
+                              <p:cond delay="0"/>
+                            </p:stCondLst>
+                            <p:childTnLst>
+                              <p:par>
+                                <p:cTn id="10" presetID="10" presetClass="entr" presetSubtype="0" fill="hold" grpId="0" nodeType="clickEffect">
+                                  <p:stCondLst>
+                                    <p:cond delay="0"/>
+                                  </p:stCondLst>
+                                  <p:childTnLst>
+                                    <p:set>
+                                      <p:cBhvr>
+                                        <p:cTn id="11" dur="1" fill="hold">
+                                          <p:stCondLst>
+                                            <p:cond delay="0"/>
+                                          </p:stCondLst>
+                                        </p:cTn>
+                                        <p:tgtEl>
+                                          <p:spTgt spid="6">
+                                            <p:txEl>
+                                              <p:pRg st="1" end="1"/>
+                                            </p:txEl>
+                                          </p:spTgt>
+                                        </p:tgtEl>
+                                        <p:attrNameLst>
+                                          <p:attrName>style.visibility</p:attrName>
+                                        </p:attrNameLst>
+                                      </p:cBhvr>
+                                      <p:to>
+                                        <p:strVal val="visible"/>
+                                      </p:to>
+                                    </p:set>
+                                    <p:animEffect transition="in" filter="fade">
+                                      <p:cBhvr>
+                                        <p:cTn id="12" dur="500"/>
+                                        <p:tgtEl>
+                                          <p:spTgt spid="6">
+                                            <p:txEl>
+                                              <p:pRg st="1" end="1"/>
+                                            </p:txEl>
+                                          </p:spTgt>
+                                        </p:tgtEl>
+                                      </p:cBhvr>
+                                    </p:animEffect>
+                                  </p:childTnLst>
+                                </p:cTn>
+                              </p:par>
+                            </p:childTnLst>
+                          </p:cTn>
+                        </p:par>
+                      </p:childTnLst>
+                    </p:cTn>
+                  </p:par>
+                  <p:par>
+                    <p:cTn id="13" fill="hold">
+                      <p:stCondLst>
+                        <p:cond delay="indefinite"/>
+                      </p:stCondLst>
+                      <p:childTnLst>
+                        <p:par>
+                          <p:cTn id="14" fill="hold">
+                            <p:stCondLst>
+                              <p:cond delay="0"/>
+                            </p:stCondLst>
+                            <p:childTnLst>
+                              <p:par>
+                                <p:cTn id="15" presetID="10" presetClass="entr" presetSubtype="0" fill="hold" grpId="0" nodeType="clickEffect">
+                                  <p:stCondLst>
+                                    <p:cond delay="0"/>
+                                  </p:stCondLst>
+                                  <p:childTnLst>
+                                    <p:set>
+                                      <p:cBhvr>
+                                        <p:cTn id="16" dur="1" fill="hold">
+                                          <p:stCondLst>
+                                            <p:cond delay="0"/>
+                                          </p:stCondLst>
+                                        </p:cTn>
+                                        <p:tgtEl>
+                                          <p:spTgt spid="6">
+                                            <p:txEl>
+                                              <p:pRg st="2" end="2"/>
+                                            </p:txEl>
+                                          </p:spTgt>
+                                        </p:tgtEl>
+                                        <p:attrNameLst>
+                                          <p:attrName>style.visibility</p:attrName>
+                                        </p:attrNameLst>
+                                      </p:cBhvr>
+                                      <p:to>
+                                        <p:strVal val="visible"/>
+                                      </p:to>
+                                    </p:set>
+                                    <p:animEffect transition="in" filter="fade">
+                                      <p:cBhvr>
+                                        <p:cTn id="17" dur="500"/>
+                                        <p:tgtEl>
+                                          <p:spTgt spid="6">
+                                            <p:txEl>
+                                              <p:pRg st="2" end="2"/>
+                                            </p:txEl>
+                                          </p:spTgt>
+                                        </p:tgtEl>
+                                      </p:cBhvr>
+                                    </p:animEffect>
+                                  </p:childTnLst>
+                                </p:cTn>
+                              </p:par>
+                            </p:childTnLst>
+                          </p:cTn>
+                        </p:par>
+                      </p:childTnLst>
+                    </p:cTn>
+                  </p:par>
+                </p:childTnLst>
+              </p:cTn>
+              <p:prevCondLst>
+                <p:cond evt="onPrev" delay="0">
+                  <p:tgtEl>
+                    <p:sldTgt/>
+                  </p:tgtEl>
+                </p:cond>
+              </p:prevCondLst>
+              <p:nextCondLst>
+                <p:cond evt="onNext" delay="0">
+                  <p:tgtEl>
+                    <p:sldTgt/>
+                  </p:tgtEl>
+                </p:cond>
+              </p:nextCondLst>
+            </p:seq>
+          </p:childTnLst>
+        </p:cTn>
+      </p:par>
+    </p:tnLst>
+    <p:bldLst>
+      <p:bldP spid="6" grpId="0" build="p"/>
+    </p:bldLst>
+  </p:timing>
 </p:sld>
 </file>
 
@@ -8845,6 +11232,295 @@
   <p:clrMapOvr>
     <a:masterClrMapping/>
   </p:clrMapOvr>
+  <mc:AlternateContent xmlns:mc="http://schemas.openxmlformats.org/markup-compatibility/2006">
+    <mc:Choice xmlns:p14="http://schemas.microsoft.com/office/powerpoint/2010/main" Requires="p14">
+      <p:transition spd="med" p14:dur="700">
+        <p:fade/>
+      </p:transition>
+    </mc:Choice>
+    <mc:Fallback>
+      <p:transition spd="med">
+        <p:fade/>
+      </p:transition>
+    </mc:Fallback>
+  </mc:AlternateContent>
+  <p:timing>
+    <p:tnLst>
+      <p:par>
+        <p:cTn id="1" dur="indefinite" restart="never" nodeType="tmRoot">
+          <p:childTnLst>
+            <p:seq concurrent="1" nextAc="seek">
+              <p:cTn id="2" dur="indefinite" nodeType="mainSeq">
+                <p:childTnLst>
+                  <p:par>
+                    <p:cTn id="3" fill="hold">
+                      <p:stCondLst>
+                        <p:cond delay="indefinite"/>
+                      </p:stCondLst>
+                      <p:childTnLst>
+                        <p:par>
+                          <p:cTn id="4" fill="hold">
+                            <p:stCondLst>
+                              <p:cond delay="0"/>
+                            </p:stCondLst>
+                            <p:childTnLst>
+                              <p:par>
+                                <p:cTn id="5" presetID="10" presetClass="entr" presetSubtype="0" fill="hold" grpId="0" nodeType="clickEffect">
+                                  <p:stCondLst>
+                                    <p:cond delay="0"/>
+                                  </p:stCondLst>
+                                  <p:childTnLst>
+                                    <p:set>
+                                      <p:cBhvr>
+                                        <p:cTn id="6" dur="1" fill="hold">
+                                          <p:stCondLst>
+                                            <p:cond delay="0"/>
+                                          </p:stCondLst>
+                                        </p:cTn>
+                                        <p:tgtEl>
+                                          <p:spTgt spid="6">
+                                            <p:txEl>
+                                              <p:pRg st="0" end="0"/>
+                                            </p:txEl>
+                                          </p:spTgt>
+                                        </p:tgtEl>
+                                        <p:attrNameLst>
+                                          <p:attrName>style.visibility</p:attrName>
+                                        </p:attrNameLst>
+                                      </p:cBhvr>
+                                      <p:to>
+                                        <p:strVal val="visible"/>
+                                      </p:to>
+                                    </p:set>
+                                    <p:animEffect transition="in" filter="fade">
+                                      <p:cBhvr>
+                                        <p:cTn id="7" dur="500"/>
+                                        <p:tgtEl>
+                                          <p:spTgt spid="6">
+                                            <p:txEl>
+                                              <p:pRg st="0" end="0"/>
+                                            </p:txEl>
+                                          </p:spTgt>
+                                        </p:tgtEl>
+                                      </p:cBhvr>
+                                    </p:animEffect>
+                                  </p:childTnLst>
+                                </p:cTn>
+                              </p:par>
+                            </p:childTnLst>
+                          </p:cTn>
+                        </p:par>
+                      </p:childTnLst>
+                    </p:cTn>
+                  </p:par>
+                  <p:par>
+                    <p:cTn id="8" fill="hold">
+                      <p:stCondLst>
+                        <p:cond delay="indefinite"/>
+                      </p:stCondLst>
+                      <p:childTnLst>
+                        <p:par>
+                          <p:cTn id="9" fill="hold">
+                            <p:stCondLst>
+                              <p:cond delay="0"/>
+                            </p:stCondLst>
+                            <p:childTnLst>
+                              <p:par>
+                                <p:cTn id="10" presetID="10" presetClass="entr" presetSubtype="0" fill="hold" grpId="0" nodeType="clickEffect">
+                                  <p:stCondLst>
+                                    <p:cond delay="0"/>
+                                  </p:stCondLst>
+                                  <p:childTnLst>
+                                    <p:set>
+                                      <p:cBhvr>
+                                        <p:cTn id="11" dur="1" fill="hold">
+                                          <p:stCondLst>
+                                            <p:cond delay="0"/>
+                                          </p:stCondLst>
+                                        </p:cTn>
+                                        <p:tgtEl>
+                                          <p:spTgt spid="6">
+                                            <p:txEl>
+                                              <p:pRg st="1" end="1"/>
+                                            </p:txEl>
+                                          </p:spTgt>
+                                        </p:tgtEl>
+                                        <p:attrNameLst>
+                                          <p:attrName>style.visibility</p:attrName>
+                                        </p:attrNameLst>
+                                      </p:cBhvr>
+                                      <p:to>
+                                        <p:strVal val="visible"/>
+                                      </p:to>
+                                    </p:set>
+                                    <p:animEffect transition="in" filter="fade">
+                                      <p:cBhvr>
+                                        <p:cTn id="12" dur="500"/>
+                                        <p:tgtEl>
+                                          <p:spTgt spid="6">
+                                            <p:txEl>
+                                              <p:pRg st="1" end="1"/>
+                                            </p:txEl>
+                                          </p:spTgt>
+                                        </p:tgtEl>
+                                      </p:cBhvr>
+                                    </p:animEffect>
+                                  </p:childTnLst>
+                                </p:cTn>
+                              </p:par>
+                            </p:childTnLst>
+                          </p:cTn>
+                        </p:par>
+                      </p:childTnLst>
+                    </p:cTn>
+                  </p:par>
+                  <p:par>
+                    <p:cTn id="13" fill="hold">
+                      <p:stCondLst>
+                        <p:cond delay="indefinite"/>
+                      </p:stCondLst>
+                      <p:childTnLst>
+                        <p:par>
+                          <p:cTn id="14" fill="hold">
+                            <p:stCondLst>
+                              <p:cond delay="0"/>
+                            </p:stCondLst>
+                            <p:childTnLst>
+                              <p:par>
+                                <p:cTn id="15" presetID="10" presetClass="entr" presetSubtype="0" fill="hold" grpId="0" nodeType="clickEffect">
+                                  <p:stCondLst>
+                                    <p:cond delay="0"/>
+                                  </p:stCondLst>
+                                  <p:childTnLst>
+                                    <p:set>
+                                      <p:cBhvr>
+                                        <p:cTn id="16" dur="1" fill="hold">
+                                          <p:stCondLst>
+                                            <p:cond delay="0"/>
+                                          </p:stCondLst>
+                                        </p:cTn>
+                                        <p:tgtEl>
+                                          <p:spTgt spid="6">
+                                            <p:txEl>
+                                              <p:pRg st="2" end="2"/>
+                                            </p:txEl>
+                                          </p:spTgt>
+                                        </p:tgtEl>
+                                        <p:attrNameLst>
+                                          <p:attrName>style.visibility</p:attrName>
+                                        </p:attrNameLst>
+                                      </p:cBhvr>
+                                      <p:to>
+                                        <p:strVal val="visible"/>
+                                      </p:to>
+                                    </p:set>
+                                    <p:animEffect transition="in" filter="fade">
+                                      <p:cBhvr>
+                                        <p:cTn id="17" dur="500"/>
+                                        <p:tgtEl>
+                                          <p:spTgt spid="6">
+                                            <p:txEl>
+                                              <p:pRg st="2" end="2"/>
+                                            </p:txEl>
+                                          </p:spTgt>
+                                        </p:tgtEl>
+                                      </p:cBhvr>
+                                    </p:animEffect>
+                                  </p:childTnLst>
+                                </p:cTn>
+                              </p:par>
+                            </p:childTnLst>
+                          </p:cTn>
+                        </p:par>
+                      </p:childTnLst>
+                    </p:cTn>
+                  </p:par>
+                  <p:par>
+                    <p:cTn id="18" fill="hold">
+                      <p:stCondLst>
+                        <p:cond delay="indefinite"/>
+                      </p:stCondLst>
+                      <p:childTnLst>
+                        <p:par>
+                          <p:cTn id="19" fill="hold">
+                            <p:stCondLst>
+                              <p:cond delay="0"/>
+                            </p:stCondLst>
+                            <p:childTnLst>
+                              <p:par>
+                                <p:cTn id="20" presetID="10" presetClass="entr" presetSubtype="0" fill="hold" grpId="0" nodeType="clickEffect">
+                                  <p:stCondLst>
+                                    <p:cond delay="0"/>
+                                  </p:stCondLst>
+                                  <p:childTnLst>
+                                    <p:set>
+                                      <p:cBhvr>
+                                        <p:cTn id="21" dur="1" fill="hold">
+                                          <p:stCondLst>
+                                            <p:cond delay="0"/>
+                                          </p:stCondLst>
+                                        </p:cTn>
+                                        <p:tgtEl>
+                                          <p:spTgt spid="6">
+                                            <p:txEl>
+                                              <p:pRg st="3" end="3"/>
+                                            </p:txEl>
+                                          </p:spTgt>
+                                        </p:tgtEl>
+                                        <p:attrNameLst>
+                                          <p:attrName>style.visibility</p:attrName>
+                                        </p:attrNameLst>
+                                      </p:cBhvr>
+                                      <p:to>
+                                        <p:strVal val="visible"/>
+                                      </p:to>
+                                    </p:set>
+                                    <p:animEffect transition="in" filter="fade">
+                                      <p:cBhvr>
+                                        <p:cTn id="22" dur="500"/>
+                                        <p:tgtEl>
+                                          <p:spTgt spid="6">
+                                            <p:txEl>
+                                              <p:pRg st="3" end="3"/>
+                                            </p:txEl>
+                                          </p:spTgt>
+                                        </p:tgtEl>
+                                      </p:cBhvr>
+                                    </p:animEffect>
+                                  </p:childTnLst>
+                                </p:cTn>
+                              </p:par>
+                            </p:childTnLst>
+                          </p:cTn>
+                        </p:par>
+                      </p:childTnLst>
+                    </p:cTn>
+                  </p:par>
+                </p:childTnLst>
+              </p:cTn>
+              <p:prevCondLst>
+                <p:cond evt="onPrev" delay="0">
+                  <p:tgtEl>
+                    <p:sldTgt/>
+                  </p:tgtEl>
+                </p:cond>
+              </p:prevCondLst>
+              <p:nextCondLst>
+                <p:cond evt="onNext" delay="0">
+                  <p:tgtEl>
+                    <p:sldTgt/>
+                  </p:tgtEl>
+                </p:cond>
+              </p:nextCondLst>
+            </p:seq>
+          </p:childTnLst>
+        </p:cTn>
+      </p:par>
+    </p:tnLst>
+    <p:bldLst>
+      <p:bldP spid="6" grpId="0" build="p"/>
+    </p:bldLst>
+  </p:timing>
 </p:sld>
 </file>
 
@@ -9027,44 +11703,17 @@
           <a:p>
             <a:r>
               <a:rPr lang="en-US" sz="2000" dirty="0"/>
-              <a:t>MATLAB client and MATLAB workers use different random number generators.</a:t>
+              <a:t>MATLAB client </a:t>
+            </a:r>
+            <a:r>
+              <a:rPr lang="en-US" sz="2000" dirty="0" smtClean="0"/>
+              <a:t>and </a:t>
+            </a:r>
+            <a:r>
+              <a:rPr lang="en-US" sz="2000" dirty="0"/>
+              <a:t>MATLAB workers use different random number generators.</a:t>
             </a:r>
             <a:endParaRPr lang="en-US" sz="1600" dirty="0"/>
-          </a:p>
-        </p:txBody>
-      </p:sp>
-      <p:sp>
-        <p:nvSpPr>
-          <p:cNvPr id="7" name="Rectangle 6">
-            <a:extLst>
-              <a:ext uri="{FF2B5EF4-FFF2-40B4-BE49-F238E27FC236}">
-                <a16:creationId xmlns:a16="http://schemas.microsoft.com/office/drawing/2014/main" id="{A96AB5C2-0ADA-45B9-8F62-5A0B9347CB25}"/>
-              </a:ext>
-            </a:extLst>
-          </p:cNvPr>
-          <p:cNvSpPr/>
-          <p:nvPr/>
-        </p:nvSpPr>
-        <p:spPr>
-          <a:xfrm>
-            <a:off x="838200" y="5969636"/>
-            <a:ext cx="3212803" cy="369332"/>
-          </a:xfrm>
-          <a:prstGeom prst="rect">
-            <a:avLst/>
-          </a:prstGeom>
-        </p:spPr>
-        <p:txBody>
-          <a:bodyPr wrap="none">
-            <a:spAutoFit/>
-          </a:bodyPr>
-          <a:lstStyle/>
-          <a:p>
-            <a:r>
-              <a:rPr lang="en-US" dirty="0"/>
-              <a:t>To MATLAB for a demonstration.</a:t>
-            </a:r>
-            <a:endParaRPr lang="en-US" sz="1400" dirty="0"/>
           </a:p>
         </p:txBody>
       </p:sp>
@@ -9078,6 +11727,528 @@
   <p:clrMapOvr>
     <a:masterClrMapping/>
   </p:clrMapOvr>
+  <mc:AlternateContent xmlns:mc="http://schemas.openxmlformats.org/markup-compatibility/2006">
+    <mc:Choice xmlns:p14="http://schemas.microsoft.com/office/powerpoint/2010/main" Requires="p14">
+      <p:transition spd="med" p14:dur="700">
+        <p:fade/>
+      </p:transition>
+    </mc:Choice>
+    <mc:Fallback>
+      <p:transition spd="med">
+        <p:fade/>
+      </p:transition>
+    </mc:Fallback>
+  </mc:AlternateContent>
+  <p:timing>
+    <p:tnLst>
+      <p:par>
+        <p:cTn id="1" dur="indefinite" restart="never" nodeType="tmRoot">
+          <p:childTnLst>
+            <p:seq concurrent="1" nextAc="seek">
+              <p:cTn id="2" dur="indefinite" nodeType="mainSeq">
+                <p:childTnLst>
+                  <p:par>
+                    <p:cTn id="3" fill="hold">
+                      <p:stCondLst>
+                        <p:cond delay="indefinite"/>
+                      </p:stCondLst>
+                      <p:childTnLst>
+                        <p:par>
+                          <p:cTn id="4" fill="hold">
+                            <p:stCondLst>
+                              <p:cond delay="0"/>
+                            </p:stCondLst>
+                            <p:childTnLst>
+                              <p:par>
+                                <p:cTn id="5" presetID="10" presetClass="entr" presetSubtype="0" fill="hold" grpId="0" nodeType="clickEffect">
+                                  <p:stCondLst>
+                                    <p:cond delay="0"/>
+                                  </p:stCondLst>
+                                  <p:childTnLst>
+                                    <p:set>
+                                      <p:cBhvr>
+                                        <p:cTn id="6" dur="1" fill="hold">
+                                          <p:stCondLst>
+                                            <p:cond delay="0"/>
+                                          </p:stCondLst>
+                                        </p:cTn>
+                                        <p:tgtEl>
+                                          <p:spTgt spid="6">
+                                            <p:txEl>
+                                              <p:pRg st="0" end="0"/>
+                                            </p:txEl>
+                                          </p:spTgt>
+                                        </p:tgtEl>
+                                        <p:attrNameLst>
+                                          <p:attrName>style.visibility</p:attrName>
+                                        </p:attrNameLst>
+                                      </p:cBhvr>
+                                      <p:to>
+                                        <p:strVal val="visible"/>
+                                      </p:to>
+                                    </p:set>
+                                    <p:animEffect transition="in" filter="fade">
+                                      <p:cBhvr>
+                                        <p:cTn id="7" dur="500"/>
+                                        <p:tgtEl>
+                                          <p:spTgt spid="6">
+                                            <p:txEl>
+                                              <p:pRg st="0" end="0"/>
+                                            </p:txEl>
+                                          </p:spTgt>
+                                        </p:tgtEl>
+                                      </p:cBhvr>
+                                    </p:animEffect>
+                                  </p:childTnLst>
+                                </p:cTn>
+                              </p:par>
+                            </p:childTnLst>
+                          </p:cTn>
+                        </p:par>
+                      </p:childTnLst>
+                    </p:cTn>
+                  </p:par>
+                  <p:par>
+                    <p:cTn id="8" fill="hold">
+                      <p:stCondLst>
+                        <p:cond delay="indefinite"/>
+                      </p:stCondLst>
+                      <p:childTnLst>
+                        <p:par>
+                          <p:cTn id="9" fill="hold">
+                            <p:stCondLst>
+                              <p:cond delay="0"/>
+                            </p:stCondLst>
+                            <p:childTnLst>
+                              <p:par>
+                                <p:cTn id="10" presetID="10" presetClass="entr" presetSubtype="0" fill="hold" grpId="0" nodeType="clickEffect">
+                                  <p:stCondLst>
+                                    <p:cond delay="0"/>
+                                  </p:stCondLst>
+                                  <p:childTnLst>
+                                    <p:set>
+                                      <p:cBhvr>
+                                        <p:cTn id="11" dur="1" fill="hold">
+                                          <p:stCondLst>
+                                            <p:cond delay="0"/>
+                                          </p:stCondLst>
+                                        </p:cTn>
+                                        <p:tgtEl>
+                                          <p:spTgt spid="6">
+                                            <p:txEl>
+                                              <p:pRg st="1" end="1"/>
+                                            </p:txEl>
+                                          </p:spTgt>
+                                        </p:tgtEl>
+                                        <p:attrNameLst>
+                                          <p:attrName>style.visibility</p:attrName>
+                                        </p:attrNameLst>
+                                      </p:cBhvr>
+                                      <p:to>
+                                        <p:strVal val="visible"/>
+                                      </p:to>
+                                    </p:set>
+                                    <p:animEffect transition="in" filter="fade">
+                                      <p:cBhvr>
+                                        <p:cTn id="12" dur="500"/>
+                                        <p:tgtEl>
+                                          <p:spTgt spid="6">
+                                            <p:txEl>
+                                              <p:pRg st="1" end="1"/>
+                                            </p:txEl>
+                                          </p:spTgt>
+                                        </p:tgtEl>
+                                      </p:cBhvr>
+                                    </p:animEffect>
+                                  </p:childTnLst>
+                                </p:cTn>
+                              </p:par>
+                            </p:childTnLst>
+                          </p:cTn>
+                        </p:par>
+                      </p:childTnLst>
+                    </p:cTn>
+                  </p:par>
+                  <p:par>
+                    <p:cTn id="13" fill="hold">
+                      <p:stCondLst>
+                        <p:cond delay="indefinite"/>
+                      </p:stCondLst>
+                      <p:childTnLst>
+                        <p:par>
+                          <p:cTn id="14" fill="hold">
+                            <p:stCondLst>
+                              <p:cond delay="0"/>
+                            </p:stCondLst>
+                            <p:childTnLst>
+                              <p:par>
+                                <p:cTn id="15" presetID="10" presetClass="entr" presetSubtype="0" fill="hold" grpId="0" nodeType="clickEffect">
+                                  <p:stCondLst>
+                                    <p:cond delay="0"/>
+                                  </p:stCondLst>
+                                  <p:childTnLst>
+                                    <p:set>
+                                      <p:cBhvr>
+                                        <p:cTn id="16" dur="1" fill="hold">
+                                          <p:stCondLst>
+                                            <p:cond delay="0"/>
+                                          </p:stCondLst>
+                                        </p:cTn>
+                                        <p:tgtEl>
+                                          <p:spTgt spid="6">
+                                            <p:txEl>
+                                              <p:pRg st="2" end="2"/>
+                                            </p:txEl>
+                                          </p:spTgt>
+                                        </p:tgtEl>
+                                        <p:attrNameLst>
+                                          <p:attrName>style.visibility</p:attrName>
+                                        </p:attrNameLst>
+                                      </p:cBhvr>
+                                      <p:to>
+                                        <p:strVal val="visible"/>
+                                      </p:to>
+                                    </p:set>
+                                    <p:animEffect transition="in" filter="fade">
+                                      <p:cBhvr>
+                                        <p:cTn id="17" dur="500"/>
+                                        <p:tgtEl>
+                                          <p:spTgt spid="6">
+                                            <p:txEl>
+                                              <p:pRg st="2" end="2"/>
+                                            </p:txEl>
+                                          </p:spTgt>
+                                        </p:tgtEl>
+                                      </p:cBhvr>
+                                    </p:animEffect>
+                                  </p:childTnLst>
+                                </p:cTn>
+                              </p:par>
+                            </p:childTnLst>
+                          </p:cTn>
+                        </p:par>
+                      </p:childTnLst>
+                    </p:cTn>
+                  </p:par>
+                  <p:par>
+                    <p:cTn id="18" fill="hold">
+                      <p:stCondLst>
+                        <p:cond delay="indefinite"/>
+                      </p:stCondLst>
+                      <p:childTnLst>
+                        <p:par>
+                          <p:cTn id="19" fill="hold">
+                            <p:stCondLst>
+                              <p:cond delay="0"/>
+                            </p:stCondLst>
+                            <p:childTnLst>
+                              <p:par>
+                                <p:cTn id="20" presetID="10" presetClass="entr" presetSubtype="0" fill="hold" grpId="0" nodeType="clickEffect">
+                                  <p:stCondLst>
+                                    <p:cond delay="0"/>
+                                  </p:stCondLst>
+                                  <p:childTnLst>
+                                    <p:set>
+                                      <p:cBhvr>
+                                        <p:cTn id="21" dur="1" fill="hold">
+                                          <p:stCondLst>
+                                            <p:cond delay="0"/>
+                                          </p:stCondLst>
+                                        </p:cTn>
+                                        <p:tgtEl>
+                                          <p:spTgt spid="6">
+                                            <p:txEl>
+                                              <p:pRg st="3" end="3"/>
+                                            </p:txEl>
+                                          </p:spTgt>
+                                        </p:tgtEl>
+                                        <p:attrNameLst>
+                                          <p:attrName>style.visibility</p:attrName>
+                                        </p:attrNameLst>
+                                      </p:cBhvr>
+                                      <p:to>
+                                        <p:strVal val="visible"/>
+                                      </p:to>
+                                    </p:set>
+                                    <p:animEffect transition="in" filter="fade">
+                                      <p:cBhvr>
+                                        <p:cTn id="22" dur="500"/>
+                                        <p:tgtEl>
+                                          <p:spTgt spid="6">
+                                            <p:txEl>
+                                              <p:pRg st="3" end="3"/>
+                                            </p:txEl>
+                                          </p:spTgt>
+                                        </p:tgtEl>
+                                      </p:cBhvr>
+                                    </p:animEffect>
+                                  </p:childTnLst>
+                                </p:cTn>
+                              </p:par>
+                              <p:par>
+                                <p:cTn id="23" presetID="10" presetClass="entr" presetSubtype="0" fill="hold" grpId="0" nodeType="withEffect">
+                                  <p:stCondLst>
+                                    <p:cond delay="0"/>
+                                  </p:stCondLst>
+                                  <p:childTnLst>
+                                    <p:set>
+                                      <p:cBhvr>
+                                        <p:cTn id="24" dur="1" fill="hold">
+                                          <p:stCondLst>
+                                            <p:cond delay="0"/>
+                                          </p:stCondLst>
+                                        </p:cTn>
+                                        <p:tgtEl>
+                                          <p:spTgt spid="6">
+                                            <p:txEl>
+                                              <p:pRg st="4" end="4"/>
+                                            </p:txEl>
+                                          </p:spTgt>
+                                        </p:tgtEl>
+                                        <p:attrNameLst>
+                                          <p:attrName>style.visibility</p:attrName>
+                                        </p:attrNameLst>
+                                      </p:cBhvr>
+                                      <p:to>
+                                        <p:strVal val="visible"/>
+                                      </p:to>
+                                    </p:set>
+                                    <p:animEffect transition="in" filter="fade">
+                                      <p:cBhvr>
+                                        <p:cTn id="25" dur="500"/>
+                                        <p:tgtEl>
+                                          <p:spTgt spid="6">
+                                            <p:txEl>
+                                              <p:pRg st="4" end="4"/>
+                                            </p:txEl>
+                                          </p:spTgt>
+                                        </p:tgtEl>
+                                      </p:cBhvr>
+                                    </p:animEffect>
+                                  </p:childTnLst>
+                                </p:cTn>
+                              </p:par>
+                              <p:par>
+                                <p:cTn id="26" presetID="10" presetClass="entr" presetSubtype="0" fill="hold" grpId="0" nodeType="withEffect">
+                                  <p:stCondLst>
+                                    <p:cond delay="0"/>
+                                  </p:stCondLst>
+                                  <p:childTnLst>
+                                    <p:set>
+                                      <p:cBhvr>
+                                        <p:cTn id="27" dur="1" fill="hold">
+                                          <p:stCondLst>
+                                            <p:cond delay="0"/>
+                                          </p:stCondLst>
+                                        </p:cTn>
+                                        <p:tgtEl>
+                                          <p:spTgt spid="6">
+                                            <p:txEl>
+                                              <p:pRg st="5" end="5"/>
+                                            </p:txEl>
+                                          </p:spTgt>
+                                        </p:tgtEl>
+                                        <p:attrNameLst>
+                                          <p:attrName>style.visibility</p:attrName>
+                                        </p:attrNameLst>
+                                      </p:cBhvr>
+                                      <p:to>
+                                        <p:strVal val="visible"/>
+                                      </p:to>
+                                    </p:set>
+                                    <p:animEffect transition="in" filter="fade">
+                                      <p:cBhvr>
+                                        <p:cTn id="28" dur="500"/>
+                                        <p:tgtEl>
+                                          <p:spTgt spid="6">
+                                            <p:txEl>
+                                              <p:pRg st="5" end="5"/>
+                                            </p:txEl>
+                                          </p:spTgt>
+                                        </p:tgtEl>
+                                      </p:cBhvr>
+                                    </p:animEffect>
+                                  </p:childTnLst>
+                                </p:cTn>
+                              </p:par>
+                              <p:par>
+                                <p:cTn id="29" presetID="10" presetClass="entr" presetSubtype="0" fill="hold" grpId="0" nodeType="withEffect">
+                                  <p:stCondLst>
+                                    <p:cond delay="0"/>
+                                  </p:stCondLst>
+                                  <p:childTnLst>
+                                    <p:set>
+                                      <p:cBhvr>
+                                        <p:cTn id="30" dur="1" fill="hold">
+                                          <p:stCondLst>
+                                            <p:cond delay="0"/>
+                                          </p:stCondLst>
+                                        </p:cTn>
+                                        <p:tgtEl>
+                                          <p:spTgt spid="6">
+                                            <p:txEl>
+                                              <p:pRg st="6" end="6"/>
+                                            </p:txEl>
+                                          </p:spTgt>
+                                        </p:tgtEl>
+                                        <p:attrNameLst>
+                                          <p:attrName>style.visibility</p:attrName>
+                                        </p:attrNameLst>
+                                      </p:cBhvr>
+                                      <p:to>
+                                        <p:strVal val="visible"/>
+                                      </p:to>
+                                    </p:set>
+                                    <p:animEffect transition="in" filter="fade">
+                                      <p:cBhvr>
+                                        <p:cTn id="31" dur="500"/>
+                                        <p:tgtEl>
+                                          <p:spTgt spid="6">
+                                            <p:txEl>
+                                              <p:pRg st="6" end="6"/>
+                                            </p:txEl>
+                                          </p:spTgt>
+                                        </p:tgtEl>
+                                      </p:cBhvr>
+                                    </p:animEffect>
+                                  </p:childTnLst>
+                                </p:cTn>
+                              </p:par>
+                              <p:par>
+                                <p:cTn id="32" presetID="10" presetClass="entr" presetSubtype="0" fill="hold" grpId="0" nodeType="withEffect">
+                                  <p:stCondLst>
+                                    <p:cond delay="0"/>
+                                  </p:stCondLst>
+                                  <p:childTnLst>
+                                    <p:set>
+                                      <p:cBhvr>
+                                        <p:cTn id="33" dur="1" fill="hold">
+                                          <p:stCondLst>
+                                            <p:cond delay="0"/>
+                                          </p:stCondLst>
+                                        </p:cTn>
+                                        <p:tgtEl>
+                                          <p:spTgt spid="6">
+                                            <p:txEl>
+                                              <p:pRg st="7" end="7"/>
+                                            </p:txEl>
+                                          </p:spTgt>
+                                        </p:tgtEl>
+                                        <p:attrNameLst>
+                                          <p:attrName>style.visibility</p:attrName>
+                                        </p:attrNameLst>
+                                      </p:cBhvr>
+                                      <p:to>
+                                        <p:strVal val="visible"/>
+                                      </p:to>
+                                    </p:set>
+                                    <p:animEffect transition="in" filter="fade">
+                                      <p:cBhvr>
+                                        <p:cTn id="34" dur="500"/>
+                                        <p:tgtEl>
+                                          <p:spTgt spid="6">
+                                            <p:txEl>
+                                              <p:pRg st="7" end="7"/>
+                                            </p:txEl>
+                                          </p:spTgt>
+                                        </p:tgtEl>
+                                      </p:cBhvr>
+                                    </p:animEffect>
+                                  </p:childTnLst>
+                                </p:cTn>
+                              </p:par>
+                            </p:childTnLst>
+                          </p:cTn>
+                        </p:par>
+                      </p:childTnLst>
+                    </p:cTn>
+                  </p:par>
+                  <p:par>
+                    <p:cTn id="35" fill="hold">
+                      <p:stCondLst>
+                        <p:cond delay="indefinite"/>
+                      </p:stCondLst>
+                      <p:childTnLst>
+                        <p:par>
+                          <p:cTn id="36" fill="hold">
+                            <p:stCondLst>
+                              <p:cond delay="0"/>
+                            </p:stCondLst>
+                            <p:childTnLst>
+                              <p:par>
+                                <p:cTn id="37" presetID="10" presetClass="entr" presetSubtype="0" fill="hold" grpId="0" nodeType="clickEffect">
+                                  <p:stCondLst>
+                                    <p:cond delay="0"/>
+                                  </p:stCondLst>
+                                  <p:childTnLst>
+                                    <p:set>
+                                      <p:cBhvr>
+                                        <p:cTn id="38" dur="1" fill="hold">
+                                          <p:stCondLst>
+                                            <p:cond delay="0"/>
+                                          </p:stCondLst>
+                                        </p:cTn>
+                                        <p:tgtEl>
+                                          <p:spTgt spid="6">
+                                            <p:txEl>
+                                              <p:pRg st="8" end="8"/>
+                                            </p:txEl>
+                                          </p:spTgt>
+                                        </p:tgtEl>
+                                        <p:attrNameLst>
+                                          <p:attrName>style.visibility</p:attrName>
+                                        </p:attrNameLst>
+                                      </p:cBhvr>
+                                      <p:to>
+                                        <p:strVal val="visible"/>
+                                      </p:to>
+                                    </p:set>
+                                    <p:animEffect transition="in" filter="fade">
+                                      <p:cBhvr>
+                                        <p:cTn id="39" dur="500"/>
+                                        <p:tgtEl>
+                                          <p:spTgt spid="6">
+                                            <p:txEl>
+                                              <p:pRg st="8" end="8"/>
+                                            </p:txEl>
+                                          </p:spTgt>
+                                        </p:tgtEl>
+                                      </p:cBhvr>
+                                    </p:animEffect>
+                                  </p:childTnLst>
+                                </p:cTn>
+                              </p:par>
+                            </p:childTnLst>
+                          </p:cTn>
+                        </p:par>
+                      </p:childTnLst>
+                    </p:cTn>
+                  </p:par>
+                </p:childTnLst>
+              </p:cTn>
+              <p:prevCondLst>
+                <p:cond evt="onPrev" delay="0">
+                  <p:tgtEl>
+                    <p:sldTgt/>
+                  </p:tgtEl>
+                </p:cond>
+              </p:prevCondLst>
+              <p:nextCondLst>
+                <p:cond evt="onNext" delay="0">
+                  <p:tgtEl>
+                    <p:sldTgt/>
+                  </p:tgtEl>
+                </p:cond>
+              </p:nextCondLst>
+            </p:seq>
+          </p:childTnLst>
+        </p:cTn>
+      </p:par>
+    </p:tnLst>
+    <p:bldLst>
+      <p:bldP spid="6" grpId="0" build="p"/>
+    </p:bldLst>
+  </p:timing>
 </p:sld>
 </file>
 
@@ -9226,6 +12397,234 @@
   <p:clrMapOvr>
     <a:masterClrMapping/>
   </p:clrMapOvr>
+  <mc:AlternateContent xmlns:mc="http://schemas.openxmlformats.org/markup-compatibility/2006">
+    <mc:Choice xmlns:p14="http://schemas.microsoft.com/office/powerpoint/2010/main" Requires="p14">
+      <p:transition spd="med" p14:dur="700">
+        <p:fade/>
+      </p:transition>
+    </mc:Choice>
+    <mc:Fallback>
+      <p:transition spd="med">
+        <p:fade/>
+      </p:transition>
+    </mc:Fallback>
+  </mc:AlternateContent>
+  <p:timing>
+    <p:tnLst>
+      <p:par>
+        <p:cTn id="1" dur="indefinite" restart="never" nodeType="tmRoot">
+          <p:childTnLst>
+            <p:seq concurrent="1" nextAc="seek">
+              <p:cTn id="2" dur="indefinite" nodeType="mainSeq">
+                <p:childTnLst>
+                  <p:par>
+                    <p:cTn id="3" fill="hold">
+                      <p:stCondLst>
+                        <p:cond delay="indefinite"/>
+                      </p:stCondLst>
+                      <p:childTnLst>
+                        <p:par>
+                          <p:cTn id="4" fill="hold">
+                            <p:stCondLst>
+                              <p:cond delay="0"/>
+                            </p:stCondLst>
+                            <p:childTnLst>
+                              <p:par>
+                                <p:cTn id="5" presetID="10" presetClass="entr" presetSubtype="0" fill="hold" grpId="0" nodeType="clickEffect">
+                                  <p:stCondLst>
+                                    <p:cond delay="0"/>
+                                  </p:stCondLst>
+                                  <p:childTnLst>
+                                    <p:set>
+                                      <p:cBhvr>
+                                        <p:cTn id="6" dur="1" fill="hold">
+                                          <p:stCondLst>
+                                            <p:cond delay="0"/>
+                                          </p:stCondLst>
+                                        </p:cTn>
+                                        <p:tgtEl>
+                                          <p:spTgt spid="6">
+                                            <p:txEl>
+                                              <p:pRg st="0" end="0"/>
+                                            </p:txEl>
+                                          </p:spTgt>
+                                        </p:tgtEl>
+                                        <p:attrNameLst>
+                                          <p:attrName>style.visibility</p:attrName>
+                                        </p:attrNameLst>
+                                      </p:cBhvr>
+                                      <p:to>
+                                        <p:strVal val="visible"/>
+                                      </p:to>
+                                    </p:set>
+                                    <p:animEffect transition="in" filter="fade">
+                                      <p:cBhvr>
+                                        <p:cTn id="7" dur="500"/>
+                                        <p:tgtEl>
+                                          <p:spTgt spid="6">
+                                            <p:txEl>
+                                              <p:pRg st="0" end="0"/>
+                                            </p:txEl>
+                                          </p:spTgt>
+                                        </p:tgtEl>
+                                      </p:cBhvr>
+                                    </p:animEffect>
+                                  </p:childTnLst>
+                                </p:cTn>
+                              </p:par>
+                            </p:childTnLst>
+                          </p:cTn>
+                        </p:par>
+                      </p:childTnLst>
+                    </p:cTn>
+                  </p:par>
+                  <p:par>
+                    <p:cTn id="8" fill="hold">
+                      <p:stCondLst>
+                        <p:cond delay="indefinite"/>
+                      </p:stCondLst>
+                      <p:childTnLst>
+                        <p:par>
+                          <p:cTn id="9" fill="hold">
+                            <p:stCondLst>
+                              <p:cond delay="0"/>
+                            </p:stCondLst>
+                            <p:childTnLst>
+                              <p:par>
+                                <p:cTn id="10" presetID="10" presetClass="entr" presetSubtype="0" fill="hold" grpId="0" nodeType="clickEffect">
+                                  <p:stCondLst>
+                                    <p:cond delay="0"/>
+                                  </p:stCondLst>
+                                  <p:childTnLst>
+                                    <p:set>
+                                      <p:cBhvr>
+                                        <p:cTn id="11" dur="1" fill="hold">
+                                          <p:stCondLst>
+                                            <p:cond delay="0"/>
+                                          </p:stCondLst>
+                                        </p:cTn>
+                                        <p:tgtEl>
+                                          <p:spTgt spid="6">
+                                            <p:txEl>
+                                              <p:pRg st="1" end="1"/>
+                                            </p:txEl>
+                                          </p:spTgt>
+                                        </p:tgtEl>
+                                        <p:attrNameLst>
+                                          <p:attrName>style.visibility</p:attrName>
+                                        </p:attrNameLst>
+                                      </p:cBhvr>
+                                      <p:to>
+                                        <p:strVal val="visible"/>
+                                      </p:to>
+                                    </p:set>
+                                    <p:animEffect transition="in" filter="fade">
+                                      <p:cBhvr>
+                                        <p:cTn id="12" dur="500"/>
+                                        <p:tgtEl>
+                                          <p:spTgt spid="6">
+                                            <p:txEl>
+                                              <p:pRg st="1" end="1"/>
+                                            </p:txEl>
+                                          </p:spTgt>
+                                        </p:tgtEl>
+                                      </p:cBhvr>
+                                    </p:animEffect>
+                                  </p:childTnLst>
+                                </p:cTn>
+                              </p:par>
+                            </p:childTnLst>
+                          </p:cTn>
+                        </p:par>
+                      </p:childTnLst>
+                    </p:cTn>
+                  </p:par>
+                  <p:par>
+                    <p:cTn id="13" fill="hold">
+                      <p:stCondLst>
+                        <p:cond delay="indefinite"/>
+                      </p:stCondLst>
+                      <p:childTnLst>
+                        <p:par>
+                          <p:cTn id="14" fill="hold">
+                            <p:stCondLst>
+                              <p:cond delay="0"/>
+                            </p:stCondLst>
+                            <p:childTnLst>
+                              <p:par>
+                                <p:cTn id="15" presetID="10" presetClass="entr" presetSubtype="0" fill="hold" grpId="0" nodeType="clickEffect">
+                                  <p:stCondLst>
+                                    <p:cond delay="0"/>
+                                  </p:stCondLst>
+                                  <p:childTnLst>
+                                    <p:set>
+                                      <p:cBhvr>
+                                        <p:cTn id="16" dur="1" fill="hold">
+                                          <p:stCondLst>
+                                            <p:cond delay="0"/>
+                                          </p:stCondLst>
+                                        </p:cTn>
+                                        <p:tgtEl>
+                                          <p:spTgt spid="6">
+                                            <p:txEl>
+                                              <p:pRg st="2" end="2"/>
+                                            </p:txEl>
+                                          </p:spTgt>
+                                        </p:tgtEl>
+                                        <p:attrNameLst>
+                                          <p:attrName>style.visibility</p:attrName>
+                                        </p:attrNameLst>
+                                      </p:cBhvr>
+                                      <p:to>
+                                        <p:strVal val="visible"/>
+                                      </p:to>
+                                    </p:set>
+                                    <p:animEffect transition="in" filter="fade">
+                                      <p:cBhvr>
+                                        <p:cTn id="17" dur="500"/>
+                                        <p:tgtEl>
+                                          <p:spTgt spid="6">
+                                            <p:txEl>
+                                              <p:pRg st="2" end="2"/>
+                                            </p:txEl>
+                                          </p:spTgt>
+                                        </p:tgtEl>
+                                      </p:cBhvr>
+                                    </p:animEffect>
+                                  </p:childTnLst>
+                                </p:cTn>
+                              </p:par>
+                            </p:childTnLst>
+                          </p:cTn>
+                        </p:par>
+                      </p:childTnLst>
+                    </p:cTn>
+                  </p:par>
+                </p:childTnLst>
+              </p:cTn>
+              <p:prevCondLst>
+                <p:cond evt="onPrev" delay="0">
+                  <p:tgtEl>
+                    <p:sldTgt/>
+                  </p:tgtEl>
+                </p:cond>
+              </p:prevCondLst>
+              <p:nextCondLst>
+                <p:cond evt="onNext" delay="0">
+                  <p:tgtEl>
+                    <p:sldTgt/>
+                  </p:tgtEl>
+                </p:cond>
+              </p:nextCondLst>
+            </p:seq>
+          </p:childTnLst>
+        </p:cTn>
+      </p:par>
+    </p:tnLst>
+    <p:bldLst>
+      <p:bldP spid="6" grpId="0" build="p"/>
+    </p:bldLst>
+  </p:timing>
 </p:sld>
 </file>
 
@@ -9407,6 +12806,25 @@
   <p:clrMapOvr>
     <a:masterClrMapping/>
   </p:clrMapOvr>
+  <mc:AlternateContent xmlns:mc="http://schemas.openxmlformats.org/markup-compatibility/2006">
+    <mc:Choice xmlns:p14="http://schemas.microsoft.com/office/powerpoint/2010/main" Requires="p14">
+      <p:transition spd="med" p14:dur="700">
+        <p:fade/>
+      </p:transition>
+    </mc:Choice>
+    <mc:Fallback>
+      <p:transition spd="med">
+        <p:fade/>
+      </p:transition>
+    </mc:Fallback>
+  </mc:AlternateContent>
+  <p:timing>
+    <p:tnLst>
+      <p:par>
+        <p:cTn id="1" dur="indefinite" restart="never" nodeType="tmRoot"/>
+      </p:par>
+    </p:tnLst>
+  </p:timing>
 </p:sld>
 </file>
 
@@ -9606,6 +13024,25 @@
   <p:clrMapOvr>
     <a:masterClrMapping/>
   </p:clrMapOvr>
+  <mc:AlternateContent xmlns:mc="http://schemas.openxmlformats.org/markup-compatibility/2006">
+    <mc:Choice xmlns:p14="http://schemas.microsoft.com/office/powerpoint/2010/main" Requires="p14">
+      <p:transition spd="med" p14:dur="700">
+        <p:fade/>
+      </p:transition>
+    </mc:Choice>
+    <mc:Fallback>
+      <p:transition spd="med">
+        <p:fade/>
+      </p:transition>
+    </mc:Fallback>
+  </mc:AlternateContent>
+  <p:timing>
+    <p:tnLst>
+      <p:par>
+        <p:cTn id="1" dur="indefinite" restart="never" nodeType="tmRoot"/>
+      </p:par>
+    </p:tnLst>
+  </p:timing>
 </p:sld>
 </file>
 
@@ -9701,6 +13138,25 @@
   <p:clrMapOvr>
     <a:masterClrMapping/>
   </p:clrMapOvr>
+  <mc:AlternateContent xmlns:mc="http://schemas.openxmlformats.org/markup-compatibility/2006">
+    <mc:Choice xmlns:p14="http://schemas.microsoft.com/office/powerpoint/2010/main" Requires="p14">
+      <p:transition spd="med" p14:dur="700">
+        <p:fade/>
+      </p:transition>
+    </mc:Choice>
+    <mc:Fallback>
+      <p:transition spd="med">
+        <p:fade/>
+      </p:transition>
+    </mc:Fallback>
+  </mc:AlternateContent>
+  <p:timing>
+    <p:tnLst>
+      <p:par>
+        <p:cTn id="1" dur="indefinite" restart="never" nodeType="tmRoot"/>
+      </p:par>
+    </p:tnLst>
+  </p:timing>
 </p:sld>
 </file>
 
@@ -9901,6 +13357,25 @@
   <p:clrMapOvr>
     <a:masterClrMapping/>
   </p:clrMapOvr>
+  <mc:AlternateContent xmlns:mc="http://schemas.openxmlformats.org/markup-compatibility/2006">
+    <mc:Choice xmlns:p14="http://schemas.microsoft.com/office/powerpoint/2010/main" Requires="p14">
+      <p:transition spd="med" p14:dur="700">
+        <p:fade/>
+      </p:transition>
+    </mc:Choice>
+    <mc:Fallback>
+      <p:transition spd="med">
+        <p:fade/>
+      </p:transition>
+    </mc:Fallback>
+  </mc:AlternateContent>
+  <p:timing>
+    <p:tnLst>
+      <p:par>
+        <p:cTn id="1" dur="indefinite" restart="never" nodeType="tmRoot"/>
+      </p:par>
+    </p:tnLst>
+  </p:timing>
 </p:sld>
 </file>
 
@@ -10010,6 +13485,25 @@
   <p:clrMapOvr>
     <a:masterClrMapping/>
   </p:clrMapOvr>
+  <mc:AlternateContent xmlns:mc="http://schemas.openxmlformats.org/markup-compatibility/2006">
+    <mc:Choice xmlns:p14="http://schemas.microsoft.com/office/powerpoint/2010/main" Requires="p14">
+      <p:transition spd="med" p14:dur="700">
+        <p:fade/>
+      </p:transition>
+    </mc:Choice>
+    <mc:Fallback>
+      <p:transition spd="med">
+        <p:fade/>
+      </p:transition>
+    </mc:Fallback>
+  </mc:AlternateContent>
+  <p:timing>
+    <p:tnLst>
+      <p:par>
+        <p:cTn id="1" dur="indefinite" restart="never" nodeType="tmRoot"/>
+      </p:par>
+    </p:tnLst>
+  </p:timing>
 </p:sld>
 </file>
 
@@ -10132,8 +13626,13 @@
           <a:p>
             <a:r>
               <a:rPr lang="en-US" sz="2000" dirty="0"/>
-              <a:t>Consider not using code when you can use data</a:t>
-            </a:r>
+              <a:t>Consider not using code when you can use </a:t>
+            </a:r>
+            <a:r>
+              <a:rPr lang="en-US" sz="2000" dirty="0" smtClean="0"/>
+              <a:t>data (for simulation)</a:t>
+            </a:r>
+            <a:endParaRPr lang="en-US" sz="2000" dirty="0"/>
           </a:p>
           <a:p>
             <a:endParaRPr lang="en-US" sz="2000" dirty="0"/>
@@ -10165,6 +13664,449 @@
   <p:clrMapOvr>
     <a:masterClrMapping/>
   </p:clrMapOvr>
+  <mc:AlternateContent xmlns:mc="http://schemas.openxmlformats.org/markup-compatibility/2006">
+    <mc:Choice xmlns:p14="http://schemas.microsoft.com/office/powerpoint/2010/main" Requires="p14">
+      <p:transition spd="med" p14:dur="700">
+        <p:fade/>
+      </p:transition>
+    </mc:Choice>
+    <mc:Fallback>
+      <p:transition spd="med">
+        <p:fade/>
+      </p:transition>
+    </mc:Fallback>
+  </mc:AlternateContent>
+  <p:timing>
+    <p:tnLst>
+      <p:par>
+        <p:cTn id="1" dur="indefinite" restart="never" nodeType="tmRoot">
+          <p:childTnLst>
+            <p:seq concurrent="1" nextAc="seek">
+              <p:cTn id="2" dur="indefinite" nodeType="mainSeq">
+                <p:childTnLst>
+                  <p:par>
+                    <p:cTn id="3" fill="hold">
+                      <p:stCondLst>
+                        <p:cond delay="indefinite"/>
+                      </p:stCondLst>
+                      <p:childTnLst>
+                        <p:par>
+                          <p:cTn id="4" fill="hold">
+                            <p:stCondLst>
+                              <p:cond delay="0"/>
+                            </p:stCondLst>
+                            <p:childTnLst>
+                              <p:par>
+                                <p:cTn id="5" presetID="10" presetClass="entr" presetSubtype="0" fill="hold" grpId="0" nodeType="clickEffect">
+                                  <p:stCondLst>
+                                    <p:cond delay="0"/>
+                                  </p:stCondLst>
+                                  <p:childTnLst>
+                                    <p:set>
+                                      <p:cBhvr>
+                                        <p:cTn id="6" dur="1" fill="hold">
+                                          <p:stCondLst>
+                                            <p:cond delay="0"/>
+                                          </p:stCondLst>
+                                        </p:cTn>
+                                        <p:tgtEl>
+                                          <p:spTgt spid="3">
+                                            <p:txEl>
+                                              <p:pRg st="0" end="0"/>
+                                            </p:txEl>
+                                          </p:spTgt>
+                                        </p:tgtEl>
+                                        <p:attrNameLst>
+                                          <p:attrName>style.visibility</p:attrName>
+                                        </p:attrNameLst>
+                                      </p:cBhvr>
+                                      <p:to>
+                                        <p:strVal val="visible"/>
+                                      </p:to>
+                                    </p:set>
+                                    <p:animEffect transition="in" filter="fade">
+                                      <p:cBhvr>
+                                        <p:cTn id="7" dur="500"/>
+                                        <p:tgtEl>
+                                          <p:spTgt spid="3">
+                                            <p:txEl>
+                                              <p:pRg st="0" end="0"/>
+                                            </p:txEl>
+                                          </p:spTgt>
+                                        </p:tgtEl>
+                                      </p:cBhvr>
+                                    </p:animEffect>
+                                  </p:childTnLst>
+                                </p:cTn>
+                              </p:par>
+                              <p:par>
+                                <p:cTn id="8" presetID="10" presetClass="entr" presetSubtype="0" fill="hold" grpId="0" nodeType="withEffect">
+                                  <p:stCondLst>
+                                    <p:cond delay="0"/>
+                                  </p:stCondLst>
+                                  <p:childTnLst>
+                                    <p:set>
+                                      <p:cBhvr>
+                                        <p:cTn id="9" dur="1" fill="hold">
+                                          <p:stCondLst>
+                                            <p:cond delay="0"/>
+                                          </p:stCondLst>
+                                        </p:cTn>
+                                        <p:tgtEl>
+                                          <p:spTgt spid="3">
+                                            <p:txEl>
+                                              <p:pRg st="1" end="1"/>
+                                            </p:txEl>
+                                          </p:spTgt>
+                                        </p:tgtEl>
+                                        <p:attrNameLst>
+                                          <p:attrName>style.visibility</p:attrName>
+                                        </p:attrNameLst>
+                                      </p:cBhvr>
+                                      <p:to>
+                                        <p:strVal val="visible"/>
+                                      </p:to>
+                                    </p:set>
+                                    <p:animEffect transition="in" filter="fade">
+                                      <p:cBhvr>
+                                        <p:cTn id="10" dur="500"/>
+                                        <p:tgtEl>
+                                          <p:spTgt spid="3">
+                                            <p:txEl>
+                                              <p:pRg st="1" end="1"/>
+                                            </p:txEl>
+                                          </p:spTgt>
+                                        </p:tgtEl>
+                                      </p:cBhvr>
+                                    </p:animEffect>
+                                  </p:childTnLst>
+                                </p:cTn>
+                              </p:par>
+                              <p:par>
+                                <p:cTn id="11" presetID="10" presetClass="entr" presetSubtype="0" fill="hold" grpId="0" nodeType="withEffect">
+                                  <p:stCondLst>
+                                    <p:cond delay="0"/>
+                                  </p:stCondLst>
+                                  <p:childTnLst>
+                                    <p:set>
+                                      <p:cBhvr>
+                                        <p:cTn id="12" dur="1" fill="hold">
+                                          <p:stCondLst>
+                                            <p:cond delay="0"/>
+                                          </p:stCondLst>
+                                        </p:cTn>
+                                        <p:tgtEl>
+                                          <p:spTgt spid="3">
+                                            <p:txEl>
+                                              <p:pRg st="2" end="2"/>
+                                            </p:txEl>
+                                          </p:spTgt>
+                                        </p:tgtEl>
+                                        <p:attrNameLst>
+                                          <p:attrName>style.visibility</p:attrName>
+                                        </p:attrNameLst>
+                                      </p:cBhvr>
+                                      <p:to>
+                                        <p:strVal val="visible"/>
+                                      </p:to>
+                                    </p:set>
+                                    <p:animEffect transition="in" filter="fade">
+                                      <p:cBhvr>
+                                        <p:cTn id="13" dur="500"/>
+                                        <p:tgtEl>
+                                          <p:spTgt spid="3">
+                                            <p:txEl>
+                                              <p:pRg st="2" end="2"/>
+                                            </p:txEl>
+                                          </p:spTgt>
+                                        </p:tgtEl>
+                                      </p:cBhvr>
+                                    </p:animEffect>
+                                  </p:childTnLst>
+                                </p:cTn>
+                              </p:par>
+                            </p:childTnLst>
+                          </p:cTn>
+                        </p:par>
+                      </p:childTnLst>
+                    </p:cTn>
+                  </p:par>
+                  <p:par>
+                    <p:cTn id="14" fill="hold">
+                      <p:stCondLst>
+                        <p:cond delay="indefinite"/>
+                      </p:stCondLst>
+                      <p:childTnLst>
+                        <p:par>
+                          <p:cTn id="15" fill="hold">
+                            <p:stCondLst>
+                              <p:cond delay="0"/>
+                            </p:stCondLst>
+                            <p:childTnLst>
+                              <p:par>
+                                <p:cTn id="16" presetID="10" presetClass="entr" presetSubtype="0" fill="hold" grpId="0" nodeType="clickEffect">
+                                  <p:stCondLst>
+                                    <p:cond delay="0"/>
+                                  </p:stCondLst>
+                                  <p:childTnLst>
+                                    <p:set>
+                                      <p:cBhvr>
+                                        <p:cTn id="17" dur="1" fill="hold">
+                                          <p:stCondLst>
+                                            <p:cond delay="0"/>
+                                          </p:stCondLst>
+                                        </p:cTn>
+                                        <p:tgtEl>
+                                          <p:spTgt spid="3">
+                                            <p:txEl>
+                                              <p:pRg st="3" end="3"/>
+                                            </p:txEl>
+                                          </p:spTgt>
+                                        </p:tgtEl>
+                                        <p:attrNameLst>
+                                          <p:attrName>style.visibility</p:attrName>
+                                        </p:attrNameLst>
+                                      </p:cBhvr>
+                                      <p:to>
+                                        <p:strVal val="visible"/>
+                                      </p:to>
+                                    </p:set>
+                                    <p:animEffect transition="in" filter="fade">
+                                      <p:cBhvr>
+                                        <p:cTn id="18" dur="500"/>
+                                        <p:tgtEl>
+                                          <p:spTgt spid="3">
+                                            <p:txEl>
+                                              <p:pRg st="3" end="3"/>
+                                            </p:txEl>
+                                          </p:spTgt>
+                                        </p:tgtEl>
+                                      </p:cBhvr>
+                                    </p:animEffect>
+                                  </p:childTnLst>
+                                </p:cTn>
+                              </p:par>
+                              <p:par>
+                                <p:cTn id="19" presetID="10" presetClass="entr" presetSubtype="0" fill="hold" grpId="0" nodeType="withEffect">
+                                  <p:stCondLst>
+                                    <p:cond delay="0"/>
+                                  </p:stCondLst>
+                                  <p:childTnLst>
+                                    <p:set>
+                                      <p:cBhvr>
+                                        <p:cTn id="20" dur="1" fill="hold">
+                                          <p:stCondLst>
+                                            <p:cond delay="0"/>
+                                          </p:stCondLst>
+                                        </p:cTn>
+                                        <p:tgtEl>
+                                          <p:spTgt spid="3">
+                                            <p:txEl>
+                                              <p:pRg st="4" end="4"/>
+                                            </p:txEl>
+                                          </p:spTgt>
+                                        </p:tgtEl>
+                                        <p:attrNameLst>
+                                          <p:attrName>style.visibility</p:attrName>
+                                        </p:attrNameLst>
+                                      </p:cBhvr>
+                                      <p:to>
+                                        <p:strVal val="visible"/>
+                                      </p:to>
+                                    </p:set>
+                                    <p:animEffect transition="in" filter="fade">
+                                      <p:cBhvr>
+                                        <p:cTn id="21" dur="500"/>
+                                        <p:tgtEl>
+                                          <p:spTgt spid="3">
+                                            <p:txEl>
+                                              <p:pRg st="4" end="4"/>
+                                            </p:txEl>
+                                          </p:spTgt>
+                                        </p:tgtEl>
+                                      </p:cBhvr>
+                                    </p:animEffect>
+                                  </p:childTnLst>
+                                </p:cTn>
+                              </p:par>
+                              <p:par>
+                                <p:cTn id="22" presetID="10" presetClass="entr" presetSubtype="0" fill="hold" grpId="0" nodeType="withEffect">
+                                  <p:stCondLst>
+                                    <p:cond delay="0"/>
+                                  </p:stCondLst>
+                                  <p:childTnLst>
+                                    <p:set>
+                                      <p:cBhvr>
+                                        <p:cTn id="23" dur="1" fill="hold">
+                                          <p:stCondLst>
+                                            <p:cond delay="0"/>
+                                          </p:stCondLst>
+                                        </p:cTn>
+                                        <p:tgtEl>
+                                          <p:spTgt spid="3">
+                                            <p:txEl>
+                                              <p:pRg st="5" end="5"/>
+                                            </p:txEl>
+                                          </p:spTgt>
+                                        </p:tgtEl>
+                                        <p:attrNameLst>
+                                          <p:attrName>style.visibility</p:attrName>
+                                        </p:attrNameLst>
+                                      </p:cBhvr>
+                                      <p:to>
+                                        <p:strVal val="visible"/>
+                                      </p:to>
+                                    </p:set>
+                                    <p:animEffect transition="in" filter="fade">
+                                      <p:cBhvr>
+                                        <p:cTn id="24" dur="500"/>
+                                        <p:tgtEl>
+                                          <p:spTgt spid="3">
+                                            <p:txEl>
+                                              <p:pRg st="5" end="5"/>
+                                            </p:txEl>
+                                          </p:spTgt>
+                                        </p:tgtEl>
+                                      </p:cBhvr>
+                                    </p:animEffect>
+                                  </p:childTnLst>
+                                </p:cTn>
+                              </p:par>
+                              <p:par>
+                                <p:cTn id="25" presetID="10" presetClass="entr" presetSubtype="0" fill="hold" grpId="0" nodeType="withEffect">
+                                  <p:stCondLst>
+                                    <p:cond delay="0"/>
+                                  </p:stCondLst>
+                                  <p:childTnLst>
+                                    <p:set>
+                                      <p:cBhvr>
+                                        <p:cTn id="26" dur="1" fill="hold">
+                                          <p:stCondLst>
+                                            <p:cond delay="0"/>
+                                          </p:stCondLst>
+                                        </p:cTn>
+                                        <p:tgtEl>
+                                          <p:spTgt spid="3">
+                                            <p:txEl>
+                                              <p:pRg st="6" end="6"/>
+                                            </p:txEl>
+                                          </p:spTgt>
+                                        </p:tgtEl>
+                                        <p:attrNameLst>
+                                          <p:attrName>style.visibility</p:attrName>
+                                        </p:attrNameLst>
+                                      </p:cBhvr>
+                                      <p:to>
+                                        <p:strVal val="visible"/>
+                                      </p:to>
+                                    </p:set>
+                                    <p:animEffect transition="in" filter="fade">
+                                      <p:cBhvr>
+                                        <p:cTn id="27" dur="500"/>
+                                        <p:tgtEl>
+                                          <p:spTgt spid="3">
+                                            <p:txEl>
+                                              <p:pRg st="6" end="6"/>
+                                            </p:txEl>
+                                          </p:spTgt>
+                                        </p:tgtEl>
+                                      </p:cBhvr>
+                                    </p:animEffect>
+                                  </p:childTnLst>
+                                </p:cTn>
+                              </p:par>
+                            </p:childTnLst>
+                          </p:cTn>
+                        </p:par>
+                      </p:childTnLst>
+                    </p:cTn>
+                  </p:par>
+                  <p:par>
+                    <p:cTn id="28" fill="hold">
+                      <p:stCondLst>
+                        <p:cond delay="indefinite"/>
+                      </p:stCondLst>
+                      <p:childTnLst>
+                        <p:par>
+                          <p:cTn id="29" fill="hold">
+                            <p:stCondLst>
+                              <p:cond delay="0"/>
+                            </p:stCondLst>
+                            <p:childTnLst>
+                              <p:par>
+                                <p:cTn id="30" presetID="10" presetClass="entr" presetSubtype="0" fill="hold" grpId="0" nodeType="clickEffect">
+                                  <p:stCondLst>
+                                    <p:cond delay="0"/>
+                                  </p:stCondLst>
+                                  <p:childTnLst>
+                                    <p:set>
+                                      <p:cBhvr>
+                                        <p:cTn id="31" dur="1" fill="hold">
+                                          <p:stCondLst>
+                                            <p:cond delay="0"/>
+                                          </p:stCondLst>
+                                        </p:cTn>
+                                        <p:tgtEl>
+                                          <p:spTgt spid="3">
+                                            <p:txEl>
+                                              <p:pRg st="7" end="7"/>
+                                            </p:txEl>
+                                          </p:spTgt>
+                                        </p:tgtEl>
+                                        <p:attrNameLst>
+                                          <p:attrName>style.visibility</p:attrName>
+                                        </p:attrNameLst>
+                                      </p:cBhvr>
+                                      <p:to>
+                                        <p:strVal val="visible"/>
+                                      </p:to>
+                                    </p:set>
+                                    <p:animEffect transition="in" filter="fade">
+                                      <p:cBhvr>
+                                        <p:cTn id="32" dur="500"/>
+                                        <p:tgtEl>
+                                          <p:spTgt spid="3">
+                                            <p:txEl>
+                                              <p:pRg st="7" end="7"/>
+                                            </p:txEl>
+                                          </p:spTgt>
+                                        </p:tgtEl>
+                                      </p:cBhvr>
+                                    </p:animEffect>
+                                  </p:childTnLst>
+                                </p:cTn>
+                              </p:par>
+                            </p:childTnLst>
+                          </p:cTn>
+                        </p:par>
+                      </p:childTnLst>
+                    </p:cTn>
+                  </p:par>
+                </p:childTnLst>
+              </p:cTn>
+              <p:prevCondLst>
+                <p:cond evt="onPrev" delay="0">
+                  <p:tgtEl>
+                    <p:sldTgt/>
+                  </p:tgtEl>
+                </p:cond>
+              </p:prevCondLst>
+              <p:nextCondLst>
+                <p:cond evt="onNext" delay="0">
+                  <p:tgtEl>
+                    <p:sldTgt/>
+                  </p:tgtEl>
+                </p:cond>
+              </p:nextCondLst>
+            </p:seq>
+          </p:childTnLst>
+        </p:cTn>
+      </p:par>
+    </p:tnLst>
+    <p:bldLst>
+      <p:bldP spid="3" grpId="0" build="p"/>
+    </p:bldLst>
+  </p:timing>
 </p:sld>
 </file>
 
@@ -10301,6 +14243,25 @@
   <p:clrMapOvr>
     <a:masterClrMapping/>
   </p:clrMapOvr>
+  <mc:AlternateContent xmlns:mc="http://schemas.openxmlformats.org/markup-compatibility/2006">
+    <mc:Choice xmlns:p14="http://schemas.microsoft.com/office/powerpoint/2010/main" Requires="p14">
+      <p:transition spd="med" p14:dur="700">
+        <p:fade/>
+      </p:transition>
+    </mc:Choice>
+    <mc:Fallback>
+      <p:transition spd="med">
+        <p:fade/>
+      </p:transition>
+    </mc:Fallback>
+  </mc:AlternateContent>
+  <p:timing>
+    <p:tnLst>
+      <p:par>
+        <p:cTn id="1" dur="indefinite" restart="never" nodeType="tmRoot"/>
+      </p:par>
+    </p:tnLst>
+  </p:timing>
 </p:sld>
 </file>
 
@@ -10506,6 +14467,780 @@
   <p:clrMapOvr>
     <a:masterClrMapping/>
   </p:clrMapOvr>
+  <mc:AlternateContent xmlns:mc="http://schemas.openxmlformats.org/markup-compatibility/2006">
+    <mc:Choice xmlns:p14="http://schemas.microsoft.com/office/powerpoint/2010/main" Requires="p14">
+      <p:transition spd="med" p14:dur="700">
+        <p:fade/>
+      </p:transition>
+    </mc:Choice>
+    <mc:Fallback>
+      <p:transition spd="med">
+        <p:fade/>
+      </p:transition>
+    </mc:Fallback>
+  </mc:AlternateContent>
+  <p:timing>
+    <p:tnLst>
+      <p:par>
+        <p:cTn id="1" dur="indefinite" restart="never" nodeType="tmRoot"/>
+      </p:par>
+    </p:tnLst>
+  </p:timing>
+</p:sld>
+</file>
+
+<file path=ppt/slides/slide42.xml><?xml version="1.0" encoding="utf-8"?>
+<p:sld xmlns:a="http://schemas.openxmlformats.org/drawingml/2006/main" xmlns:r="http://schemas.openxmlformats.org/officeDocument/2006/relationships" xmlns:p="http://schemas.openxmlformats.org/presentationml/2006/main">
+  <p:cSld>
+    <p:spTree>
+      <p:nvGrpSpPr>
+        <p:cNvPr id="1" name=""/>
+        <p:cNvGrpSpPr/>
+        <p:nvPr/>
+      </p:nvGrpSpPr>
+      <p:grpSpPr>
+        <a:xfrm>
+          <a:off x="0" y="0"/>
+          <a:ext cx="0" cy="0"/>
+          <a:chOff x="0" y="0"/>
+          <a:chExt cx="0" cy="0"/>
+        </a:xfrm>
+      </p:grpSpPr>
+      <p:sp>
+        <p:nvSpPr>
+          <p:cNvPr id="2" name="Title 1"/>
+          <p:cNvSpPr>
+            <a:spLocks noGrp="1"/>
+          </p:cNvSpPr>
+          <p:nvPr>
+            <p:ph type="title"/>
+          </p:nvPr>
+        </p:nvSpPr>
+        <p:spPr/>
+        <p:txBody>
+          <a:bodyPr>
+            <a:normAutofit/>
+          </a:bodyPr>
+          <a:lstStyle/>
+          <a:p>
+            <a:r>
+              <a:rPr lang="en-US" sz="3200" dirty="0" smtClean="0"/>
+              <a:t>Why translate MATLAB to C?</a:t>
+            </a:r>
+            <a:endParaRPr lang="en-US" sz="3200" dirty="0"/>
+          </a:p>
+        </p:txBody>
+      </p:sp>
+      <p:sp>
+        <p:nvSpPr>
+          <p:cNvPr id="3" name="Content Placeholder 2"/>
+          <p:cNvSpPr>
+            <a:spLocks noGrp="1"/>
+          </p:cNvSpPr>
+          <p:nvPr>
+            <p:ph idx="1"/>
+          </p:nvPr>
+        </p:nvSpPr>
+        <p:spPr/>
+        <p:txBody>
+          <a:bodyPr>
+            <a:normAutofit/>
+          </a:bodyPr>
+          <a:lstStyle/>
+          <a:p>
+            <a:r>
+              <a:rPr lang="en-US" sz="2000" dirty="0" smtClean="0"/>
+              <a:t>Implementing C codes on the hardware</a:t>
+            </a:r>
+          </a:p>
+          <a:p>
+            <a:r>
+              <a:rPr lang="en-US" sz="2000" dirty="0" smtClean="0"/>
+              <a:t>Integrating MATLAB with existing C environment</a:t>
+            </a:r>
+          </a:p>
+          <a:p>
+            <a:r>
+              <a:rPr lang="en-US" sz="2000" dirty="0" smtClean="0"/>
+              <a:t>Prototype MATLAB algorithms as standalone executables</a:t>
+            </a:r>
+          </a:p>
+          <a:p>
+            <a:r>
+              <a:rPr lang="en-US" sz="2000" dirty="0" smtClean="0"/>
+              <a:t>Accelerate MATLAB algorithms</a:t>
+            </a:r>
+          </a:p>
+          <a:p>
+            <a:endParaRPr lang="en-US" sz="2000" dirty="0"/>
+          </a:p>
+          <a:p>
+            <a:pPr marL="0" indent="0">
+              <a:buNone/>
+            </a:pPr>
+            <a:r>
+              <a:rPr lang="en-US" sz="2000" dirty="0" smtClean="0"/>
+              <a:t>Ideally need an automated way of translating the code: Enter “MATLAB Coder toolbox”</a:t>
+            </a:r>
+            <a:endParaRPr lang="en-US" sz="2000" dirty="0"/>
+          </a:p>
+        </p:txBody>
+      </p:sp>
+    </p:spTree>
+    <p:extLst>
+      <p:ext uri="{BB962C8B-B14F-4D97-AF65-F5344CB8AC3E}">
+        <p14:creationId xmlns:p14="http://schemas.microsoft.com/office/powerpoint/2010/main" val="2132046467"/>
+      </p:ext>
+    </p:extLst>
+  </p:cSld>
+  <p:clrMapOvr>
+    <a:masterClrMapping/>
+  </p:clrMapOvr>
+  <mc:AlternateContent xmlns:mc="http://schemas.openxmlformats.org/markup-compatibility/2006">
+    <mc:Choice xmlns:p14="http://schemas.microsoft.com/office/powerpoint/2010/main" Requires="p14">
+      <p:transition spd="med" p14:dur="700">
+        <p:fade/>
+      </p:transition>
+    </mc:Choice>
+    <mc:Fallback>
+      <p:transition spd="med">
+        <p:fade/>
+      </p:transition>
+    </mc:Fallback>
+  </mc:AlternateContent>
+  <p:timing>
+    <p:tnLst>
+      <p:par>
+        <p:cTn id="1" dur="indefinite" restart="never" nodeType="tmRoot"/>
+      </p:par>
+    </p:tnLst>
+  </p:timing>
+</p:sld>
+</file>
+
+<file path=ppt/slides/slide43.xml><?xml version="1.0" encoding="utf-8"?>
+<p:sld xmlns:a="http://schemas.openxmlformats.org/drawingml/2006/main" xmlns:r="http://schemas.openxmlformats.org/officeDocument/2006/relationships" xmlns:p="http://schemas.openxmlformats.org/presentationml/2006/main">
+  <p:cSld>
+    <p:spTree>
+      <p:nvGrpSpPr>
+        <p:cNvPr id="1" name=""/>
+        <p:cNvGrpSpPr/>
+        <p:nvPr/>
+      </p:nvGrpSpPr>
+      <p:grpSpPr>
+        <a:xfrm>
+          <a:off x="0" y="0"/>
+          <a:ext cx="0" cy="0"/>
+          <a:chOff x="0" y="0"/>
+          <a:chExt cx="0" cy="0"/>
+        </a:xfrm>
+      </p:grpSpPr>
+      <p:pic>
+        <p:nvPicPr>
+          <p:cNvPr id="4" name="Picture 3"/>
+          <p:cNvPicPr>
+            <a:picLocks noChangeAspect="1"/>
+          </p:cNvPicPr>
+          <p:nvPr/>
+        </p:nvPicPr>
+        <p:blipFill>
+          <a:blip r:embed="rId2"/>
+          <a:stretch>
+            <a:fillRect/>
+          </a:stretch>
+        </p:blipFill>
+        <p:spPr>
+          <a:xfrm>
+            <a:off x="3329800" y="2452572"/>
+            <a:ext cx="6000750" cy="1885950"/>
+          </a:xfrm>
+          <a:prstGeom prst="rect">
+            <a:avLst/>
+          </a:prstGeom>
+        </p:spPr>
+      </p:pic>
+      <p:sp>
+        <p:nvSpPr>
+          <p:cNvPr id="5" name="Title 1"/>
+          <p:cNvSpPr>
+            <a:spLocks noGrp="1"/>
+          </p:cNvSpPr>
+          <p:nvPr>
+            <p:ph type="title"/>
+          </p:nvPr>
+        </p:nvSpPr>
+        <p:spPr>
+          <a:xfrm>
+            <a:off x="838200" y="365125"/>
+            <a:ext cx="10515600" cy="1325563"/>
+          </a:xfrm>
+        </p:spPr>
+        <p:txBody>
+          <a:bodyPr>
+            <a:normAutofit/>
+          </a:bodyPr>
+          <a:lstStyle/>
+          <a:p>
+            <a:r>
+              <a:rPr lang="en-US" sz="3200" dirty="0"/>
+              <a:t>Recommended Three-Step Iterative Workflow</a:t>
+            </a:r>
+          </a:p>
+        </p:txBody>
+      </p:sp>
+    </p:spTree>
+    <p:extLst>
+      <p:ext uri="{BB962C8B-B14F-4D97-AF65-F5344CB8AC3E}">
+        <p14:creationId xmlns:p14="http://schemas.microsoft.com/office/powerpoint/2010/main" val="3988108149"/>
+      </p:ext>
+    </p:extLst>
+  </p:cSld>
+  <p:clrMapOvr>
+    <a:masterClrMapping/>
+  </p:clrMapOvr>
+  <mc:AlternateContent xmlns:mc="http://schemas.openxmlformats.org/markup-compatibility/2006">
+    <mc:Choice xmlns:p14="http://schemas.microsoft.com/office/powerpoint/2010/main" Requires="p14">
+      <p:transition spd="med" p14:dur="700">
+        <p:fade/>
+      </p:transition>
+    </mc:Choice>
+    <mc:Fallback>
+      <p:transition spd="med">
+        <p:fade/>
+      </p:transition>
+    </mc:Fallback>
+  </mc:AlternateContent>
+  <p:timing>
+    <p:tnLst>
+      <p:par>
+        <p:cTn id="1" dur="indefinite" restart="never" nodeType="tmRoot"/>
+      </p:par>
+    </p:tnLst>
+  </p:timing>
+</p:sld>
+</file>
+
+<file path=ppt/slides/slide44.xml><?xml version="1.0" encoding="utf-8"?>
+<p:sld xmlns:a="http://schemas.openxmlformats.org/drawingml/2006/main" xmlns:r="http://schemas.openxmlformats.org/officeDocument/2006/relationships" xmlns:p="http://schemas.openxmlformats.org/presentationml/2006/main">
+  <p:cSld>
+    <p:spTree>
+      <p:nvGrpSpPr>
+        <p:cNvPr id="1" name=""/>
+        <p:cNvGrpSpPr/>
+        <p:nvPr/>
+      </p:nvGrpSpPr>
+      <p:grpSpPr>
+        <a:xfrm>
+          <a:off x="0" y="0"/>
+          <a:ext cx="0" cy="0"/>
+          <a:chOff x="0" y="0"/>
+          <a:chExt cx="0" cy="0"/>
+        </a:xfrm>
+      </p:grpSpPr>
+      <p:sp>
+        <p:nvSpPr>
+          <p:cNvPr id="3" name="Content Placeholder 2"/>
+          <p:cNvSpPr>
+            <a:spLocks noGrp="1"/>
+          </p:cNvSpPr>
+          <p:nvPr>
+            <p:ph idx="1"/>
+          </p:nvPr>
+        </p:nvSpPr>
+        <p:spPr/>
+        <p:txBody>
+          <a:bodyPr>
+            <a:noAutofit/>
+          </a:bodyPr>
+          <a:lstStyle/>
+          <a:p>
+            <a:r>
+              <a:rPr lang="en-US" sz="2000" dirty="0"/>
+              <a:t>Memory allocation. </a:t>
+            </a:r>
+            <a:r>
+              <a:rPr lang="en-US" sz="2000" dirty="0" smtClean="0"/>
+              <a:t>In </a:t>
+            </a:r>
+            <a:r>
+              <a:rPr lang="en-US" sz="2000" dirty="0"/>
+              <a:t>C code, memory allocation </a:t>
+            </a:r>
+            <a:r>
+              <a:rPr lang="en-US" sz="2000" dirty="0" smtClean="0"/>
+              <a:t>is either static, dynamic or stack that needs to be defined.</a:t>
+            </a:r>
+            <a:endParaRPr lang="en-US" sz="2000" dirty="0"/>
+          </a:p>
+          <a:p>
+            <a:r>
+              <a:rPr lang="en-US" sz="2000" dirty="0"/>
+              <a:t>Array-based language. </a:t>
+            </a:r>
+            <a:r>
+              <a:rPr lang="en-US" sz="2000" dirty="0" smtClean="0"/>
+              <a:t>C </a:t>
+            </a:r>
+            <a:r>
+              <a:rPr lang="en-US" sz="2000" dirty="0"/>
+              <a:t>code requires explicit </a:t>
+            </a:r>
+            <a:r>
+              <a:rPr lang="en-US" sz="2000" dirty="0" smtClean="0"/>
+              <a:t>for-loops instead of array operations.</a:t>
+            </a:r>
+            <a:endParaRPr lang="en-US" sz="2000" dirty="0"/>
+          </a:p>
+          <a:p>
+            <a:r>
+              <a:rPr lang="en-US" sz="2000" dirty="0"/>
+              <a:t>Dynamic typing. MATLAB automatically determines the data types and sizes as </a:t>
+            </a:r>
+            <a:r>
+              <a:rPr lang="en-US" sz="2000" dirty="0" smtClean="0"/>
+              <a:t>the </a:t>
+            </a:r>
+            <a:r>
+              <a:rPr lang="en-US" sz="2000" dirty="0"/>
+              <a:t>code runs. </a:t>
+            </a:r>
+          </a:p>
+          <a:p>
+            <a:r>
+              <a:rPr lang="en-US" sz="2000" dirty="0"/>
+              <a:t>Polymorphism. MATLAB functions can support many different input </a:t>
+            </a:r>
+            <a:r>
+              <a:rPr lang="en-US" sz="2000" dirty="0" smtClean="0"/>
+              <a:t>types. A single line of MATLAB can have multiple meanings!</a:t>
+            </a:r>
+            <a:endParaRPr lang="en-US" sz="2000" dirty="0"/>
+          </a:p>
+        </p:txBody>
+      </p:sp>
+      <p:sp>
+        <p:nvSpPr>
+          <p:cNvPr id="5" name="Title 1"/>
+          <p:cNvSpPr>
+            <a:spLocks noGrp="1"/>
+          </p:cNvSpPr>
+          <p:nvPr>
+            <p:ph type="title"/>
+          </p:nvPr>
+        </p:nvSpPr>
+        <p:spPr>
+          <a:xfrm>
+            <a:off x="838200" y="365125"/>
+            <a:ext cx="10515600" cy="1325563"/>
+          </a:xfrm>
+        </p:spPr>
+        <p:txBody>
+          <a:bodyPr>
+            <a:normAutofit/>
+          </a:bodyPr>
+          <a:lstStyle/>
+          <a:p>
+            <a:r>
+              <a:rPr lang="en-US" sz="3200" dirty="0" smtClean="0"/>
+              <a:t>But remember these differences between C and MATLAB</a:t>
+            </a:r>
+            <a:endParaRPr lang="en-US" sz="3200" dirty="0"/>
+          </a:p>
+        </p:txBody>
+      </p:sp>
+    </p:spTree>
+    <p:extLst>
+      <p:ext uri="{BB962C8B-B14F-4D97-AF65-F5344CB8AC3E}">
+        <p14:creationId xmlns:p14="http://schemas.microsoft.com/office/powerpoint/2010/main" val="546012821"/>
+      </p:ext>
+    </p:extLst>
+  </p:cSld>
+  <p:clrMapOvr>
+    <a:masterClrMapping/>
+  </p:clrMapOvr>
+  <mc:AlternateContent xmlns:mc="http://schemas.openxmlformats.org/markup-compatibility/2006">
+    <mc:Choice xmlns:p14="http://schemas.microsoft.com/office/powerpoint/2010/main" Requires="p14">
+      <p:transition spd="med" p14:dur="700">
+        <p:fade/>
+      </p:transition>
+    </mc:Choice>
+    <mc:Fallback>
+      <p:transition spd="med">
+        <p:fade/>
+      </p:transition>
+    </mc:Fallback>
+  </mc:AlternateContent>
+  <p:timing>
+    <p:tnLst>
+      <p:par>
+        <p:cTn id="1" dur="indefinite" restart="never" nodeType="tmRoot"/>
+      </p:par>
+    </p:tnLst>
+  </p:timing>
+</p:sld>
+</file>
+
+<file path=ppt/slides/slide45.xml><?xml version="1.0" encoding="utf-8"?>
+<p:sld xmlns:a="http://schemas.openxmlformats.org/drawingml/2006/main" xmlns:r="http://schemas.openxmlformats.org/officeDocument/2006/relationships" xmlns:p="http://schemas.openxmlformats.org/presentationml/2006/main">
+  <p:cSld>
+    <p:spTree>
+      <p:nvGrpSpPr>
+        <p:cNvPr id="1" name=""/>
+        <p:cNvGrpSpPr/>
+        <p:nvPr/>
+      </p:nvGrpSpPr>
+      <p:grpSpPr>
+        <a:xfrm>
+          <a:off x="0" y="0"/>
+          <a:ext cx="0" cy="0"/>
+          <a:chOff x="0" y="0"/>
+          <a:chExt cx="0" cy="0"/>
+        </a:xfrm>
+      </p:grpSpPr>
+      <p:sp>
+        <p:nvSpPr>
+          <p:cNvPr id="2" name="Title 1"/>
+          <p:cNvSpPr>
+            <a:spLocks noGrp="1"/>
+          </p:cNvSpPr>
+          <p:nvPr>
+            <p:ph type="title"/>
+          </p:nvPr>
+        </p:nvSpPr>
+        <p:spPr/>
+        <p:txBody>
+          <a:bodyPr>
+            <a:normAutofit/>
+          </a:bodyPr>
+          <a:lstStyle/>
+          <a:p>
+            <a:r>
+              <a:rPr lang="en-US" sz="2800" dirty="0" smtClean="0"/>
+              <a:t>Can I change every MATLAB code to C?</a:t>
+            </a:r>
+            <a:endParaRPr lang="en-US" sz="2800" dirty="0"/>
+          </a:p>
+        </p:txBody>
+      </p:sp>
+      <p:pic>
+        <p:nvPicPr>
+          <p:cNvPr id="4" name="Picture 3"/>
+          <p:cNvPicPr>
+            <a:picLocks noChangeAspect="1"/>
+          </p:cNvPicPr>
+          <p:nvPr/>
+        </p:nvPicPr>
+        <p:blipFill>
+          <a:blip r:embed="rId2"/>
+          <a:stretch>
+            <a:fillRect/>
+          </a:stretch>
+        </p:blipFill>
+        <p:spPr>
+          <a:xfrm>
+            <a:off x="5027108" y="1940893"/>
+            <a:ext cx="5137191" cy="3199819"/>
+          </a:xfrm>
+          <a:prstGeom prst="rect">
+            <a:avLst/>
+          </a:prstGeom>
+        </p:spPr>
+      </p:pic>
+      <p:sp>
+        <p:nvSpPr>
+          <p:cNvPr id="5" name="Rectangle 4"/>
+          <p:cNvSpPr/>
+          <p:nvPr/>
+        </p:nvSpPr>
+        <p:spPr>
+          <a:xfrm>
+            <a:off x="1271239" y="3281681"/>
+            <a:ext cx="3300761" cy="802307"/>
+          </a:xfrm>
+          <a:prstGeom prst="rect">
+            <a:avLst/>
+          </a:prstGeom>
+          <a:noFill/>
+          <a:ln>
+            <a:noFill/>
+          </a:ln>
+        </p:spPr>
+        <p:style>
+          <a:lnRef idx="2">
+            <a:schemeClr val="accent1">
+              <a:shade val="50000"/>
+            </a:schemeClr>
+          </a:lnRef>
+          <a:fillRef idx="1">
+            <a:schemeClr val="accent1"/>
+          </a:fillRef>
+          <a:effectRef idx="0">
+            <a:schemeClr val="accent1"/>
+          </a:effectRef>
+          <a:fontRef idx="minor">
+            <a:schemeClr val="lt1"/>
+          </a:fontRef>
+        </p:style>
+        <p:txBody>
+          <a:bodyPr rtlCol="0" anchor="ctr"/>
+          <a:lstStyle/>
+          <a:p>
+            <a:pPr algn="ctr"/>
+            <a:r>
+              <a:rPr lang="en-US" dirty="0" smtClean="0">
+                <a:solidFill>
+                  <a:sysClr val="windowText" lastClr="000000"/>
+                </a:solidFill>
+              </a:rPr>
+              <a:t>Only some aspects of MATLAB supported…</a:t>
+            </a:r>
+            <a:endParaRPr lang="en-US" dirty="0">
+              <a:solidFill>
+                <a:sysClr val="windowText" lastClr="000000"/>
+              </a:solidFill>
+            </a:endParaRPr>
+          </a:p>
+        </p:txBody>
+      </p:sp>
+      <p:cxnSp>
+        <p:nvCxnSpPr>
+          <p:cNvPr id="7" name="Straight Arrow Connector 6"/>
+          <p:cNvCxnSpPr/>
+          <p:nvPr/>
+        </p:nvCxnSpPr>
+        <p:spPr>
+          <a:xfrm flipV="1">
+            <a:off x="4326673" y="3540803"/>
+            <a:ext cx="2642839" cy="284065"/>
+          </a:xfrm>
+          <a:prstGeom prst="straightConnector1">
+            <a:avLst/>
+          </a:prstGeom>
+          <a:ln>
+            <a:tailEnd type="triangle"/>
+          </a:ln>
+        </p:spPr>
+        <p:style>
+          <a:lnRef idx="1">
+            <a:schemeClr val="accent1"/>
+          </a:lnRef>
+          <a:fillRef idx="0">
+            <a:schemeClr val="accent1"/>
+          </a:fillRef>
+          <a:effectRef idx="0">
+            <a:schemeClr val="accent1"/>
+          </a:effectRef>
+          <a:fontRef idx="minor">
+            <a:schemeClr val="tx1"/>
+          </a:fontRef>
+        </p:style>
+      </p:cxnSp>
+      <p:sp>
+        <p:nvSpPr>
+          <p:cNvPr id="9" name="Rectangle 8">
+            <a:extLst>
+              <a:ext uri="{FF2B5EF4-FFF2-40B4-BE49-F238E27FC236}">
+                <a16:creationId xmlns:a16="http://schemas.microsoft.com/office/drawing/2014/main" id="{16DE9633-25B1-4F03-B7DB-9C95C7D96F41}"/>
+              </a:ext>
+            </a:extLst>
+          </p:cNvPr>
+          <p:cNvSpPr/>
+          <p:nvPr/>
+        </p:nvSpPr>
+        <p:spPr>
+          <a:xfrm>
+            <a:off x="838200" y="5969636"/>
+            <a:ext cx="3212803" cy="369332"/>
+          </a:xfrm>
+          <a:prstGeom prst="rect">
+            <a:avLst/>
+          </a:prstGeom>
+        </p:spPr>
+        <p:txBody>
+          <a:bodyPr wrap="none">
+            <a:spAutoFit/>
+          </a:bodyPr>
+          <a:lstStyle/>
+          <a:p>
+            <a:r>
+              <a:rPr lang="en-US" dirty="0"/>
+              <a:t>To MATLAB for a demonstration.</a:t>
+            </a:r>
+            <a:endParaRPr lang="en-US" sz="1400" dirty="0"/>
+          </a:p>
+        </p:txBody>
+      </p:sp>
+    </p:spTree>
+    <p:extLst>
+      <p:ext uri="{BB962C8B-B14F-4D97-AF65-F5344CB8AC3E}">
+        <p14:creationId xmlns:p14="http://schemas.microsoft.com/office/powerpoint/2010/main" val="3349542681"/>
+      </p:ext>
+    </p:extLst>
+  </p:cSld>
+  <p:clrMapOvr>
+    <a:masterClrMapping/>
+  </p:clrMapOvr>
+  <mc:AlternateContent xmlns:mc="http://schemas.openxmlformats.org/markup-compatibility/2006">
+    <mc:Choice xmlns:p14="http://schemas.microsoft.com/office/powerpoint/2010/main" Requires="p14">
+      <p:transition spd="med" p14:dur="700">
+        <p:fade/>
+      </p:transition>
+    </mc:Choice>
+    <mc:Fallback>
+      <p:transition spd="med">
+        <p:fade/>
+      </p:transition>
+    </mc:Fallback>
+  </mc:AlternateContent>
+  <p:timing>
+    <p:tnLst>
+      <p:par>
+        <p:cTn id="1" dur="indefinite" restart="never" nodeType="tmRoot"/>
+      </p:par>
+    </p:tnLst>
+  </p:timing>
+</p:sld>
+</file>
+
+<file path=ppt/slides/slide46.xml><?xml version="1.0" encoding="utf-8"?>
+<p:sld xmlns:a="http://schemas.openxmlformats.org/drawingml/2006/main" xmlns:r="http://schemas.openxmlformats.org/officeDocument/2006/relationships" xmlns:p="http://schemas.openxmlformats.org/presentationml/2006/main">
+  <p:cSld>
+    <p:spTree>
+      <p:nvGrpSpPr>
+        <p:cNvPr id="1" name=""/>
+        <p:cNvGrpSpPr/>
+        <p:nvPr/>
+      </p:nvGrpSpPr>
+      <p:grpSpPr>
+        <a:xfrm>
+          <a:off x="0" y="0"/>
+          <a:ext cx="0" cy="0"/>
+          <a:chOff x="0" y="0"/>
+          <a:chExt cx="0" cy="0"/>
+        </a:xfrm>
+      </p:grpSpPr>
+      <p:sp>
+        <p:nvSpPr>
+          <p:cNvPr id="3" name="Content Placeholder 2"/>
+          <p:cNvSpPr>
+            <a:spLocks noGrp="1"/>
+          </p:cNvSpPr>
+          <p:nvPr>
+            <p:ph idx="1"/>
+          </p:nvPr>
+        </p:nvSpPr>
+        <p:spPr/>
+        <p:txBody>
+          <a:bodyPr>
+            <a:normAutofit/>
+          </a:bodyPr>
+          <a:lstStyle/>
+          <a:p>
+            <a:r>
+              <a:rPr lang="en-US" sz="2000" dirty="0" smtClean="0">
+                <a:hlinkClick r:id="rId2"/>
+              </a:rPr>
+              <a:t>Master-class: Advanced Programming Techniques in MATLAB</a:t>
+            </a:r>
+            <a:endParaRPr lang="en-US" sz="2000" dirty="0" smtClean="0"/>
+          </a:p>
+          <a:p>
+            <a:r>
+              <a:rPr lang="en-US" sz="2000" dirty="0">
+                <a:hlinkClick r:id="rId3"/>
+              </a:rPr>
+              <a:t>Parallel Computing with </a:t>
+            </a:r>
+            <a:r>
+              <a:rPr lang="en-US" sz="2000" dirty="0" smtClean="0">
+                <a:hlinkClick r:id="rId3"/>
+              </a:rPr>
+              <a:t>MATLAB</a:t>
+            </a:r>
+            <a:endParaRPr lang="en-US" sz="2000" dirty="0" smtClean="0"/>
+          </a:p>
+          <a:p>
+            <a:r>
+              <a:rPr lang="en-US" sz="2000" dirty="0" smtClean="0">
+                <a:hlinkClick r:id="rId4"/>
+              </a:rPr>
+              <a:t>Loren on the Art of MATLAB</a:t>
+            </a:r>
+            <a:endParaRPr lang="en-US" sz="2000" dirty="0" smtClean="0"/>
+          </a:p>
+          <a:p>
+            <a:endParaRPr lang="en-US" sz="2000" dirty="0" smtClean="0"/>
+          </a:p>
+          <a:p>
+            <a:endParaRPr lang="en-US" sz="2000" dirty="0"/>
+          </a:p>
+        </p:txBody>
+      </p:sp>
+      <p:sp>
+        <p:nvSpPr>
+          <p:cNvPr id="4" name="Title 1">
+            <a:extLst>
+              <a:ext uri="{FF2B5EF4-FFF2-40B4-BE49-F238E27FC236}">
+                <a16:creationId xmlns:a16="http://schemas.microsoft.com/office/drawing/2014/main" id="{F2A68C52-F7A7-4E39-9493-91D1C3C3BAC3}"/>
+              </a:ext>
+            </a:extLst>
+          </p:cNvPr>
+          <p:cNvSpPr>
+            <a:spLocks noGrp="1"/>
+          </p:cNvSpPr>
+          <p:nvPr>
+            <p:ph type="title"/>
+          </p:nvPr>
+        </p:nvSpPr>
+        <p:spPr>
+          <a:xfrm>
+            <a:off x="838200" y="365125"/>
+            <a:ext cx="10515600" cy="1325563"/>
+          </a:xfrm>
+        </p:spPr>
+        <p:txBody>
+          <a:bodyPr>
+            <a:normAutofit/>
+          </a:bodyPr>
+          <a:lstStyle/>
+          <a:p>
+            <a:r>
+              <a:rPr lang="en-US" sz="3200" dirty="0" smtClean="0"/>
+              <a:t>Resources:</a:t>
+            </a:r>
+            <a:endParaRPr lang="en-US" sz="3200" dirty="0"/>
+          </a:p>
+        </p:txBody>
+      </p:sp>
+    </p:spTree>
+    <p:extLst>
+      <p:ext uri="{BB962C8B-B14F-4D97-AF65-F5344CB8AC3E}">
+        <p14:creationId xmlns:p14="http://schemas.microsoft.com/office/powerpoint/2010/main" val="1423551611"/>
+      </p:ext>
+    </p:extLst>
+  </p:cSld>
+  <p:clrMapOvr>
+    <a:masterClrMapping/>
+  </p:clrMapOvr>
+  <mc:AlternateContent xmlns:mc="http://schemas.openxmlformats.org/markup-compatibility/2006">
+    <mc:Choice xmlns:p14="http://schemas.microsoft.com/office/powerpoint/2010/main" Requires="p14">
+      <p:transition spd="med" p14:dur="700">
+        <p:fade/>
+      </p:transition>
+    </mc:Choice>
+    <mc:Fallback>
+      <p:transition spd="med">
+        <p:fade/>
+      </p:transition>
+    </mc:Fallback>
+  </mc:AlternateContent>
+  <p:timing>
+    <p:tnLst>
+      <p:par>
+        <p:cTn id="1" dur="indefinite" restart="never" nodeType="tmRoot"/>
+      </p:par>
+    </p:tnLst>
+  </p:timing>
 </p:sld>
 </file>
 
@@ -10685,6 +15420,478 @@
   <p:clrMapOvr>
     <a:masterClrMapping/>
   </p:clrMapOvr>
+  <mc:AlternateContent xmlns:mc="http://schemas.openxmlformats.org/markup-compatibility/2006">
+    <mc:Choice xmlns:p14="http://schemas.microsoft.com/office/powerpoint/2010/main" Requires="p14">
+      <p:transition spd="med" p14:dur="700">
+        <p:fade/>
+      </p:transition>
+    </mc:Choice>
+    <mc:Fallback>
+      <p:transition spd="med">
+        <p:fade/>
+      </p:transition>
+    </mc:Fallback>
+  </mc:AlternateContent>
+  <p:timing>
+    <p:tnLst>
+      <p:par>
+        <p:cTn id="1" dur="indefinite" restart="never" nodeType="tmRoot">
+          <p:childTnLst>
+            <p:seq concurrent="1" nextAc="seek">
+              <p:cTn id="2" dur="indefinite" nodeType="mainSeq">
+                <p:childTnLst>
+                  <p:par>
+                    <p:cTn id="3" fill="hold">
+                      <p:stCondLst>
+                        <p:cond delay="indefinite"/>
+                      </p:stCondLst>
+                      <p:childTnLst>
+                        <p:par>
+                          <p:cTn id="4" fill="hold">
+                            <p:stCondLst>
+                              <p:cond delay="0"/>
+                            </p:stCondLst>
+                            <p:childTnLst>
+                              <p:par>
+                                <p:cTn id="5" presetID="10" presetClass="entr" presetSubtype="0" fill="hold" grpId="0" nodeType="clickEffect">
+                                  <p:stCondLst>
+                                    <p:cond delay="0"/>
+                                  </p:stCondLst>
+                                  <p:childTnLst>
+                                    <p:set>
+                                      <p:cBhvr>
+                                        <p:cTn id="6" dur="1" fill="hold">
+                                          <p:stCondLst>
+                                            <p:cond delay="0"/>
+                                          </p:stCondLst>
+                                        </p:cTn>
+                                        <p:tgtEl>
+                                          <p:spTgt spid="3">
+                                            <p:txEl>
+                                              <p:pRg st="0" end="0"/>
+                                            </p:txEl>
+                                          </p:spTgt>
+                                        </p:tgtEl>
+                                        <p:attrNameLst>
+                                          <p:attrName>style.visibility</p:attrName>
+                                        </p:attrNameLst>
+                                      </p:cBhvr>
+                                      <p:to>
+                                        <p:strVal val="visible"/>
+                                      </p:to>
+                                    </p:set>
+                                    <p:animEffect transition="in" filter="fade">
+                                      <p:cBhvr>
+                                        <p:cTn id="7" dur="500"/>
+                                        <p:tgtEl>
+                                          <p:spTgt spid="3">
+                                            <p:txEl>
+                                              <p:pRg st="0" end="0"/>
+                                            </p:txEl>
+                                          </p:spTgt>
+                                        </p:tgtEl>
+                                      </p:cBhvr>
+                                    </p:animEffect>
+                                  </p:childTnLst>
+                                </p:cTn>
+                              </p:par>
+                            </p:childTnLst>
+                          </p:cTn>
+                        </p:par>
+                      </p:childTnLst>
+                    </p:cTn>
+                  </p:par>
+                  <p:par>
+                    <p:cTn id="8" fill="hold">
+                      <p:stCondLst>
+                        <p:cond delay="indefinite"/>
+                      </p:stCondLst>
+                      <p:childTnLst>
+                        <p:par>
+                          <p:cTn id="9" fill="hold">
+                            <p:stCondLst>
+                              <p:cond delay="0"/>
+                            </p:stCondLst>
+                            <p:childTnLst>
+                              <p:par>
+                                <p:cTn id="10" presetID="10" presetClass="entr" presetSubtype="0" fill="hold" grpId="0" nodeType="clickEffect">
+                                  <p:stCondLst>
+                                    <p:cond delay="0"/>
+                                  </p:stCondLst>
+                                  <p:childTnLst>
+                                    <p:set>
+                                      <p:cBhvr>
+                                        <p:cTn id="11" dur="1" fill="hold">
+                                          <p:stCondLst>
+                                            <p:cond delay="0"/>
+                                          </p:stCondLst>
+                                        </p:cTn>
+                                        <p:tgtEl>
+                                          <p:spTgt spid="3">
+                                            <p:txEl>
+                                              <p:pRg st="1" end="1"/>
+                                            </p:txEl>
+                                          </p:spTgt>
+                                        </p:tgtEl>
+                                        <p:attrNameLst>
+                                          <p:attrName>style.visibility</p:attrName>
+                                        </p:attrNameLst>
+                                      </p:cBhvr>
+                                      <p:to>
+                                        <p:strVal val="visible"/>
+                                      </p:to>
+                                    </p:set>
+                                    <p:animEffect transition="in" filter="fade">
+                                      <p:cBhvr>
+                                        <p:cTn id="12" dur="500"/>
+                                        <p:tgtEl>
+                                          <p:spTgt spid="3">
+                                            <p:txEl>
+                                              <p:pRg st="1" end="1"/>
+                                            </p:txEl>
+                                          </p:spTgt>
+                                        </p:tgtEl>
+                                      </p:cBhvr>
+                                    </p:animEffect>
+                                  </p:childTnLst>
+                                </p:cTn>
+                              </p:par>
+                            </p:childTnLst>
+                          </p:cTn>
+                        </p:par>
+                      </p:childTnLst>
+                    </p:cTn>
+                  </p:par>
+                  <p:par>
+                    <p:cTn id="13" fill="hold">
+                      <p:stCondLst>
+                        <p:cond delay="indefinite"/>
+                      </p:stCondLst>
+                      <p:childTnLst>
+                        <p:par>
+                          <p:cTn id="14" fill="hold">
+                            <p:stCondLst>
+                              <p:cond delay="0"/>
+                            </p:stCondLst>
+                            <p:childTnLst>
+                              <p:par>
+                                <p:cTn id="15" presetID="10" presetClass="entr" presetSubtype="0" fill="hold" grpId="0" nodeType="clickEffect">
+                                  <p:stCondLst>
+                                    <p:cond delay="0"/>
+                                  </p:stCondLst>
+                                  <p:childTnLst>
+                                    <p:set>
+                                      <p:cBhvr>
+                                        <p:cTn id="16" dur="1" fill="hold">
+                                          <p:stCondLst>
+                                            <p:cond delay="0"/>
+                                          </p:stCondLst>
+                                        </p:cTn>
+                                        <p:tgtEl>
+                                          <p:spTgt spid="3">
+                                            <p:txEl>
+                                              <p:pRg st="2" end="2"/>
+                                            </p:txEl>
+                                          </p:spTgt>
+                                        </p:tgtEl>
+                                        <p:attrNameLst>
+                                          <p:attrName>style.visibility</p:attrName>
+                                        </p:attrNameLst>
+                                      </p:cBhvr>
+                                      <p:to>
+                                        <p:strVal val="visible"/>
+                                      </p:to>
+                                    </p:set>
+                                    <p:animEffect transition="in" filter="fade">
+                                      <p:cBhvr>
+                                        <p:cTn id="17" dur="500"/>
+                                        <p:tgtEl>
+                                          <p:spTgt spid="3">
+                                            <p:txEl>
+                                              <p:pRg st="2" end="2"/>
+                                            </p:txEl>
+                                          </p:spTgt>
+                                        </p:tgtEl>
+                                      </p:cBhvr>
+                                    </p:animEffect>
+                                  </p:childTnLst>
+                                </p:cTn>
+                              </p:par>
+                            </p:childTnLst>
+                          </p:cTn>
+                        </p:par>
+                      </p:childTnLst>
+                    </p:cTn>
+                  </p:par>
+                  <p:par>
+                    <p:cTn id="18" fill="hold">
+                      <p:stCondLst>
+                        <p:cond delay="indefinite"/>
+                      </p:stCondLst>
+                      <p:childTnLst>
+                        <p:par>
+                          <p:cTn id="19" fill="hold">
+                            <p:stCondLst>
+                              <p:cond delay="0"/>
+                            </p:stCondLst>
+                            <p:childTnLst>
+                              <p:par>
+                                <p:cTn id="20" presetID="10" presetClass="entr" presetSubtype="0" fill="hold" grpId="0" nodeType="clickEffect">
+                                  <p:stCondLst>
+                                    <p:cond delay="0"/>
+                                  </p:stCondLst>
+                                  <p:childTnLst>
+                                    <p:set>
+                                      <p:cBhvr>
+                                        <p:cTn id="21" dur="1" fill="hold">
+                                          <p:stCondLst>
+                                            <p:cond delay="0"/>
+                                          </p:stCondLst>
+                                        </p:cTn>
+                                        <p:tgtEl>
+                                          <p:spTgt spid="3">
+                                            <p:txEl>
+                                              <p:pRg st="3" end="3"/>
+                                            </p:txEl>
+                                          </p:spTgt>
+                                        </p:tgtEl>
+                                        <p:attrNameLst>
+                                          <p:attrName>style.visibility</p:attrName>
+                                        </p:attrNameLst>
+                                      </p:cBhvr>
+                                      <p:to>
+                                        <p:strVal val="visible"/>
+                                      </p:to>
+                                    </p:set>
+                                    <p:animEffect transition="in" filter="fade">
+                                      <p:cBhvr>
+                                        <p:cTn id="22" dur="500"/>
+                                        <p:tgtEl>
+                                          <p:spTgt spid="3">
+                                            <p:txEl>
+                                              <p:pRg st="3" end="3"/>
+                                            </p:txEl>
+                                          </p:spTgt>
+                                        </p:tgtEl>
+                                      </p:cBhvr>
+                                    </p:animEffect>
+                                  </p:childTnLst>
+                                </p:cTn>
+                              </p:par>
+                            </p:childTnLst>
+                          </p:cTn>
+                        </p:par>
+                      </p:childTnLst>
+                    </p:cTn>
+                  </p:par>
+                  <p:par>
+                    <p:cTn id="23" fill="hold">
+                      <p:stCondLst>
+                        <p:cond delay="indefinite"/>
+                      </p:stCondLst>
+                      <p:childTnLst>
+                        <p:par>
+                          <p:cTn id="24" fill="hold">
+                            <p:stCondLst>
+                              <p:cond delay="0"/>
+                            </p:stCondLst>
+                            <p:childTnLst>
+                              <p:par>
+                                <p:cTn id="25" presetID="10" presetClass="entr" presetSubtype="0" fill="hold" grpId="0" nodeType="clickEffect">
+                                  <p:stCondLst>
+                                    <p:cond delay="0"/>
+                                  </p:stCondLst>
+                                  <p:childTnLst>
+                                    <p:set>
+                                      <p:cBhvr>
+                                        <p:cTn id="26" dur="1" fill="hold">
+                                          <p:stCondLst>
+                                            <p:cond delay="0"/>
+                                          </p:stCondLst>
+                                        </p:cTn>
+                                        <p:tgtEl>
+                                          <p:spTgt spid="3">
+                                            <p:txEl>
+                                              <p:pRg st="4" end="4"/>
+                                            </p:txEl>
+                                          </p:spTgt>
+                                        </p:tgtEl>
+                                        <p:attrNameLst>
+                                          <p:attrName>style.visibility</p:attrName>
+                                        </p:attrNameLst>
+                                      </p:cBhvr>
+                                      <p:to>
+                                        <p:strVal val="visible"/>
+                                      </p:to>
+                                    </p:set>
+                                    <p:animEffect transition="in" filter="fade">
+                                      <p:cBhvr>
+                                        <p:cTn id="27" dur="500"/>
+                                        <p:tgtEl>
+                                          <p:spTgt spid="3">
+                                            <p:txEl>
+                                              <p:pRg st="4" end="4"/>
+                                            </p:txEl>
+                                          </p:spTgt>
+                                        </p:tgtEl>
+                                      </p:cBhvr>
+                                    </p:animEffect>
+                                  </p:childTnLst>
+                                </p:cTn>
+                              </p:par>
+                            </p:childTnLst>
+                          </p:cTn>
+                        </p:par>
+                      </p:childTnLst>
+                    </p:cTn>
+                  </p:par>
+                  <p:par>
+                    <p:cTn id="28" fill="hold">
+                      <p:stCondLst>
+                        <p:cond delay="indefinite"/>
+                      </p:stCondLst>
+                      <p:childTnLst>
+                        <p:par>
+                          <p:cTn id="29" fill="hold">
+                            <p:stCondLst>
+                              <p:cond delay="0"/>
+                            </p:stCondLst>
+                            <p:childTnLst>
+                              <p:par>
+                                <p:cTn id="30" presetID="10" presetClass="entr" presetSubtype="0" fill="hold" grpId="0" nodeType="clickEffect">
+                                  <p:stCondLst>
+                                    <p:cond delay="0"/>
+                                  </p:stCondLst>
+                                  <p:childTnLst>
+                                    <p:set>
+                                      <p:cBhvr>
+                                        <p:cTn id="31" dur="1" fill="hold">
+                                          <p:stCondLst>
+                                            <p:cond delay="0"/>
+                                          </p:stCondLst>
+                                        </p:cTn>
+                                        <p:tgtEl>
+                                          <p:spTgt spid="3">
+                                            <p:txEl>
+                                              <p:pRg st="5" end="5"/>
+                                            </p:txEl>
+                                          </p:spTgt>
+                                        </p:tgtEl>
+                                        <p:attrNameLst>
+                                          <p:attrName>style.visibility</p:attrName>
+                                        </p:attrNameLst>
+                                      </p:cBhvr>
+                                      <p:to>
+                                        <p:strVal val="visible"/>
+                                      </p:to>
+                                    </p:set>
+                                    <p:animEffect transition="in" filter="fade">
+                                      <p:cBhvr>
+                                        <p:cTn id="32" dur="500"/>
+                                        <p:tgtEl>
+                                          <p:spTgt spid="3">
+                                            <p:txEl>
+                                              <p:pRg st="5" end="5"/>
+                                            </p:txEl>
+                                          </p:spTgt>
+                                        </p:tgtEl>
+                                      </p:cBhvr>
+                                    </p:animEffect>
+                                  </p:childTnLst>
+                                </p:cTn>
+                              </p:par>
+                            </p:childTnLst>
+                          </p:cTn>
+                        </p:par>
+                      </p:childTnLst>
+                    </p:cTn>
+                  </p:par>
+                  <p:par>
+                    <p:cTn id="33" fill="hold">
+                      <p:stCondLst>
+                        <p:cond delay="indefinite"/>
+                      </p:stCondLst>
+                      <p:childTnLst>
+                        <p:par>
+                          <p:cTn id="34" fill="hold">
+                            <p:stCondLst>
+                              <p:cond delay="0"/>
+                            </p:stCondLst>
+                            <p:childTnLst>
+                              <p:par>
+                                <p:cTn id="35" presetID="10" presetClass="entr" presetSubtype="0" fill="hold" grpId="0" nodeType="clickEffect">
+                                  <p:stCondLst>
+                                    <p:cond delay="0"/>
+                                  </p:stCondLst>
+                                  <p:childTnLst>
+                                    <p:set>
+                                      <p:cBhvr>
+                                        <p:cTn id="36" dur="1" fill="hold">
+                                          <p:stCondLst>
+                                            <p:cond delay="0"/>
+                                          </p:stCondLst>
+                                        </p:cTn>
+                                        <p:tgtEl>
+                                          <p:spTgt spid="3">
+                                            <p:txEl>
+                                              <p:pRg st="7" end="7"/>
+                                            </p:txEl>
+                                          </p:spTgt>
+                                        </p:tgtEl>
+                                        <p:attrNameLst>
+                                          <p:attrName>style.visibility</p:attrName>
+                                        </p:attrNameLst>
+                                      </p:cBhvr>
+                                      <p:to>
+                                        <p:strVal val="visible"/>
+                                      </p:to>
+                                    </p:set>
+                                    <p:animEffect transition="in" filter="fade">
+                                      <p:cBhvr>
+                                        <p:cTn id="37" dur="500"/>
+                                        <p:tgtEl>
+                                          <p:spTgt spid="3">
+                                            <p:txEl>
+                                              <p:pRg st="7" end="7"/>
+                                            </p:txEl>
+                                          </p:spTgt>
+                                        </p:tgtEl>
+                                      </p:cBhvr>
+                                    </p:animEffect>
+                                  </p:childTnLst>
+                                </p:cTn>
+                              </p:par>
+                            </p:childTnLst>
+                          </p:cTn>
+                        </p:par>
+                      </p:childTnLst>
+                    </p:cTn>
+                  </p:par>
+                </p:childTnLst>
+              </p:cTn>
+              <p:prevCondLst>
+                <p:cond evt="onPrev" delay="0">
+                  <p:tgtEl>
+                    <p:sldTgt/>
+                  </p:tgtEl>
+                </p:cond>
+              </p:prevCondLst>
+              <p:nextCondLst>
+                <p:cond evt="onNext" delay="0">
+                  <p:tgtEl>
+                    <p:sldTgt/>
+                  </p:tgtEl>
+                </p:cond>
+              </p:nextCondLst>
+            </p:seq>
+          </p:childTnLst>
+        </p:cTn>
+      </p:par>
+    </p:tnLst>
+    <p:bldLst>
+      <p:bldP spid="3" grpId="0" build="p"/>
+    </p:bldLst>
+  </p:timing>
 </p:sld>
 </file>
 
@@ -10759,14 +15966,23 @@
           <a:lstStyle/>
           <a:p>
             <a:r>
+              <a:rPr lang="en-US" sz="2000" dirty="0" smtClean="0"/>
+              <a:t>“For </a:t>
+            </a:r>
+            <a:r>
               <a:rPr lang="en-US" sz="2000" dirty="0"/>
-              <a:t>“For and while loops that incrementally increase the size of data structure through the loop can adversely affect performance and memory use” – MATLAB documentation.</a:t>
-            </a:r>
-          </a:p>
-          <a:p>
+              <a:t>and while loops that incrementally increase the size of data structure through the loop can adversely affect performance and memory use” </a:t>
+            </a:r>
+            <a:endParaRPr lang="en-US" sz="2000" dirty="0" smtClean="0"/>
+          </a:p>
+          <a:p>
+            <a:r>
+              <a:rPr lang="en-US" sz="2000" dirty="0" smtClean="0"/>
+              <a:t>Memory </a:t>
+            </a:r>
             <a:r>
               <a:rPr lang="en-US" sz="2000" dirty="0"/>
-              <a:t>Memory needs to be allocated at each iteration – BAD!</a:t>
+              <a:t>needs to be allocated at each iteration – BAD!</a:t>
             </a:r>
           </a:p>
           <a:p>
@@ -10823,6 +16039,356 @@
   <p:clrMapOvr>
     <a:masterClrMapping/>
   </p:clrMapOvr>
+  <mc:AlternateContent xmlns:mc="http://schemas.openxmlformats.org/markup-compatibility/2006">
+    <mc:Choice xmlns:p14="http://schemas.microsoft.com/office/powerpoint/2010/main" Requires="p14">
+      <p:transition spd="med" p14:dur="700">
+        <p:fade/>
+      </p:transition>
+    </mc:Choice>
+    <mc:Fallback>
+      <p:transition spd="med">
+        <p:fade/>
+      </p:transition>
+    </mc:Fallback>
+  </mc:AlternateContent>
+  <p:timing>
+    <p:tnLst>
+      <p:par>
+        <p:cTn id="1" dur="indefinite" restart="never" nodeType="tmRoot">
+          <p:childTnLst>
+            <p:seq concurrent="1" nextAc="seek">
+              <p:cTn id="2" dur="indefinite" nodeType="mainSeq">
+                <p:childTnLst>
+                  <p:par>
+                    <p:cTn id="3" fill="hold">
+                      <p:stCondLst>
+                        <p:cond delay="indefinite"/>
+                      </p:stCondLst>
+                      <p:childTnLst>
+                        <p:par>
+                          <p:cTn id="4" fill="hold">
+                            <p:stCondLst>
+                              <p:cond delay="0"/>
+                            </p:stCondLst>
+                            <p:childTnLst>
+                              <p:par>
+                                <p:cTn id="5" presetID="10" presetClass="entr" presetSubtype="0" fill="hold" grpId="0" nodeType="clickEffect">
+                                  <p:stCondLst>
+                                    <p:cond delay="0"/>
+                                  </p:stCondLst>
+                                  <p:childTnLst>
+                                    <p:set>
+                                      <p:cBhvr>
+                                        <p:cTn id="6" dur="1" fill="hold">
+                                          <p:stCondLst>
+                                            <p:cond delay="0"/>
+                                          </p:stCondLst>
+                                        </p:cTn>
+                                        <p:tgtEl>
+                                          <p:spTgt spid="3">
+                                            <p:txEl>
+                                              <p:pRg st="0" end="0"/>
+                                            </p:txEl>
+                                          </p:spTgt>
+                                        </p:tgtEl>
+                                        <p:attrNameLst>
+                                          <p:attrName>style.visibility</p:attrName>
+                                        </p:attrNameLst>
+                                      </p:cBhvr>
+                                      <p:to>
+                                        <p:strVal val="visible"/>
+                                      </p:to>
+                                    </p:set>
+                                    <p:animEffect transition="in" filter="fade">
+                                      <p:cBhvr>
+                                        <p:cTn id="7" dur="500"/>
+                                        <p:tgtEl>
+                                          <p:spTgt spid="3">
+                                            <p:txEl>
+                                              <p:pRg st="0" end="0"/>
+                                            </p:txEl>
+                                          </p:spTgt>
+                                        </p:tgtEl>
+                                      </p:cBhvr>
+                                    </p:animEffect>
+                                  </p:childTnLst>
+                                </p:cTn>
+                              </p:par>
+                            </p:childTnLst>
+                          </p:cTn>
+                        </p:par>
+                      </p:childTnLst>
+                    </p:cTn>
+                  </p:par>
+                  <p:par>
+                    <p:cTn id="8" fill="hold">
+                      <p:stCondLst>
+                        <p:cond delay="indefinite"/>
+                      </p:stCondLst>
+                      <p:childTnLst>
+                        <p:par>
+                          <p:cTn id="9" fill="hold">
+                            <p:stCondLst>
+                              <p:cond delay="0"/>
+                            </p:stCondLst>
+                            <p:childTnLst>
+                              <p:par>
+                                <p:cTn id="10" presetID="10" presetClass="entr" presetSubtype="0" fill="hold" grpId="0" nodeType="clickEffect">
+                                  <p:stCondLst>
+                                    <p:cond delay="0"/>
+                                  </p:stCondLst>
+                                  <p:childTnLst>
+                                    <p:set>
+                                      <p:cBhvr>
+                                        <p:cTn id="11" dur="1" fill="hold">
+                                          <p:stCondLst>
+                                            <p:cond delay="0"/>
+                                          </p:stCondLst>
+                                        </p:cTn>
+                                        <p:tgtEl>
+                                          <p:spTgt spid="3">
+                                            <p:txEl>
+                                              <p:pRg st="1" end="1"/>
+                                            </p:txEl>
+                                          </p:spTgt>
+                                        </p:tgtEl>
+                                        <p:attrNameLst>
+                                          <p:attrName>style.visibility</p:attrName>
+                                        </p:attrNameLst>
+                                      </p:cBhvr>
+                                      <p:to>
+                                        <p:strVal val="visible"/>
+                                      </p:to>
+                                    </p:set>
+                                    <p:animEffect transition="in" filter="fade">
+                                      <p:cBhvr>
+                                        <p:cTn id="12" dur="500"/>
+                                        <p:tgtEl>
+                                          <p:spTgt spid="3">
+                                            <p:txEl>
+                                              <p:pRg st="1" end="1"/>
+                                            </p:txEl>
+                                          </p:spTgt>
+                                        </p:tgtEl>
+                                      </p:cBhvr>
+                                    </p:animEffect>
+                                  </p:childTnLst>
+                                </p:cTn>
+                              </p:par>
+                            </p:childTnLst>
+                          </p:cTn>
+                        </p:par>
+                      </p:childTnLst>
+                    </p:cTn>
+                  </p:par>
+                  <p:par>
+                    <p:cTn id="13" fill="hold">
+                      <p:stCondLst>
+                        <p:cond delay="indefinite"/>
+                      </p:stCondLst>
+                      <p:childTnLst>
+                        <p:par>
+                          <p:cTn id="14" fill="hold">
+                            <p:stCondLst>
+                              <p:cond delay="0"/>
+                            </p:stCondLst>
+                            <p:childTnLst>
+                              <p:par>
+                                <p:cTn id="15" presetID="10" presetClass="entr" presetSubtype="0" fill="hold" grpId="0" nodeType="clickEffect">
+                                  <p:stCondLst>
+                                    <p:cond delay="0"/>
+                                  </p:stCondLst>
+                                  <p:childTnLst>
+                                    <p:set>
+                                      <p:cBhvr>
+                                        <p:cTn id="16" dur="1" fill="hold">
+                                          <p:stCondLst>
+                                            <p:cond delay="0"/>
+                                          </p:stCondLst>
+                                        </p:cTn>
+                                        <p:tgtEl>
+                                          <p:spTgt spid="3">
+                                            <p:txEl>
+                                              <p:pRg st="2" end="2"/>
+                                            </p:txEl>
+                                          </p:spTgt>
+                                        </p:tgtEl>
+                                        <p:attrNameLst>
+                                          <p:attrName>style.visibility</p:attrName>
+                                        </p:attrNameLst>
+                                      </p:cBhvr>
+                                      <p:to>
+                                        <p:strVal val="visible"/>
+                                      </p:to>
+                                    </p:set>
+                                    <p:animEffect transition="in" filter="fade">
+                                      <p:cBhvr>
+                                        <p:cTn id="17" dur="500"/>
+                                        <p:tgtEl>
+                                          <p:spTgt spid="3">
+                                            <p:txEl>
+                                              <p:pRg st="2" end="2"/>
+                                            </p:txEl>
+                                          </p:spTgt>
+                                        </p:tgtEl>
+                                      </p:cBhvr>
+                                    </p:animEffect>
+                                  </p:childTnLst>
+                                </p:cTn>
+                              </p:par>
+                            </p:childTnLst>
+                          </p:cTn>
+                        </p:par>
+                      </p:childTnLst>
+                    </p:cTn>
+                  </p:par>
+                  <p:par>
+                    <p:cTn id="18" fill="hold">
+                      <p:stCondLst>
+                        <p:cond delay="indefinite"/>
+                      </p:stCondLst>
+                      <p:childTnLst>
+                        <p:par>
+                          <p:cTn id="19" fill="hold">
+                            <p:stCondLst>
+                              <p:cond delay="0"/>
+                            </p:stCondLst>
+                            <p:childTnLst>
+                              <p:par>
+                                <p:cTn id="20" presetID="10" presetClass="entr" presetSubtype="0" fill="hold" grpId="0" nodeType="clickEffect">
+                                  <p:stCondLst>
+                                    <p:cond delay="0"/>
+                                  </p:stCondLst>
+                                  <p:childTnLst>
+                                    <p:set>
+                                      <p:cBhvr>
+                                        <p:cTn id="21" dur="1" fill="hold">
+                                          <p:stCondLst>
+                                            <p:cond delay="0"/>
+                                          </p:stCondLst>
+                                        </p:cTn>
+                                        <p:tgtEl>
+                                          <p:spTgt spid="3">
+                                            <p:txEl>
+                                              <p:pRg st="3" end="3"/>
+                                            </p:txEl>
+                                          </p:spTgt>
+                                        </p:tgtEl>
+                                        <p:attrNameLst>
+                                          <p:attrName>style.visibility</p:attrName>
+                                        </p:attrNameLst>
+                                      </p:cBhvr>
+                                      <p:to>
+                                        <p:strVal val="visible"/>
+                                      </p:to>
+                                    </p:set>
+                                    <p:animEffect transition="in" filter="fade">
+                                      <p:cBhvr>
+                                        <p:cTn id="22" dur="500"/>
+                                        <p:tgtEl>
+                                          <p:spTgt spid="3">
+                                            <p:txEl>
+                                              <p:pRg st="3" end="3"/>
+                                            </p:txEl>
+                                          </p:spTgt>
+                                        </p:tgtEl>
+                                      </p:cBhvr>
+                                    </p:animEffect>
+                                  </p:childTnLst>
+                                </p:cTn>
+                              </p:par>
+                            </p:childTnLst>
+                          </p:cTn>
+                        </p:par>
+                      </p:childTnLst>
+                    </p:cTn>
+                  </p:par>
+                  <p:par>
+                    <p:cTn id="23" fill="hold">
+                      <p:stCondLst>
+                        <p:cond delay="indefinite"/>
+                      </p:stCondLst>
+                      <p:childTnLst>
+                        <p:par>
+                          <p:cTn id="24" fill="hold">
+                            <p:stCondLst>
+                              <p:cond delay="0"/>
+                            </p:stCondLst>
+                            <p:childTnLst>
+                              <p:par>
+                                <p:cTn id="25" presetID="10" presetClass="entr" presetSubtype="0" fill="hold" grpId="0" nodeType="clickEffect">
+                                  <p:stCondLst>
+                                    <p:cond delay="0"/>
+                                  </p:stCondLst>
+                                  <p:childTnLst>
+                                    <p:set>
+                                      <p:cBhvr>
+                                        <p:cTn id="26" dur="1" fill="hold">
+                                          <p:stCondLst>
+                                            <p:cond delay="0"/>
+                                          </p:stCondLst>
+                                        </p:cTn>
+                                        <p:tgtEl>
+                                          <p:spTgt spid="3">
+                                            <p:txEl>
+                                              <p:pRg st="5" end="5"/>
+                                            </p:txEl>
+                                          </p:spTgt>
+                                        </p:tgtEl>
+                                        <p:attrNameLst>
+                                          <p:attrName>style.visibility</p:attrName>
+                                        </p:attrNameLst>
+                                      </p:cBhvr>
+                                      <p:to>
+                                        <p:strVal val="visible"/>
+                                      </p:to>
+                                    </p:set>
+                                    <p:animEffect transition="in" filter="fade">
+                                      <p:cBhvr>
+                                        <p:cTn id="27" dur="500"/>
+                                        <p:tgtEl>
+                                          <p:spTgt spid="3">
+                                            <p:txEl>
+                                              <p:pRg st="5" end="5"/>
+                                            </p:txEl>
+                                          </p:spTgt>
+                                        </p:tgtEl>
+                                      </p:cBhvr>
+                                    </p:animEffect>
+                                  </p:childTnLst>
+                                </p:cTn>
+                              </p:par>
+                            </p:childTnLst>
+                          </p:cTn>
+                        </p:par>
+                      </p:childTnLst>
+                    </p:cTn>
+                  </p:par>
+                </p:childTnLst>
+              </p:cTn>
+              <p:prevCondLst>
+                <p:cond evt="onPrev" delay="0">
+                  <p:tgtEl>
+                    <p:sldTgt/>
+                  </p:tgtEl>
+                </p:cond>
+              </p:prevCondLst>
+              <p:nextCondLst>
+                <p:cond evt="onNext" delay="0">
+                  <p:tgtEl>
+                    <p:sldTgt/>
+                  </p:tgtEl>
+                </p:cond>
+              </p:nextCondLst>
+            </p:seq>
+          </p:childTnLst>
+        </p:cTn>
+      </p:par>
+    </p:tnLst>
+    <p:bldLst>
+      <p:bldP spid="3" grpId="0" build="p"/>
+    </p:bldLst>
+  </p:timing>
 </p:sld>
 </file>
 
@@ -10954,6 +16520,356 @@
   <p:clrMapOvr>
     <a:masterClrMapping/>
   </p:clrMapOvr>
+  <mc:AlternateContent xmlns:mc="http://schemas.openxmlformats.org/markup-compatibility/2006">
+    <mc:Choice xmlns:p14="http://schemas.microsoft.com/office/powerpoint/2010/main" Requires="p14">
+      <p:transition spd="med" p14:dur="700">
+        <p:fade/>
+      </p:transition>
+    </mc:Choice>
+    <mc:Fallback>
+      <p:transition spd="med">
+        <p:fade/>
+      </p:transition>
+    </mc:Fallback>
+  </mc:AlternateContent>
+  <p:timing>
+    <p:tnLst>
+      <p:par>
+        <p:cTn id="1" dur="indefinite" restart="never" nodeType="tmRoot">
+          <p:childTnLst>
+            <p:seq concurrent="1" nextAc="seek">
+              <p:cTn id="2" dur="indefinite" nodeType="mainSeq">
+                <p:childTnLst>
+                  <p:par>
+                    <p:cTn id="3" fill="hold">
+                      <p:stCondLst>
+                        <p:cond delay="indefinite"/>
+                      </p:stCondLst>
+                      <p:childTnLst>
+                        <p:par>
+                          <p:cTn id="4" fill="hold">
+                            <p:stCondLst>
+                              <p:cond delay="0"/>
+                            </p:stCondLst>
+                            <p:childTnLst>
+                              <p:par>
+                                <p:cTn id="5" presetID="10" presetClass="entr" presetSubtype="0" fill="hold" grpId="0" nodeType="clickEffect">
+                                  <p:stCondLst>
+                                    <p:cond delay="0"/>
+                                  </p:stCondLst>
+                                  <p:childTnLst>
+                                    <p:set>
+                                      <p:cBhvr>
+                                        <p:cTn id="6" dur="1" fill="hold">
+                                          <p:stCondLst>
+                                            <p:cond delay="0"/>
+                                          </p:stCondLst>
+                                        </p:cTn>
+                                        <p:tgtEl>
+                                          <p:spTgt spid="3">
+                                            <p:txEl>
+                                              <p:pRg st="0" end="0"/>
+                                            </p:txEl>
+                                          </p:spTgt>
+                                        </p:tgtEl>
+                                        <p:attrNameLst>
+                                          <p:attrName>style.visibility</p:attrName>
+                                        </p:attrNameLst>
+                                      </p:cBhvr>
+                                      <p:to>
+                                        <p:strVal val="visible"/>
+                                      </p:to>
+                                    </p:set>
+                                    <p:animEffect transition="in" filter="fade">
+                                      <p:cBhvr>
+                                        <p:cTn id="7" dur="500"/>
+                                        <p:tgtEl>
+                                          <p:spTgt spid="3">
+                                            <p:txEl>
+                                              <p:pRg st="0" end="0"/>
+                                            </p:txEl>
+                                          </p:spTgt>
+                                        </p:tgtEl>
+                                      </p:cBhvr>
+                                    </p:animEffect>
+                                  </p:childTnLst>
+                                </p:cTn>
+                              </p:par>
+                            </p:childTnLst>
+                          </p:cTn>
+                        </p:par>
+                      </p:childTnLst>
+                    </p:cTn>
+                  </p:par>
+                  <p:par>
+                    <p:cTn id="8" fill="hold">
+                      <p:stCondLst>
+                        <p:cond delay="indefinite"/>
+                      </p:stCondLst>
+                      <p:childTnLst>
+                        <p:par>
+                          <p:cTn id="9" fill="hold">
+                            <p:stCondLst>
+                              <p:cond delay="0"/>
+                            </p:stCondLst>
+                            <p:childTnLst>
+                              <p:par>
+                                <p:cTn id="10" presetID="10" presetClass="entr" presetSubtype="0" fill="hold" grpId="0" nodeType="clickEffect">
+                                  <p:stCondLst>
+                                    <p:cond delay="0"/>
+                                  </p:stCondLst>
+                                  <p:childTnLst>
+                                    <p:set>
+                                      <p:cBhvr>
+                                        <p:cTn id="11" dur="1" fill="hold">
+                                          <p:stCondLst>
+                                            <p:cond delay="0"/>
+                                          </p:stCondLst>
+                                        </p:cTn>
+                                        <p:tgtEl>
+                                          <p:spTgt spid="3">
+                                            <p:txEl>
+                                              <p:pRg st="1" end="1"/>
+                                            </p:txEl>
+                                          </p:spTgt>
+                                        </p:tgtEl>
+                                        <p:attrNameLst>
+                                          <p:attrName>style.visibility</p:attrName>
+                                        </p:attrNameLst>
+                                      </p:cBhvr>
+                                      <p:to>
+                                        <p:strVal val="visible"/>
+                                      </p:to>
+                                    </p:set>
+                                    <p:animEffect transition="in" filter="fade">
+                                      <p:cBhvr>
+                                        <p:cTn id="12" dur="500"/>
+                                        <p:tgtEl>
+                                          <p:spTgt spid="3">
+                                            <p:txEl>
+                                              <p:pRg st="1" end="1"/>
+                                            </p:txEl>
+                                          </p:spTgt>
+                                        </p:tgtEl>
+                                      </p:cBhvr>
+                                    </p:animEffect>
+                                  </p:childTnLst>
+                                </p:cTn>
+                              </p:par>
+                            </p:childTnLst>
+                          </p:cTn>
+                        </p:par>
+                      </p:childTnLst>
+                    </p:cTn>
+                  </p:par>
+                  <p:par>
+                    <p:cTn id="13" fill="hold">
+                      <p:stCondLst>
+                        <p:cond delay="indefinite"/>
+                      </p:stCondLst>
+                      <p:childTnLst>
+                        <p:par>
+                          <p:cTn id="14" fill="hold">
+                            <p:stCondLst>
+                              <p:cond delay="0"/>
+                            </p:stCondLst>
+                            <p:childTnLst>
+                              <p:par>
+                                <p:cTn id="15" presetID="10" presetClass="entr" presetSubtype="0" fill="hold" grpId="0" nodeType="clickEffect">
+                                  <p:stCondLst>
+                                    <p:cond delay="0"/>
+                                  </p:stCondLst>
+                                  <p:childTnLst>
+                                    <p:set>
+                                      <p:cBhvr>
+                                        <p:cTn id="16" dur="1" fill="hold">
+                                          <p:stCondLst>
+                                            <p:cond delay="0"/>
+                                          </p:stCondLst>
+                                        </p:cTn>
+                                        <p:tgtEl>
+                                          <p:spTgt spid="3">
+                                            <p:txEl>
+                                              <p:pRg st="2" end="2"/>
+                                            </p:txEl>
+                                          </p:spTgt>
+                                        </p:tgtEl>
+                                        <p:attrNameLst>
+                                          <p:attrName>style.visibility</p:attrName>
+                                        </p:attrNameLst>
+                                      </p:cBhvr>
+                                      <p:to>
+                                        <p:strVal val="visible"/>
+                                      </p:to>
+                                    </p:set>
+                                    <p:animEffect transition="in" filter="fade">
+                                      <p:cBhvr>
+                                        <p:cTn id="17" dur="500"/>
+                                        <p:tgtEl>
+                                          <p:spTgt spid="3">
+                                            <p:txEl>
+                                              <p:pRg st="2" end="2"/>
+                                            </p:txEl>
+                                          </p:spTgt>
+                                        </p:tgtEl>
+                                      </p:cBhvr>
+                                    </p:animEffect>
+                                  </p:childTnLst>
+                                </p:cTn>
+                              </p:par>
+                            </p:childTnLst>
+                          </p:cTn>
+                        </p:par>
+                      </p:childTnLst>
+                    </p:cTn>
+                  </p:par>
+                  <p:par>
+                    <p:cTn id="18" fill="hold">
+                      <p:stCondLst>
+                        <p:cond delay="indefinite"/>
+                      </p:stCondLst>
+                      <p:childTnLst>
+                        <p:par>
+                          <p:cTn id="19" fill="hold">
+                            <p:stCondLst>
+                              <p:cond delay="0"/>
+                            </p:stCondLst>
+                            <p:childTnLst>
+                              <p:par>
+                                <p:cTn id="20" presetID="10" presetClass="entr" presetSubtype="0" fill="hold" grpId="0" nodeType="clickEffect">
+                                  <p:stCondLst>
+                                    <p:cond delay="0"/>
+                                  </p:stCondLst>
+                                  <p:childTnLst>
+                                    <p:set>
+                                      <p:cBhvr>
+                                        <p:cTn id="21" dur="1" fill="hold">
+                                          <p:stCondLst>
+                                            <p:cond delay="0"/>
+                                          </p:stCondLst>
+                                        </p:cTn>
+                                        <p:tgtEl>
+                                          <p:spTgt spid="3">
+                                            <p:txEl>
+                                              <p:pRg st="3" end="3"/>
+                                            </p:txEl>
+                                          </p:spTgt>
+                                        </p:tgtEl>
+                                        <p:attrNameLst>
+                                          <p:attrName>style.visibility</p:attrName>
+                                        </p:attrNameLst>
+                                      </p:cBhvr>
+                                      <p:to>
+                                        <p:strVal val="visible"/>
+                                      </p:to>
+                                    </p:set>
+                                    <p:animEffect transition="in" filter="fade">
+                                      <p:cBhvr>
+                                        <p:cTn id="22" dur="500"/>
+                                        <p:tgtEl>
+                                          <p:spTgt spid="3">
+                                            <p:txEl>
+                                              <p:pRg st="3" end="3"/>
+                                            </p:txEl>
+                                          </p:spTgt>
+                                        </p:tgtEl>
+                                      </p:cBhvr>
+                                    </p:animEffect>
+                                  </p:childTnLst>
+                                </p:cTn>
+                              </p:par>
+                            </p:childTnLst>
+                          </p:cTn>
+                        </p:par>
+                      </p:childTnLst>
+                    </p:cTn>
+                  </p:par>
+                  <p:par>
+                    <p:cTn id="23" fill="hold">
+                      <p:stCondLst>
+                        <p:cond delay="indefinite"/>
+                      </p:stCondLst>
+                      <p:childTnLst>
+                        <p:par>
+                          <p:cTn id="24" fill="hold">
+                            <p:stCondLst>
+                              <p:cond delay="0"/>
+                            </p:stCondLst>
+                            <p:childTnLst>
+                              <p:par>
+                                <p:cTn id="25" presetID="10" presetClass="entr" presetSubtype="0" fill="hold" grpId="0" nodeType="clickEffect">
+                                  <p:stCondLst>
+                                    <p:cond delay="0"/>
+                                  </p:stCondLst>
+                                  <p:childTnLst>
+                                    <p:set>
+                                      <p:cBhvr>
+                                        <p:cTn id="26" dur="1" fill="hold">
+                                          <p:stCondLst>
+                                            <p:cond delay="0"/>
+                                          </p:stCondLst>
+                                        </p:cTn>
+                                        <p:tgtEl>
+                                          <p:spTgt spid="3">
+                                            <p:txEl>
+                                              <p:pRg st="5" end="5"/>
+                                            </p:txEl>
+                                          </p:spTgt>
+                                        </p:tgtEl>
+                                        <p:attrNameLst>
+                                          <p:attrName>style.visibility</p:attrName>
+                                        </p:attrNameLst>
+                                      </p:cBhvr>
+                                      <p:to>
+                                        <p:strVal val="visible"/>
+                                      </p:to>
+                                    </p:set>
+                                    <p:animEffect transition="in" filter="fade">
+                                      <p:cBhvr>
+                                        <p:cTn id="27" dur="500"/>
+                                        <p:tgtEl>
+                                          <p:spTgt spid="3">
+                                            <p:txEl>
+                                              <p:pRg st="5" end="5"/>
+                                            </p:txEl>
+                                          </p:spTgt>
+                                        </p:tgtEl>
+                                      </p:cBhvr>
+                                    </p:animEffect>
+                                  </p:childTnLst>
+                                </p:cTn>
+                              </p:par>
+                            </p:childTnLst>
+                          </p:cTn>
+                        </p:par>
+                      </p:childTnLst>
+                    </p:cTn>
+                  </p:par>
+                </p:childTnLst>
+              </p:cTn>
+              <p:prevCondLst>
+                <p:cond evt="onPrev" delay="0">
+                  <p:tgtEl>
+                    <p:sldTgt/>
+                  </p:tgtEl>
+                </p:cond>
+              </p:prevCondLst>
+              <p:nextCondLst>
+                <p:cond evt="onNext" delay="0">
+                  <p:tgtEl>
+                    <p:sldTgt/>
+                  </p:tgtEl>
+                </p:cond>
+              </p:nextCondLst>
+            </p:seq>
+          </p:childTnLst>
+        </p:cTn>
+      </p:par>
+    </p:tnLst>
+    <p:bldLst>
+      <p:bldP spid="3" grpId="0" build="p"/>
+    </p:bldLst>
+  </p:timing>
 </p:sld>
 </file>
 
@@ -11095,6 +17011,295 @@
   <p:clrMapOvr>
     <a:masterClrMapping/>
   </p:clrMapOvr>
+  <mc:AlternateContent xmlns:mc="http://schemas.openxmlformats.org/markup-compatibility/2006">
+    <mc:Choice xmlns:p14="http://schemas.microsoft.com/office/powerpoint/2010/main" Requires="p14">
+      <p:transition spd="med" p14:dur="700">
+        <p:fade/>
+      </p:transition>
+    </mc:Choice>
+    <mc:Fallback>
+      <p:transition spd="med">
+        <p:fade/>
+      </p:transition>
+    </mc:Fallback>
+  </mc:AlternateContent>
+  <p:timing>
+    <p:tnLst>
+      <p:par>
+        <p:cTn id="1" dur="indefinite" restart="never" nodeType="tmRoot">
+          <p:childTnLst>
+            <p:seq concurrent="1" nextAc="seek">
+              <p:cTn id="2" dur="indefinite" nodeType="mainSeq">
+                <p:childTnLst>
+                  <p:par>
+                    <p:cTn id="3" fill="hold">
+                      <p:stCondLst>
+                        <p:cond delay="indefinite"/>
+                      </p:stCondLst>
+                      <p:childTnLst>
+                        <p:par>
+                          <p:cTn id="4" fill="hold">
+                            <p:stCondLst>
+                              <p:cond delay="0"/>
+                            </p:stCondLst>
+                            <p:childTnLst>
+                              <p:par>
+                                <p:cTn id="5" presetID="10" presetClass="entr" presetSubtype="0" fill="hold" grpId="0" nodeType="clickEffect">
+                                  <p:stCondLst>
+                                    <p:cond delay="0"/>
+                                  </p:stCondLst>
+                                  <p:childTnLst>
+                                    <p:set>
+                                      <p:cBhvr>
+                                        <p:cTn id="6" dur="1" fill="hold">
+                                          <p:stCondLst>
+                                            <p:cond delay="0"/>
+                                          </p:stCondLst>
+                                        </p:cTn>
+                                        <p:tgtEl>
+                                          <p:spTgt spid="3">
+                                            <p:txEl>
+                                              <p:pRg st="0" end="0"/>
+                                            </p:txEl>
+                                          </p:spTgt>
+                                        </p:tgtEl>
+                                        <p:attrNameLst>
+                                          <p:attrName>style.visibility</p:attrName>
+                                        </p:attrNameLst>
+                                      </p:cBhvr>
+                                      <p:to>
+                                        <p:strVal val="visible"/>
+                                      </p:to>
+                                    </p:set>
+                                    <p:animEffect transition="in" filter="fade">
+                                      <p:cBhvr>
+                                        <p:cTn id="7" dur="500"/>
+                                        <p:tgtEl>
+                                          <p:spTgt spid="3">
+                                            <p:txEl>
+                                              <p:pRg st="0" end="0"/>
+                                            </p:txEl>
+                                          </p:spTgt>
+                                        </p:tgtEl>
+                                      </p:cBhvr>
+                                    </p:animEffect>
+                                  </p:childTnLst>
+                                </p:cTn>
+                              </p:par>
+                            </p:childTnLst>
+                          </p:cTn>
+                        </p:par>
+                      </p:childTnLst>
+                    </p:cTn>
+                  </p:par>
+                  <p:par>
+                    <p:cTn id="8" fill="hold">
+                      <p:stCondLst>
+                        <p:cond delay="indefinite"/>
+                      </p:stCondLst>
+                      <p:childTnLst>
+                        <p:par>
+                          <p:cTn id="9" fill="hold">
+                            <p:stCondLst>
+                              <p:cond delay="0"/>
+                            </p:stCondLst>
+                            <p:childTnLst>
+                              <p:par>
+                                <p:cTn id="10" presetID="10" presetClass="entr" presetSubtype="0" fill="hold" grpId="0" nodeType="clickEffect">
+                                  <p:stCondLst>
+                                    <p:cond delay="0"/>
+                                  </p:stCondLst>
+                                  <p:childTnLst>
+                                    <p:set>
+                                      <p:cBhvr>
+                                        <p:cTn id="11" dur="1" fill="hold">
+                                          <p:stCondLst>
+                                            <p:cond delay="0"/>
+                                          </p:stCondLst>
+                                        </p:cTn>
+                                        <p:tgtEl>
+                                          <p:spTgt spid="3">
+                                            <p:txEl>
+                                              <p:pRg st="1" end="1"/>
+                                            </p:txEl>
+                                          </p:spTgt>
+                                        </p:tgtEl>
+                                        <p:attrNameLst>
+                                          <p:attrName>style.visibility</p:attrName>
+                                        </p:attrNameLst>
+                                      </p:cBhvr>
+                                      <p:to>
+                                        <p:strVal val="visible"/>
+                                      </p:to>
+                                    </p:set>
+                                    <p:animEffect transition="in" filter="fade">
+                                      <p:cBhvr>
+                                        <p:cTn id="12" dur="500"/>
+                                        <p:tgtEl>
+                                          <p:spTgt spid="3">
+                                            <p:txEl>
+                                              <p:pRg st="1" end="1"/>
+                                            </p:txEl>
+                                          </p:spTgt>
+                                        </p:tgtEl>
+                                      </p:cBhvr>
+                                    </p:animEffect>
+                                  </p:childTnLst>
+                                </p:cTn>
+                              </p:par>
+                            </p:childTnLst>
+                          </p:cTn>
+                        </p:par>
+                      </p:childTnLst>
+                    </p:cTn>
+                  </p:par>
+                  <p:par>
+                    <p:cTn id="13" fill="hold">
+                      <p:stCondLst>
+                        <p:cond delay="indefinite"/>
+                      </p:stCondLst>
+                      <p:childTnLst>
+                        <p:par>
+                          <p:cTn id="14" fill="hold">
+                            <p:stCondLst>
+                              <p:cond delay="0"/>
+                            </p:stCondLst>
+                            <p:childTnLst>
+                              <p:par>
+                                <p:cTn id="15" presetID="10" presetClass="entr" presetSubtype="0" fill="hold" grpId="0" nodeType="clickEffect">
+                                  <p:stCondLst>
+                                    <p:cond delay="0"/>
+                                  </p:stCondLst>
+                                  <p:childTnLst>
+                                    <p:set>
+                                      <p:cBhvr>
+                                        <p:cTn id="16" dur="1" fill="hold">
+                                          <p:stCondLst>
+                                            <p:cond delay="0"/>
+                                          </p:stCondLst>
+                                        </p:cTn>
+                                        <p:tgtEl>
+                                          <p:spTgt spid="3">
+                                            <p:txEl>
+                                              <p:pRg st="2" end="2"/>
+                                            </p:txEl>
+                                          </p:spTgt>
+                                        </p:tgtEl>
+                                        <p:attrNameLst>
+                                          <p:attrName>style.visibility</p:attrName>
+                                        </p:attrNameLst>
+                                      </p:cBhvr>
+                                      <p:to>
+                                        <p:strVal val="visible"/>
+                                      </p:to>
+                                    </p:set>
+                                    <p:animEffect transition="in" filter="fade">
+                                      <p:cBhvr>
+                                        <p:cTn id="17" dur="500"/>
+                                        <p:tgtEl>
+                                          <p:spTgt spid="3">
+                                            <p:txEl>
+                                              <p:pRg st="2" end="2"/>
+                                            </p:txEl>
+                                          </p:spTgt>
+                                        </p:tgtEl>
+                                      </p:cBhvr>
+                                    </p:animEffect>
+                                  </p:childTnLst>
+                                </p:cTn>
+                              </p:par>
+                            </p:childTnLst>
+                          </p:cTn>
+                        </p:par>
+                      </p:childTnLst>
+                    </p:cTn>
+                  </p:par>
+                  <p:par>
+                    <p:cTn id="18" fill="hold">
+                      <p:stCondLst>
+                        <p:cond delay="indefinite"/>
+                      </p:stCondLst>
+                      <p:childTnLst>
+                        <p:par>
+                          <p:cTn id="19" fill="hold">
+                            <p:stCondLst>
+                              <p:cond delay="0"/>
+                            </p:stCondLst>
+                            <p:childTnLst>
+                              <p:par>
+                                <p:cTn id="20" presetID="10" presetClass="entr" presetSubtype="0" fill="hold" grpId="0" nodeType="clickEffect">
+                                  <p:stCondLst>
+                                    <p:cond delay="0"/>
+                                  </p:stCondLst>
+                                  <p:childTnLst>
+                                    <p:set>
+                                      <p:cBhvr>
+                                        <p:cTn id="21" dur="1" fill="hold">
+                                          <p:stCondLst>
+                                            <p:cond delay="0"/>
+                                          </p:stCondLst>
+                                        </p:cTn>
+                                        <p:tgtEl>
+                                          <p:spTgt spid="3">
+                                            <p:txEl>
+                                              <p:pRg st="3" end="3"/>
+                                            </p:txEl>
+                                          </p:spTgt>
+                                        </p:tgtEl>
+                                        <p:attrNameLst>
+                                          <p:attrName>style.visibility</p:attrName>
+                                        </p:attrNameLst>
+                                      </p:cBhvr>
+                                      <p:to>
+                                        <p:strVal val="visible"/>
+                                      </p:to>
+                                    </p:set>
+                                    <p:animEffect transition="in" filter="fade">
+                                      <p:cBhvr>
+                                        <p:cTn id="22" dur="500"/>
+                                        <p:tgtEl>
+                                          <p:spTgt spid="3">
+                                            <p:txEl>
+                                              <p:pRg st="3" end="3"/>
+                                            </p:txEl>
+                                          </p:spTgt>
+                                        </p:tgtEl>
+                                      </p:cBhvr>
+                                    </p:animEffect>
+                                  </p:childTnLst>
+                                </p:cTn>
+                              </p:par>
+                            </p:childTnLst>
+                          </p:cTn>
+                        </p:par>
+                      </p:childTnLst>
+                    </p:cTn>
+                  </p:par>
+                </p:childTnLst>
+              </p:cTn>
+              <p:prevCondLst>
+                <p:cond evt="onPrev" delay="0">
+                  <p:tgtEl>
+                    <p:sldTgt/>
+                  </p:tgtEl>
+                </p:cond>
+              </p:prevCondLst>
+              <p:nextCondLst>
+                <p:cond evt="onNext" delay="0">
+                  <p:tgtEl>
+                    <p:sldTgt/>
+                  </p:tgtEl>
+                </p:cond>
+              </p:nextCondLst>
+            </p:seq>
+          </p:childTnLst>
+        </p:cTn>
+      </p:par>
+    </p:tnLst>
+    <p:bldLst>
+      <p:bldP spid="3" grpId="0" build="p"/>
+    </p:bldLst>
+  </p:timing>
 </p:sld>
 </file>
 
@@ -11292,6 +17497,356 @@
   <p:clrMapOvr>
     <a:masterClrMapping/>
   </p:clrMapOvr>
+  <mc:AlternateContent xmlns:mc="http://schemas.openxmlformats.org/markup-compatibility/2006">
+    <mc:Choice xmlns:p14="http://schemas.microsoft.com/office/powerpoint/2010/main" Requires="p14">
+      <p:transition spd="med" p14:dur="700">
+        <p:fade/>
+      </p:transition>
+    </mc:Choice>
+    <mc:Fallback>
+      <p:transition spd="med">
+        <p:fade/>
+      </p:transition>
+    </mc:Fallback>
+  </mc:AlternateContent>
+  <p:timing>
+    <p:tnLst>
+      <p:par>
+        <p:cTn id="1" dur="indefinite" restart="never" nodeType="tmRoot">
+          <p:childTnLst>
+            <p:seq concurrent="1" nextAc="seek">
+              <p:cTn id="2" dur="indefinite" nodeType="mainSeq">
+                <p:childTnLst>
+                  <p:par>
+                    <p:cTn id="3" fill="hold">
+                      <p:stCondLst>
+                        <p:cond delay="indefinite"/>
+                      </p:stCondLst>
+                      <p:childTnLst>
+                        <p:par>
+                          <p:cTn id="4" fill="hold">
+                            <p:stCondLst>
+                              <p:cond delay="0"/>
+                            </p:stCondLst>
+                            <p:childTnLst>
+                              <p:par>
+                                <p:cTn id="5" presetID="10" presetClass="entr" presetSubtype="0" fill="hold" grpId="0" nodeType="clickEffect">
+                                  <p:stCondLst>
+                                    <p:cond delay="0"/>
+                                  </p:stCondLst>
+                                  <p:childTnLst>
+                                    <p:set>
+                                      <p:cBhvr>
+                                        <p:cTn id="6" dur="1" fill="hold">
+                                          <p:stCondLst>
+                                            <p:cond delay="0"/>
+                                          </p:stCondLst>
+                                        </p:cTn>
+                                        <p:tgtEl>
+                                          <p:spTgt spid="3">
+                                            <p:txEl>
+                                              <p:pRg st="0" end="0"/>
+                                            </p:txEl>
+                                          </p:spTgt>
+                                        </p:tgtEl>
+                                        <p:attrNameLst>
+                                          <p:attrName>style.visibility</p:attrName>
+                                        </p:attrNameLst>
+                                      </p:cBhvr>
+                                      <p:to>
+                                        <p:strVal val="visible"/>
+                                      </p:to>
+                                    </p:set>
+                                    <p:animEffect transition="in" filter="fade">
+                                      <p:cBhvr>
+                                        <p:cTn id="7" dur="500"/>
+                                        <p:tgtEl>
+                                          <p:spTgt spid="3">
+                                            <p:txEl>
+                                              <p:pRg st="0" end="0"/>
+                                            </p:txEl>
+                                          </p:spTgt>
+                                        </p:tgtEl>
+                                      </p:cBhvr>
+                                    </p:animEffect>
+                                  </p:childTnLst>
+                                </p:cTn>
+                              </p:par>
+                            </p:childTnLst>
+                          </p:cTn>
+                        </p:par>
+                      </p:childTnLst>
+                    </p:cTn>
+                  </p:par>
+                  <p:par>
+                    <p:cTn id="8" fill="hold">
+                      <p:stCondLst>
+                        <p:cond delay="indefinite"/>
+                      </p:stCondLst>
+                      <p:childTnLst>
+                        <p:par>
+                          <p:cTn id="9" fill="hold">
+                            <p:stCondLst>
+                              <p:cond delay="0"/>
+                            </p:stCondLst>
+                            <p:childTnLst>
+                              <p:par>
+                                <p:cTn id="10" presetID="10" presetClass="entr" presetSubtype="0" fill="hold" grpId="0" nodeType="clickEffect">
+                                  <p:stCondLst>
+                                    <p:cond delay="0"/>
+                                  </p:stCondLst>
+                                  <p:childTnLst>
+                                    <p:set>
+                                      <p:cBhvr>
+                                        <p:cTn id="11" dur="1" fill="hold">
+                                          <p:stCondLst>
+                                            <p:cond delay="0"/>
+                                          </p:stCondLst>
+                                        </p:cTn>
+                                        <p:tgtEl>
+                                          <p:spTgt spid="3">
+                                            <p:txEl>
+                                              <p:pRg st="1" end="1"/>
+                                            </p:txEl>
+                                          </p:spTgt>
+                                        </p:tgtEl>
+                                        <p:attrNameLst>
+                                          <p:attrName>style.visibility</p:attrName>
+                                        </p:attrNameLst>
+                                      </p:cBhvr>
+                                      <p:to>
+                                        <p:strVal val="visible"/>
+                                      </p:to>
+                                    </p:set>
+                                    <p:animEffect transition="in" filter="fade">
+                                      <p:cBhvr>
+                                        <p:cTn id="12" dur="500"/>
+                                        <p:tgtEl>
+                                          <p:spTgt spid="3">
+                                            <p:txEl>
+                                              <p:pRg st="1" end="1"/>
+                                            </p:txEl>
+                                          </p:spTgt>
+                                        </p:tgtEl>
+                                      </p:cBhvr>
+                                    </p:animEffect>
+                                  </p:childTnLst>
+                                </p:cTn>
+                              </p:par>
+                            </p:childTnLst>
+                          </p:cTn>
+                        </p:par>
+                      </p:childTnLst>
+                    </p:cTn>
+                  </p:par>
+                  <p:par>
+                    <p:cTn id="13" fill="hold">
+                      <p:stCondLst>
+                        <p:cond delay="indefinite"/>
+                      </p:stCondLst>
+                      <p:childTnLst>
+                        <p:par>
+                          <p:cTn id="14" fill="hold">
+                            <p:stCondLst>
+                              <p:cond delay="0"/>
+                            </p:stCondLst>
+                            <p:childTnLst>
+                              <p:par>
+                                <p:cTn id="15" presetID="10" presetClass="entr" presetSubtype="0" fill="hold" grpId="0" nodeType="clickEffect">
+                                  <p:stCondLst>
+                                    <p:cond delay="0"/>
+                                  </p:stCondLst>
+                                  <p:childTnLst>
+                                    <p:set>
+                                      <p:cBhvr>
+                                        <p:cTn id="16" dur="1" fill="hold">
+                                          <p:stCondLst>
+                                            <p:cond delay="0"/>
+                                          </p:stCondLst>
+                                        </p:cTn>
+                                        <p:tgtEl>
+                                          <p:spTgt spid="3">
+                                            <p:txEl>
+                                              <p:pRg st="2" end="2"/>
+                                            </p:txEl>
+                                          </p:spTgt>
+                                        </p:tgtEl>
+                                        <p:attrNameLst>
+                                          <p:attrName>style.visibility</p:attrName>
+                                        </p:attrNameLst>
+                                      </p:cBhvr>
+                                      <p:to>
+                                        <p:strVal val="visible"/>
+                                      </p:to>
+                                    </p:set>
+                                    <p:animEffect transition="in" filter="fade">
+                                      <p:cBhvr>
+                                        <p:cTn id="17" dur="500"/>
+                                        <p:tgtEl>
+                                          <p:spTgt spid="3">
+                                            <p:txEl>
+                                              <p:pRg st="2" end="2"/>
+                                            </p:txEl>
+                                          </p:spTgt>
+                                        </p:tgtEl>
+                                      </p:cBhvr>
+                                    </p:animEffect>
+                                  </p:childTnLst>
+                                </p:cTn>
+                              </p:par>
+                            </p:childTnLst>
+                          </p:cTn>
+                        </p:par>
+                      </p:childTnLst>
+                    </p:cTn>
+                  </p:par>
+                  <p:par>
+                    <p:cTn id="18" fill="hold">
+                      <p:stCondLst>
+                        <p:cond delay="indefinite"/>
+                      </p:stCondLst>
+                      <p:childTnLst>
+                        <p:par>
+                          <p:cTn id="19" fill="hold">
+                            <p:stCondLst>
+                              <p:cond delay="0"/>
+                            </p:stCondLst>
+                            <p:childTnLst>
+                              <p:par>
+                                <p:cTn id="20" presetID="10" presetClass="entr" presetSubtype="0" fill="hold" grpId="0" nodeType="clickEffect">
+                                  <p:stCondLst>
+                                    <p:cond delay="0"/>
+                                  </p:stCondLst>
+                                  <p:childTnLst>
+                                    <p:set>
+                                      <p:cBhvr>
+                                        <p:cTn id="21" dur="1" fill="hold">
+                                          <p:stCondLst>
+                                            <p:cond delay="0"/>
+                                          </p:stCondLst>
+                                        </p:cTn>
+                                        <p:tgtEl>
+                                          <p:spTgt spid="3">
+                                            <p:txEl>
+                                              <p:pRg st="3" end="3"/>
+                                            </p:txEl>
+                                          </p:spTgt>
+                                        </p:tgtEl>
+                                        <p:attrNameLst>
+                                          <p:attrName>style.visibility</p:attrName>
+                                        </p:attrNameLst>
+                                      </p:cBhvr>
+                                      <p:to>
+                                        <p:strVal val="visible"/>
+                                      </p:to>
+                                    </p:set>
+                                    <p:animEffect transition="in" filter="fade">
+                                      <p:cBhvr>
+                                        <p:cTn id="22" dur="500"/>
+                                        <p:tgtEl>
+                                          <p:spTgt spid="3">
+                                            <p:txEl>
+                                              <p:pRg st="3" end="3"/>
+                                            </p:txEl>
+                                          </p:spTgt>
+                                        </p:tgtEl>
+                                      </p:cBhvr>
+                                    </p:animEffect>
+                                  </p:childTnLst>
+                                </p:cTn>
+                              </p:par>
+                            </p:childTnLst>
+                          </p:cTn>
+                        </p:par>
+                      </p:childTnLst>
+                    </p:cTn>
+                  </p:par>
+                  <p:par>
+                    <p:cTn id="23" fill="hold">
+                      <p:stCondLst>
+                        <p:cond delay="indefinite"/>
+                      </p:stCondLst>
+                      <p:childTnLst>
+                        <p:par>
+                          <p:cTn id="24" fill="hold">
+                            <p:stCondLst>
+                              <p:cond delay="0"/>
+                            </p:stCondLst>
+                            <p:childTnLst>
+                              <p:par>
+                                <p:cTn id="25" presetID="10" presetClass="entr" presetSubtype="0" fill="hold" grpId="0" nodeType="clickEffect">
+                                  <p:stCondLst>
+                                    <p:cond delay="0"/>
+                                  </p:stCondLst>
+                                  <p:childTnLst>
+                                    <p:set>
+                                      <p:cBhvr>
+                                        <p:cTn id="26" dur="1" fill="hold">
+                                          <p:stCondLst>
+                                            <p:cond delay="0"/>
+                                          </p:stCondLst>
+                                        </p:cTn>
+                                        <p:tgtEl>
+                                          <p:spTgt spid="3">
+                                            <p:txEl>
+                                              <p:pRg st="4" end="4"/>
+                                            </p:txEl>
+                                          </p:spTgt>
+                                        </p:tgtEl>
+                                        <p:attrNameLst>
+                                          <p:attrName>style.visibility</p:attrName>
+                                        </p:attrNameLst>
+                                      </p:cBhvr>
+                                      <p:to>
+                                        <p:strVal val="visible"/>
+                                      </p:to>
+                                    </p:set>
+                                    <p:animEffect transition="in" filter="fade">
+                                      <p:cBhvr>
+                                        <p:cTn id="27" dur="500"/>
+                                        <p:tgtEl>
+                                          <p:spTgt spid="3">
+                                            <p:txEl>
+                                              <p:pRg st="4" end="4"/>
+                                            </p:txEl>
+                                          </p:spTgt>
+                                        </p:tgtEl>
+                                      </p:cBhvr>
+                                    </p:animEffect>
+                                  </p:childTnLst>
+                                </p:cTn>
+                              </p:par>
+                            </p:childTnLst>
+                          </p:cTn>
+                        </p:par>
+                      </p:childTnLst>
+                    </p:cTn>
+                  </p:par>
+                </p:childTnLst>
+              </p:cTn>
+              <p:prevCondLst>
+                <p:cond evt="onPrev" delay="0">
+                  <p:tgtEl>
+                    <p:sldTgt/>
+                  </p:tgtEl>
+                </p:cond>
+              </p:prevCondLst>
+              <p:nextCondLst>
+                <p:cond evt="onNext" delay="0">
+                  <p:tgtEl>
+                    <p:sldTgt/>
+                  </p:tgtEl>
+                </p:cond>
+              </p:nextCondLst>
+            </p:seq>
+          </p:childTnLst>
+        </p:cTn>
+      </p:par>
+    </p:tnLst>
+    <p:bldLst>
+      <p:bldP spid="3" grpId="0" build="p"/>
+    </p:bldLst>
+  </p:timing>
 </p:sld>
 </file>
 

--- a/Advanced MATLAB Workshop.pptx
+++ b/Advanced MATLAB Workshop.pptx
@@ -250,7 +250,7 @@
           <a:p>
             <a:fld id="{B44DB2A5-721C-4590-AD57-37BABA192C78}" type="datetimeFigureOut">
               <a:rPr lang="en-US" smtClean="0"/>
-              <a:t>7/10/2019</a:t>
+              <a:t>7/11/2019</a:t>
             </a:fld>
             <a:endParaRPr lang="en-US"/>
           </a:p>
@@ -1866,7 +1866,7 @@
           <a:p>
             <a:fld id="{1C1F2C98-C8FE-41C9-9C19-3C211CD93C9A}" type="datetimeFigureOut">
               <a:rPr lang="en-US" smtClean="0"/>
-              <a:t>7/10/2019</a:t>
+              <a:t>7/11/2019</a:t>
             </a:fld>
             <a:endParaRPr lang="en-US"/>
           </a:p>
@@ -1936,13 +1936,13 @@
   <p:clrMapOvr>
     <a:masterClrMapping/>
   </p:clrMapOvr>
-  <mc:AlternateContent xmlns:mc="http://schemas.openxmlformats.org/markup-compatibility/2006">
-    <mc:Choice xmlns:p14="http://schemas.microsoft.com/office/powerpoint/2010/main" Requires="p14">
+  <mc:AlternateContent xmlns:mc="http://schemas.openxmlformats.org/markup-compatibility/2006" xmlns:p14="http://schemas.microsoft.com/office/powerpoint/2010/main">
+    <mc:Choice Requires="p14">
       <p:transition spd="med" p14:dur="700">
         <p:fade/>
       </p:transition>
     </mc:Choice>
-    <mc:Fallback>
+    <mc:Fallback xmlns="">
       <p:transition spd="med">
         <p:fade/>
       </p:transition>
@@ -2076,7 +2076,7 @@
           <a:p>
             <a:fld id="{1C1F2C98-C8FE-41C9-9C19-3C211CD93C9A}" type="datetimeFigureOut">
               <a:rPr lang="en-US" smtClean="0"/>
-              <a:t>7/10/2019</a:t>
+              <a:t>7/11/2019</a:t>
             </a:fld>
             <a:endParaRPr lang="en-US"/>
           </a:p>
@@ -2146,13 +2146,13 @@
   <p:clrMapOvr>
     <a:masterClrMapping/>
   </p:clrMapOvr>
-  <mc:AlternateContent xmlns:mc="http://schemas.openxmlformats.org/markup-compatibility/2006">
-    <mc:Choice xmlns:p14="http://schemas.microsoft.com/office/powerpoint/2010/main" Requires="p14">
+  <mc:AlternateContent xmlns:mc="http://schemas.openxmlformats.org/markup-compatibility/2006" xmlns:p14="http://schemas.microsoft.com/office/powerpoint/2010/main">
+    <mc:Choice Requires="p14">
       <p:transition spd="med" p14:dur="700">
         <p:fade/>
       </p:transition>
     </mc:Choice>
-    <mc:Fallback>
+    <mc:Fallback xmlns="">
       <p:transition spd="med">
         <p:fade/>
       </p:transition>
@@ -2296,7 +2296,7 @@
           <a:p>
             <a:fld id="{1C1F2C98-C8FE-41C9-9C19-3C211CD93C9A}" type="datetimeFigureOut">
               <a:rPr lang="en-US" smtClean="0"/>
-              <a:t>7/10/2019</a:t>
+              <a:t>7/11/2019</a:t>
             </a:fld>
             <a:endParaRPr lang="en-US"/>
           </a:p>
@@ -2366,13 +2366,13 @@
   <p:clrMapOvr>
     <a:masterClrMapping/>
   </p:clrMapOvr>
-  <mc:AlternateContent xmlns:mc="http://schemas.openxmlformats.org/markup-compatibility/2006">
-    <mc:Choice xmlns:p14="http://schemas.microsoft.com/office/powerpoint/2010/main" Requires="p14">
+  <mc:AlternateContent xmlns:mc="http://schemas.openxmlformats.org/markup-compatibility/2006" xmlns:p14="http://schemas.microsoft.com/office/powerpoint/2010/main">
+    <mc:Choice Requires="p14">
       <p:transition spd="med" p14:dur="700">
         <p:fade/>
       </p:transition>
     </mc:Choice>
-    <mc:Fallback>
+    <mc:Fallback xmlns="">
       <p:transition spd="med">
         <p:fade/>
       </p:transition>
@@ -2506,7 +2506,7 @@
           <a:p>
             <a:fld id="{1C1F2C98-C8FE-41C9-9C19-3C211CD93C9A}" type="datetimeFigureOut">
               <a:rPr lang="en-US" smtClean="0"/>
-              <a:t>7/10/2019</a:t>
+              <a:t>7/11/2019</a:t>
             </a:fld>
             <a:endParaRPr lang="en-US"/>
           </a:p>
@@ -2576,13 +2576,13 @@
   <p:clrMapOvr>
     <a:masterClrMapping/>
   </p:clrMapOvr>
-  <mc:AlternateContent xmlns:mc="http://schemas.openxmlformats.org/markup-compatibility/2006">
-    <mc:Choice xmlns:p14="http://schemas.microsoft.com/office/powerpoint/2010/main" Requires="p14">
+  <mc:AlternateContent xmlns:mc="http://schemas.openxmlformats.org/markup-compatibility/2006" xmlns:p14="http://schemas.microsoft.com/office/powerpoint/2010/main">
+    <mc:Choice Requires="p14">
       <p:transition spd="med" p14:dur="700">
         <p:fade/>
       </p:transition>
     </mc:Choice>
-    <mc:Fallback>
+    <mc:Fallback xmlns="">
       <p:transition spd="med">
         <p:fade/>
       </p:transition>
@@ -2793,7 +2793,7 @@
           <a:p>
             <a:fld id="{1C1F2C98-C8FE-41C9-9C19-3C211CD93C9A}" type="datetimeFigureOut">
               <a:rPr lang="en-US" smtClean="0"/>
-              <a:t>7/10/2019</a:t>
+              <a:t>7/11/2019</a:t>
             </a:fld>
             <a:endParaRPr lang="en-US"/>
           </a:p>
@@ -2863,13 +2863,13 @@
   <p:clrMapOvr>
     <a:masterClrMapping/>
   </p:clrMapOvr>
-  <mc:AlternateContent xmlns:mc="http://schemas.openxmlformats.org/markup-compatibility/2006">
-    <mc:Choice xmlns:p14="http://schemas.microsoft.com/office/powerpoint/2010/main" Requires="p14">
+  <mc:AlternateContent xmlns:mc="http://schemas.openxmlformats.org/markup-compatibility/2006" xmlns:p14="http://schemas.microsoft.com/office/powerpoint/2010/main">
+    <mc:Choice Requires="p14">
       <p:transition spd="med" p14:dur="700">
         <p:fade/>
       </p:transition>
     </mc:Choice>
-    <mc:Fallback>
+    <mc:Fallback xmlns="">
       <p:transition spd="med">
         <p:fade/>
       </p:transition>
@@ -3070,7 +3070,7 @@
           <a:p>
             <a:fld id="{1C1F2C98-C8FE-41C9-9C19-3C211CD93C9A}" type="datetimeFigureOut">
               <a:rPr lang="en-US" smtClean="0"/>
-              <a:t>7/10/2019</a:t>
+              <a:t>7/11/2019</a:t>
             </a:fld>
             <a:endParaRPr lang="en-US"/>
           </a:p>
@@ -3140,13 +3140,13 @@
   <p:clrMapOvr>
     <a:masterClrMapping/>
   </p:clrMapOvr>
-  <mc:AlternateContent xmlns:mc="http://schemas.openxmlformats.org/markup-compatibility/2006">
-    <mc:Choice xmlns:p14="http://schemas.microsoft.com/office/powerpoint/2010/main" Requires="p14">
+  <mc:AlternateContent xmlns:mc="http://schemas.openxmlformats.org/markup-compatibility/2006" xmlns:p14="http://schemas.microsoft.com/office/powerpoint/2010/main">
+    <mc:Choice Requires="p14">
       <p:transition spd="med" p14:dur="700">
         <p:fade/>
       </p:transition>
     </mc:Choice>
-    <mc:Fallback>
+    <mc:Fallback xmlns="">
       <p:transition spd="med">
         <p:fade/>
       </p:transition>
@@ -3494,7 +3494,7 @@
           <a:p>
             <a:fld id="{1C1F2C98-C8FE-41C9-9C19-3C211CD93C9A}" type="datetimeFigureOut">
               <a:rPr lang="en-US" smtClean="0"/>
-              <a:t>7/10/2019</a:t>
+              <a:t>7/11/2019</a:t>
             </a:fld>
             <a:endParaRPr lang="en-US"/>
           </a:p>
@@ -3564,13 +3564,13 @@
   <p:clrMapOvr>
     <a:masterClrMapping/>
   </p:clrMapOvr>
-  <mc:AlternateContent xmlns:mc="http://schemas.openxmlformats.org/markup-compatibility/2006">
-    <mc:Choice xmlns:p14="http://schemas.microsoft.com/office/powerpoint/2010/main" Requires="p14">
+  <mc:AlternateContent xmlns:mc="http://schemas.openxmlformats.org/markup-compatibility/2006" xmlns:p14="http://schemas.microsoft.com/office/powerpoint/2010/main">
+    <mc:Choice Requires="p14">
       <p:transition spd="med" p14:dur="700">
         <p:fade/>
       </p:transition>
     </mc:Choice>
-    <mc:Fallback>
+    <mc:Fallback xmlns="">
       <p:transition spd="med">
         <p:fade/>
       </p:transition>
@@ -3647,7 +3647,7 @@
           <a:p>
             <a:fld id="{1C1F2C98-C8FE-41C9-9C19-3C211CD93C9A}" type="datetimeFigureOut">
               <a:rPr lang="en-US" smtClean="0"/>
-              <a:t>7/10/2019</a:t>
+              <a:t>7/11/2019</a:t>
             </a:fld>
             <a:endParaRPr lang="en-US"/>
           </a:p>
@@ -3717,13 +3717,13 @@
   <p:clrMapOvr>
     <a:masterClrMapping/>
   </p:clrMapOvr>
-  <mc:AlternateContent xmlns:mc="http://schemas.openxmlformats.org/markup-compatibility/2006">
-    <mc:Choice xmlns:p14="http://schemas.microsoft.com/office/powerpoint/2010/main" Requires="p14">
+  <mc:AlternateContent xmlns:mc="http://schemas.openxmlformats.org/markup-compatibility/2006" xmlns:p14="http://schemas.microsoft.com/office/powerpoint/2010/main">
+    <mc:Choice Requires="p14">
       <p:transition spd="med" p14:dur="700">
         <p:fade/>
       </p:transition>
     </mc:Choice>
-    <mc:Fallback>
+    <mc:Fallback xmlns="">
       <p:transition spd="med">
         <p:fade/>
       </p:transition>
@@ -3772,7 +3772,7 @@
           <a:p>
             <a:fld id="{1C1F2C98-C8FE-41C9-9C19-3C211CD93C9A}" type="datetimeFigureOut">
               <a:rPr lang="en-US" smtClean="0"/>
-              <a:t>7/10/2019</a:t>
+              <a:t>7/11/2019</a:t>
             </a:fld>
             <a:endParaRPr lang="en-US"/>
           </a:p>
@@ -3842,13 +3842,13 @@
   <p:clrMapOvr>
     <a:masterClrMapping/>
   </p:clrMapOvr>
-  <mc:AlternateContent xmlns:mc="http://schemas.openxmlformats.org/markup-compatibility/2006">
-    <mc:Choice xmlns:p14="http://schemas.microsoft.com/office/powerpoint/2010/main" Requires="p14">
+  <mc:AlternateContent xmlns:mc="http://schemas.openxmlformats.org/markup-compatibility/2006" xmlns:p14="http://schemas.microsoft.com/office/powerpoint/2010/main">
+    <mc:Choice Requires="p14">
       <p:transition spd="med" p14:dur="700">
         <p:fade/>
       </p:transition>
     </mc:Choice>
-    <mc:Fallback>
+    <mc:Fallback xmlns="">
       <p:transition spd="med">
         <p:fade/>
       </p:transition>
@@ -4095,7 +4095,7 @@
           <a:p>
             <a:fld id="{1C1F2C98-C8FE-41C9-9C19-3C211CD93C9A}" type="datetimeFigureOut">
               <a:rPr lang="en-US" smtClean="0"/>
-              <a:t>7/10/2019</a:t>
+              <a:t>7/11/2019</a:t>
             </a:fld>
             <a:endParaRPr lang="en-US"/>
           </a:p>
@@ -4165,13 +4165,13 @@
   <p:clrMapOvr>
     <a:masterClrMapping/>
   </p:clrMapOvr>
-  <mc:AlternateContent xmlns:mc="http://schemas.openxmlformats.org/markup-compatibility/2006">
-    <mc:Choice xmlns:p14="http://schemas.microsoft.com/office/powerpoint/2010/main" Requires="p14">
+  <mc:AlternateContent xmlns:mc="http://schemas.openxmlformats.org/markup-compatibility/2006" xmlns:p14="http://schemas.microsoft.com/office/powerpoint/2010/main">
+    <mc:Choice Requires="p14">
       <p:transition spd="med" p14:dur="700">
         <p:fade/>
       </p:transition>
     </mc:Choice>
-    <mc:Fallback>
+    <mc:Fallback xmlns="">
       <p:transition spd="med">
         <p:fade/>
       </p:transition>
@@ -4395,7 +4395,7 @@
           <a:p>
             <a:fld id="{1C1F2C98-C8FE-41C9-9C19-3C211CD93C9A}" type="datetimeFigureOut">
               <a:rPr lang="en-US" smtClean="0"/>
-              <a:t>7/10/2019</a:t>
+              <a:t>7/11/2019</a:t>
             </a:fld>
             <a:endParaRPr lang="en-US"/>
           </a:p>
@@ -4465,13 +4465,13 @@
   <p:clrMapOvr>
     <a:masterClrMapping/>
   </p:clrMapOvr>
-  <mc:AlternateContent xmlns:mc="http://schemas.openxmlformats.org/markup-compatibility/2006">
-    <mc:Choice xmlns:p14="http://schemas.microsoft.com/office/powerpoint/2010/main" Requires="p14">
+  <mc:AlternateContent xmlns:mc="http://schemas.openxmlformats.org/markup-compatibility/2006" xmlns:p14="http://schemas.microsoft.com/office/powerpoint/2010/main">
+    <mc:Choice Requires="p14">
       <p:transition spd="med" p14:dur="700">
         <p:fade/>
       </p:transition>
     </mc:Choice>
-    <mc:Fallback>
+    <mc:Fallback xmlns="">
       <p:transition spd="med">
         <p:fade/>
       </p:transition>
@@ -4648,7 +4648,7 @@
           <a:p>
             <a:fld id="{1C1F2C98-C8FE-41C9-9C19-3C211CD93C9A}" type="datetimeFigureOut">
               <a:rPr lang="en-US" smtClean="0"/>
-              <a:t>7/10/2019</a:t>
+              <a:t>7/11/2019</a:t>
             </a:fld>
             <a:endParaRPr lang="en-US"/>
           </a:p>
@@ -4765,13 +4765,13 @@
     <p:sldLayoutId id="2147483658" r:id="rId10"/>
     <p:sldLayoutId id="2147483659" r:id="rId11"/>
   </p:sldLayoutIdLst>
-  <mc:AlternateContent xmlns:mc="http://schemas.openxmlformats.org/markup-compatibility/2006">
-    <mc:Choice xmlns:p14="http://schemas.microsoft.com/office/powerpoint/2010/main" Requires="p14">
+  <mc:AlternateContent xmlns:mc="http://schemas.openxmlformats.org/markup-compatibility/2006" xmlns:p14="http://schemas.microsoft.com/office/powerpoint/2010/main">
+    <mc:Choice Requires="p14">
       <p:transition spd="med" p14:dur="700">
         <p:fade/>
       </p:transition>
     </mc:Choice>
-    <mc:Fallback>
+    <mc:Fallback xmlns="">
       <p:transition spd="med">
         <p:fade/>
       </p:transition>
@@ -5151,13 +5151,13 @@
   <p:clrMapOvr>
     <a:masterClrMapping/>
   </p:clrMapOvr>
-  <mc:AlternateContent xmlns:mc="http://schemas.openxmlformats.org/markup-compatibility/2006">
-    <mc:Choice xmlns:p14="http://schemas.microsoft.com/office/powerpoint/2010/main" Requires="p14">
+  <mc:AlternateContent xmlns:mc="http://schemas.openxmlformats.org/markup-compatibility/2006" xmlns:p14="http://schemas.microsoft.com/office/powerpoint/2010/main">
+    <mc:Choice Requires="p14">
       <p:transition spd="med" p14:dur="700">
         <p:fade/>
       </p:transition>
     </mc:Choice>
-    <mc:Fallback>
+    <mc:Fallback xmlns="">
       <p:transition spd="med">
         <p:fade/>
       </p:transition>
@@ -5331,13 +5331,13 @@
   <p:clrMapOvr>
     <a:masterClrMapping/>
   </p:clrMapOvr>
-  <mc:AlternateContent xmlns:mc="http://schemas.openxmlformats.org/markup-compatibility/2006">
-    <mc:Choice xmlns:p14="http://schemas.microsoft.com/office/powerpoint/2010/main" Requires="p14">
+  <mc:AlternateContent xmlns:mc="http://schemas.openxmlformats.org/markup-compatibility/2006" xmlns:p14="http://schemas.microsoft.com/office/powerpoint/2010/main">
+    <mc:Choice Requires="p14">
       <p:transition spd="med" p14:dur="700">
         <p:fade/>
       </p:transition>
     </mc:Choice>
-    <mc:Fallback>
+    <mc:Fallback xmlns="">
       <p:transition spd="med">
         <p:fade/>
       </p:transition>
@@ -5559,13 +5559,13 @@
   <p:clrMapOvr>
     <a:masterClrMapping/>
   </p:clrMapOvr>
-  <mc:AlternateContent xmlns:mc="http://schemas.openxmlformats.org/markup-compatibility/2006">
-    <mc:Choice xmlns:p14="http://schemas.microsoft.com/office/powerpoint/2010/main" Requires="p14">
+  <mc:AlternateContent xmlns:mc="http://schemas.openxmlformats.org/markup-compatibility/2006" xmlns:p14="http://schemas.microsoft.com/office/powerpoint/2010/main">
+    <mc:Choice Requires="p14">
       <p:transition spd="med" p14:dur="700">
         <p:fade/>
       </p:transition>
     </mc:Choice>
-    <mc:Fallback>
+    <mc:Fallback xmlns="">
       <p:transition spd="med">
         <p:fade/>
       </p:transition>
@@ -5707,13 +5707,13 @@
   <p:clrMapOvr>
     <a:masterClrMapping/>
   </p:clrMapOvr>
-  <mc:AlternateContent xmlns:mc="http://schemas.openxmlformats.org/markup-compatibility/2006">
-    <mc:Choice xmlns:p14="http://schemas.microsoft.com/office/powerpoint/2010/main" Requires="p14">
+  <mc:AlternateContent xmlns:mc="http://schemas.openxmlformats.org/markup-compatibility/2006" xmlns:p14="http://schemas.microsoft.com/office/powerpoint/2010/main">
+    <mc:Choice Requires="p14">
       <p:transition spd="med" p14:dur="700">
         <p:fade/>
       </p:transition>
     </mc:Choice>
-    <mc:Fallback>
+    <mc:Fallback xmlns="">
       <p:transition spd="med">
         <p:fade/>
       </p:transition>
@@ -6231,13 +6231,13 @@
   <p:clrMapOvr>
     <a:masterClrMapping/>
   </p:clrMapOvr>
-  <mc:AlternateContent xmlns:mc="http://schemas.openxmlformats.org/markup-compatibility/2006">
-    <mc:Choice xmlns:p14="http://schemas.microsoft.com/office/powerpoint/2010/main" Requires="p14">
+  <mc:AlternateContent xmlns:mc="http://schemas.openxmlformats.org/markup-compatibility/2006" xmlns:p14="http://schemas.microsoft.com/office/powerpoint/2010/main">
+    <mc:Choice Requires="p14">
       <p:transition spd="med" p14:dur="700">
         <p:fade/>
       </p:transition>
     </mc:Choice>
-    <mc:Fallback>
+    <mc:Fallback xmlns="">
       <p:transition spd="med">
         <p:fade/>
       </p:transition>
@@ -6360,13 +6360,13 @@
   <p:clrMapOvr>
     <a:masterClrMapping/>
   </p:clrMapOvr>
-  <mc:AlternateContent xmlns:mc="http://schemas.openxmlformats.org/markup-compatibility/2006">
-    <mc:Choice xmlns:p14="http://schemas.microsoft.com/office/powerpoint/2010/main" Requires="p14">
+  <mc:AlternateContent xmlns:mc="http://schemas.openxmlformats.org/markup-compatibility/2006" xmlns:p14="http://schemas.microsoft.com/office/powerpoint/2010/main">
+    <mc:Choice Requires="p14">
       <p:transition spd="med" p14:dur="700">
         <p:fade/>
       </p:transition>
     </mc:Choice>
-    <mc:Fallback>
+    <mc:Fallback xmlns="">
       <p:transition spd="med">
         <p:fade/>
       </p:transition>
@@ -6749,13 +6749,13 @@
   <p:clrMapOvr>
     <a:masterClrMapping/>
   </p:clrMapOvr>
-  <mc:AlternateContent xmlns:mc="http://schemas.openxmlformats.org/markup-compatibility/2006">
-    <mc:Choice xmlns:p14="http://schemas.microsoft.com/office/powerpoint/2010/main" Requires="p14">
+  <mc:AlternateContent xmlns:mc="http://schemas.openxmlformats.org/markup-compatibility/2006" xmlns:p14="http://schemas.microsoft.com/office/powerpoint/2010/main">
+    <mc:Choice Requires="p14">
       <p:transition spd="med" p14:dur="700">
         <p:fade/>
       </p:transition>
     </mc:Choice>
-    <mc:Fallback>
+    <mc:Fallback xmlns="">
       <p:transition spd="med">
         <p:fade/>
       </p:transition>
@@ -7194,13 +7194,13 @@
   <p:clrMapOvr>
     <a:masterClrMapping/>
   </p:clrMapOvr>
-  <mc:AlternateContent xmlns:mc="http://schemas.openxmlformats.org/markup-compatibility/2006">
-    <mc:Choice xmlns:p14="http://schemas.microsoft.com/office/powerpoint/2010/main" Requires="p14">
+  <mc:AlternateContent xmlns:mc="http://schemas.openxmlformats.org/markup-compatibility/2006" xmlns:p14="http://schemas.microsoft.com/office/powerpoint/2010/main">
+    <mc:Choice Requires="p14">
       <p:transition spd="med" p14:dur="700">
         <p:fade/>
       </p:transition>
     </mc:Choice>
-    <mc:Fallback>
+    <mc:Fallback xmlns="">
       <p:transition spd="med">
         <p:fade/>
       </p:transition>
@@ -7334,13 +7334,13 @@
   <p:clrMapOvr>
     <a:masterClrMapping/>
   </p:clrMapOvr>
-  <mc:AlternateContent xmlns:mc="http://schemas.openxmlformats.org/markup-compatibility/2006">
-    <mc:Choice xmlns:p14="http://schemas.microsoft.com/office/powerpoint/2010/main" Requires="p14">
+  <mc:AlternateContent xmlns:mc="http://schemas.openxmlformats.org/markup-compatibility/2006" xmlns:p14="http://schemas.microsoft.com/office/powerpoint/2010/main">
+    <mc:Choice Requires="p14">
       <p:transition spd="med" p14:dur="700">
         <p:fade/>
       </p:transition>
     </mc:Choice>
-    <mc:Fallback>
+    <mc:Fallback xmlns="">
       <p:transition spd="med">
         <p:fade/>
       </p:transition>
@@ -7460,13 +7460,13 @@
   <p:clrMapOvr>
     <a:masterClrMapping/>
   </p:clrMapOvr>
-  <mc:AlternateContent xmlns:mc="http://schemas.openxmlformats.org/markup-compatibility/2006">
-    <mc:Choice xmlns:p14="http://schemas.microsoft.com/office/powerpoint/2010/main" Requires="p14">
+  <mc:AlternateContent xmlns:mc="http://schemas.openxmlformats.org/markup-compatibility/2006" xmlns:p14="http://schemas.microsoft.com/office/powerpoint/2010/main">
+    <mc:Choice Requires="p14">
       <p:transition spd="med" p14:dur="700">
         <p:fade/>
       </p:transition>
     </mc:Choice>
-    <mc:Fallback>
+    <mc:Fallback xmlns="">
       <p:transition spd="med">
         <p:fade/>
       </p:transition>
@@ -8066,13 +8066,13 @@
   <p:clrMapOvr>
     <a:masterClrMapping/>
   </p:clrMapOvr>
-  <mc:AlternateContent xmlns:mc="http://schemas.openxmlformats.org/markup-compatibility/2006">
-    <mc:Choice xmlns:p14="http://schemas.microsoft.com/office/powerpoint/2010/main" Requires="p14">
+  <mc:AlternateContent xmlns:mc="http://schemas.openxmlformats.org/markup-compatibility/2006" xmlns:p14="http://schemas.microsoft.com/office/powerpoint/2010/main">
+    <mc:Choice Requires="p14">
       <p:transition spd="med" p14:dur="700">
         <p:fade/>
       </p:transition>
     </mc:Choice>
-    <mc:Fallback>
+    <mc:Fallback xmlns="">
       <p:transition spd="med">
         <p:fade/>
       </p:transition>
@@ -8241,13 +8241,13 @@
   <p:clrMapOvr>
     <a:masterClrMapping/>
   </p:clrMapOvr>
-  <mc:AlternateContent xmlns:mc="http://schemas.openxmlformats.org/markup-compatibility/2006">
-    <mc:Choice xmlns:p14="http://schemas.microsoft.com/office/powerpoint/2010/main" Requires="p14">
+  <mc:AlternateContent xmlns:mc="http://schemas.openxmlformats.org/markup-compatibility/2006" xmlns:p14="http://schemas.microsoft.com/office/powerpoint/2010/main">
+    <mc:Choice Requires="p14">
       <p:transition spd="med" p14:dur="700">
         <p:fade/>
       </p:transition>
     </mc:Choice>
-    <mc:Fallback>
+    <mc:Fallback xmlns="">
       <p:transition spd="med">
         <p:fade/>
       </p:transition>
@@ -8373,13 +8373,13 @@
   <p:clrMapOvr>
     <a:masterClrMapping/>
   </p:clrMapOvr>
-  <mc:AlternateContent xmlns:mc="http://schemas.openxmlformats.org/markup-compatibility/2006">
-    <mc:Choice xmlns:p14="http://schemas.microsoft.com/office/powerpoint/2010/main" Requires="p14">
+  <mc:AlternateContent xmlns:mc="http://schemas.openxmlformats.org/markup-compatibility/2006" xmlns:p14="http://schemas.microsoft.com/office/powerpoint/2010/main">
+    <mc:Choice Requires="p14">
       <p:transition spd="med" p14:dur="700">
         <p:fade/>
       </p:transition>
     </mc:Choice>
-    <mc:Fallback>
+    <mc:Fallback xmlns="">
       <p:transition spd="med">
         <p:fade/>
       </p:transition>
@@ -8522,13 +8522,13 @@
   <p:clrMapOvr>
     <a:masterClrMapping/>
   </p:clrMapOvr>
-  <mc:AlternateContent xmlns:mc="http://schemas.openxmlformats.org/markup-compatibility/2006">
-    <mc:Choice xmlns:p14="http://schemas.microsoft.com/office/powerpoint/2010/main" Requires="p14">
+  <mc:AlternateContent xmlns:mc="http://schemas.openxmlformats.org/markup-compatibility/2006" xmlns:p14="http://schemas.microsoft.com/office/powerpoint/2010/main">
+    <mc:Choice Requires="p14">
       <p:transition spd="med" p14:dur="700">
         <p:fade/>
       </p:transition>
     </mc:Choice>
-    <mc:Fallback>
+    <mc:Fallback xmlns="">
       <p:transition spd="med">
         <p:fade/>
       </p:transition>
@@ -9053,13 +9053,13 @@
   <p:clrMapOvr>
     <a:masterClrMapping/>
   </p:clrMapOvr>
-  <mc:AlternateContent xmlns:mc="http://schemas.openxmlformats.org/markup-compatibility/2006">
-    <mc:Choice xmlns:p14="http://schemas.microsoft.com/office/powerpoint/2010/main" Requires="p14">
+  <mc:AlternateContent xmlns:mc="http://schemas.openxmlformats.org/markup-compatibility/2006" xmlns:p14="http://schemas.microsoft.com/office/powerpoint/2010/main">
+    <mc:Choice Requires="p14">
       <p:transition spd="med" p14:dur="700">
         <p:fade/>
       </p:transition>
     </mc:Choice>
-    <mc:Fallback>
+    <mc:Fallback xmlns="">
       <p:transition spd="med">
         <p:fade/>
       </p:transition>
@@ -9223,13 +9223,13 @@
   <p:clrMapOvr>
     <a:masterClrMapping/>
   </p:clrMapOvr>
-  <mc:AlternateContent xmlns:mc="http://schemas.openxmlformats.org/markup-compatibility/2006">
-    <mc:Choice xmlns:p14="http://schemas.microsoft.com/office/powerpoint/2010/main" Requires="p14">
+  <mc:AlternateContent xmlns:mc="http://schemas.openxmlformats.org/markup-compatibility/2006" xmlns:p14="http://schemas.microsoft.com/office/powerpoint/2010/main">
+    <mc:Choice Requires="p14">
       <p:transition spd="med" p14:dur="700">
         <p:fade/>
       </p:transition>
     </mc:Choice>
-    <mc:Fallback>
+    <mc:Fallback xmlns="">
       <p:transition spd="med">
         <p:fade/>
       </p:transition>
@@ -9685,13 +9685,13 @@
   <p:clrMapOvr>
     <a:masterClrMapping/>
   </p:clrMapOvr>
-  <mc:AlternateContent xmlns:mc="http://schemas.openxmlformats.org/markup-compatibility/2006">
-    <mc:Choice xmlns:p14="http://schemas.microsoft.com/office/powerpoint/2010/main" Requires="p14">
+  <mc:AlternateContent xmlns:mc="http://schemas.openxmlformats.org/markup-compatibility/2006" xmlns:p14="http://schemas.microsoft.com/office/powerpoint/2010/main">
+    <mc:Choice Requires="p14">
       <p:transition spd="med" p14:dur="700">
         <p:fade/>
       </p:transition>
     </mc:Choice>
-    <mc:Fallback>
+    <mc:Fallback xmlns="">
       <p:transition spd="med">
         <p:fade/>
       </p:transition>
@@ -9847,13 +9847,13 @@
   <p:clrMapOvr>
     <a:masterClrMapping/>
   </p:clrMapOvr>
-  <mc:AlternateContent xmlns:mc="http://schemas.openxmlformats.org/markup-compatibility/2006">
-    <mc:Choice xmlns:p14="http://schemas.microsoft.com/office/powerpoint/2010/main" Requires="p14">
+  <mc:AlternateContent xmlns:mc="http://schemas.openxmlformats.org/markup-compatibility/2006" xmlns:p14="http://schemas.microsoft.com/office/powerpoint/2010/main">
+    <mc:Choice Requires="p14">
       <p:transition spd="med" p14:dur="700">
         <p:fade/>
       </p:transition>
     </mc:Choice>
-    <mc:Fallback>
+    <mc:Fallback xmlns="">
       <p:transition spd="med">
         <p:fade/>
       </p:transition>
@@ -9929,13 +9929,13 @@
   <p:clrMapOvr>
     <a:masterClrMapping/>
   </p:clrMapOvr>
-  <mc:AlternateContent xmlns:mc="http://schemas.openxmlformats.org/markup-compatibility/2006">
-    <mc:Choice xmlns:p14="http://schemas.microsoft.com/office/powerpoint/2010/main" Requires="p14">
+  <mc:AlternateContent xmlns:mc="http://schemas.openxmlformats.org/markup-compatibility/2006" xmlns:p14="http://schemas.microsoft.com/office/powerpoint/2010/main">
+    <mc:Choice Requires="p14">
       <p:transition spd="med" p14:dur="700">
         <p:fade/>
       </p:transition>
     </mc:Choice>
-    <mc:Fallback>
+    <mc:Fallback xmlns="">
       <p:transition spd="med">
         <p:fade/>
       </p:transition>
@@ -10134,13 +10134,13 @@
   <p:clrMapOvr>
     <a:masterClrMapping/>
   </p:clrMapOvr>
-  <mc:AlternateContent xmlns:mc="http://schemas.openxmlformats.org/markup-compatibility/2006">
-    <mc:Choice xmlns:p14="http://schemas.microsoft.com/office/powerpoint/2010/main" Requires="p14">
+  <mc:AlternateContent xmlns:mc="http://schemas.openxmlformats.org/markup-compatibility/2006" xmlns:p14="http://schemas.microsoft.com/office/powerpoint/2010/main">
+    <mc:Choice Requires="p14">
       <p:transition spd="med" p14:dur="700">
         <p:fade/>
       </p:transition>
     </mc:Choice>
-    <mc:Fallback>
+    <mc:Fallback xmlns="">
       <p:transition spd="med">
         <p:fade/>
       </p:transition>
@@ -10273,13 +10273,13 @@
   <p:clrMapOvr>
     <a:masterClrMapping/>
   </p:clrMapOvr>
-  <mc:AlternateContent xmlns:mc="http://schemas.openxmlformats.org/markup-compatibility/2006">
-    <mc:Choice xmlns:p14="http://schemas.microsoft.com/office/powerpoint/2010/main" Requires="p14">
+  <mc:AlternateContent xmlns:mc="http://schemas.openxmlformats.org/markup-compatibility/2006" xmlns:p14="http://schemas.microsoft.com/office/powerpoint/2010/main">
+    <mc:Choice Requires="p14">
       <p:transition spd="med" p14:dur="700">
         <p:fade/>
       </p:transition>
     </mc:Choice>
-    <mc:Fallback>
+    <mc:Fallback xmlns="">
       <p:transition spd="med">
         <p:fade/>
       </p:transition>
@@ -10387,13 +10387,13 @@
   <p:clrMapOvr>
     <a:masterClrMapping/>
   </p:clrMapOvr>
-  <mc:AlternateContent xmlns:mc="http://schemas.openxmlformats.org/markup-compatibility/2006">
-    <mc:Choice xmlns:p14="http://schemas.microsoft.com/office/powerpoint/2010/main" Requires="p14">
+  <mc:AlternateContent xmlns:mc="http://schemas.openxmlformats.org/markup-compatibility/2006" xmlns:p14="http://schemas.microsoft.com/office/powerpoint/2010/main">
+    <mc:Choice Requires="p14">
       <p:transition spd="med" p14:dur="700">
         <p:fade/>
       </p:transition>
     </mc:Choice>
-    <mc:Fallback>
+    <mc:Fallback xmlns="">
       <p:transition spd="med">
         <p:fade/>
       </p:transition>
@@ -10577,13 +10577,13 @@
   <p:clrMapOvr>
     <a:masterClrMapping/>
   </p:clrMapOvr>
-  <mc:AlternateContent xmlns:mc="http://schemas.openxmlformats.org/markup-compatibility/2006">
-    <mc:Choice xmlns:p14="http://schemas.microsoft.com/office/powerpoint/2010/main" Requires="p14">
+  <mc:AlternateContent xmlns:mc="http://schemas.openxmlformats.org/markup-compatibility/2006" xmlns:p14="http://schemas.microsoft.com/office/powerpoint/2010/main">
+    <mc:Choice Requires="p14">
       <p:transition spd="med" p14:dur="700">
         <p:fade/>
       </p:transition>
     </mc:Choice>
-    <mc:Fallback>
+    <mc:Fallback xmlns="">
       <p:transition spd="med">
         <p:fade/>
       </p:transition>
@@ -10737,13 +10737,13 @@
   <p:clrMapOvr>
     <a:masterClrMapping/>
   </p:clrMapOvr>
-  <mc:AlternateContent xmlns:mc="http://schemas.openxmlformats.org/markup-compatibility/2006">
-    <mc:Choice xmlns:p14="http://schemas.microsoft.com/office/powerpoint/2010/main" Requires="p14">
+  <mc:AlternateContent xmlns:mc="http://schemas.openxmlformats.org/markup-compatibility/2006" xmlns:p14="http://schemas.microsoft.com/office/powerpoint/2010/main">
+    <mc:Choice Requires="p14">
       <p:transition spd="med" p14:dur="700">
         <p:fade/>
       </p:transition>
     </mc:Choice>
-    <mc:Fallback>
+    <mc:Fallback xmlns="">
       <p:transition spd="med">
         <p:fade/>
       </p:transition>
@@ -10886,13 +10886,13 @@
   <p:clrMapOvr>
     <a:masterClrMapping/>
   </p:clrMapOvr>
-  <mc:AlternateContent xmlns:mc="http://schemas.openxmlformats.org/markup-compatibility/2006">
-    <mc:Choice xmlns:p14="http://schemas.microsoft.com/office/powerpoint/2010/main" Requires="p14">
+  <mc:AlternateContent xmlns:mc="http://schemas.openxmlformats.org/markup-compatibility/2006" xmlns:p14="http://schemas.microsoft.com/office/powerpoint/2010/main">
+    <mc:Choice Requires="p14">
       <p:transition spd="med" p14:dur="700">
         <p:fade/>
       </p:transition>
     </mc:Choice>
-    <mc:Fallback>
+    <mc:Fallback xmlns="">
       <p:transition spd="med">
         <p:fade/>
       </p:transition>
@@ -11232,13 +11232,13 @@
   <p:clrMapOvr>
     <a:masterClrMapping/>
   </p:clrMapOvr>
-  <mc:AlternateContent xmlns:mc="http://schemas.openxmlformats.org/markup-compatibility/2006">
-    <mc:Choice xmlns:p14="http://schemas.microsoft.com/office/powerpoint/2010/main" Requires="p14">
+  <mc:AlternateContent xmlns:mc="http://schemas.openxmlformats.org/markup-compatibility/2006" xmlns:p14="http://schemas.microsoft.com/office/powerpoint/2010/main">
+    <mc:Choice Requires="p14">
       <p:transition spd="med" p14:dur="700">
         <p:fade/>
       </p:transition>
     </mc:Choice>
-    <mc:Fallback>
+    <mc:Fallback xmlns="">
       <p:transition spd="med">
         <p:fade/>
       </p:transition>
@@ -11727,13 +11727,13 @@
   <p:clrMapOvr>
     <a:masterClrMapping/>
   </p:clrMapOvr>
-  <mc:AlternateContent xmlns:mc="http://schemas.openxmlformats.org/markup-compatibility/2006">
-    <mc:Choice xmlns:p14="http://schemas.microsoft.com/office/powerpoint/2010/main" Requires="p14">
+  <mc:AlternateContent xmlns:mc="http://schemas.openxmlformats.org/markup-compatibility/2006" xmlns:p14="http://schemas.microsoft.com/office/powerpoint/2010/main">
+    <mc:Choice Requires="p14">
       <p:transition spd="med" p14:dur="700">
         <p:fade/>
       </p:transition>
     </mc:Choice>
-    <mc:Fallback>
+    <mc:Fallback xmlns="">
       <p:transition spd="med">
         <p:fade/>
       </p:transition>
@@ -12397,13 +12397,13 @@
   <p:clrMapOvr>
     <a:masterClrMapping/>
   </p:clrMapOvr>
-  <mc:AlternateContent xmlns:mc="http://schemas.openxmlformats.org/markup-compatibility/2006">
-    <mc:Choice xmlns:p14="http://schemas.microsoft.com/office/powerpoint/2010/main" Requires="p14">
+  <mc:AlternateContent xmlns:mc="http://schemas.openxmlformats.org/markup-compatibility/2006" xmlns:p14="http://schemas.microsoft.com/office/powerpoint/2010/main">
+    <mc:Choice Requires="p14">
       <p:transition spd="med" p14:dur="700">
         <p:fade/>
       </p:transition>
     </mc:Choice>
-    <mc:Fallback>
+    <mc:Fallback xmlns="">
       <p:transition spd="med">
         <p:fade/>
       </p:transition>
@@ -12806,13 +12806,13 @@
   <p:clrMapOvr>
     <a:masterClrMapping/>
   </p:clrMapOvr>
-  <mc:AlternateContent xmlns:mc="http://schemas.openxmlformats.org/markup-compatibility/2006">
-    <mc:Choice xmlns:p14="http://schemas.microsoft.com/office/powerpoint/2010/main" Requires="p14">
+  <mc:AlternateContent xmlns:mc="http://schemas.openxmlformats.org/markup-compatibility/2006" xmlns:p14="http://schemas.microsoft.com/office/powerpoint/2010/main">
+    <mc:Choice Requires="p14">
       <p:transition spd="med" p14:dur="700">
         <p:fade/>
       </p:transition>
     </mc:Choice>
-    <mc:Fallback>
+    <mc:Fallback xmlns="">
       <p:transition spd="med">
         <p:fade/>
       </p:transition>
@@ -13024,13 +13024,13 @@
   <p:clrMapOvr>
     <a:masterClrMapping/>
   </p:clrMapOvr>
-  <mc:AlternateContent xmlns:mc="http://schemas.openxmlformats.org/markup-compatibility/2006">
-    <mc:Choice xmlns:p14="http://schemas.microsoft.com/office/powerpoint/2010/main" Requires="p14">
+  <mc:AlternateContent xmlns:mc="http://schemas.openxmlformats.org/markup-compatibility/2006" xmlns:p14="http://schemas.microsoft.com/office/powerpoint/2010/main">
+    <mc:Choice Requires="p14">
       <p:transition spd="med" p14:dur="700">
         <p:fade/>
       </p:transition>
     </mc:Choice>
-    <mc:Fallback>
+    <mc:Fallback xmlns="">
       <p:transition spd="med">
         <p:fade/>
       </p:transition>
@@ -13138,13 +13138,13 @@
   <p:clrMapOvr>
     <a:masterClrMapping/>
   </p:clrMapOvr>
-  <mc:AlternateContent xmlns:mc="http://schemas.openxmlformats.org/markup-compatibility/2006">
-    <mc:Choice xmlns:p14="http://schemas.microsoft.com/office/powerpoint/2010/main" Requires="p14">
+  <mc:AlternateContent xmlns:mc="http://schemas.openxmlformats.org/markup-compatibility/2006" xmlns:p14="http://schemas.microsoft.com/office/powerpoint/2010/main">
+    <mc:Choice Requires="p14">
       <p:transition spd="med" p14:dur="700">
         <p:fade/>
       </p:transition>
     </mc:Choice>
-    <mc:Fallback>
+    <mc:Fallback xmlns="">
       <p:transition spd="med">
         <p:fade/>
       </p:transition>
@@ -13357,13 +13357,13 @@
   <p:clrMapOvr>
     <a:masterClrMapping/>
   </p:clrMapOvr>
-  <mc:AlternateContent xmlns:mc="http://schemas.openxmlformats.org/markup-compatibility/2006">
-    <mc:Choice xmlns:p14="http://schemas.microsoft.com/office/powerpoint/2010/main" Requires="p14">
+  <mc:AlternateContent xmlns:mc="http://schemas.openxmlformats.org/markup-compatibility/2006" xmlns:p14="http://schemas.microsoft.com/office/powerpoint/2010/main">
+    <mc:Choice Requires="p14">
       <p:transition spd="med" p14:dur="700">
         <p:fade/>
       </p:transition>
     </mc:Choice>
-    <mc:Fallback>
+    <mc:Fallback xmlns="">
       <p:transition spd="med">
         <p:fade/>
       </p:transition>
@@ -13485,13 +13485,13 @@
   <p:clrMapOvr>
     <a:masterClrMapping/>
   </p:clrMapOvr>
-  <mc:AlternateContent xmlns:mc="http://schemas.openxmlformats.org/markup-compatibility/2006">
-    <mc:Choice xmlns:p14="http://schemas.microsoft.com/office/powerpoint/2010/main" Requires="p14">
+  <mc:AlternateContent xmlns:mc="http://schemas.openxmlformats.org/markup-compatibility/2006" xmlns:p14="http://schemas.microsoft.com/office/powerpoint/2010/main">
+    <mc:Choice Requires="p14">
       <p:transition spd="med" p14:dur="700">
         <p:fade/>
       </p:transition>
     </mc:Choice>
-    <mc:Fallback>
+    <mc:Fallback xmlns="">
       <p:transition spd="med">
         <p:fade/>
       </p:transition>
@@ -13664,13 +13664,13 @@
   <p:clrMapOvr>
     <a:masterClrMapping/>
   </p:clrMapOvr>
-  <mc:AlternateContent xmlns:mc="http://schemas.openxmlformats.org/markup-compatibility/2006">
-    <mc:Choice xmlns:p14="http://schemas.microsoft.com/office/powerpoint/2010/main" Requires="p14">
+  <mc:AlternateContent xmlns:mc="http://schemas.openxmlformats.org/markup-compatibility/2006" xmlns:p14="http://schemas.microsoft.com/office/powerpoint/2010/main">
+    <mc:Choice Requires="p14">
       <p:transition spd="med" p14:dur="700">
         <p:fade/>
       </p:transition>
     </mc:Choice>
-    <mc:Fallback>
+    <mc:Fallback xmlns="">
       <p:transition spd="med">
         <p:fade/>
       </p:transition>
@@ -14243,13 +14243,13 @@
   <p:clrMapOvr>
     <a:masterClrMapping/>
   </p:clrMapOvr>
-  <mc:AlternateContent xmlns:mc="http://schemas.openxmlformats.org/markup-compatibility/2006">
-    <mc:Choice xmlns:p14="http://schemas.microsoft.com/office/powerpoint/2010/main" Requires="p14">
+  <mc:AlternateContent xmlns:mc="http://schemas.openxmlformats.org/markup-compatibility/2006" xmlns:p14="http://schemas.microsoft.com/office/powerpoint/2010/main">
+    <mc:Choice Requires="p14">
       <p:transition spd="med" p14:dur="700">
         <p:fade/>
       </p:transition>
     </mc:Choice>
-    <mc:Fallback>
+    <mc:Fallback xmlns="">
       <p:transition spd="med">
         <p:fade/>
       </p:transition>
@@ -14467,13 +14467,13 @@
   <p:clrMapOvr>
     <a:masterClrMapping/>
   </p:clrMapOvr>
-  <mc:AlternateContent xmlns:mc="http://schemas.openxmlformats.org/markup-compatibility/2006">
-    <mc:Choice xmlns:p14="http://schemas.microsoft.com/office/powerpoint/2010/main" Requires="p14">
+  <mc:AlternateContent xmlns:mc="http://schemas.openxmlformats.org/markup-compatibility/2006" xmlns:p14="http://schemas.microsoft.com/office/powerpoint/2010/main">
+    <mc:Choice Requires="p14">
       <p:transition spd="med" p14:dur="700">
         <p:fade/>
       </p:transition>
     </mc:Choice>
-    <mc:Fallback>
+    <mc:Fallback xmlns="">
       <p:transition spd="med">
         <p:fade/>
       </p:transition>
@@ -14596,13 +14596,13 @@
   <p:clrMapOvr>
     <a:masterClrMapping/>
   </p:clrMapOvr>
-  <mc:AlternateContent xmlns:mc="http://schemas.openxmlformats.org/markup-compatibility/2006">
-    <mc:Choice xmlns:p14="http://schemas.microsoft.com/office/powerpoint/2010/main" Requires="p14">
+  <mc:AlternateContent xmlns:mc="http://schemas.openxmlformats.org/markup-compatibility/2006" xmlns:p14="http://schemas.microsoft.com/office/powerpoint/2010/main">
+    <mc:Choice Requires="p14">
       <p:transition spd="med" p14:dur="700">
         <p:fade/>
       </p:transition>
     </mc:Choice>
-    <mc:Fallback>
+    <mc:Fallback xmlns="">
       <p:transition spd="med">
         <p:fade/>
       </p:transition>
@@ -14698,13 +14698,13 @@
   <p:clrMapOvr>
     <a:masterClrMapping/>
   </p:clrMapOvr>
-  <mc:AlternateContent xmlns:mc="http://schemas.openxmlformats.org/markup-compatibility/2006">
-    <mc:Choice xmlns:p14="http://schemas.microsoft.com/office/powerpoint/2010/main" Requires="p14">
+  <mc:AlternateContent xmlns:mc="http://schemas.openxmlformats.org/markup-compatibility/2006" xmlns:p14="http://schemas.microsoft.com/office/powerpoint/2010/main">
+    <mc:Choice Requires="p14">
       <p:transition spd="med" p14:dur="700">
         <p:fade/>
       </p:transition>
     </mc:Choice>
-    <mc:Fallback>
+    <mc:Fallback xmlns="">
       <p:transition spd="med">
         <p:fade/>
       </p:transition>
@@ -14858,13 +14858,13 @@
   <p:clrMapOvr>
     <a:masterClrMapping/>
   </p:clrMapOvr>
-  <mc:AlternateContent xmlns:mc="http://schemas.openxmlformats.org/markup-compatibility/2006">
-    <mc:Choice xmlns:p14="http://schemas.microsoft.com/office/powerpoint/2010/main" Requires="p14">
+  <mc:AlternateContent xmlns:mc="http://schemas.openxmlformats.org/markup-compatibility/2006" xmlns:p14="http://schemas.microsoft.com/office/powerpoint/2010/main">
+    <mc:Choice Requires="p14">
       <p:transition spd="med" p14:dur="700">
         <p:fade/>
       </p:transition>
     </mc:Choice>
-    <mc:Fallback>
+    <mc:Fallback xmlns="">
       <p:transition spd="med">
         <p:fade/>
       </p:transition>
@@ -15080,13 +15080,13 @@
   <p:clrMapOvr>
     <a:masterClrMapping/>
   </p:clrMapOvr>
-  <mc:AlternateContent xmlns:mc="http://schemas.openxmlformats.org/markup-compatibility/2006">
-    <mc:Choice xmlns:p14="http://schemas.microsoft.com/office/powerpoint/2010/main" Requires="p14">
+  <mc:AlternateContent xmlns:mc="http://schemas.openxmlformats.org/markup-compatibility/2006" xmlns:p14="http://schemas.microsoft.com/office/powerpoint/2010/main">
+    <mc:Choice Requires="p14">
       <p:transition spd="med" p14:dur="700">
         <p:fade/>
       </p:transition>
     </mc:Choice>
-    <mc:Fallback>
+    <mc:Fallback xmlns="">
       <p:transition spd="med">
         <p:fade/>
       </p:transition>
@@ -15164,7 +15164,22 @@
               <a:rPr lang="en-US" sz="2000" dirty="0" smtClean="0">
                 <a:hlinkClick r:id="rId4"/>
               </a:rPr>
-              <a:t>Loren on the Art of MATLAB</a:t>
+              <a:t>Loren on the Art of </a:t>
+            </a:r>
+            <a:r>
+              <a:rPr lang="en-US" sz="2000" dirty="0" smtClean="0">
+                <a:hlinkClick r:id="rId4"/>
+              </a:rPr>
+              <a:t>MATLAB</a:t>
+            </a:r>
+            <a:endParaRPr lang="en-US" sz="2000" dirty="0" smtClean="0"/>
+          </a:p>
+          <a:p>
+            <a:r>
+              <a:rPr lang="en-US" sz="2000" dirty="0" smtClean="0">
+                <a:hlinkClick r:id="rId5"/>
+              </a:rPr>
+              <a:t>MATLAB to C made easy </a:t>
             </a:r>
             <a:endParaRPr lang="en-US" sz="2000" dirty="0" smtClean="0"/>
           </a:p>
@@ -15222,13 +15237,13 @@
   <p:clrMapOvr>
     <a:masterClrMapping/>
   </p:clrMapOvr>
-  <mc:AlternateContent xmlns:mc="http://schemas.openxmlformats.org/markup-compatibility/2006">
-    <mc:Choice xmlns:p14="http://schemas.microsoft.com/office/powerpoint/2010/main" Requires="p14">
+  <mc:AlternateContent xmlns:mc="http://schemas.openxmlformats.org/markup-compatibility/2006" xmlns:p14="http://schemas.microsoft.com/office/powerpoint/2010/main">
+    <mc:Choice Requires="p14">
       <p:transition spd="med" p14:dur="700">
         <p:fade/>
       </p:transition>
     </mc:Choice>
-    <mc:Fallback>
+    <mc:Fallback xmlns="">
       <p:transition spd="med">
         <p:fade/>
       </p:transition>
@@ -15420,13 +15435,13 @@
   <p:clrMapOvr>
     <a:masterClrMapping/>
   </p:clrMapOvr>
-  <mc:AlternateContent xmlns:mc="http://schemas.openxmlformats.org/markup-compatibility/2006">
-    <mc:Choice xmlns:p14="http://schemas.microsoft.com/office/powerpoint/2010/main" Requires="p14">
+  <mc:AlternateContent xmlns:mc="http://schemas.openxmlformats.org/markup-compatibility/2006" xmlns:p14="http://schemas.microsoft.com/office/powerpoint/2010/main">
+    <mc:Choice Requires="p14">
       <p:transition spd="med" p14:dur="700">
         <p:fade/>
       </p:transition>
     </mc:Choice>
-    <mc:Fallback>
+    <mc:Fallback xmlns="">
       <p:transition spd="med">
         <p:fade/>
       </p:transition>
@@ -16039,13 +16054,13 @@
   <p:clrMapOvr>
     <a:masterClrMapping/>
   </p:clrMapOvr>
-  <mc:AlternateContent xmlns:mc="http://schemas.openxmlformats.org/markup-compatibility/2006">
-    <mc:Choice xmlns:p14="http://schemas.microsoft.com/office/powerpoint/2010/main" Requires="p14">
+  <mc:AlternateContent xmlns:mc="http://schemas.openxmlformats.org/markup-compatibility/2006" xmlns:p14="http://schemas.microsoft.com/office/powerpoint/2010/main">
+    <mc:Choice Requires="p14">
       <p:transition spd="med" p14:dur="700">
         <p:fade/>
       </p:transition>
     </mc:Choice>
-    <mc:Fallback>
+    <mc:Fallback xmlns="">
       <p:transition spd="med">
         <p:fade/>
       </p:transition>
@@ -16520,13 +16535,13 @@
   <p:clrMapOvr>
     <a:masterClrMapping/>
   </p:clrMapOvr>
-  <mc:AlternateContent xmlns:mc="http://schemas.openxmlformats.org/markup-compatibility/2006">
-    <mc:Choice xmlns:p14="http://schemas.microsoft.com/office/powerpoint/2010/main" Requires="p14">
+  <mc:AlternateContent xmlns:mc="http://schemas.openxmlformats.org/markup-compatibility/2006" xmlns:p14="http://schemas.microsoft.com/office/powerpoint/2010/main">
+    <mc:Choice Requires="p14">
       <p:transition spd="med" p14:dur="700">
         <p:fade/>
       </p:transition>
     </mc:Choice>
-    <mc:Fallback>
+    <mc:Fallback xmlns="">
       <p:transition spd="med">
         <p:fade/>
       </p:transition>
@@ -17011,13 +17026,13 @@
   <p:clrMapOvr>
     <a:masterClrMapping/>
   </p:clrMapOvr>
-  <mc:AlternateContent xmlns:mc="http://schemas.openxmlformats.org/markup-compatibility/2006">
-    <mc:Choice xmlns:p14="http://schemas.microsoft.com/office/powerpoint/2010/main" Requires="p14">
+  <mc:AlternateContent xmlns:mc="http://schemas.openxmlformats.org/markup-compatibility/2006" xmlns:p14="http://schemas.microsoft.com/office/powerpoint/2010/main">
+    <mc:Choice Requires="p14">
       <p:transition spd="med" p14:dur="700">
         <p:fade/>
       </p:transition>
     </mc:Choice>
-    <mc:Fallback>
+    <mc:Fallback xmlns="">
       <p:transition spd="med">
         <p:fade/>
       </p:transition>
@@ -17497,13 +17512,13 @@
   <p:clrMapOvr>
     <a:masterClrMapping/>
   </p:clrMapOvr>
-  <mc:AlternateContent xmlns:mc="http://schemas.openxmlformats.org/markup-compatibility/2006">
-    <mc:Choice xmlns:p14="http://schemas.microsoft.com/office/powerpoint/2010/main" Requires="p14">
+  <mc:AlternateContent xmlns:mc="http://schemas.openxmlformats.org/markup-compatibility/2006" xmlns:p14="http://schemas.microsoft.com/office/powerpoint/2010/main">
+    <mc:Choice Requires="p14">
       <p:transition spd="med" p14:dur="700">
         <p:fade/>
       </p:transition>
     </mc:Choice>
-    <mc:Fallback>
+    <mc:Fallback xmlns="">
       <p:transition spd="med">
         <p:fade/>
       </p:transition>

--- a/Advanced MATLAB Workshop.pptx
+++ b/Advanced MATLAB Workshop.pptx
@@ -5,7 +5,7 @@
     <p:sldMasterId id="2147483648" r:id="rId1"/>
   </p:sldMasterIdLst>
   <p:notesMasterIdLst>
-    <p:notesMasterId r:id="rId48"/>
+    <p:notesMasterId r:id="rId50"/>
   </p:notesMasterIdLst>
   <p:sldIdLst>
     <p:sldId id="256" r:id="rId2"/>
@@ -17,43 +17,45 @@
     <p:sldId id="267" r:id="rId8"/>
     <p:sldId id="266" r:id="rId9"/>
     <p:sldId id="269" r:id="rId10"/>
-    <p:sldId id="284" r:id="rId11"/>
-    <p:sldId id="270" r:id="rId12"/>
-    <p:sldId id="273" r:id="rId13"/>
-    <p:sldId id="275" r:id="rId14"/>
-    <p:sldId id="276" r:id="rId15"/>
-    <p:sldId id="277" r:id="rId16"/>
-    <p:sldId id="274" r:id="rId17"/>
-    <p:sldId id="279" r:id="rId18"/>
-    <p:sldId id="281" r:id="rId19"/>
-    <p:sldId id="282" r:id="rId20"/>
-    <p:sldId id="283" r:id="rId21"/>
-    <p:sldId id="287" r:id="rId22"/>
-    <p:sldId id="286" r:id="rId23"/>
-    <p:sldId id="288" r:id="rId24"/>
-    <p:sldId id="302" r:id="rId25"/>
-    <p:sldId id="289" r:id="rId26"/>
-    <p:sldId id="292" r:id="rId27"/>
-    <p:sldId id="291" r:id="rId28"/>
-    <p:sldId id="290" r:id="rId29"/>
-    <p:sldId id="298" r:id="rId30"/>
-    <p:sldId id="293" r:id="rId31"/>
-    <p:sldId id="296" r:id="rId32"/>
-    <p:sldId id="294" r:id="rId33"/>
-    <p:sldId id="297" r:id="rId34"/>
-    <p:sldId id="299" r:id="rId35"/>
-    <p:sldId id="300" r:id="rId36"/>
-    <p:sldId id="301" r:id="rId37"/>
-    <p:sldId id="303" r:id="rId38"/>
-    <p:sldId id="304" r:id="rId39"/>
-    <p:sldId id="307" r:id="rId40"/>
-    <p:sldId id="308" r:id="rId41"/>
-    <p:sldId id="306" r:id="rId42"/>
-    <p:sldId id="309" r:id="rId43"/>
-    <p:sldId id="310" r:id="rId44"/>
-    <p:sldId id="312" r:id="rId45"/>
-    <p:sldId id="313" r:id="rId46"/>
-    <p:sldId id="314" r:id="rId47"/>
+    <p:sldId id="315" r:id="rId11"/>
+    <p:sldId id="284" r:id="rId12"/>
+    <p:sldId id="270" r:id="rId13"/>
+    <p:sldId id="273" r:id="rId14"/>
+    <p:sldId id="316" r:id="rId15"/>
+    <p:sldId id="275" r:id="rId16"/>
+    <p:sldId id="276" r:id="rId17"/>
+    <p:sldId id="277" r:id="rId18"/>
+    <p:sldId id="274" r:id="rId19"/>
+    <p:sldId id="279" r:id="rId20"/>
+    <p:sldId id="281" r:id="rId21"/>
+    <p:sldId id="282" r:id="rId22"/>
+    <p:sldId id="283" r:id="rId23"/>
+    <p:sldId id="287" r:id="rId24"/>
+    <p:sldId id="286" r:id="rId25"/>
+    <p:sldId id="288" r:id="rId26"/>
+    <p:sldId id="302" r:id="rId27"/>
+    <p:sldId id="289" r:id="rId28"/>
+    <p:sldId id="292" r:id="rId29"/>
+    <p:sldId id="291" r:id="rId30"/>
+    <p:sldId id="290" r:id="rId31"/>
+    <p:sldId id="298" r:id="rId32"/>
+    <p:sldId id="293" r:id="rId33"/>
+    <p:sldId id="296" r:id="rId34"/>
+    <p:sldId id="294" r:id="rId35"/>
+    <p:sldId id="297" r:id="rId36"/>
+    <p:sldId id="299" r:id="rId37"/>
+    <p:sldId id="300" r:id="rId38"/>
+    <p:sldId id="301" r:id="rId39"/>
+    <p:sldId id="303" r:id="rId40"/>
+    <p:sldId id="304" r:id="rId41"/>
+    <p:sldId id="307" r:id="rId42"/>
+    <p:sldId id="308" r:id="rId43"/>
+    <p:sldId id="306" r:id="rId44"/>
+    <p:sldId id="309" r:id="rId45"/>
+    <p:sldId id="310" r:id="rId46"/>
+    <p:sldId id="312" r:id="rId47"/>
+    <p:sldId id="313" r:id="rId48"/>
+    <p:sldId id="314" r:id="rId49"/>
   </p:sldIdLst>
   <p:sldSz cx="12192000" cy="6858000"/>
   <p:notesSz cx="6858000" cy="9144000"/>
@@ -672,7 +674,7 @@
           <a:p>
             <a:fld id="{A3912FFC-B366-4EEA-B91E-9EBDF6AED8A9}" type="slidenum">
               <a:rPr lang="en-US" smtClean="0"/>
-              <a:t>27</a:t>
+              <a:t>29</a:t>
             </a:fld>
             <a:endParaRPr lang="en-US"/>
           </a:p>
@@ -759,7 +761,7 @@
           <a:p>
             <a:fld id="{A3912FFC-B366-4EEA-B91E-9EBDF6AED8A9}" type="slidenum">
               <a:rPr lang="en-US" smtClean="0"/>
-              <a:t>28</a:t>
+              <a:t>30</a:t>
             </a:fld>
             <a:endParaRPr lang="en-US"/>
           </a:p>
@@ -846,7 +848,7 @@
           <a:p>
             <a:fld id="{A3912FFC-B366-4EEA-B91E-9EBDF6AED8A9}" type="slidenum">
               <a:rPr lang="en-US" smtClean="0"/>
-              <a:t>36</a:t>
+              <a:t>38</a:t>
             </a:fld>
             <a:endParaRPr lang="en-US"/>
           </a:p>
@@ -930,7 +932,7 @@
           <a:p>
             <a:fld id="{A3912FFC-B366-4EEA-B91E-9EBDF6AED8A9}" type="slidenum">
               <a:rPr lang="en-US" smtClean="0"/>
-              <a:t>41</a:t>
+              <a:t>43</a:t>
             </a:fld>
             <a:endParaRPr lang="en-US"/>
           </a:p>
@@ -1022,7 +1024,7 @@
           <a:p>
             <a:fld id="{A3912FFC-B366-4EEA-B91E-9EBDF6AED8A9}" type="slidenum">
               <a:rPr lang="en-US" smtClean="0"/>
-              <a:t>42</a:t>
+              <a:t>44</a:t>
             </a:fld>
             <a:endParaRPr lang="en-US"/>
           </a:p>
@@ -1700,7 +1702,7 @@
           <a:p>
             <a:fld id="{A3912FFC-B366-4EEA-B91E-9EBDF6AED8A9}" type="slidenum">
               <a:rPr lang="en-US" smtClean="0"/>
-              <a:t>12</a:t>
+              <a:t>13</a:t>
             </a:fld>
             <a:endParaRPr lang="en-US"/>
           </a:p>
@@ -5185,6 +5187,84 @@
       </p:grpSpPr>
       <p:sp>
         <p:nvSpPr>
+          <p:cNvPr id="4" name="Title 1">
+            <a:extLst>
+              <a:ext uri="{FF2B5EF4-FFF2-40B4-BE49-F238E27FC236}">
+                <a16:creationId xmlns:a16="http://schemas.microsoft.com/office/drawing/2014/main" id="{A791F709-EE50-4A90-B4DD-78B8BE0DD362}"/>
+              </a:ext>
+            </a:extLst>
+          </p:cNvPr>
+          <p:cNvSpPr>
+            <a:spLocks noGrp="1"/>
+          </p:cNvSpPr>
+          <p:nvPr>
+            <p:ph type="title"/>
+          </p:nvPr>
+        </p:nvSpPr>
+        <p:spPr>
+          <a:xfrm>
+            <a:off x="5468257" y="2803525"/>
+            <a:ext cx="1382486" cy="1325563"/>
+          </a:xfrm>
+        </p:spPr>
+        <p:txBody>
+          <a:bodyPr>
+            <a:normAutofit/>
+          </a:bodyPr>
+          <a:lstStyle/>
+          <a:p>
+            <a:r>
+              <a:rPr lang="en-US" sz="3200" dirty="0" smtClean="0"/>
+              <a:t>Quiz 1</a:t>
+            </a:r>
+            <a:endParaRPr lang="en-US" sz="3200" dirty="0"/>
+          </a:p>
+        </p:txBody>
+      </p:sp>
+    </p:spTree>
+    <p:extLst>
+      <p:ext uri="{BB962C8B-B14F-4D97-AF65-F5344CB8AC3E}">
+        <p14:creationId xmlns:p14="http://schemas.microsoft.com/office/powerpoint/2010/main" val="3914225778"/>
+      </p:ext>
+    </p:extLst>
+  </p:cSld>
+  <p:clrMapOvr>
+    <a:masterClrMapping/>
+  </p:clrMapOvr>
+  <mc:AlternateContent xmlns:mc="http://schemas.openxmlformats.org/markup-compatibility/2006" xmlns:p14="http://schemas.microsoft.com/office/powerpoint/2010/main">
+    <mc:Choice Requires="p14">
+      <p:transition spd="med" p14:dur="700">
+        <p:fade/>
+      </p:transition>
+    </mc:Choice>
+    <mc:Fallback xmlns="">
+      <p:transition spd="med">
+        <p:fade/>
+      </p:transition>
+    </mc:Fallback>
+  </mc:AlternateContent>
+</p:sld>
+</file>
+
+<file path=ppt/slides/slide11.xml><?xml version="1.0" encoding="utf-8"?>
+<p:sld xmlns:a="http://schemas.openxmlformats.org/drawingml/2006/main" xmlns:r="http://schemas.openxmlformats.org/officeDocument/2006/relationships" xmlns:p="http://schemas.openxmlformats.org/presentationml/2006/main">
+  <p:cSld>
+    <p:spTree>
+      <p:nvGrpSpPr>
+        <p:cNvPr id="1" name=""/>
+        <p:cNvGrpSpPr/>
+        <p:nvPr/>
+      </p:nvGrpSpPr>
+      <p:grpSpPr>
+        <a:xfrm>
+          <a:off x="0" y="0"/>
+          <a:ext cx="0" cy="0"/>
+          <a:chOff x="0" y="0"/>
+          <a:chExt cx="0" cy="0"/>
+        </a:xfrm>
+      </p:grpSpPr>
+      <p:sp>
+        <p:nvSpPr>
           <p:cNvPr id="2" name="Title 1">
             <a:extLst>
               <a:ext uri="{FF2B5EF4-FFF2-40B4-BE49-F238E27FC236}">
@@ -5353,7 +5433,7 @@
 </p:sld>
 </file>
 
-<file path=ppt/slides/slide11.xml><?xml version="1.0" encoding="utf-8"?>
+<file path=ppt/slides/slide12.xml><?xml version="1.0" encoding="utf-8"?>
 <p:sld xmlns:a="http://schemas.openxmlformats.org/drawingml/2006/main" xmlns:r="http://schemas.openxmlformats.org/officeDocument/2006/relationships" xmlns:p="http://schemas.openxmlformats.org/presentationml/2006/main">
   <p:cSld>
     <p:spTree>
@@ -5581,7 +5661,7 @@
 </p:sld>
 </file>
 
-<file path=ppt/slides/slide12.xml><?xml version="1.0" encoding="utf-8"?>
+<file path=ppt/slides/slide13.xml><?xml version="1.0" encoding="utf-8"?>
 <p:sld xmlns:a="http://schemas.openxmlformats.org/drawingml/2006/main" xmlns:r="http://schemas.openxmlformats.org/officeDocument/2006/relationships" xmlns:p="http://schemas.openxmlformats.org/presentationml/2006/main">
   <p:cSld>
     <p:spTree>
@@ -6060,7 +6140,85 @@
 </p:sld>
 </file>
 
-<file path=ppt/slides/slide13.xml><?xml version="1.0" encoding="utf-8"?>
+<file path=ppt/slides/slide14.xml><?xml version="1.0" encoding="utf-8"?>
+<p:sld xmlns:a="http://schemas.openxmlformats.org/drawingml/2006/main" xmlns:r="http://schemas.openxmlformats.org/officeDocument/2006/relationships" xmlns:p="http://schemas.openxmlformats.org/presentationml/2006/main">
+  <p:cSld>
+    <p:spTree>
+      <p:nvGrpSpPr>
+        <p:cNvPr id="1" name=""/>
+        <p:cNvGrpSpPr/>
+        <p:nvPr/>
+      </p:nvGrpSpPr>
+      <p:grpSpPr>
+        <a:xfrm>
+          <a:off x="0" y="0"/>
+          <a:ext cx="0" cy="0"/>
+          <a:chOff x="0" y="0"/>
+          <a:chExt cx="0" cy="0"/>
+        </a:xfrm>
+      </p:grpSpPr>
+      <p:sp>
+        <p:nvSpPr>
+          <p:cNvPr id="4" name="Title 1">
+            <a:extLst>
+              <a:ext uri="{FF2B5EF4-FFF2-40B4-BE49-F238E27FC236}">
+                <a16:creationId xmlns:a16="http://schemas.microsoft.com/office/drawing/2014/main" id="{A791F709-EE50-4A90-B4DD-78B8BE0DD362}"/>
+              </a:ext>
+            </a:extLst>
+          </p:cNvPr>
+          <p:cNvSpPr>
+            <a:spLocks noGrp="1"/>
+          </p:cNvSpPr>
+          <p:nvPr>
+            <p:ph type="title"/>
+          </p:nvPr>
+        </p:nvSpPr>
+        <p:spPr>
+          <a:xfrm>
+            <a:off x="5468257" y="2803525"/>
+            <a:ext cx="1382486" cy="1325563"/>
+          </a:xfrm>
+        </p:spPr>
+        <p:txBody>
+          <a:bodyPr>
+            <a:normAutofit/>
+          </a:bodyPr>
+          <a:lstStyle/>
+          <a:p>
+            <a:r>
+              <a:rPr lang="en-US" sz="3200" dirty="0" smtClean="0"/>
+              <a:t>Quiz 2</a:t>
+            </a:r>
+            <a:endParaRPr lang="en-US" sz="3200" dirty="0"/>
+          </a:p>
+        </p:txBody>
+      </p:sp>
+    </p:spTree>
+    <p:extLst>
+      <p:ext uri="{BB962C8B-B14F-4D97-AF65-F5344CB8AC3E}">
+        <p14:creationId xmlns:p14="http://schemas.microsoft.com/office/powerpoint/2010/main" val="1070322403"/>
+      </p:ext>
+    </p:extLst>
+  </p:cSld>
+  <p:clrMapOvr>
+    <a:masterClrMapping/>
+  </p:clrMapOvr>
+  <mc:AlternateContent xmlns:mc="http://schemas.openxmlformats.org/markup-compatibility/2006" xmlns:p14="http://schemas.microsoft.com/office/powerpoint/2010/main">
+    <mc:Choice Requires="p14">
+      <p:transition spd="med" p14:dur="700">
+        <p:fade/>
+      </p:transition>
+    </mc:Choice>
+    <mc:Fallback xmlns="">
+      <p:transition spd="med">
+        <p:fade/>
+      </p:transition>
+    </mc:Fallback>
+  </mc:AlternateContent>
+</p:sld>
+</file>
+
+<file path=ppt/slides/slide15.xml><?xml version="1.0" encoding="utf-8"?>
 <p:sld xmlns:a="http://schemas.openxmlformats.org/drawingml/2006/main" xmlns:r="http://schemas.openxmlformats.org/officeDocument/2006/relationships" xmlns:p="http://schemas.openxmlformats.org/presentationml/2006/main">
   <p:cSld>
     <p:spTree>
@@ -6253,7 +6411,7 @@
 </p:sld>
 </file>
 
-<file path=ppt/slides/slide14.xml><?xml version="1.0" encoding="utf-8"?>
+<file path=ppt/slides/slide16.xml><?xml version="1.0" encoding="utf-8"?>
 <p:sld xmlns:a="http://schemas.openxmlformats.org/drawingml/2006/main" xmlns:r="http://schemas.openxmlformats.org/officeDocument/2006/relationships" xmlns:p="http://schemas.openxmlformats.org/presentationml/2006/main">
   <p:cSld>
     <p:spTree>
@@ -6591,7 +6749,7 @@
 </p:sld>
 </file>
 
-<file path=ppt/slides/slide15.xml><?xml version="1.0" encoding="utf-8"?>
+<file path=ppt/slides/slide17.xml><?xml version="1.0" encoding="utf-8"?>
 <p:sld xmlns:a="http://schemas.openxmlformats.org/drawingml/2006/main" xmlns:r="http://schemas.openxmlformats.org/officeDocument/2006/relationships" xmlns:p="http://schemas.openxmlformats.org/presentationml/2006/main">
   <p:cSld>
     <p:spTree>
@@ -7102,7 +7260,7 @@
 </p:sld>
 </file>
 
-<file path=ppt/slides/slide16.xml><?xml version="1.0" encoding="utf-8"?>
+<file path=ppt/slides/slide18.xml><?xml version="1.0" encoding="utf-8"?>
 <p:sld xmlns:a="http://schemas.openxmlformats.org/drawingml/2006/main" xmlns:r="http://schemas.openxmlformats.org/officeDocument/2006/relationships" xmlns:p="http://schemas.openxmlformats.org/presentationml/2006/main">
   <p:cSld>
     <p:spTree>
@@ -7216,7 +7374,7 @@
 </p:sld>
 </file>
 
-<file path=ppt/slides/slide17.xml><?xml version="1.0" encoding="utf-8"?>
+<file path=ppt/slides/slide19.xml><?xml version="1.0" encoding="utf-8"?>
 <p:sld xmlns:a="http://schemas.openxmlformats.org/drawingml/2006/main" xmlns:r="http://schemas.openxmlformats.org/officeDocument/2006/relationships" xmlns:p="http://schemas.openxmlformats.org/presentationml/2006/main">
   <p:cSld>
     <p:spTree>
@@ -7356,7 +7514,182 @@
 </p:sld>
 </file>
 
-<file path=ppt/slides/slide18.xml><?xml version="1.0" encoding="utf-8"?>
+<file path=ppt/slides/slide2.xml><?xml version="1.0" encoding="utf-8"?>
+<p:sld xmlns:a="http://schemas.openxmlformats.org/drawingml/2006/main" xmlns:r="http://schemas.openxmlformats.org/officeDocument/2006/relationships" xmlns:p="http://schemas.openxmlformats.org/presentationml/2006/main">
+  <p:cSld>
+    <p:spTree>
+      <p:nvGrpSpPr>
+        <p:cNvPr id="1" name=""/>
+        <p:cNvGrpSpPr/>
+        <p:nvPr/>
+      </p:nvGrpSpPr>
+      <p:grpSpPr>
+        <a:xfrm>
+          <a:off x="0" y="0"/>
+          <a:ext cx="0" cy="0"/>
+          <a:chOff x="0" y="0"/>
+          <a:chExt cx="0" cy="0"/>
+        </a:xfrm>
+      </p:grpSpPr>
+      <p:sp>
+        <p:nvSpPr>
+          <p:cNvPr id="2" name="Title 1">
+            <a:extLst>
+              <a:ext uri="{FF2B5EF4-FFF2-40B4-BE49-F238E27FC236}">
+                <a16:creationId xmlns:a16="http://schemas.microsoft.com/office/drawing/2014/main" id="{F2A68C52-F7A7-4E39-9493-91D1C3C3BAC3}"/>
+              </a:ext>
+            </a:extLst>
+          </p:cNvPr>
+          <p:cNvSpPr>
+            <a:spLocks noGrp="1"/>
+          </p:cNvSpPr>
+          <p:nvPr>
+            <p:ph type="title"/>
+          </p:nvPr>
+        </p:nvSpPr>
+        <p:spPr/>
+        <p:txBody>
+          <a:bodyPr/>
+          <a:lstStyle/>
+          <a:p>
+            <a:r>
+              <a:rPr lang="en-US" dirty="0"/>
+              <a:t>How do I make my MATLAB code better?	</a:t>
+            </a:r>
+          </a:p>
+        </p:txBody>
+      </p:sp>
+      <p:sp>
+        <p:nvSpPr>
+          <p:cNvPr id="3" name="Content Placeholder 2">
+            <a:extLst>
+              <a:ext uri="{FF2B5EF4-FFF2-40B4-BE49-F238E27FC236}">
+                <a16:creationId xmlns:a16="http://schemas.microsoft.com/office/drawing/2014/main" id="{182FA6DD-9A28-4656-9C36-A5532B393FED}"/>
+              </a:ext>
+            </a:extLst>
+          </p:cNvPr>
+          <p:cNvSpPr>
+            <a:spLocks noGrp="1"/>
+          </p:cNvSpPr>
+          <p:nvPr>
+            <p:ph idx="1"/>
+          </p:nvPr>
+        </p:nvSpPr>
+        <p:spPr/>
+        <p:txBody>
+          <a:bodyPr/>
+          <a:lstStyle/>
+          <a:p>
+            <a:pPr marL="514350" indent="-514350">
+              <a:buFont typeface="+mj-lt"/>
+              <a:buAutoNum type="alphaUcPeriod"/>
+            </a:pPr>
+            <a:r>
+              <a:rPr lang="en-US" dirty="0"/>
+              <a:t>Basic moves</a:t>
+            </a:r>
+          </a:p>
+          <a:p>
+            <a:pPr marL="514350" indent="-514350">
+              <a:buFont typeface="+mj-lt"/>
+              <a:buAutoNum type="alphaUcPeriod"/>
+            </a:pPr>
+            <a:r>
+              <a:rPr lang="en-US" dirty="0"/>
+              <a:t>Function and function handles</a:t>
+            </a:r>
+          </a:p>
+          <a:p>
+            <a:pPr marL="514350" indent="-514350">
+              <a:buFont typeface="+mj-lt"/>
+              <a:buAutoNum type="alphaUcPeriod"/>
+            </a:pPr>
+            <a:r>
+              <a:rPr lang="en-US" dirty="0"/>
+              <a:t>Memory management</a:t>
+            </a:r>
+          </a:p>
+          <a:p>
+            <a:pPr marL="514350" indent="-514350">
+              <a:buFont typeface="+mj-lt"/>
+              <a:buAutoNum type="alphaUcPeriod"/>
+            </a:pPr>
+            <a:r>
+              <a:rPr lang="en-US" dirty="0"/>
+              <a:t>Big data tools</a:t>
+            </a:r>
+          </a:p>
+          <a:p>
+            <a:pPr marL="514350" indent="-514350">
+              <a:buFont typeface="+mj-lt"/>
+              <a:buAutoNum type="alphaUcPeriod"/>
+            </a:pPr>
+            <a:r>
+              <a:rPr lang="en-US" dirty="0"/>
+              <a:t>CPU parallel processing</a:t>
+            </a:r>
+          </a:p>
+          <a:p>
+            <a:pPr marL="514350" indent="-514350">
+              <a:buFont typeface="+mj-lt"/>
+              <a:buAutoNum type="alphaUcPeriod"/>
+            </a:pPr>
+            <a:r>
+              <a:rPr lang="en-US" dirty="0"/>
+              <a:t>GPU parallel processing</a:t>
+            </a:r>
+          </a:p>
+          <a:p>
+            <a:pPr marL="514350" indent="-514350">
+              <a:buFont typeface="+mj-lt"/>
+              <a:buAutoNum type="alphaUcPeriod"/>
+            </a:pPr>
+            <a:r>
+              <a:rPr lang="en-US" dirty="0"/>
+              <a:t>Mex codes</a:t>
+            </a:r>
+          </a:p>
+          <a:p>
+            <a:pPr marL="0" indent="0">
+              <a:buNone/>
+            </a:pPr>
+            <a:endParaRPr lang="en-US" dirty="0"/>
+          </a:p>
+        </p:txBody>
+      </p:sp>
+    </p:spTree>
+    <p:extLst>
+      <p:ext uri="{BB962C8B-B14F-4D97-AF65-F5344CB8AC3E}">
+        <p14:creationId xmlns:p14="http://schemas.microsoft.com/office/powerpoint/2010/main" val="4271691633"/>
+      </p:ext>
+    </p:extLst>
+  </p:cSld>
+  <p:clrMapOvr>
+    <a:masterClrMapping/>
+  </p:clrMapOvr>
+  <mc:AlternateContent xmlns:mc="http://schemas.openxmlformats.org/markup-compatibility/2006" xmlns:p14="http://schemas.microsoft.com/office/powerpoint/2010/main">
+    <mc:Choice Requires="p14">
+      <p:transition spd="med" p14:dur="700">
+        <p:fade/>
+      </p:transition>
+    </mc:Choice>
+    <mc:Fallback xmlns="">
+      <p:transition spd="med">
+        <p:fade/>
+      </p:transition>
+    </mc:Fallback>
+  </mc:AlternateContent>
+  <p:timing>
+    <p:tnLst>
+      <p:par>
+        <p:cTn id="1" dur="indefinite" restart="never" nodeType="tmRoot"/>
+      </p:par>
+    </p:tnLst>
+  </p:timing>
+</p:sld>
+</file>
+
+<file path=ppt/slides/slide20.xml><?xml version="1.0" encoding="utf-8"?>
 <p:sld xmlns:a="http://schemas.openxmlformats.org/drawingml/2006/main" xmlns:r="http://schemas.openxmlformats.org/officeDocument/2006/relationships" xmlns:p="http://schemas.openxmlformats.org/presentationml/2006/main">
   <p:cSld>
     <p:spTree>
@@ -7482,7 +7815,7 @@
 </p:sld>
 </file>
 
-<file path=ppt/slides/slide19.xml><?xml version="1.0" encoding="utf-8"?>
+<file path=ppt/slides/slide21.xml><?xml version="1.0" encoding="utf-8"?>
 <p:sld xmlns:a="http://schemas.openxmlformats.org/drawingml/2006/main" xmlns:r="http://schemas.openxmlformats.org/officeDocument/2006/relationships" xmlns:p="http://schemas.openxmlformats.org/presentationml/2006/main">
   <p:cSld>
     <p:spTree>
@@ -8088,182 +8421,7 @@
 </p:sld>
 </file>
 
-<file path=ppt/slides/slide2.xml><?xml version="1.0" encoding="utf-8"?>
-<p:sld xmlns:a="http://schemas.openxmlformats.org/drawingml/2006/main" xmlns:r="http://schemas.openxmlformats.org/officeDocument/2006/relationships" xmlns:p="http://schemas.openxmlformats.org/presentationml/2006/main">
-  <p:cSld>
-    <p:spTree>
-      <p:nvGrpSpPr>
-        <p:cNvPr id="1" name=""/>
-        <p:cNvGrpSpPr/>
-        <p:nvPr/>
-      </p:nvGrpSpPr>
-      <p:grpSpPr>
-        <a:xfrm>
-          <a:off x="0" y="0"/>
-          <a:ext cx="0" cy="0"/>
-          <a:chOff x="0" y="0"/>
-          <a:chExt cx="0" cy="0"/>
-        </a:xfrm>
-      </p:grpSpPr>
-      <p:sp>
-        <p:nvSpPr>
-          <p:cNvPr id="2" name="Title 1">
-            <a:extLst>
-              <a:ext uri="{FF2B5EF4-FFF2-40B4-BE49-F238E27FC236}">
-                <a16:creationId xmlns:a16="http://schemas.microsoft.com/office/drawing/2014/main" id="{F2A68C52-F7A7-4E39-9493-91D1C3C3BAC3}"/>
-              </a:ext>
-            </a:extLst>
-          </p:cNvPr>
-          <p:cNvSpPr>
-            <a:spLocks noGrp="1"/>
-          </p:cNvSpPr>
-          <p:nvPr>
-            <p:ph type="title"/>
-          </p:nvPr>
-        </p:nvSpPr>
-        <p:spPr/>
-        <p:txBody>
-          <a:bodyPr/>
-          <a:lstStyle/>
-          <a:p>
-            <a:r>
-              <a:rPr lang="en-US" dirty="0"/>
-              <a:t>How do I make my MATLAB code better?	</a:t>
-            </a:r>
-          </a:p>
-        </p:txBody>
-      </p:sp>
-      <p:sp>
-        <p:nvSpPr>
-          <p:cNvPr id="3" name="Content Placeholder 2">
-            <a:extLst>
-              <a:ext uri="{FF2B5EF4-FFF2-40B4-BE49-F238E27FC236}">
-                <a16:creationId xmlns:a16="http://schemas.microsoft.com/office/drawing/2014/main" id="{182FA6DD-9A28-4656-9C36-A5532B393FED}"/>
-              </a:ext>
-            </a:extLst>
-          </p:cNvPr>
-          <p:cNvSpPr>
-            <a:spLocks noGrp="1"/>
-          </p:cNvSpPr>
-          <p:nvPr>
-            <p:ph idx="1"/>
-          </p:nvPr>
-        </p:nvSpPr>
-        <p:spPr/>
-        <p:txBody>
-          <a:bodyPr/>
-          <a:lstStyle/>
-          <a:p>
-            <a:pPr marL="514350" indent="-514350">
-              <a:buFont typeface="+mj-lt"/>
-              <a:buAutoNum type="alphaUcPeriod"/>
-            </a:pPr>
-            <a:r>
-              <a:rPr lang="en-US" dirty="0"/>
-              <a:t>Basic moves</a:t>
-            </a:r>
-          </a:p>
-          <a:p>
-            <a:pPr marL="514350" indent="-514350">
-              <a:buFont typeface="+mj-lt"/>
-              <a:buAutoNum type="alphaUcPeriod"/>
-            </a:pPr>
-            <a:r>
-              <a:rPr lang="en-US" dirty="0"/>
-              <a:t>Function and function handles</a:t>
-            </a:r>
-          </a:p>
-          <a:p>
-            <a:pPr marL="514350" indent="-514350">
-              <a:buFont typeface="+mj-lt"/>
-              <a:buAutoNum type="alphaUcPeriod"/>
-            </a:pPr>
-            <a:r>
-              <a:rPr lang="en-US" dirty="0"/>
-              <a:t>Memory management</a:t>
-            </a:r>
-          </a:p>
-          <a:p>
-            <a:pPr marL="514350" indent="-514350">
-              <a:buFont typeface="+mj-lt"/>
-              <a:buAutoNum type="alphaUcPeriod"/>
-            </a:pPr>
-            <a:r>
-              <a:rPr lang="en-US" dirty="0"/>
-              <a:t>Big data tools</a:t>
-            </a:r>
-          </a:p>
-          <a:p>
-            <a:pPr marL="514350" indent="-514350">
-              <a:buFont typeface="+mj-lt"/>
-              <a:buAutoNum type="alphaUcPeriod"/>
-            </a:pPr>
-            <a:r>
-              <a:rPr lang="en-US" dirty="0"/>
-              <a:t>CPU parallel processing</a:t>
-            </a:r>
-          </a:p>
-          <a:p>
-            <a:pPr marL="514350" indent="-514350">
-              <a:buFont typeface="+mj-lt"/>
-              <a:buAutoNum type="alphaUcPeriod"/>
-            </a:pPr>
-            <a:r>
-              <a:rPr lang="en-US" dirty="0"/>
-              <a:t>GPU parallel processing</a:t>
-            </a:r>
-          </a:p>
-          <a:p>
-            <a:pPr marL="514350" indent="-514350">
-              <a:buFont typeface="+mj-lt"/>
-              <a:buAutoNum type="alphaUcPeriod"/>
-            </a:pPr>
-            <a:r>
-              <a:rPr lang="en-US" dirty="0"/>
-              <a:t>Mex codes</a:t>
-            </a:r>
-          </a:p>
-          <a:p>
-            <a:pPr marL="0" indent="0">
-              <a:buNone/>
-            </a:pPr>
-            <a:endParaRPr lang="en-US" dirty="0"/>
-          </a:p>
-        </p:txBody>
-      </p:sp>
-    </p:spTree>
-    <p:extLst>
-      <p:ext uri="{BB962C8B-B14F-4D97-AF65-F5344CB8AC3E}">
-        <p14:creationId xmlns:p14="http://schemas.microsoft.com/office/powerpoint/2010/main" val="4271691633"/>
-      </p:ext>
-    </p:extLst>
-  </p:cSld>
-  <p:clrMapOvr>
-    <a:masterClrMapping/>
-  </p:clrMapOvr>
-  <mc:AlternateContent xmlns:mc="http://schemas.openxmlformats.org/markup-compatibility/2006" xmlns:p14="http://schemas.microsoft.com/office/powerpoint/2010/main">
-    <mc:Choice Requires="p14">
-      <p:transition spd="med" p14:dur="700">
-        <p:fade/>
-      </p:transition>
-    </mc:Choice>
-    <mc:Fallback xmlns="">
-      <p:transition spd="med">
-        <p:fade/>
-      </p:transition>
-    </mc:Fallback>
-  </mc:AlternateContent>
-  <p:timing>
-    <p:tnLst>
-      <p:par>
-        <p:cTn id="1" dur="indefinite" restart="never" nodeType="tmRoot"/>
-      </p:par>
-    </p:tnLst>
-  </p:timing>
-</p:sld>
-</file>
-
-<file path=ppt/slides/slide20.xml><?xml version="1.0" encoding="utf-8"?>
+<file path=ppt/slides/slide22.xml><?xml version="1.0" encoding="utf-8"?>
 <p:sld xmlns:a="http://schemas.openxmlformats.org/drawingml/2006/main" xmlns:r="http://schemas.openxmlformats.org/officeDocument/2006/relationships" xmlns:p="http://schemas.openxmlformats.org/presentationml/2006/main">
   <p:cSld>
     <p:spTree>
@@ -8395,7 +8553,7 @@
 </p:sld>
 </file>
 
-<file path=ppt/slides/slide21.xml><?xml version="1.0" encoding="utf-8"?>
+<file path=ppt/slides/slide23.xml><?xml version="1.0" encoding="utf-8"?>
 <p:sld xmlns:a="http://schemas.openxmlformats.org/drawingml/2006/main" xmlns:r="http://schemas.openxmlformats.org/officeDocument/2006/relationships" xmlns:p="http://schemas.openxmlformats.org/presentationml/2006/main">
   <p:cSld>
     <p:spTree>
@@ -8875,7 +9033,7 @@
 </p:sld>
 </file>
 
-<file path=ppt/slides/slide22.xml><?xml version="1.0" encoding="utf-8"?>
+<file path=ppt/slides/slide24.xml><?xml version="1.0" encoding="utf-8"?>
 <p:sld xmlns:a="http://schemas.openxmlformats.org/drawingml/2006/main" xmlns:r="http://schemas.openxmlformats.org/officeDocument/2006/relationships" xmlns:p="http://schemas.openxmlformats.org/presentationml/2006/main">
   <p:cSld>
     <p:spTree>
@@ -9075,7 +9233,7 @@
 </p:sld>
 </file>
 
-<file path=ppt/slides/slide23.xml><?xml version="1.0" encoding="utf-8"?>
+<file path=ppt/slides/slide25.xml><?xml version="1.0" encoding="utf-8"?>
 <p:sld xmlns:a="http://schemas.openxmlformats.org/drawingml/2006/main" xmlns:r="http://schemas.openxmlformats.org/officeDocument/2006/relationships" xmlns:p="http://schemas.openxmlformats.org/presentationml/2006/main">
   <p:cSld>
     <p:spTree>
@@ -9515,7 +9673,7 @@
 </p:sld>
 </file>
 
-<file path=ppt/slides/slide24.xml><?xml version="1.0" encoding="utf-8"?>
+<file path=ppt/slides/slide26.xml><?xml version="1.0" encoding="utf-8"?>
 <p:sld xmlns:a="http://schemas.openxmlformats.org/drawingml/2006/main" xmlns:r="http://schemas.openxmlformats.org/officeDocument/2006/relationships" xmlns:p="http://schemas.openxmlformats.org/presentationml/2006/main">
   <p:cSld>
     <p:spTree>
@@ -9707,7 +9865,7 @@
 </p:sld>
 </file>
 
-<file path=ppt/slides/slide25.xml><?xml version="1.0" encoding="utf-8"?>
+<file path=ppt/slides/slide27.xml><?xml version="1.0" encoding="utf-8"?>
 <p:sld xmlns:a="http://schemas.openxmlformats.org/drawingml/2006/main" xmlns:r="http://schemas.openxmlformats.org/officeDocument/2006/relationships" xmlns:p="http://schemas.openxmlformats.org/presentationml/2006/main">
   <p:cSld>
     <p:spTree>
@@ -9869,7 +10027,7 @@
 </p:sld>
 </file>
 
-<file path=ppt/slides/slide26.xml><?xml version="1.0" encoding="utf-8"?>
+<file path=ppt/slides/slide28.xml><?xml version="1.0" encoding="utf-8"?>
 <p:sld xmlns:a="http://schemas.openxmlformats.org/drawingml/2006/main" xmlns:r="http://schemas.openxmlformats.org/officeDocument/2006/relationships" xmlns:p="http://schemas.openxmlformats.org/presentationml/2006/main">
   <p:cSld>
     <p:spTree>
@@ -9951,7 +10109,7 @@
 </p:sld>
 </file>
 
-<file path=ppt/slides/slide27.xml><?xml version="1.0" encoding="utf-8"?>
+<file path=ppt/slides/slide29.xml><?xml version="1.0" encoding="utf-8"?>
 <p:sld xmlns:a="http://schemas.openxmlformats.org/drawingml/2006/main" xmlns:r="http://schemas.openxmlformats.org/officeDocument/2006/relationships" xmlns:p="http://schemas.openxmlformats.org/presentationml/2006/main">
   <p:cSld>
     <p:spTree>
@@ -10156,7 +10314,197 @@
 </p:sld>
 </file>
 
-<file path=ppt/slides/slide28.xml><?xml version="1.0" encoding="utf-8"?>
+<file path=ppt/slides/slide3.xml><?xml version="1.0" encoding="utf-8"?>
+<p:sld xmlns:a="http://schemas.openxmlformats.org/drawingml/2006/main" xmlns:r="http://schemas.openxmlformats.org/officeDocument/2006/relationships" xmlns:p="http://schemas.openxmlformats.org/presentationml/2006/main">
+  <p:cSld>
+    <p:spTree>
+      <p:nvGrpSpPr>
+        <p:cNvPr id="1" name=""/>
+        <p:cNvGrpSpPr/>
+        <p:nvPr/>
+      </p:nvGrpSpPr>
+      <p:grpSpPr>
+        <a:xfrm>
+          <a:off x="0" y="0"/>
+          <a:ext cx="0" cy="0"/>
+          <a:chOff x="0" y="0"/>
+          <a:chExt cx="0" cy="0"/>
+        </a:xfrm>
+      </p:grpSpPr>
+      <p:sp>
+        <p:nvSpPr>
+          <p:cNvPr id="2" name="Title 1">
+            <a:extLst>
+              <a:ext uri="{FF2B5EF4-FFF2-40B4-BE49-F238E27FC236}">
+                <a16:creationId xmlns:a16="http://schemas.microsoft.com/office/drawing/2014/main" id="{F2A68C52-F7A7-4E39-9493-91D1C3C3BAC3}"/>
+              </a:ext>
+            </a:extLst>
+          </p:cNvPr>
+          <p:cNvSpPr>
+            <a:spLocks noGrp="1"/>
+          </p:cNvSpPr>
+          <p:nvPr>
+            <p:ph type="title"/>
+          </p:nvPr>
+        </p:nvSpPr>
+        <p:spPr/>
+        <p:txBody>
+          <a:bodyPr/>
+          <a:lstStyle/>
+          <a:p>
+            <a:r>
+              <a:rPr lang="en-US" dirty="0"/>
+              <a:t>How do I make my MATLAB code better?	</a:t>
+            </a:r>
+          </a:p>
+        </p:txBody>
+      </p:sp>
+      <p:sp>
+        <p:nvSpPr>
+          <p:cNvPr id="3" name="Content Placeholder 2">
+            <a:extLst>
+              <a:ext uri="{FF2B5EF4-FFF2-40B4-BE49-F238E27FC236}">
+                <a16:creationId xmlns:a16="http://schemas.microsoft.com/office/drawing/2014/main" id="{182FA6DD-9A28-4656-9C36-A5532B393FED}"/>
+              </a:ext>
+            </a:extLst>
+          </p:cNvPr>
+          <p:cNvSpPr>
+            <a:spLocks noGrp="1"/>
+          </p:cNvSpPr>
+          <p:nvPr>
+            <p:ph idx="1"/>
+          </p:nvPr>
+        </p:nvSpPr>
+        <p:spPr/>
+        <p:txBody>
+          <a:bodyPr/>
+          <a:lstStyle/>
+          <a:p>
+            <a:pPr marL="514350" indent="-514350">
+              <a:buFont typeface="+mj-lt"/>
+              <a:buAutoNum type="alphaUcPeriod"/>
+            </a:pPr>
+            <a:r>
+              <a:rPr lang="en-US" dirty="0">
+                <a:solidFill>
+                  <a:schemeClr val="accent1"/>
+                </a:solidFill>
+              </a:rPr>
+              <a:t>Basic moves</a:t>
+            </a:r>
+          </a:p>
+          <a:p>
+            <a:pPr marL="914400" lvl="1" indent="-457200">
+              <a:buFont typeface="+mj-lt"/>
+              <a:buAutoNum type="arabicPeriod"/>
+            </a:pPr>
+            <a:r>
+              <a:rPr lang="en-US" dirty="0"/>
+              <a:t>First steps</a:t>
+            </a:r>
+          </a:p>
+          <a:p>
+            <a:pPr marL="914400" lvl="1" indent="-457200">
+              <a:buFont typeface="+mj-lt"/>
+              <a:buAutoNum type="arabicPeriod"/>
+            </a:pPr>
+            <a:r>
+              <a:rPr lang="en-US" dirty="0"/>
+              <a:t>Using MATLAB profiler</a:t>
+            </a:r>
+          </a:p>
+          <a:p>
+            <a:pPr marL="914400" lvl="1" indent="-457200">
+              <a:buFont typeface="+mj-lt"/>
+              <a:buAutoNum type="arabicPeriod"/>
+            </a:pPr>
+            <a:r>
+              <a:rPr lang="en-US" dirty="0"/>
+              <a:t>Pre-allocation</a:t>
+            </a:r>
+          </a:p>
+          <a:p>
+            <a:pPr marL="914400" lvl="1" indent="-457200">
+              <a:buFont typeface="+mj-lt"/>
+              <a:buAutoNum type="arabicPeriod"/>
+            </a:pPr>
+            <a:r>
+              <a:rPr lang="en-US" dirty="0"/>
+              <a:t>Vectorization</a:t>
+            </a:r>
+          </a:p>
+          <a:p>
+            <a:pPr marL="914400" lvl="1" indent="-457200">
+              <a:buFont typeface="+mj-lt"/>
+              <a:buAutoNum type="arabicPeriod"/>
+            </a:pPr>
+            <a:r>
+              <a:rPr lang="en-US" dirty="0"/>
+              <a:t>Fast referencing </a:t>
+            </a:r>
+          </a:p>
+          <a:p>
+            <a:pPr marL="914400" lvl="1" indent="-457200">
+              <a:buFont typeface="+mj-lt"/>
+              <a:buAutoNum type="arabicPeriod"/>
+            </a:pPr>
+            <a:r>
+              <a:rPr lang="en-US" dirty="0"/>
+              <a:t>Other simple tricks</a:t>
+            </a:r>
+          </a:p>
+          <a:p>
+            <a:pPr marL="514350" indent="-514350">
+              <a:buFont typeface="+mj-lt"/>
+              <a:buAutoNum type="alphaUcPeriod"/>
+            </a:pPr>
+            <a:endParaRPr lang="en-US" dirty="0">
+              <a:solidFill>
+                <a:schemeClr val="accent1"/>
+              </a:solidFill>
+            </a:endParaRPr>
+          </a:p>
+          <a:p>
+            <a:pPr marL="0" indent="0">
+              <a:buNone/>
+            </a:pPr>
+            <a:endParaRPr lang="en-US" dirty="0"/>
+          </a:p>
+        </p:txBody>
+      </p:sp>
+    </p:spTree>
+    <p:extLst>
+      <p:ext uri="{BB962C8B-B14F-4D97-AF65-F5344CB8AC3E}">
+        <p14:creationId xmlns:p14="http://schemas.microsoft.com/office/powerpoint/2010/main" val="3678466478"/>
+      </p:ext>
+    </p:extLst>
+  </p:cSld>
+  <p:clrMapOvr>
+    <a:masterClrMapping/>
+  </p:clrMapOvr>
+  <mc:AlternateContent xmlns:mc="http://schemas.openxmlformats.org/markup-compatibility/2006" xmlns:p14="http://schemas.microsoft.com/office/powerpoint/2010/main">
+    <mc:Choice Requires="p14">
+      <p:transition spd="med" p14:dur="700">
+        <p:fade/>
+      </p:transition>
+    </mc:Choice>
+    <mc:Fallback xmlns="">
+      <p:transition spd="med">
+        <p:fade/>
+      </p:transition>
+    </mc:Fallback>
+  </mc:AlternateContent>
+  <p:timing>
+    <p:tnLst>
+      <p:par>
+        <p:cTn id="1" dur="indefinite" restart="never" nodeType="tmRoot"/>
+      </p:par>
+    </p:tnLst>
+  </p:timing>
+</p:sld>
+</file>
+
+<file path=ppt/slides/slide30.xml><?xml version="1.0" encoding="utf-8"?>
 <p:sld xmlns:a="http://schemas.openxmlformats.org/drawingml/2006/main" xmlns:r="http://schemas.openxmlformats.org/officeDocument/2006/relationships" xmlns:p="http://schemas.openxmlformats.org/presentationml/2006/main">
   <p:cSld>
     <p:spTree>
@@ -10295,7 +10643,7 @@
 </p:sld>
 </file>
 
-<file path=ppt/slides/slide29.xml><?xml version="1.0" encoding="utf-8"?>
+<file path=ppt/slides/slide31.xml><?xml version="1.0" encoding="utf-8"?>
 <p:sld xmlns:a="http://schemas.openxmlformats.org/drawingml/2006/main" xmlns:r="http://schemas.openxmlformats.org/officeDocument/2006/relationships" xmlns:p="http://schemas.openxmlformats.org/presentationml/2006/main">
   <p:cSld>
     <p:spTree>
@@ -10409,197 +10757,7 @@
 </p:sld>
 </file>
 
-<file path=ppt/slides/slide3.xml><?xml version="1.0" encoding="utf-8"?>
-<p:sld xmlns:a="http://schemas.openxmlformats.org/drawingml/2006/main" xmlns:r="http://schemas.openxmlformats.org/officeDocument/2006/relationships" xmlns:p="http://schemas.openxmlformats.org/presentationml/2006/main">
-  <p:cSld>
-    <p:spTree>
-      <p:nvGrpSpPr>
-        <p:cNvPr id="1" name=""/>
-        <p:cNvGrpSpPr/>
-        <p:nvPr/>
-      </p:nvGrpSpPr>
-      <p:grpSpPr>
-        <a:xfrm>
-          <a:off x="0" y="0"/>
-          <a:ext cx="0" cy="0"/>
-          <a:chOff x="0" y="0"/>
-          <a:chExt cx="0" cy="0"/>
-        </a:xfrm>
-      </p:grpSpPr>
-      <p:sp>
-        <p:nvSpPr>
-          <p:cNvPr id="2" name="Title 1">
-            <a:extLst>
-              <a:ext uri="{FF2B5EF4-FFF2-40B4-BE49-F238E27FC236}">
-                <a16:creationId xmlns:a16="http://schemas.microsoft.com/office/drawing/2014/main" id="{F2A68C52-F7A7-4E39-9493-91D1C3C3BAC3}"/>
-              </a:ext>
-            </a:extLst>
-          </p:cNvPr>
-          <p:cNvSpPr>
-            <a:spLocks noGrp="1"/>
-          </p:cNvSpPr>
-          <p:nvPr>
-            <p:ph type="title"/>
-          </p:nvPr>
-        </p:nvSpPr>
-        <p:spPr/>
-        <p:txBody>
-          <a:bodyPr/>
-          <a:lstStyle/>
-          <a:p>
-            <a:r>
-              <a:rPr lang="en-US" dirty="0"/>
-              <a:t>How do I make my MATLAB code better?	</a:t>
-            </a:r>
-          </a:p>
-        </p:txBody>
-      </p:sp>
-      <p:sp>
-        <p:nvSpPr>
-          <p:cNvPr id="3" name="Content Placeholder 2">
-            <a:extLst>
-              <a:ext uri="{FF2B5EF4-FFF2-40B4-BE49-F238E27FC236}">
-                <a16:creationId xmlns:a16="http://schemas.microsoft.com/office/drawing/2014/main" id="{182FA6DD-9A28-4656-9C36-A5532B393FED}"/>
-              </a:ext>
-            </a:extLst>
-          </p:cNvPr>
-          <p:cNvSpPr>
-            <a:spLocks noGrp="1"/>
-          </p:cNvSpPr>
-          <p:nvPr>
-            <p:ph idx="1"/>
-          </p:nvPr>
-        </p:nvSpPr>
-        <p:spPr/>
-        <p:txBody>
-          <a:bodyPr/>
-          <a:lstStyle/>
-          <a:p>
-            <a:pPr marL="514350" indent="-514350">
-              <a:buFont typeface="+mj-lt"/>
-              <a:buAutoNum type="alphaUcPeriod"/>
-            </a:pPr>
-            <a:r>
-              <a:rPr lang="en-US" dirty="0">
-                <a:solidFill>
-                  <a:schemeClr val="accent1"/>
-                </a:solidFill>
-              </a:rPr>
-              <a:t>Basic moves</a:t>
-            </a:r>
-          </a:p>
-          <a:p>
-            <a:pPr marL="914400" lvl="1" indent="-457200">
-              <a:buFont typeface="+mj-lt"/>
-              <a:buAutoNum type="arabicPeriod"/>
-            </a:pPr>
-            <a:r>
-              <a:rPr lang="en-US" dirty="0"/>
-              <a:t>First steps</a:t>
-            </a:r>
-          </a:p>
-          <a:p>
-            <a:pPr marL="914400" lvl="1" indent="-457200">
-              <a:buFont typeface="+mj-lt"/>
-              <a:buAutoNum type="arabicPeriod"/>
-            </a:pPr>
-            <a:r>
-              <a:rPr lang="en-US" dirty="0"/>
-              <a:t>Using MATLAB profiler</a:t>
-            </a:r>
-          </a:p>
-          <a:p>
-            <a:pPr marL="914400" lvl="1" indent="-457200">
-              <a:buFont typeface="+mj-lt"/>
-              <a:buAutoNum type="arabicPeriod"/>
-            </a:pPr>
-            <a:r>
-              <a:rPr lang="en-US" dirty="0"/>
-              <a:t>Pre-allocation</a:t>
-            </a:r>
-          </a:p>
-          <a:p>
-            <a:pPr marL="914400" lvl="1" indent="-457200">
-              <a:buFont typeface="+mj-lt"/>
-              <a:buAutoNum type="arabicPeriod"/>
-            </a:pPr>
-            <a:r>
-              <a:rPr lang="en-US" dirty="0"/>
-              <a:t>Vectorization</a:t>
-            </a:r>
-          </a:p>
-          <a:p>
-            <a:pPr marL="914400" lvl="1" indent="-457200">
-              <a:buFont typeface="+mj-lt"/>
-              <a:buAutoNum type="arabicPeriod"/>
-            </a:pPr>
-            <a:r>
-              <a:rPr lang="en-US" dirty="0"/>
-              <a:t>Fast referencing </a:t>
-            </a:r>
-          </a:p>
-          <a:p>
-            <a:pPr marL="914400" lvl="1" indent="-457200">
-              <a:buFont typeface="+mj-lt"/>
-              <a:buAutoNum type="arabicPeriod"/>
-            </a:pPr>
-            <a:r>
-              <a:rPr lang="en-US" dirty="0"/>
-              <a:t>Other simple tricks</a:t>
-            </a:r>
-          </a:p>
-          <a:p>
-            <a:pPr marL="514350" indent="-514350">
-              <a:buFont typeface="+mj-lt"/>
-              <a:buAutoNum type="alphaUcPeriod"/>
-            </a:pPr>
-            <a:endParaRPr lang="en-US" dirty="0">
-              <a:solidFill>
-                <a:schemeClr val="accent1"/>
-              </a:solidFill>
-            </a:endParaRPr>
-          </a:p>
-          <a:p>
-            <a:pPr marL="0" indent="0">
-              <a:buNone/>
-            </a:pPr>
-            <a:endParaRPr lang="en-US" dirty="0"/>
-          </a:p>
-        </p:txBody>
-      </p:sp>
-    </p:spTree>
-    <p:extLst>
-      <p:ext uri="{BB962C8B-B14F-4D97-AF65-F5344CB8AC3E}">
-        <p14:creationId xmlns:p14="http://schemas.microsoft.com/office/powerpoint/2010/main" val="3678466478"/>
-      </p:ext>
-    </p:extLst>
-  </p:cSld>
-  <p:clrMapOvr>
-    <a:masterClrMapping/>
-  </p:clrMapOvr>
-  <mc:AlternateContent xmlns:mc="http://schemas.openxmlformats.org/markup-compatibility/2006" xmlns:p14="http://schemas.microsoft.com/office/powerpoint/2010/main">
-    <mc:Choice Requires="p14">
-      <p:transition spd="med" p14:dur="700">
-        <p:fade/>
-      </p:transition>
-    </mc:Choice>
-    <mc:Fallback xmlns="">
-      <p:transition spd="med">
-        <p:fade/>
-      </p:transition>
-    </mc:Fallback>
-  </mc:AlternateContent>
-  <p:timing>
-    <p:tnLst>
-      <p:par>
-        <p:cTn id="1" dur="indefinite" restart="never" nodeType="tmRoot"/>
-      </p:par>
-    </p:tnLst>
-  </p:timing>
-</p:sld>
-</file>
-
-<file path=ppt/slides/slide30.xml><?xml version="1.0" encoding="utf-8"?>
+<file path=ppt/slides/slide32.xml><?xml version="1.0" encoding="utf-8"?>
 <p:sld xmlns:a="http://schemas.openxmlformats.org/drawingml/2006/main" xmlns:r="http://schemas.openxmlformats.org/officeDocument/2006/relationships" xmlns:p="http://schemas.openxmlformats.org/presentationml/2006/main">
   <p:cSld>
     <p:spTree>
@@ -10759,7 +10917,7 @@
 </p:sld>
 </file>
 
-<file path=ppt/slides/slide31.xml><?xml version="1.0" encoding="utf-8"?>
+<file path=ppt/slides/slide33.xml><?xml version="1.0" encoding="utf-8"?>
 <p:sld xmlns:a="http://schemas.openxmlformats.org/drawingml/2006/main" xmlns:r="http://schemas.openxmlformats.org/officeDocument/2006/relationships" xmlns:p="http://schemas.openxmlformats.org/presentationml/2006/main">
   <p:cSld>
     <p:spTree>
@@ -11117,7 +11275,7 @@
 </p:sld>
 </file>
 
-<file path=ppt/slides/slide32.xml><?xml version="1.0" encoding="utf-8"?>
+<file path=ppt/slides/slide34.xml><?xml version="1.0" encoding="utf-8"?>
 <p:sld xmlns:a="http://schemas.openxmlformats.org/drawingml/2006/main" xmlns:r="http://schemas.openxmlformats.org/officeDocument/2006/relationships" xmlns:p="http://schemas.openxmlformats.org/presentationml/2006/main">
   <p:cSld>
     <p:spTree>
@@ -11524,7 +11682,7 @@
 </p:sld>
 </file>
 
-<file path=ppt/slides/slide33.xml><?xml version="1.0" encoding="utf-8"?>
+<file path=ppt/slides/slide35.xml><?xml version="1.0" encoding="utf-8"?>
 <p:sld xmlns:a="http://schemas.openxmlformats.org/drawingml/2006/main" xmlns:r="http://schemas.openxmlformats.org/officeDocument/2006/relationships" xmlns:p="http://schemas.openxmlformats.org/presentationml/2006/main">
   <p:cSld>
     <p:spTree>
@@ -12252,7 +12410,7 @@
 </p:sld>
 </file>
 
-<file path=ppt/slides/slide34.xml><?xml version="1.0" encoding="utf-8"?>
+<file path=ppt/slides/slide36.xml><?xml version="1.0" encoding="utf-8"?>
 <p:sld xmlns:a="http://schemas.openxmlformats.org/drawingml/2006/main" xmlns:r="http://schemas.openxmlformats.org/officeDocument/2006/relationships" xmlns:p="http://schemas.openxmlformats.org/presentationml/2006/main">
   <p:cSld>
     <p:spTree>
@@ -12628,7 +12786,7 @@
 </p:sld>
 </file>
 
-<file path=ppt/slides/slide35.xml><?xml version="1.0" encoding="utf-8"?>
+<file path=ppt/slides/slide37.xml><?xml version="1.0" encoding="utf-8"?>
 <p:sld xmlns:a="http://schemas.openxmlformats.org/drawingml/2006/main" xmlns:r="http://schemas.openxmlformats.org/officeDocument/2006/relationships" xmlns:p="http://schemas.openxmlformats.org/presentationml/2006/main">
   <p:cSld>
     <p:spTree>
@@ -12828,7 +12986,7 @@
 </p:sld>
 </file>
 
-<file path=ppt/slides/slide36.xml><?xml version="1.0" encoding="utf-8"?>
+<file path=ppt/slides/slide38.xml><?xml version="1.0" encoding="utf-8"?>
 <p:sld xmlns:a="http://schemas.openxmlformats.org/drawingml/2006/main" xmlns:r="http://schemas.openxmlformats.org/officeDocument/2006/relationships" xmlns:p="http://schemas.openxmlformats.org/presentationml/2006/main">
   <p:cSld>
     <p:spTree>
@@ -13046,7 +13204,7 @@
 </p:sld>
 </file>
 
-<file path=ppt/slides/slide37.xml><?xml version="1.0" encoding="utf-8"?>
+<file path=ppt/slides/slide39.xml><?xml version="1.0" encoding="utf-8"?>
 <p:sld xmlns:a="http://schemas.openxmlformats.org/drawingml/2006/main" xmlns:r="http://schemas.openxmlformats.org/officeDocument/2006/relationships" xmlns:p="http://schemas.openxmlformats.org/presentationml/2006/main">
   <p:cSld>
     <p:spTree>
@@ -13132,353 +13290,6 @@
     <p:extLst>
       <p:ext uri="{BB962C8B-B14F-4D97-AF65-F5344CB8AC3E}">
         <p14:creationId xmlns:p14="http://schemas.microsoft.com/office/powerpoint/2010/main" val="765766198"/>
-      </p:ext>
-    </p:extLst>
-  </p:cSld>
-  <p:clrMapOvr>
-    <a:masterClrMapping/>
-  </p:clrMapOvr>
-  <mc:AlternateContent xmlns:mc="http://schemas.openxmlformats.org/markup-compatibility/2006" xmlns:p14="http://schemas.microsoft.com/office/powerpoint/2010/main">
-    <mc:Choice Requires="p14">
-      <p:transition spd="med" p14:dur="700">
-        <p:fade/>
-      </p:transition>
-    </mc:Choice>
-    <mc:Fallback xmlns="">
-      <p:transition spd="med">
-        <p:fade/>
-      </p:transition>
-    </mc:Fallback>
-  </mc:AlternateContent>
-  <p:timing>
-    <p:tnLst>
-      <p:par>
-        <p:cTn id="1" dur="indefinite" restart="never" nodeType="tmRoot"/>
-      </p:par>
-    </p:tnLst>
-  </p:timing>
-</p:sld>
-</file>
-
-<file path=ppt/slides/slide38.xml><?xml version="1.0" encoding="utf-8"?>
-<p:sld xmlns:a="http://schemas.openxmlformats.org/drawingml/2006/main" xmlns:r="http://schemas.openxmlformats.org/officeDocument/2006/relationships" xmlns:p="http://schemas.openxmlformats.org/presentationml/2006/main">
-  <p:cSld>
-    <p:spTree>
-      <p:nvGrpSpPr>
-        <p:cNvPr id="1" name=""/>
-        <p:cNvGrpSpPr/>
-        <p:nvPr/>
-      </p:nvGrpSpPr>
-      <p:grpSpPr>
-        <a:xfrm>
-          <a:off x="0" y="0"/>
-          <a:ext cx="0" cy="0"/>
-          <a:chOff x="0" y="0"/>
-          <a:chExt cx="0" cy="0"/>
-        </a:xfrm>
-      </p:grpSpPr>
-      <p:pic>
-        <p:nvPicPr>
-          <p:cNvPr id="2" name="Picture 1">
-            <a:extLst>
-              <a:ext uri="{FF2B5EF4-FFF2-40B4-BE49-F238E27FC236}">
-                <a16:creationId xmlns:a16="http://schemas.microsoft.com/office/drawing/2014/main" id="{8E7A61E4-28B0-47AA-B76A-972624CDB26E}"/>
-              </a:ext>
-            </a:extLst>
-          </p:cNvPr>
-          <p:cNvPicPr>
-            <a:picLocks noChangeAspect="1"/>
-          </p:cNvPicPr>
-          <p:nvPr/>
-        </p:nvPicPr>
-        <p:blipFill>
-          <a:blip r:embed="rId2"/>
-          <a:stretch>
-            <a:fillRect/>
-          </a:stretch>
-        </p:blipFill>
-        <p:spPr>
-          <a:xfrm>
-            <a:off x="852487" y="1495425"/>
-            <a:ext cx="10487025" cy="3867150"/>
-          </a:xfrm>
-          <a:prstGeom prst="rect">
-            <a:avLst/>
-          </a:prstGeom>
-        </p:spPr>
-      </p:pic>
-      <p:sp>
-        <p:nvSpPr>
-          <p:cNvPr id="5" name="Rectangle 4">
-            <a:extLst>
-              <a:ext uri="{FF2B5EF4-FFF2-40B4-BE49-F238E27FC236}">
-                <a16:creationId xmlns:a16="http://schemas.microsoft.com/office/drawing/2014/main" id="{71F0E7A0-8854-4094-88C4-4FDBFB10C6B7}"/>
-              </a:ext>
-            </a:extLst>
-          </p:cNvPr>
-          <p:cNvSpPr/>
-          <p:nvPr/>
-        </p:nvSpPr>
-        <p:spPr>
-          <a:xfrm>
-            <a:off x="921935" y="1391782"/>
-            <a:ext cx="3393493" cy="400110"/>
-          </a:xfrm>
-          <a:prstGeom prst="rect">
-            <a:avLst/>
-          </a:prstGeom>
-        </p:spPr>
-        <p:txBody>
-          <a:bodyPr wrap="none">
-            <a:spAutoFit/>
-          </a:bodyPr>
-          <a:lstStyle/>
-          <a:p>
-            <a:r>
-              <a:rPr lang="en-US" sz="2000" dirty="0"/>
-              <a:t>Transfer data from CPU to GPU</a:t>
-            </a:r>
-            <a:endParaRPr lang="en-US" sz="1600" dirty="0"/>
-          </a:p>
-        </p:txBody>
-      </p:sp>
-      <p:sp>
-        <p:nvSpPr>
-          <p:cNvPr id="6" name="Rectangle 5">
-            <a:extLst>
-              <a:ext uri="{FF2B5EF4-FFF2-40B4-BE49-F238E27FC236}">
-                <a16:creationId xmlns:a16="http://schemas.microsoft.com/office/drawing/2014/main" id="{FD6050CE-663C-45BD-BE74-F3F533A5A6F1}"/>
-              </a:ext>
-            </a:extLst>
-          </p:cNvPr>
-          <p:cNvSpPr/>
-          <p:nvPr/>
-        </p:nvSpPr>
-        <p:spPr>
-          <a:xfrm>
-            <a:off x="933510" y="2609053"/>
-            <a:ext cx="4062138" cy="400110"/>
-          </a:xfrm>
-          <a:prstGeom prst="rect">
-            <a:avLst/>
-          </a:prstGeom>
-        </p:spPr>
-        <p:txBody>
-          <a:bodyPr wrap="none">
-            <a:spAutoFit/>
-          </a:bodyPr>
-          <a:lstStyle/>
-          <a:p>
-            <a:r>
-              <a:rPr lang="en-US" sz="2000" dirty="0"/>
-              <a:t>Perform calculations in the usual way</a:t>
-            </a:r>
-            <a:endParaRPr lang="en-US" sz="1600" dirty="0"/>
-          </a:p>
-        </p:txBody>
-      </p:sp>
-      <p:sp>
-        <p:nvSpPr>
-          <p:cNvPr id="7" name="Rectangle 6">
-            <a:extLst>
-              <a:ext uri="{FF2B5EF4-FFF2-40B4-BE49-F238E27FC236}">
-                <a16:creationId xmlns:a16="http://schemas.microsoft.com/office/drawing/2014/main" id="{8B341303-5B11-4A2D-9D05-0A3237B1AF8F}"/>
-              </a:ext>
-            </a:extLst>
-          </p:cNvPr>
-          <p:cNvSpPr/>
-          <p:nvPr/>
-        </p:nvSpPr>
-        <p:spPr>
-          <a:xfrm>
-            <a:off x="921935" y="3824298"/>
-            <a:ext cx="2566985" cy="400110"/>
-          </a:xfrm>
-          <a:prstGeom prst="rect">
-            <a:avLst/>
-          </a:prstGeom>
-        </p:spPr>
-        <p:txBody>
-          <a:bodyPr wrap="none">
-            <a:spAutoFit/>
-          </a:bodyPr>
-          <a:lstStyle/>
-          <a:p>
-            <a:r>
-              <a:rPr lang="en-US" sz="2000" dirty="0"/>
-              <a:t>Get the data from GPU</a:t>
-            </a:r>
-            <a:endParaRPr lang="en-US" sz="1600" dirty="0"/>
-          </a:p>
-        </p:txBody>
-      </p:sp>
-      <p:sp>
-        <p:nvSpPr>
-          <p:cNvPr id="8" name="Title 1">
-            <a:extLst>
-              <a:ext uri="{FF2B5EF4-FFF2-40B4-BE49-F238E27FC236}">
-                <a16:creationId xmlns:a16="http://schemas.microsoft.com/office/drawing/2014/main" id="{202C7950-EE87-4B23-AC3F-81845E9B283B}"/>
-              </a:ext>
-            </a:extLst>
-          </p:cNvPr>
-          <p:cNvSpPr>
-            <a:spLocks noGrp="1"/>
-          </p:cNvSpPr>
-          <p:nvPr>
-            <p:ph type="title"/>
-          </p:nvPr>
-        </p:nvSpPr>
-        <p:spPr>
-          <a:xfrm>
-            <a:off x="933510" y="191578"/>
-            <a:ext cx="10515600" cy="1325563"/>
-          </a:xfrm>
-        </p:spPr>
-        <p:txBody>
-          <a:bodyPr>
-            <a:normAutofit/>
-          </a:bodyPr>
-          <a:lstStyle/>
-          <a:p>
-            <a:r>
-              <a:rPr lang="en-US" sz="3200" dirty="0"/>
-              <a:t>Basic workflow</a:t>
-            </a:r>
-          </a:p>
-        </p:txBody>
-      </p:sp>
-    </p:spTree>
-    <p:extLst>
-      <p:ext uri="{BB962C8B-B14F-4D97-AF65-F5344CB8AC3E}">
-        <p14:creationId xmlns:p14="http://schemas.microsoft.com/office/powerpoint/2010/main" val="585891719"/>
-      </p:ext>
-    </p:extLst>
-  </p:cSld>
-  <p:clrMapOvr>
-    <a:masterClrMapping/>
-  </p:clrMapOvr>
-  <mc:AlternateContent xmlns:mc="http://schemas.openxmlformats.org/markup-compatibility/2006" xmlns:p14="http://schemas.microsoft.com/office/powerpoint/2010/main">
-    <mc:Choice Requires="p14">
-      <p:transition spd="med" p14:dur="700">
-        <p:fade/>
-      </p:transition>
-    </mc:Choice>
-    <mc:Fallback xmlns="">
-      <p:transition spd="med">
-        <p:fade/>
-      </p:transition>
-    </mc:Fallback>
-  </mc:AlternateContent>
-  <p:timing>
-    <p:tnLst>
-      <p:par>
-        <p:cTn id="1" dur="indefinite" restart="never" nodeType="tmRoot"/>
-      </p:par>
-    </p:tnLst>
-  </p:timing>
-</p:sld>
-</file>
-
-<file path=ppt/slides/slide39.xml><?xml version="1.0" encoding="utf-8"?>
-<p:sld xmlns:a="http://schemas.openxmlformats.org/drawingml/2006/main" xmlns:r="http://schemas.openxmlformats.org/officeDocument/2006/relationships" xmlns:p="http://schemas.openxmlformats.org/presentationml/2006/main">
-  <p:cSld>
-    <p:spTree>
-      <p:nvGrpSpPr>
-        <p:cNvPr id="1" name=""/>
-        <p:cNvGrpSpPr/>
-        <p:nvPr/>
-      </p:nvGrpSpPr>
-      <p:grpSpPr>
-        <a:xfrm>
-          <a:off x="0" y="0"/>
-          <a:ext cx="0" cy="0"/>
-          <a:chOff x="0" y="0"/>
-          <a:chExt cx="0" cy="0"/>
-        </a:xfrm>
-      </p:grpSpPr>
-      <p:sp>
-        <p:nvSpPr>
-          <p:cNvPr id="5" name="Title 1">
-            <a:extLst>
-              <a:ext uri="{FF2B5EF4-FFF2-40B4-BE49-F238E27FC236}">
-                <a16:creationId xmlns:a16="http://schemas.microsoft.com/office/drawing/2014/main" id="{21432B86-CAE2-4781-B1C0-AA5E7DB97535}"/>
-              </a:ext>
-            </a:extLst>
-          </p:cNvPr>
-          <p:cNvSpPr>
-            <a:spLocks noGrp="1"/>
-          </p:cNvSpPr>
-          <p:nvPr>
-            <p:ph type="title"/>
-          </p:nvPr>
-        </p:nvSpPr>
-        <p:spPr>
-          <a:xfrm>
-            <a:off x="838200" y="365125"/>
-            <a:ext cx="10515600" cy="1325563"/>
-          </a:xfrm>
-        </p:spPr>
-        <p:txBody>
-          <a:bodyPr>
-            <a:normAutofit/>
-          </a:bodyPr>
-          <a:lstStyle/>
-          <a:p>
-            <a:r>
-              <a:rPr lang="en-US" sz="3200" dirty="0"/>
-              <a:t>When to use GPU?</a:t>
-            </a:r>
-          </a:p>
-        </p:txBody>
-      </p:sp>
-      <p:sp>
-        <p:nvSpPr>
-          <p:cNvPr id="6" name="Content Placeholder 2">
-            <a:extLst>
-              <a:ext uri="{FF2B5EF4-FFF2-40B4-BE49-F238E27FC236}">
-                <a16:creationId xmlns:a16="http://schemas.microsoft.com/office/drawing/2014/main" id="{D5FDF422-5433-4AA8-A35C-159202B91E76}"/>
-              </a:ext>
-            </a:extLst>
-          </p:cNvPr>
-          <p:cNvSpPr>
-            <a:spLocks noGrp="1"/>
-          </p:cNvSpPr>
-          <p:nvPr>
-            <p:ph idx="1"/>
-          </p:nvPr>
-        </p:nvSpPr>
-        <p:spPr>
-          <a:xfrm>
-            <a:off x="838200" y="1825626"/>
-            <a:ext cx="10515600" cy="4378404"/>
-          </a:xfrm>
-        </p:spPr>
-        <p:txBody>
-          <a:bodyPr>
-            <a:normAutofit/>
-          </a:bodyPr>
-          <a:lstStyle/>
-          <a:p>
-            <a:pPr fontAlgn="base"/>
-            <a:r>
-              <a:rPr lang="en-US" sz="2000" dirty="0"/>
-              <a:t>Massively parallel: The computations can be broken down into hundreds or thousands of independent units of work. </a:t>
-            </a:r>
-          </a:p>
-          <a:p>
-            <a:pPr fontAlgn="base"/>
-            <a:r>
-              <a:rPr lang="en-US" sz="2000" dirty="0"/>
-              <a:t>Computationally intensive: The time spent on computation significantly exceeds the time spent on transferring data to and from GPU memory. </a:t>
-            </a:r>
-            <a:endParaRPr lang="en-US" sz="1200" dirty="0"/>
-          </a:p>
-        </p:txBody>
-      </p:sp>
-    </p:spTree>
-    <p:extLst>
-      <p:ext uri="{BB962C8B-B14F-4D97-AF65-F5344CB8AC3E}">
-        <p14:creationId xmlns:p14="http://schemas.microsoft.com/office/powerpoint/2010/main" val="229436770"/>
       </p:ext>
     </p:extLst>
   </p:cSld>
@@ -14129,10 +13940,10 @@
       </p:grpSpPr>
       <p:pic>
         <p:nvPicPr>
-          <p:cNvPr id="4" name="Picture 3" descr="A close up of a map&#10;&#10;Description automatically generated">
+          <p:cNvPr id="2" name="Picture 1">
             <a:extLst>
               <a:ext uri="{FF2B5EF4-FFF2-40B4-BE49-F238E27FC236}">
-                <a16:creationId xmlns:a16="http://schemas.microsoft.com/office/drawing/2014/main" id="{2769A888-63CA-4085-8869-249F952BAC53}"/>
+                <a16:creationId xmlns:a16="http://schemas.microsoft.com/office/drawing/2014/main" id="{8E7A61E4-28B0-47AA-B76A-972624CDB26E}"/>
               </a:ext>
             </a:extLst>
           </p:cNvPr>
@@ -14142,21 +13953,15 @@
           <p:nvPr/>
         </p:nvPicPr>
         <p:blipFill>
-          <a:blip r:embed="rId2">
-            <a:extLst>
-              <a:ext uri="{28A0092B-C50C-407E-A947-70E740481C1C}">
-                <a14:useLocalDpi xmlns:a14="http://schemas.microsoft.com/office/drawing/2010/main" val="0"/>
-              </a:ext>
-            </a:extLst>
-          </a:blip>
+          <a:blip r:embed="rId2"/>
           <a:stretch>
             <a:fillRect/>
           </a:stretch>
         </p:blipFill>
         <p:spPr>
           <a:xfrm>
-            <a:off x="6468315" y="247459"/>
-            <a:ext cx="5337861" cy="6245416"/>
+            <a:off x="852487" y="1495425"/>
+            <a:ext cx="10487025" cy="3867150"/>
           </a:xfrm>
           <a:prstGeom prst="rect">
             <a:avLst/>
@@ -14165,45 +13970,10 @@
       </p:pic>
       <p:sp>
         <p:nvSpPr>
-          <p:cNvPr id="5" name="Title 1">
+          <p:cNvPr id="5" name="Rectangle 4">
             <a:extLst>
               <a:ext uri="{FF2B5EF4-FFF2-40B4-BE49-F238E27FC236}">
-                <a16:creationId xmlns:a16="http://schemas.microsoft.com/office/drawing/2014/main" id="{F4F6157B-6379-4158-BE23-04D37D49759B}"/>
-              </a:ext>
-            </a:extLst>
-          </p:cNvPr>
-          <p:cNvSpPr>
-            <a:spLocks noGrp="1"/>
-          </p:cNvSpPr>
-          <p:nvPr>
-            <p:ph type="title"/>
-          </p:nvPr>
-        </p:nvSpPr>
-        <p:spPr>
-          <a:xfrm>
-            <a:off x="838200" y="2205500"/>
-            <a:ext cx="4196787" cy="1325563"/>
-          </a:xfrm>
-        </p:spPr>
-        <p:txBody>
-          <a:bodyPr>
-            <a:normAutofit/>
-          </a:bodyPr>
-          <a:lstStyle/>
-          <a:p>
-            <a:r>
-              <a:rPr lang="en-US" sz="3200" dirty="0"/>
-              <a:t>CPU vs GPU for solving 2D wave equation:</a:t>
-            </a:r>
-          </a:p>
-        </p:txBody>
-      </p:sp>
-      <p:sp>
-        <p:nvSpPr>
-          <p:cNvPr id="6" name="Rectangle 5">
-            <a:extLst>
-              <a:ext uri="{FF2B5EF4-FFF2-40B4-BE49-F238E27FC236}">
-                <a16:creationId xmlns:a16="http://schemas.microsoft.com/office/drawing/2014/main" id="{16DE9633-25B1-4F03-B7DB-9C95C7D96F41}"/>
+                <a16:creationId xmlns:a16="http://schemas.microsoft.com/office/drawing/2014/main" id="{71F0E7A0-8854-4094-88C4-4FDBFB10C6B7}"/>
               </a:ext>
             </a:extLst>
           </p:cNvPr>
@@ -14212,8 +13982,8 @@
         </p:nvSpPr>
         <p:spPr>
           <a:xfrm>
-            <a:off x="838200" y="5969636"/>
-            <a:ext cx="3212803" cy="369332"/>
+            <a:off x="921935" y="1391782"/>
+            <a:ext cx="3393493" cy="400110"/>
           </a:xfrm>
           <a:prstGeom prst="rect">
             <a:avLst/>
@@ -14226,17 +13996,122 @@
           <a:lstStyle/>
           <a:p>
             <a:r>
-              <a:rPr lang="en-US" dirty="0"/>
-              <a:t>To MATLAB for a demonstration.</a:t>
-            </a:r>
-            <a:endParaRPr lang="en-US" sz="1400" dirty="0"/>
+              <a:rPr lang="en-US" sz="2000" dirty="0"/>
+              <a:t>Transfer data from CPU to GPU</a:t>
+            </a:r>
+            <a:endParaRPr lang="en-US" sz="1600" dirty="0"/>
+          </a:p>
+        </p:txBody>
+      </p:sp>
+      <p:sp>
+        <p:nvSpPr>
+          <p:cNvPr id="6" name="Rectangle 5">
+            <a:extLst>
+              <a:ext uri="{FF2B5EF4-FFF2-40B4-BE49-F238E27FC236}">
+                <a16:creationId xmlns:a16="http://schemas.microsoft.com/office/drawing/2014/main" id="{FD6050CE-663C-45BD-BE74-F3F533A5A6F1}"/>
+              </a:ext>
+            </a:extLst>
+          </p:cNvPr>
+          <p:cNvSpPr/>
+          <p:nvPr/>
+        </p:nvSpPr>
+        <p:spPr>
+          <a:xfrm>
+            <a:off x="933510" y="2609053"/>
+            <a:ext cx="4062138" cy="400110"/>
+          </a:xfrm>
+          <a:prstGeom prst="rect">
+            <a:avLst/>
+          </a:prstGeom>
+        </p:spPr>
+        <p:txBody>
+          <a:bodyPr wrap="none">
+            <a:spAutoFit/>
+          </a:bodyPr>
+          <a:lstStyle/>
+          <a:p>
+            <a:r>
+              <a:rPr lang="en-US" sz="2000" dirty="0"/>
+              <a:t>Perform calculations in the usual way</a:t>
+            </a:r>
+            <a:endParaRPr lang="en-US" sz="1600" dirty="0"/>
+          </a:p>
+        </p:txBody>
+      </p:sp>
+      <p:sp>
+        <p:nvSpPr>
+          <p:cNvPr id="7" name="Rectangle 6">
+            <a:extLst>
+              <a:ext uri="{FF2B5EF4-FFF2-40B4-BE49-F238E27FC236}">
+                <a16:creationId xmlns:a16="http://schemas.microsoft.com/office/drawing/2014/main" id="{8B341303-5B11-4A2D-9D05-0A3237B1AF8F}"/>
+              </a:ext>
+            </a:extLst>
+          </p:cNvPr>
+          <p:cNvSpPr/>
+          <p:nvPr/>
+        </p:nvSpPr>
+        <p:spPr>
+          <a:xfrm>
+            <a:off x="921935" y="3824298"/>
+            <a:ext cx="2566985" cy="400110"/>
+          </a:xfrm>
+          <a:prstGeom prst="rect">
+            <a:avLst/>
+          </a:prstGeom>
+        </p:spPr>
+        <p:txBody>
+          <a:bodyPr wrap="none">
+            <a:spAutoFit/>
+          </a:bodyPr>
+          <a:lstStyle/>
+          <a:p>
+            <a:r>
+              <a:rPr lang="en-US" sz="2000" dirty="0"/>
+              <a:t>Get the data from GPU</a:t>
+            </a:r>
+            <a:endParaRPr lang="en-US" sz="1600" dirty="0"/>
+          </a:p>
+        </p:txBody>
+      </p:sp>
+      <p:sp>
+        <p:nvSpPr>
+          <p:cNvPr id="8" name="Title 1">
+            <a:extLst>
+              <a:ext uri="{FF2B5EF4-FFF2-40B4-BE49-F238E27FC236}">
+                <a16:creationId xmlns:a16="http://schemas.microsoft.com/office/drawing/2014/main" id="{202C7950-EE87-4B23-AC3F-81845E9B283B}"/>
+              </a:ext>
+            </a:extLst>
+          </p:cNvPr>
+          <p:cNvSpPr>
+            <a:spLocks noGrp="1"/>
+          </p:cNvSpPr>
+          <p:nvPr>
+            <p:ph type="title"/>
+          </p:nvPr>
+        </p:nvSpPr>
+        <p:spPr>
+          <a:xfrm>
+            <a:off x="933510" y="191578"/>
+            <a:ext cx="10515600" cy="1325563"/>
+          </a:xfrm>
+        </p:spPr>
+        <p:txBody>
+          <a:bodyPr>
+            <a:normAutofit/>
+          </a:bodyPr>
+          <a:lstStyle/>
+          <a:p>
+            <a:r>
+              <a:rPr lang="en-US" sz="3200" dirty="0"/>
+              <a:t>Basic workflow</a:t>
+            </a:r>
           </a:p>
         </p:txBody>
       </p:sp>
     </p:spTree>
     <p:extLst>
       <p:ext uri="{BB962C8B-B14F-4D97-AF65-F5344CB8AC3E}">
-        <p14:creationId xmlns:p14="http://schemas.microsoft.com/office/powerpoint/2010/main" val="3054685843"/>
+        <p14:creationId xmlns:p14="http://schemas.microsoft.com/office/powerpoint/2010/main" val="585891719"/>
       </p:ext>
     </p:extLst>
   </p:cSld>
@@ -14284,10 +14159,10 @@
       </p:grpSpPr>
       <p:sp>
         <p:nvSpPr>
-          <p:cNvPr id="2" name="Title 1">
+          <p:cNvPr id="5" name="Title 1">
             <a:extLst>
               <a:ext uri="{FF2B5EF4-FFF2-40B4-BE49-F238E27FC236}">
-                <a16:creationId xmlns:a16="http://schemas.microsoft.com/office/drawing/2014/main" id="{F2A68C52-F7A7-4E39-9493-91D1C3C3BAC3}"/>
+                <a16:creationId xmlns:a16="http://schemas.microsoft.com/office/drawing/2014/main" id="{21432B86-CAE2-4781-B1C0-AA5E7DB97535}"/>
               </a:ext>
             </a:extLst>
           </p:cNvPr>
@@ -14298,24 +14173,31 @@
             <p:ph type="title"/>
           </p:nvPr>
         </p:nvSpPr>
-        <p:spPr/>
-        <p:txBody>
-          <a:bodyPr/>
+        <p:spPr>
+          <a:xfrm>
+            <a:off x="838200" y="365125"/>
+            <a:ext cx="10515600" cy="1325563"/>
+          </a:xfrm>
+        </p:spPr>
+        <p:txBody>
+          <a:bodyPr>
+            <a:normAutofit/>
+          </a:bodyPr>
           <a:lstStyle/>
           <a:p>
             <a:r>
-              <a:rPr lang="en-US" dirty="0"/>
-              <a:t>How do I make my MATLAB code better?	</a:t>
-            </a:r>
-          </a:p>
-        </p:txBody>
-      </p:sp>
-      <p:sp>
-        <p:nvSpPr>
-          <p:cNvPr id="3" name="Content Placeholder 2">
+              <a:rPr lang="en-US" sz="3200" dirty="0"/>
+              <a:t>When to use GPU?</a:t>
+            </a:r>
+          </a:p>
+        </p:txBody>
+      </p:sp>
+      <p:sp>
+        <p:nvSpPr>
+          <p:cNvPr id="6" name="Content Placeholder 2">
             <a:extLst>
               <a:ext uri="{FF2B5EF4-FFF2-40B4-BE49-F238E27FC236}">
-                <a16:creationId xmlns:a16="http://schemas.microsoft.com/office/drawing/2014/main" id="{182FA6DD-9A28-4656-9C36-A5532B393FED}"/>
+                <a16:creationId xmlns:a16="http://schemas.microsoft.com/office/drawing/2014/main" id="{D5FDF422-5433-4AA8-A35C-159202B91E76}"/>
               </a:ext>
             </a:extLst>
           </p:cNvPr>
@@ -14326,141 +14208,38 @@
             <p:ph idx="1"/>
           </p:nvPr>
         </p:nvSpPr>
-        <p:spPr/>
-        <p:txBody>
-          <a:bodyPr/>
+        <p:spPr>
+          <a:xfrm>
+            <a:off x="838200" y="1825626"/>
+            <a:ext cx="10515600" cy="4378404"/>
+          </a:xfrm>
+        </p:spPr>
+        <p:txBody>
+          <a:bodyPr>
+            <a:normAutofit/>
+          </a:bodyPr>
           <a:lstStyle/>
           <a:p>
-            <a:pPr marL="514350" indent="-514350">
-              <a:buFont typeface="+mj-lt"/>
-              <a:buAutoNum type="alphaUcPeriod"/>
-            </a:pPr>
-            <a:r>
-              <a:rPr lang="en-US" dirty="0">
-                <a:solidFill>
-                  <a:schemeClr val="bg2">
-                    <a:lumMod val="75000"/>
-                  </a:schemeClr>
-                </a:solidFill>
-              </a:rPr>
-              <a:t>Basic moves</a:t>
-            </a:r>
-          </a:p>
-          <a:p>
-            <a:pPr marL="514350" indent="-514350">
-              <a:buFont typeface="+mj-lt"/>
-              <a:buAutoNum type="alphaUcPeriod"/>
-            </a:pPr>
-            <a:r>
-              <a:rPr lang="en-US" dirty="0">
-                <a:solidFill>
-                  <a:schemeClr val="bg2">
-                    <a:lumMod val="75000"/>
-                  </a:schemeClr>
-                </a:solidFill>
-              </a:rPr>
-              <a:t>Function and function handles</a:t>
-            </a:r>
-          </a:p>
-          <a:p>
-            <a:pPr marL="514350" indent="-514350">
-              <a:buFont typeface="+mj-lt"/>
-              <a:buAutoNum type="alphaUcPeriod"/>
-            </a:pPr>
-            <a:r>
-              <a:rPr lang="en-US" dirty="0">
-                <a:solidFill>
-                  <a:schemeClr val="bg2">
-                    <a:lumMod val="75000"/>
-                  </a:schemeClr>
-                </a:solidFill>
-              </a:rPr>
-              <a:t>Memory management</a:t>
-            </a:r>
-          </a:p>
-          <a:p>
-            <a:pPr marL="514350" indent="-514350">
-              <a:buFont typeface="+mj-lt"/>
-              <a:buAutoNum type="alphaUcPeriod"/>
-            </a:pPr>
-            <a:r>
-              <a:rPr lang="en-US" dirty="0">
-                <a:solidFill>
-                  <a:schemeClr val="bg2">
-                    <a:lumMod val="75000"/>
-                  </a:schemeClr>
-                </a:solidFill>
-              </a:rPr>
-              <a:t>Big data tools</a:t>
-            </a:r>
-          </a:p>
-          <a:p>
-            <a:pPr marL="514350" indent="-514350">
-              <a:buFont typeface="+mj-lt"/>
-              <a:buAutoNum type="alphaUcPeriod"/>
-            </a:pPr>
-            <a:r>
-              <a:rPr lang="en-US" dirty="0">
-                <a:solidFill>
-                  <a:schemeClr val="bg2">
-                    <a:lumMod val="75000"/>
-                  </a:schemeClr>
-                </a:solidFill>
-              </a:rPr>
-              <a:t>CPU parallel processing</a:t>
-            </a:r>
-          </a:p>
-          <a:p>
-            <a:pPr marL="514350" indent="-514350">
-              <a:buFont typeface="+mj-lt"/>
-              <a:buAutoNum type="alphaUcPeriod"/>
-            </a:pPr>
-            <a:r>
-              <a:rPr lang="en-US" dirty="0">
-                <a:solidFill>
-                  <a:schemeClr val="bg2">
-                    <a:lumMod val="75000"/>
-                  </a:schemeClr>
-                </a:solidFill>
-              </a:rPr>
-              <a:t>GPU parallel processing</a:t>
-            </a:r>
-            <a:endParaRPr lang="en-US" b="1" dirty="0">
-              <a:solidFill>
-                <a:schemeClr val="bg2">
-                  <a:lumMod val="75000"/>
-                </a:schemeClr>
-              </a:solidFill>
-            </a:endParaRPr>
-          </a:p>
-          <a:p>
-            <a:pPr marL="514350" indent="-514350">
-              <a:buFont typeface="+mj-lt"/>
-              <a:buAutoNum type="alphaUcPeriod"/>
-            </a:pPr>
-            <a:r>
-              <a:rPr lang="en-US" dirty="0">
-                <a:solidFill>
-                  <a:schemeClr val="accent1">
-                    <a:lumMod val="75000"/>
-                  </a:schemeClr>
-                </a:solidFill>
-              </a:rPr>
-              <a:t>Mex codes</a:t>
-            </a:r>
-          </a:p>
-          <a:p>
-            <a:pPr marL="0" indent="0">
-              <a:buNone/>
-            </a:pPr>
-            <a:endParaRPr lang="en-US" dirty="0"/>
+            <a:pPr fontAlgn="base"/>
+            <a:r>
+              <a:rPr lang="en-US" sz="2000" dirty="0"/>
+              <a:t>Massively parallel: The computations can be broken down into hundreds or thousands of independent units of work. </a:t>
+            </a:r>
+          </a:p>
+          <a:p>
+            <a:pPr fontAlgn="base"/>
+            <a:r>
+              <a:rPr lang="en-US" sz="2000" dirty="0"/>
+              <a:t>Computationally intensive: The time spent on computation significantly exceeds the time spent on transferring data to and from GPU memory. </a:t>
+            </a:r>
+            <a:endParaRPr lang="en-US" sz="1200" dirty="0"/>
           </a:p>
         </p:txBody>
       </p:sp>
     </p:spTree>
     <p:extLst>
       <p:ext uri="{BB962C8B-B14F-4D97-AF65-F5344CB8AC3E}">
-        <p14:creationId xmlns:p14="http://schemas.microsoft.com/office/powerpoint/2010/main" val="256882077"/>
+        <p14:creationId xmlns:p14="http://schemas.microsoft.com/office/powerpoint/2010/main" val="229436770"/>
       </p:ext>
     </p:extLst>
   </p:cSld>
@@ -14506,9 +14285,51 @@
           <a:chExt cx="0" cy="0"/>
         </a:xfrm>
       </p:grpSpPr>
-      <p:sp>
-        <p:nvSpPr>
-          <p:cNvPr id="2" name="Title 1"/>
+      <p:pic>
+        <p:nvPicPr>
+          <p:cNvPr id="4" name="Picture 3" descr="A close up of a map&#10;&#10;Description automatically generated">
+            <a:extLst>
+              <a:ext uri="{FF2B5EF4-FFF2-40B4-BE49-F238E27FC236}">
+                <a16:creationId xmlns:a16="http://schemas.microsoft.com/office/drawing/2014/main" id="{2769A888-63CA-4085-8869-249F952BAC53}"/>
+              </a:ext>
+            </a:extLst>
+          </p:cNvPr>
+          <p:cNvPicPr>
+            <a:picLocks noChangeAspect="1"/>
+          </p:cNvPicPr>
+          <p:nvPr/>
+        </p:nvPicPr>
+        <p:blipFill>
+          <a:blip r:embed="rId2">
+            <a:extLst>
+              <a:ext uri="{28A0092B-C50C-407E-A947-70E740481C1C}">
+                <a14:useLocalDpi xmlns:a14="http://schemas.microsoft.com/office/drawing/2010/main" val="0"/>
+              </a:ext>
+            </a:extLst>
+          </a:blip>
+          <a:stretch>
+            <a:fillRect/>
+          </a:stretch>
+        </p:blipFill>
+        <p:spPr>
+          <a:xfrm>
+            <a:off x="6468315" y="247459"/>
+            <a:ext cx="5337861" cy="6245416"/>
+          </a:xfrm>
+          <a:prstGeom prst="rect">
+            <a:avLst/>
+          </a:prstGeom>
+        </p:spPr>
+      </p:pic>
+      <p:sp>
+        <p:nvSpPr>
+          <p:cNvPr id="5" name="Title 1">
+            <a:extLst>
+              <a:ext uri="{FF2B5EF4-FFF2-40B4-BE49-F238E27FC236}">
+                <a16:creationId xmlns:a16="http://schemas.microsoft.com/office/drawing/2014/main" id="{F4F6157B-6379-4158-BE23-04D37D49759B}"/>
+              </a:ext>
+            </a:extLst>
+          </p:cNvPr>
           <p:cNvSpPr>
             <a:spLocks noGrp="1"/>
           </p:cNvSpPr>
@@ -14516,7 +14337,12 @@
             <p:ph type="title"/>
           </p:nvPr>
         </p:nvSpPr>
-        <p:spPr/>
+        <p:spPr>
+          <a:xfrm>
+            <a:off x="838200" y="2205500"/>
+            <a:ext cx="4196787" cy="1325563"/>
+          </a:xfrm>
+        </p:spPr>
         <p:txBody>
           <a:bodyPr>
             <a:normAutofit/>
@@ -14524,72 +14350,51 @@
           <a:lstStyle/>
           <a:p>
             <a:r>
-              <a:rPr lang="en-US" sz="3200" dirty="0" smtClean="0"/>
-              <a:t>Why translate MATLAB to C?</a:t>
-            </a:r>
-            <a:endParaRPr lang="en-US" sz="3200" dirty="0"/>
-          </a:p>
-        </p:txBody>
-      </p:sp>
-      <p:sp>
-        <p:nvSpPr>
-          <p:cNvPr id="3" name="Content Placeholder 2"/>
-          <p:cNvSpPr>
-            <a:spLocks noGrp="1"/>
-          </p:cNvSpPr>
-          <p:nvPr>
-            <p:ph idx="1"/>
-          </p:nvPr>
-        </p:nvSpPr>
-        <p:spPr/>
-        <p:txBody>
-          <a:bodyPr>
-            <a:normAutofit/>
+              <a:rPr lang="en-US" sz="3200" dirty="0"/>
+              <a:t>CPU vs GPU for solving 2D wave equation:</a:t>
+            </a:r>
+          </a:p>
+        </p:txBody>
+      </p:sp>
+      <p:sp>
+        <p:nvSpPr>
+          <p:cNvPr id="6" name="Rectangle 5">
+            <a:extLst>
+              <a:ext uri="{FF2B5EF4-FFF2-40B4-BE49-F238E27FC236}">
+                <a16:creationId xmlns:a16="http://schemas.microsoft.com/office/drawing/2014/main" id="{16DE9633-25B1-4F03-B7DB-9C95C7D96F41}"/>
+              </a:ext>
+            </a:extLst>
+          </p:cNvPr>
+          <p:cNvSpPr/>
+          <p:nvPr/>
+        </p:nvSpPr>
+        <p:spPr>
+          <a:xfrm>
+            <a:off x="838200" y="5969636"/>
+            <a:ext cx="3212803" cy="369332"/>
+          </a:xfrm>
+          <a:prstGeom prst="rect">
+            <a:avLst/>
+          </a:prstGeom>
+        </p:spPr>
+        <p:txBody>
+          <a:bodyPr wrap="none">
+            <a:spAutoFit/>
           </a:bodyPr>
           <a:lstStyle/>
           <a:p>
             <a:r>
-              <a:rPr lang="en-US" sz="2000" dirty="0" smtClean="0"/>
-              <a:t>Implementing C codes on the hardware</a:t>
-            </a:r>
-          </a:p>
-          <a:p>
-            <a:r>
-              <a:rPr lang="en-US" sz="2000" dirty="0" smtClean="0"/>
-              <a:t>Integrating MATLAB with existing C environment</a:t>
-            </a:r>
-          </a:p>
-          <a:p>
-            <a:r>
-              <a:rPr lang="en-US" sz="2000" dirty="0" smtClean="0"/>
-              <a:t>Prototype MATLAB algorithms as standalone executables</a:t>
-            </a:r>
-          </a:p>
-          <a:p>
-            <a:r>
-              <a:rPr lang="en-US" sz="2000" dirty="0" smtClean="0"/>
-              <a:t>Accelerate MATLAB algorithms</a:t>
-            </a:r>
-          </a:p>
-          <a:p>
-            <a:endParaRPr lang="en-US" sz="2000" dirty="0"/>
-          </a:p>
-          <a:p>
-            <a:pPr marL="0" indent="0">
-              <a:buNone/>
-            </a:pPr>
-            <a:r>
-              <a:rPr lang="en-US" sz="2000" dirty="0" smtClean="0"/>
-              <a:t>Ideally need an automated way of translating the code: Enter “MATLAB Coder toolbox”</a:t>
-            </a:r>
-            <a:endParaRPr lang="en-US" sz="2000" dirty="0"/>
+              <a:rPr lang="en-US" dirty="0"/>
+              <a:t>To MATLAB for a demonstration.</a:t>
+            </a:r>
+            <a:endParaRPr lang="en-US" sz="1400" dirty="0"/>
           </a:p>
         </p:txBody>
       </p:sp>
     </p:spTree>
     <p:extLst>
       <p:ext uri="{BB962C8B-B14F-4D97-AF65-F5344CB8AC3E}">
-        <p14:creationId xmlns:p14="http://schemas.microsoft.com/office/powerpoint/2010/main" val="2132046467"/>
+        <p14:creationId xmlns:p14="http://schemas.microsoft.com/office/powerpoint/2010/main" val="3054685843"/>
       </p:ext>
     </p:extLst>
   </p:cSld>
@@ -14635,33 +14440,15 @@
           <a:chExt cx="0" cy="0"/>
         </a:xfrm>
       </p:grpSpPr>
-      <p:pic>
-        <p:nvPicPr>
-          <p:cNvPr id="4" name="Picture 3"/>
-          <p:cNvPicPr>
-            <a:picLocks noChangeAspect="1"/>
-          </p:cNvPicPr>
-          <p:nvPr/>
-        </p:nvPicPr>
-        <p:blipFill>
-          <a:blip r:embed="rId2"/>
-          <a:stretch>
-            <a:fillRect/>
-          </a:stretch>
-        </p:blipFill>
-        <p:spPr>
-          <a:xfrm>
-            <a:off x="3329800" y="2452572"/>
-            <a:ext cx="6000750" cy="1885950"/>
-          </a:xfrm>
-          <a:prstGeom prst="rect">
-            <a:avLst/>
-          </a:prstGeom>
-        </p:spPr>
-      </p:pic>
-      <p:sp>
-        <p:nvSpPr>
-          <p:cNvPr id="5" name="Title 1"/>
+      <p:sp>
+        <p:nvSpPr>
+          <p:cNvPr id="2" name="Title 1">
+            <a:extLst>
+              <a:ext uri="{FF2B5EF4-FFF2-40B4-BE49-F238E27FC236}">
+                <a16:creationId xmlns:a16="http://schemas.microsoft.com/office/drawing/2014/main" id="{F2A68C52-F7A7-4E39-9493-91D1C3C3BAC3}"/>
+              </a:ext>
+            </a:extLst>
+          </p:cNvPr>
           <p:cNvSpPr>
             <a:spLocks noGrp="1"/>
           </p:cNvSpPr>
@@ -14669,29 +14456,169 @@
             <p:ph type="title"/>
           </p:nvPr>
         </p:nvSpPr>
-        <p:spPr>
-          <a:xfrm>
-            <a:off x="838200" y="365125"/>
-            <a:ext cx="10515600" cy="1325563"/>
-          </a:xfrm>
-        </p:spPr>
-        <p:txBody>
-          <a:bodyPr>
-            <a:normAutofit/>
-          </a:bodyPr>
+        <p:spPr/>
+        <p:txBody>
+          <a:bodyPr/>
           <a:lstStyle/>
           <a:p>
             <a:r>
-              <a:rPr lang="en-US" sz="3200" dirty="0"/>
-              <a:t>Recommended Three-Step Iterative Workflow</a:t>
-            </a:r>
+              <a:rPr lang="en-US" dirty="0"/>
+              <a:t>How do I make my MATLAB code better?	</a:t>
+            </a:r>
+          </a:p>
+        </p:txBody>
+      </p:sp>
+      <p:sp>
+        <p:nvSpPr>
+          <p:cNvPr id="3" name="Content Placeholder 2">
+            <a:extLst>
+              <a:ext uri="{FF2B5EF4-FFF2-40B4-BE49-F238E27FC236}">
+                <a16:creationId xmlns:a16="http://schemas.microsoft.com/office/drawing/2014/main" id="{182FA6DD-9A28-4656-9C36-A5532B393FED}"/>
+              </a:ext>
+            </a:extLst>
+          </p:cNvPr>
+          <p:cNvSpPr>
+            <a:spLocks noGrp="1"/>
+          </p:cNvSpPr>
+          <p:nvPr>
+            <p:ph idx="1"/>
+          </p:nvPr>
+        </p:nvSpPr>
+        <p:spPr/>
+        <p:txBody>
+          <a:bodyPr/>
+          <a:lstStyle/>
+          <a:p>
+            <a:pPr marL="514350" indent="-514350">
+              <a:buFont typeface="+mj-lt"/>
+              <a:buAutoNum type="alphaUcPeriod"/>
+            </a:pPr>
+            <a:r>
+              <a:rPr lang="en-US" dirty="0">
+                <a:solidFill>
+                  <a:schemeClr val="bg2">
+                    <a:lumMod val="75000"/>
+                  </a:schemeClr>
+                </a:solidFill>
+              </a:rPr>
+              <a:t>Basic moves</a:t>
+            </a:r>
+          </a:p>
+          <a:p>
+            <a:pPr marL="514350" indent="-514350">
+              <a:buFont typeface="+mj-lt"/>
+              <a:buAutoNum type="alphaUcPeriod"/>
+            </a:pPr>
+            <a:r>
+              <a:rPr lang="en-US" dirty="0">
+                <a:solidFill>
+                  <a:schemeClr val="bg2">
+                    <a:lumMod val="75000"/>
+                  </a:schemeClr>
+                </a:solidFill>
+              </a:rPr>
+              <a:t>Function and function handles</a:t>
+            </a:r>
+          </a:p>
+          <a:p>
+            <a:pPr marL="514350" indent="-514350">
+              <a:buFont typeface="+mj-lt"/>
+              <a:buAutoNum type="alphaUcPeriod"/>
+            </a:pPr>
+            <a:r>
+              <a:rPr lang="en-US" dirty="0">
+                <a:solidFill>
+                  <a:schemeClr val="bg2">
+                    <a:lumMod val="75000"/>
+                  </a:schemeClr>
+                </a:solidFill>
+              </a:rPr>
+              <a:t>Memory management</a:t>
+            </a:r>
+          </a:p>
+          <a:p>
+            <a:pPr marL="514350" indent="-514350">
+              <a:buFont typeface="+mj-lt"/>
+              <a:buAutoNum type="alphaUcPeriod"/>
+            </a:pPr>
+            <a:r>
+              <a:rPr lang="en-US" dirty="0">
+                <a:solidFill>
+                  <a:schemeClr val="bg2">
+                    <a:lumMod val="75000"/>
+                  </a:schemeClr>
+                </a:solidFill>
+              </a:rPr>
+              <a:t>Big data tools</a:t>
+            </a:r>
+          </a:p>
+          <a:p>
+            <a:pPr marL="514350" indent="-514350">
+              <a:buFont typeface="+mj-lt"/>
+              <a:buAutoNum type="alphaUcPeriod"/>
+            </a:pPr>
+            <a:r>
+              <a:rPr lang="en-US" dirty="0">
+                <a:solidFill>
+                  <a:schemeClr val="bg2">
+                    <a:lumMod val="75000"/>
+                  </a:schemeClr>
+                </a:solidFill>
+              </a:rPr>
+              <a:t>CPU parallel processing</a:t>
+            </a:r>
+          </a:p>
+          <a:p>
+            <a:pPr marL="514350" indent="-514350">
+              <a:buFont typeface="+mj-lt"/>
+              <a:buAutoNum type="alphaUcPeriod"/>
+            </a:pPr>
+            <a:r>
+              <a:rPr lang="en-US" dirty="0">
+                <a:solidFill>
+                  <a:schemeClr val="bg2">
+                    <a:lumMod val="75000"/>
+                  </a:schemeClr>
+                </a:solidFill>
+              </a:rPr>
+              <a:t>GPU parallel processing</a:t>
+            </a:r>
+            <a:endParaRPr lang="en-US" b="1" dirty="0">
+              <a:solidFill>
+                <a:schemeClr val="bg2">
+                  <a:lumMod val="75000"/>
+                </a:schemeClr>
+              </a:solidFill>
+            </a:endParaRPr>
+          </a:p>
+          <a:p>
+            <a:pPr marL="514350" indent="-514350">
+              <a:buFont typeface="+mj-lt"/>
+              <a:buAutoNum type="alphaUcPeriod"/>
+            </a:pPr>
+            <a:r>
+              <a:rPr lang="en-US" dirty="0">
+                <a:solidFill>
+                  <a:schemeClr val="accent1">
+                    <a:lumMod val="75000"/>
+                  </a:schemeClr>
+                </a:solidFill>
+              </a:rPr>
+              <a:t>Mex codes</a:t>
+            </a:r>
+          </a:p>
+          <a:p>
+            <a:pPr marL="0" indent="0">
+              <a:buNone/>
+            </a:pPr>
+            <a:endParaRPr lang="en-US" dirty="0"/>
           </a:p>
         </p:txBody>
       </p:sp>
     </p:spTree>
     <p:extLst>
       <p:ext uri="{BB962C8B-B14F-4D97-AF65-F5344CB8AC3E}">
-        <p14:creationId xmlns:p14="http://schemas.microsoft.com/office/powerpoint/2010/main" val="3988108149"/>
+        <p14:creationId xmlns:p14="http://schemas.microsoft.com/office/powerpoint/2010/main" val="256882077"/>
       </p:ext>
     </p:extLst>
   </p:cSld>
@@ -14739,101 +14666,15 @@
       </p:grpSpPr>
       <p:sp>
         <p:nvSpPr>
-          <p:cNvPr id="3" name="Content Placeholder 2"/>
+          <p:cNvPr id="2" name="Title 1"/>
           <p:cNvSpPr>
             <a:spLocks noGrp="1"/>
           </p:cNvSpPr>
           <p:nvPr>
-            <p:ph idx="1"/>
+            <p:ph type="title"/>
           </p:nvPr>
         </p:nvSpPr>
         <p:spPr/>
-        <p:txBody>
-          <a:bodyPr>
-            <a:noAutofit/>
-          </a:bodyPr>
-          <a:lstStyle/>
-          <a:p>
-            <a:r>
-              <a:rPr lang="en-US" sz="2000" dirty="0"/>
-              <a:t>Memory allocation. </a:t>
-            </a:r>
-            <a:r>
-              <a:rPr lang="en-US" sz="2000" dirty="0" smtClean="0"/>
-              <a:t>In </a:t>
-            </a:r>
-            <a:r>
-              <a:rPr lang="en-US" sz="2000" dirty="0"/>
-              <a:t>C code, memory allocation </a:t>
-            </a:r>
-            <a:r>
-              <a:rPr lang="en-US" sz="2000" dirty="0" smtClean="0"/>
-              <a:t>is either static, dynamic or stack that needs to be defined.</a:t>
-            </a:r>
-            <a:endParaRPr lang="en-US" sz="2000" dirty="0"/>
-          </a:p>
-          <a:p>
-            <a:r>
-              <a:rPr lang="en-US" sz="2000" dirty="0"/>
-              <a:t>Array-based language. </a:t>
-            </a:r>
-            <a:r>
-              <a:rPr lang="en-US" sz="2000" dirty="0" smtClean="0"/>
-              <a:t>C </a:t>
-            </a:r>
-            <a:r>
-              <a:rPr lang="en-US" sz="2000" dirty="0"/>
-              <a:t>code requires explicit </a:t>
-            </a:r>
-            <a:r>
-              <a:rPr lang="en-US" sz="2000" dirty="0" smtClean="0"/>
-              <a:t>for-loops instead of array operations.</a:t>
-            </a:r>
-            <a:endParaRPr lang="en-US" sz="2000" dirty="0"/>
-          </a:p>
-          <a:p>
-            <a:r>
-              <a:rPr lang="en-US" sz="2000" dirty="0"/>
-              <a:t>Dynamic typing. MATLAB automatically determines the data types and sizes as </a:t>
-            </a:r>
-            <a:r>
-              <a:rPr lang="en-US" sz="2000" dirty="0" smtClean="0"/>
-              <a:t>the </a:t>
-            </a:r>
-            <a:r>
-              <a:rPr lang="en-US" sz="2000" dirty="0"/>
-              <a:t>code runs. </a:t>
-            </a:r>
-          </a:p>
-          <a:p>
-            <a:r>
-              <a:rPr lang="en-US" sz="2000" dirty="0"/>
-              <a:t>Polymorphism. MATLAB functions can support many different input </a:t>
-            </a:r>
-            <a:r>
-              <a:rPr lang="en-US" sz="2000" dirty="0" smtClean="0"/>
-              <a:t>types. A single line of MATLAB can have multiple meanings!</a:t>
-            </a:r>
-            <a:endParaRPr lang="en-US" sz="2000" dirty="0"/>
-          </a:p>
-        </p:txBody>
-      </p:sp>
-      <p:sp>
-        <p:nvSpPr>
-          <p:cNvPr id="5" name="Title 1"/>
-          <p:cNvSpPr>
-            <a:spLocks noGrp="1"/>
-          </p:cNvSpPr>
-          <p:nvPr>
-            <p:ph type="title"/>
-          </p:nvPr>
-        </p:nvSpPr>
-        <p:spPr>
-          <a:xfrm>
-            <a:off x="838200" y="365125"/>
-            <a:ext cx="10515600" cy="1325563"/>
-          </a:xfrm>
-        </p:spPr>
         <p:txBody>
           <a:bodyPr>
             <a:normAutofit/>
@@ -14842,16 +14683,71 @@
           <a:p>
             <a:r>
               <a:rPr lang="en-US" sz="3200" dirty="0" smtClean="0"/>
-              <a:t>But remember these differences between C and MATLAB</a:t>
+              <a:t>Why translate MATLAB to C?</a:t>
             </a:r>
             <a:endParaRPr lang="en-US" sz="3200" dirty="0"/>
+          </a:p>
+        </p:txBody>
+      </p:sp>
+      <p:sp>
+        <p:nvSpPr>
+          <p:cNvPr id="3" name="Content Placeholder 2"/>
+          <p:cNvSpPr>
+            <a:spLocks noGrp="1"/>
+          </p:cNvSpPr>
+          <p:nvPr>
+            <p:ph idx="1"/>
+          </p:nvPr>
+        </p:nvSpPr>
+        <p:spPr/>
+        <p:txBody>
+          <a:bodyPr>
+            <a:normAutofit/>
+          </a:bodyPr>
+          <a:lstStyle/>
+          <a:p>
+            <a:r>
+              <a:rPr lang="en-US" sz="2000" dirty="0" smtClean="0"/>
+              <a:t>Implementing C codes on the hardware</a:t>
+            </a:r>
+          </a:p>
+          <a:p>
+            <a:r>
+              <a:rPr lang="en-US" sz="2000" dirty="0" smtClean="0"/>
+              <a:t>Integrating MATLAB with existing C environment</a:t>
+            </a:r>
+          </a:p>
+          <a:p>
+            <a:r>
+              <a:rPr lang="en-US" sz="2000" dirty="0" smtClean="0"/>
+              <a:t>Prototype MATLAB algorithms as standalone executables</a:t>
+            </a:r>
+          </a:p>
+          <a:p>
+            <a:r>
+              <a:rPr lang="en-US" sz="2000" dirty="0" smtClean="0"/>
+              <a:t>Accelerate MATLAB algorithms</a:t>
+            </a:r>
+          </a:p>
+          <a:p>
+            <a:endParaRPr lang="en-US" sz="2000" dirty="0"/>
+          </a:p>
+          <a:p>
+            <a:pPr marL="0" indent="0">
+              <a:buNone/>
+            </a:pPr>
+            <a:r>
+              <a:rPr lang="en-US" sz="2000" dirty="0" smtClean="0"/>
+              <a:t>Ideally need an automated way of translating the code: Enter “MATLAB Coder toolbox”</a:t>
+            </a:r>
+            <a:endParaRPr lang="en-US" sz="2000" dirty="0"/>
           </a:p>
         </p:txBody>
       </p:sp>
     </p:spTree>
     <p:extLst>
       <p:ext uri="{BB962C8B-B14F-4D97-AF65-F5344CB8AC3E}">
-        <p14:creationId xmlns:p14="http://schemas.microsoft.com/office/powerpoint/2010/main" val="546012821"/>
+        <p14:creationId xmlns:p14="http://schemas.microsoft.com/office/powerpoint/2010/main" val="2132046467"/>
       </p:ext>
     </p:extLst>
   </p:cSld>
@@ -14897,31 +14793,6 @@
           <a:chExt cx="0" cy="0"/>
         </a:xfrm>
       </p:grpSpPr>
-      <p:sp>
-        <p:nvSpPr>
-          <p:cNvPr id="2" name="Title 1"/>
-          <p:cNvSpPr>
-            <a:spLocks noGrp="1"/>
-          </p:cNvSpPr>
-          <p:nvPr>
-            <p:ph type="title"/>
-          </p:nvPr>
-        </p:nvSpPr>
-        <p:spPr/>
-        <p:txBody>
-          <a:bodyPr>
-            <a:normAutofit/>
-          </a:bodyPr>
-          <a:lstStyle/>
-          <a:p>
-            <a:r>
-              <a:rPr lang="en-US" sz="2800" dirty="0" smtClean="0"/>
-              <a:t>Can I change every MATLAB code to C?</a:t>
-            </a:r>
-            <a:endParaRPr lang="en-US" sz="2800" dirty="0"/>
-          </a:p>
-        </p:txBody>
-      </p:sp>
       <p:pic>
         <p:nvPicPr>
           <p:cNvPr id="4" name="Picture 3"/>
@@ -14938,8 +14809,8 @@
         </p:blipFill>
         <p:spPr>
           <a:xfrm>
-            <a:off x="5027108" y="1940893"/>
-            <a:ext cx="5137191" cy="3199819"/>
+            <a:off x="3329800" y="2452572"/>
+            <a:ext cx="6000750" cy="1885950"/>
           </a:xfrm>
           <a:prstGeom prst="rect">
             <a:avLst/>
@@ -14948,132 +14819,37 @@
       </p:pic>
       <p:sp>
         <p:nvSpPr>
-          <p:cNvPr id="5" name="Rectangle 4"/>
-          <p:cNvSpPr/>
-          <p:nvPr/>
+          <p:cNvPr id="5" name="Title 1"/>
+          <p:cNvSpPr>
+            <a:spLocks noGrp="1"/>
+          </p:cNvSpPr>
+          <p:nvPr>
+            <p:ph type="title"/>
+          </p:nvPr>
         </p:nvSpPr>
         <p:spPr>
           <a:xfrm>
-            <a:off x="1271239" y="3281681"/>
-            <a:ext cx="3300761" cy="802307"/>
+            <a:off x="838200" y="365125"/>
+            <a:ext cx="10515600" cy="1325563"/>
           </a:xfrm>
-          <a:prstGeom prst="rect">
-            <a:avLst/>
-          </a:prstGeom>
-          <a:noFill/>
-          <a:ln>
-            <a:noFill/>
-          </a:ln>
         </p:spPr>
-        <p:style>
-          <a:lnRef idx="2">
-            <a:schemeClr val="accent1">
-              <a:shade val="50000"/>
-            </a:schemeClr>
-          </a:lnRef>
-          <a:fillRef idx="1">
-            <a:schemeClr val="accent1"/>
-          </a:fillRef>
-          <a:effectRef idx="0">
-            <a:schemeClr val="accent1"/>
-          </a:effectRef>
-          <a:fontRef idx="minor">
-            <a:schemeClr val="lt1"/>
-          </a:fontRef>
-        </p:style>
-        <p:txBody>
-          <a:bodyPr rtlCol="0" anchor="ctr"/>
-          <a:lstStyle/>
-          <a:p>
-            <a:pPr algn="ctr"/>
-            <a:r>
-              <a:rPr lang="en-US" dirty="0" smtClean="0">
-                <a:solidFill>
-                  <a:sysClr val="windowText" lastClr="000000"/>
-                </a:solidFill>
-              </a:rPr>
-              <a:t>Only some aspects of MATLAB supported…</a:t>
-            </a:r>
-            <a:endParaRPr lang="en-US" dirty="0">
-              <a:solidFill>
-                <a:sysClr val="windowText" lastClr="000000"/>
-              </a:solidFill>
-            </a:endParaRPr>
-          </a:p>
-        </p:txBody>
-      </p:sp>
-      <p:cxnSp>
-        <p:nvCxnSpPr>
-          <p:cNvPr id="7" name="Straight Arrow Connector 6"/>
-          <p:cNvCxnSpPr/>
-          <p:nvPr/>
-        </p:nvCxnSpPr>
-        <p:spPr>
-          <a:xfrm flipV="1">
-            <a:off x="4326673" y="3540803"/>
-            <a:ext cx="2642839" cy="284065"/>
-          </a:xfrm>
-          <a:prstGeom prst="straightConnector1">
-            <a:avLst/>
-          </a:prstGeom>
-          <a:ln>
-            <a:tailEnd type="triangle"/>
-          </a:ln>
-        </p:spPr>
-        <p:style>
-          <a:lnRef idx="1">
-            <a:schemeClr val="accent1"/>
-          </a:lnRef>
-          <a:fillRef idx="0">
-            <a:schemeClr val="accent1"/>
-          </a:fillRef>
-          <a:effectRef idx="0">
-            <a:schemeClr val="accent1"/>
-          </a:effectRef>
-          <a:fontRef idx="minor">
-            <a:schemeClr val="tx1"/>
-          </a:fontRef>
-        </p:style>
-      </p:cxnSp>
-      <p:sp>
-        <p:nvSpPr>
-          <p:cNvPr id="9" name="Rectangle 8">
-            <a:extLst>
-              <a:ext uri="{FF2B5EF4-FFF2-40B4-BE49-F238E27FC236}">
-                <a16:creationId xmlns:a16="http://schemas.microsoft.com/office/drawing/2014/main" id="{16DE9633-25B1-4F03-B7DB-9C95C7D96F41}"/>
-              </a:ext>
-            </a:extLst>
-          </p:cNvPr>
-          <p:cNvSpPr/>
-          <p:nvPr/>
-        </p:nvSpPr>
-        <p:spPr>
-          <a:xfrm>
-            <a:off x="838200" y="5969636"/>
-            <a:ext cx="3212803" cy="369332"/>
-          </a:xfrm>
-          <a:prstGeom prst="rect">
-            <a:avLst/>
-          </a:prstGeom>
-        </p:spPr>
-        <p:txBody>
-          <a:bodyPr wrap="none">
-            <a:spAutoFit/>
+        <p:txBody>
+          <a:bodyPr>
+            <a:normAutofit/>
           </a:bodyPr>
           <a:lstStyle/>
           <a:p>
             <a:r>
-              <a:rPr lang="en-US" dirty="0"/>
-              <a:t>To MATLAB for a demonstration.</a:t>
-            </a:r>
-            <a:endParaRPr lang="en-US" sz="1400" dirty="0"/>
+              <a:rPr lang="en-US" sz="3200" dirty="0"/>
+              <a:t>Recommended Three-Step Iterative Workflow</a:t>
+            </a:r>
           </a:p>
         </p:txBody>
       </p:sp>
     </p:spTree>
     <p:extLst>
       <p:ext uri="{BB962C8B-B14F-4D97-AF65-F5344CB8AC3E}">
-        <p14:creationId xmlns:p14="http://schemas.microsoft.com/office/powerpoint/2010/main" val="3349542681"/>
+        <p14:creationId xmlns:p14="http://schemas.microsoft.com/office/powerpoint/2010/main" val="3988108149"/>
       </p:ext>
     </p:extLst>
   </p:cSld>
@@ -15132,6 +14908,388 @@
         <p:spPr/>
         <p:txBody>
           <a:bodyPr>
+            <a:noAutofit/>
+          </a:bodyPr>
+          <a:lstStyle/>
+          <a:p>
+            <a:r>
+              <a:rPr lang="en-US" sz="2000" dirty="0"/>
+              <a:t>Memory allocation. </a:t>
+            </a:r>
+            <a:r>
+              <a:rPr lang="en-US" sz="2000" dirty="0" smtClean="0"/>
+              <a:t>In </a:t>
+            </a:r>
+            <a:r>
+              <a:rPr lang="en-US" sz="2000" dirty="0"/>
+              <a:t>C code, memory allocation </a:t>
+            </a:r>
+            <a:r>
+              <a:rPr lang="en-US" sz="2000" dirty="0" smtClean="0"/>
+              <a:t>is either static, dynamic or stack that needs to be defined.</a:t>
+            </a:r>
+            <a:endParaRPr lang="en-US" sz="2000" dirty="0"/>
+          </a:p>
+          <a:p>
+            <a:r>
+              <a:rPr lang="en-US" sz="2000" dirty="0"/>
+              <a:t>Array-based language. </a:t>
+            </a:r>
+            <a:r>
+              <a:rPr lang="en-US" sz="2000" dirty="0" smtClean="0"/>
+              <a:t>C </a:t>
+            </a:r>
+            <a:r>
+              <a:rPr lang="en-US" sz="2000" dirty="0"/>
+              <a:t>code requires explicit </a:t>
+            </a:r>
+            <a:r>
+              <a:rPr lang="en-US" sz="2000" dirty="0" smtClean="0"/>
+              <a:t>for-loops instead of array operations.</a:t>
+            </a:r>
+            <a:endParaRPr lang="en-US" sz="2000" dirty="0"/>
+          </a:p>
+          <a:p>
+            <a:r>
+              <a:rPr lang="en-US" sz="2000" dirty="0"/>
+              <a:t>Dynamic typing. MATLAB automatically determines the data types and sizes as </a:t>
+            </a:r>
+            <a:r>
+              <a:rPr lang="en-US" sz="2000" dirty="0" smtClean="0"/>
+              <a:t>the </a:t>
+            </a:r>
+            <a:r>
+              <a:rPr lang="en-US" sz="2000" dirty="0"/>
+              <a:t>code runs. </a:t>
+            </a:r>
+          </a:p>
+          <a:p>
+            <a:r>
+              <a:rPr lang="en-US" sz="2000" dirty="0"/>
+              <a:t>Polymorphism. MATLAB functions can support many different input </a:t>
+            </a:r>
+            <a:r>
+              <a:rPr lang="en-US" sz="2000" dirty="0" smtClean="0"/>
+              <a:t>types. A single line of MATLAB can have multiple meanings!</a:t>
+            </a:r>
+            <a:endParaRPr lang="en-US" sz="2000" dirty="0"/>
+          </a:p>
+        </p:txBody>
+      </p:sp>
+      <p:sp>
+        <p:nvSpPr>
+          <p:cNvPr id="5" name="Title 1"/>
+          <p:cNvSpPr>
+            <a:spLocks noGrp="1"/>
+          </p:cNvSpPr>
+          <p:nvPr>
+            <p:ph type="title"/>
+          </p:nvPr>
+        </p:nvSpPr>
+        <p:spPr>
+          <a:xfrm>
+            <a:off x="838200" y="365125"/>
+            <a:ext cx="10515600" cy="1325563"/>
+          </a:xfrm>
+        </p:spPr>
+        <p:txBody>
+          <a:bodyPr>
+            <a:normAutofit/>
+          </a:bodyPr>
+          <a:lstStyle/>
+          <a:p>
+            <a:r>
+              <a:rPr lang="en-US" sz="3200" dirty="0" smtClean="0"/>
+              <a:t>But remember these differences between C and MATLAB</a:t>
+            </a:r>
+            <a:endParaRPr lang="en-US" sz="3200" dirty="0"/>
+          </a:p>
+        </p:txBody>
+      </p:sp>
+    </p:spTree>
+    <p:extLst>
+      <p:ext uri="{BB962C8B-B14F-4D97-AF65-F5344CB8AC3E}">
+        <p14:creationId xmlns:p14="http://schemas.microsoft.com/office/powerpoint/2010/main" val="546012821"/>
+      </p:ext>
+    </p:extLst>
+  </p:cSld>
+  <p:clrMapOvr>
+    <a:masterClrMapping/>
+  </p:clrMapOvr>
+  <mc:AlternateContent xmlns:mc="http://schemas.openxmlformats.org/markup-compatibility/2006" xmlns:p14="http://schemas.microsoft.com/office/powerpoint/2010/main">
+    <mc:Choice Requires="p14">
+      <p:transition spd="med" p14:dur="700">
+        <p:fade/>
+      </p:transition>
+    </mc:Choice>
+    <mc:Fallback xmlns="">
+      <p:transition spd="med">
+        <p:fade/>
+      </p:transition>
+    </mc:Fallback>
+  </mc:AlternateContent>
+  <p:timing>
+    <p:tnLst>
+      <p:par>
+        <p:cTn id="1" dur="indefinite" restart="never" nodeType="tmRoot"/>
+      </p:par>
+    </p:tnLst>
+  </p:timing>
+</p:sld>
+</file>
+
+<file path=ppt/slides/slide47.xml><?xml version="1.0" encoding="utf-8"?>
+<p:sld xmlns:a="http://schemas.openxmlformats.org/drawingml/2006/main" xmlns:r="http://schemas.openxmlformats.org/officeDocument/2006/relationships" xmlns:p="http://schemas.openxmlformats.org/presentationml/2006/main">
+  <p:cSld>
+    <p:spTree>
+      <p:nvGrpSpPr>
+        <p:cNvPr id="1" name=""/>
+        <p:cNvGrpSpPr/>
+        <p:nvPr/>
+      </p:nvGrpSpPr>
+      <p:grpSpPr>
+        <a:xfrm>
+          <a:off x="0" y="0"/>
+          <a:ext cx="0" cy="0"/>
+          <a:chOff x="0" y="0"/>
+          <a:chExt cx="0" cy="0"/>
+        </a:xfrm>
+      </p:grpSpPr>
+      <p:sp>
+        <p:nvSpPr>
+          <p:cNvPr id="2" name="Title 1"/>
+          <p:cNvSpPr>
+            <a:spLocks noGrp="1"/>
+          </p:cNvSpPr>
+          <p:nvPr>
+            <p:ph type="title"/>
+          </p:nvPr>
+        </p:nvSpPr>
+        <p:spPr/>
+        <p:txBody>
+          <a:bodyPr>
+            <a:normAutofit/>
+          </a:bodyPr>
+          <a:lstStyle/>
+          <a:p>
+            <a:r>
+              <a:rPr lang="en-US" sz="2800" dirty="0" smtClean="0"/>
+              <a:t>Can I change every MATLAB code to C?</a:t>
+            </a:r>
+            <a:endParaRPr lang="en-US" sz="2800" dirty="0"/>
+          </a:p>
+        </p:txBody>
+      </p:sp>
+      <p:pic>
+        <p:nvPicPr>
+          <p:cNvPr id="4" name="Picture 3"/>
+          <p:cNvPicPr>
+            <a:picLocks noChangeAspect="1"/>
+          </p:cNvPicPr>
+          <p:nvPr/>
+        </p:nvPicPr>
+        <p:blipFill>
+          <a:blip r:embed="rId2"/>
+          <a:stretch>
+            <a:fillRect/>
+          </a:stretch>
+        </p:blipFill>
+        <p:spPr>
+          <a:xfrm>
+            <a:off x="5027108" y="1940893"/>
+            <a:ext cx="5137191" cy="3199819"/>
+          </a:xfrm>
+          <a:prstGeom prst="rect">
+            <a:avLst/>
+          </a:prstGeom>
+        </p:spPr>
+      </p:pic>
+      <p:sp>
+        <p:nvSpPr>
+          <p:cNvPr id="5" name="Rectangle 4"/>
+          <p:cNvSpPr/>
+          <p:nvPr/>
+        </p:nvSpPr>
+        <p:spPr>
+          <a:xfrm>
+            <a:off x="1271239" y="3281681"/>
+            <a:ext cx="3300761" cy="802307"/>
+          </a:xfrm>
+          <a:prstGeom prst="rect">
+            <a:avLst/>
+          </a:prstGeom>
+          <a:noFill/>
+          <a:ln>
+            <a:noFill/>
+          </a:ln>
+        </p:spPr>
+        <p:style>
+          <a:lnRef idx="2">
+            <a:schemeClr val="accent1">
+              <a:shade val="50000"/>
+            </a:schemeClr>
+          </a:lnRef>
+          <a:fillRef idx="1">
+            <a:schemeClr val="accent1"/>
+          </a:fillRef>
+          <a:effectRef idx="0">
+            <a:schemeClr val="accent1"/>
+          </a:effectRef>
+          <a:fontRef idx="minor">
+            <a:schemeClr val="lt1"/>
+          </a:fontRef>
+        </p:style>
+        <p:txBody>
+          <a:bodyPr rtlCol="0" anchor="ctr"/>
+          <a:lstStyle/>
+          <a:p>
+            <a:pPr algn="ctr"/>
+            <a:r>
+              <a:rPr lang="en-US" dirty="0" smtClean="0">
+                <a:solidFill>
+                  <a:sysClr val="windowText" lastClr="000000"/>
+                </a:solidFill>
+              </a:rPr>
+              <a:t>Only some aspects of MATLAB supported…</a:t>
+            </a:r>
+            <a:endParaRPr lang="en-US" dirty="0">
+              <a:solidFill>
+                <a:sysClr val="windowText" lastClr="000000"/>
+              </a:solidFill>
+            </a:endParaRPr>
+          </a:p>
+        </p:txBody>
+      </p:sp>
+      <p:cxnSp>
+        <p:nvCxnSpPr>
+          <p:cNvPr id="7" name="Straight Arrow Connector 6"/>
+          <p:cNvCxnSpPr/>
+          <p:nvPr/>
+        </p:nvCxnSpPr>
+        <p:spPr>
+          <a:xfrm flipV="1">
+            <a:off x="4326673" y="3540803"/>
+            <a:ext cx="2642839" cy="284065"/>
+          </a:xfrm>
+          <a:prstGeom prst="straightConnector1">
+            <a:avLst/>
+          </a:prstGeom>
+          <a:ln>
+            <a:tailEnd type="triangle"/>
+          </a:ln>
+        </p:spPr>
+        <p:style>
+          <a:lnRef idx="1">
+            <a:schemeClr val="accent1"/>
+          </a:lnRef>
+          <a:fillRef idx="0">
+            <a:schemeClr val="accent1"/>
+          </a:fillRef>
+          <a:effectRef idx="0">
+            <a:schemeClr val="accent1"/>
+          </a:effectRef>
+          <a:fontRef idx="minor">
+            <a:schemeClr val="tx1"/>
+          </a:fontRef>
+        </p:style>
+      </p:cxnSp>
+      <p:sp>
+        <p:nvSpPr>
+          <p:cNvPr id="9" name="Rectangle 8">
+            <a:extLst>
+              <a:ext uri="{FF2B5EF4-FFF2-40B4-BE49-F238E27FC236}">
+                <a16:creationId xmlns:a16="http://schemas.microsoft.com/office/drawing/2014/main" id="{16DE9633-25B1-4F03-B7DB-9C95C7D96F41}"/>
+              </a:ext>
+            </a:extLst>
+          </p:cNvPr>
+          <p:cNvSpPr/>
+          <p:nvPr/>
+        </p:nvSpPr>
+        <p:spPr>
+          <a:xfrm>
+            <a:off x="838200" y="5969636"/>
+            <a:ext cx="3212803" cy="369332"/>
+          </a:xfrm>
+          <a:prstGeom prst="rect">
+            <a:avLst/>
+          </a:prstGeom>
+        </p:spPr>
+        <p:txBody>
+          <a:bodyPr wrap="none">
+            <a:spAutoFit/>
+          </a:bodyPr>
+          <a:lstStyle/>
+          <a:p>
+            <a:r>
+              <a:rPr lang="en-US" dirty="0"/>
+              <a:t>To MATLAB for a demonstration.</a:t>
+            </a:r>
+            <a:endParaRPr lang="en-US" sz="1400" dirty="0"/>
+          </a:p>
+        </p:txBody>
+      </p:sp>
+    </p:spTree>
+    <p:extLst>
+      <p:ext uri="{BB962C8B-B14F-4D97-AF65-F5344CB8AC3E}">
+        <p14:creationId xmlns:p14="http://schemas.microsoft.com/office/powerpoint/2010/main" val="3349542681"/>
+      </p:ext>
+    </p:extLst>
+  </p:cSld>
+  <p:clrMapOvr>
+    <a:masterClrMapping/>
+  </p:clrMapOvr>
+  <mc:AlternateContent xmlns:mc="http://schemas.openxmlformats.org/markup-compatibility/2006" xmlns:p14="http://schemas.microsoft.com/office/powerpoint/2010/main">
+    <mc:Choice Requires="p14">
+      <p:transition spd="med" p14:dur="700">
+        <p:fade/>
+      </p:transition>
+    </mc:Choice>
+    <mc:Fallback xmlns="">
+      <p:transition spd="med">
+        <p:fade/>
+      </p:transition>
+    </mc:Fallback>
+  </mc:AlternateContent>
+  <p:timing>
+    <p:tnLst>
+      <p:par>
+        <p:cTn id="1" dur="indefinite" restart="never" nodeType="tmRoot"/>
+      </p:par>
+    </p:tnLst>
+  </p:timing>
+</p:sld>
+</file>
+
+<file path=ppt/slides/slide48.xml><?xml version="1.0" encoding="utf-8"?>
+<p:sld xmlns:a="http://schemas.openxmlformats.org/drawingml/2006/main" xmlns:r="http://schemas.openxmlformats.org/officeDocument/2006/relationships" xmlns:p="http://schemas.openxmlformats.org/presentationml/2006/main">
+  <p:cSld>
+    <p:spTree>
+      <p:nvGrpSpPr>
+        <p:cNvPr id="1" name=""/>
+        <p:cNvGrpSpPr/>
+        <p:nvPr/>
+      </p:nvGrpSpPr>
+      <p:grpSpPr>
+        <a:xfrm>
+          <a:off x="0" y="0"/>
+          <a:ext cx="0" cy="0"/>
+          <a:chOff x="0" y="0"/>
+          <a:chExt cx="0" cy="0"/>
+        </a:xfrm>
+      </p:grpSpPr>
+      <p:sp>
+        <p:nvSpPr>
+          <p:cNvPr id="3" name="Content Placeholder 2"/>
+          <p:cNvSpPr>
+            <a:spLocks noGrp="1"/>
+          </p:cNvSpPr>
+          <p:nvPr>
+            <p:ph idx="1"/>
+          </p:nvPr>
+        </p:nvSpPr>
+        <p:spPr/>
+        <p:txBody>
+          <a:bodyPr>
             <a:normAutofit/>
           </a:bodyPr>
           <a:lstStyle/>
@@ -15164,13 +15322,7 @@
               <a:rPr lang="en-US" sz="2000" dirty="0" smtClean="0">
                 <a:hlinkClick r:id="rId4"/>
               </a:rPr>
-              <a:t>Loren on the Art of </a:t>
-            </a:r>
-            <a:r>
-              <a:rPr lang="en-US" sz="2000" dirty="0" smtClean="0">
-                <a:hlinkClick r:id="rId4"/>
-              </a:rPr>
-              <a:t>MATLAB</a:t>
+              <a:t>Loren on the Art of MATLAB</a:t>
             </a:r>
             <a:endParaRPr lang="en-US" sz="2000" dirty="0" smtClean="0"/>
           </a:p>

--- a/Advanced MATLAB Workshop.pptx
+++ b/Advanced MATLAB Workshop.pptx
@@ -5,7 +5,7 @@
     <p:sldMasterId id="2147483648" r:id="rId1"/>
   </p:sldMasterIdLst>
   <p:notesMasterIdLst>
-    <p:notesMasterId r:id="rId48"/>
+    <p:notesMasterId r:id="rId49"/>
   </p:notesMasterIdLst>
   <p:sldIdLst>
     <p:sldId id="256" r:id="rId2"/>
@@ -53,7 +53,8 @@
     <p:sldId id="310" r:id="rId44"/>
     <p:sldId id="312" r:id="rId45"/>
     <p:sldId id="313" r:id="rId46"/>
-    <p:sldId id="314" r:id="rId47"/>
+    <p:sldId id="315" r:id="rId47"/>
+    <p:sldId id="314" r:id="rId48"/>
   </p:sldIdLst>
   <p:sldSz cx="12192000" cy="6858000"/>
   <p:notesSz cx="6858000" cy="9144000"/>
@@ -250,7 +251,7 @@
           <a:p>
             <a:fld id="{B44DB2A5-721C-4590-AD57-37BABA192C78}" type="datetimeFigureOut">
               <a:rPr lang="en-US" smtClean="0"/>
-              <a:t>7/10/2019</a:t>
+              <a:t>7/12/2019</a:t>
             </a:fld>
             <a:endParaRPr lang="en-US"/>
           </a:p>
@@ -994,11 +995,11 @@
           <a:lstStyle/>
           <a:p>
             <a:r>
-              <a:rPr lang="en-US" dirty="0" smtClean="0"/>
+              <a:rPr lang="en-US" dirty="0"/>
               <a:t>Leads to multiple implementation of the same code if done</a:t>
             </a:r>
             <a:r>
-              <a:rPr lang="en-US" baseline="0" dirty="0" smtClean="0"/>
+              <a:rPr lang="en-US" baseline="0" dirty="0"/>
               <a:t> manually. Slow. Error prone.</a:t>
             </a:r>
             <a:endParaRPr lang="en-US" dirty="0"/>
@@ -1866,7 +1867,7 @@
           <a:p>
             <a:fld id="{1C1F2C98-C8FE-41C9-9C19-3C211CD93C9A}" type="datetimeFigureOut">
               <a:rPr lang="en-US" smtClean="0"/>
-              <a:t>7/10/2019</a:t>
+              <a:t>7/12/2019</a:t>
             </a:fld>
             <a:endParaRPr lang="en-US"/>
           </a:p>
@@ -1936,13 +1937,13 @@
   <p:clrMapOvr>
     <a:masterClrMapping/>
   </p:clrMapOvr>
-  <mc:AlternateContent xmlns:mc="http://schemas.openxmlformats.org/markup-compatibility/2006">
-    <mc:Choice xmlns:p14="http://schemas.microsoft.com/office/powerpoint/2010/main" Requires="p14">
+  <mc:AlternateContent xmlns:mc="http://schemas.openxmlformats.org/markup-compatibility/2006" xmlns:p14="http://schemas.microsoft.com/office/powerpoint/2010/main">
+    <mc:Choice Requires="p14">
       <p:transition spd="med" p14:dur="700">
         <p:fade/>
       </p:transition>
     </mc:Choice>
-    <mc:Fallback>
+    <mc:Fallback xmlns="">
       <p:transition spd="med">
         <p:fade/>
       </p:transition>
@@ -2076,7 +2077,7 @@
           <a:p>
             <a:fld id="{1C1F2C98-C8FE-41C9-9C19-3C211CD93C9A}" type="datetimeFigureOut">
               <a:rPr lang="en-US" smtClean="0"/>
-              <a:t>7/10/2019</a:t>
+              <a:t>7/12/2019</a:t>
             </a:fld>
             <a:endParaRPr lang="en-US"/>
           </a:p>
@@ -2146,13 +2147,13 @@
   <p:clrMapOvr>
     <a:masterClrMapping/>
   </p:clrMapOvr>
-  <mc:AlternateContent xmlns:mc="http://schemas.openxmlformats.org/markup-compatibility/2006">
-    <mc:Choice xmlns:p14="http://schemas.microsoft.com/office/powerpoint/2010/main" Requires="p14">
+  <mc:AlternateContent xmlns:mc="http://schemas.openxmlformats.org/markup-compatibility/2006" xmlns:p14="http://schemas.microsoft.com/office/powerpoint/2010/main">
+    <mc:Choice Requires="p14">
       <p:transition spd="med" p14:dur="700">
         <p:fade/>
       </p:transition>
     </mc:Choice>
-    <mc:Fallback>
+    <mc:Fallback xmlns="">
       <p:transition spd="med">
         <p:fade/>
       </p:transition>
@@ -2296,7 +2297,7 @@
           <a:p>
             <a:fld id="{1C1F2C98-C8FE-41C9-9C19-3C211CD93C9A}" type="datetimeFigureOut">
               <a:rPr lang="en-US" smtClean="0"/>
-              <a:t>7/10/2019</a:t>
+              <a:t>7/12/2019</a:t>
             </a:fld>
             <a:endParaRPr lang="en-US"/>
           </a:p>
@@ -2366,13 +2367,13 @@
   <p:clrMapOvr>
     <a:masterClrMapping/>
   </p:clrMapOvr>
-  <mc:AlternateContent xmlns:mc="http://schemas.openxmlformats.org/markup-compatibility/2006">
-    <mc:Choice xmlns:p14="http://schemas.microsoft.com/office/powerpoint/2010/main" Requires="p14">
+  <mc:AlternateContent xmlns:mc="http://schemas.openxmlformats.org/markup-compatibility/2006" xmlns:p14="http://schemas.microsoft.com/office/powerpoint/2010/main">
+    <mc:Choice Requires="p14">
       <p:transition spd="med" p14:dur="700">
         <p:fade/>
       </p:transition>
     </mc:Choice>
-    <mc:Fallback>
+    <mc:Fallback xmlns="">
       <p:transition spd="med">
         <p:fade/>
       </p:transition>
@@ -2506,7 +2507,7 @@
           <a:p>
             <a:fld id="{1C1F2C98-C8FE-41C9-9C19-3C211CD93C9A}" type="datetimeFigureOut">
               <a:rPr lang="en-US" smtClean="0"/>
-              <a:t>7/10/2019</a:t>
+              <a:t>7/12/2019</a:t>
             </a:fld>
             <a:endParaRPr lang="en-US"/>
           </a:p>
@@ -2576,13 +2577,13 @@
   <p:clrMapOvr>
     <a:masterClrMapping/>
   </p:clrMapOvr>
-  <mc:AlternateContent xmlns:mc="http://schemas.openxmlformats.org/markup-compatibility/2006">
-    <mc:Choice xmlns:p14="http://schemas.microsoft.com/office/powerpoint/2010/main" Requires="p14">
+  <mc:AlternateContent xmlns:mc="http://schemas.openxmlformats.org/markup-compatibility/2006" xmlns:p14="http://schemas.microsoft.com/office/powerpoint/2010/main">
+    <mc:Choice Requires="p14">
       <p:transition spd="med" p14:dur="700">
         <p:fade/>
       </p:transition>
     </mc:Choice>
-    <mc:Fallback>
+    <mc:Fallback xmlns="">
       <p:transition spd="med">
         <p:fade/>
       </p:transition>
@@ -2793,7 +2794,7 @@
           <a:p>
             <a:fld id="{1C1F2C98-C8FE-41C9-9C19-3C211CD93C9A}" type="datetimeFigureOut">
               <a:rPr lang="en-US" smtClean="0"/>
-              <a:t>7/10/2019</a:t>
+              <a:t>7/12/2019</a:t>
             </a:fld>
             <a:endParaRPr lang="en-US"/>
           </a:p>
@@ -2863,13 +2864,13 @@
   <p:clrMapOvr>
     <a:masterClrMapping/>
   </p:clrMapOvr>
-  <mc:AlternateContent xmlns:mc="http://schemas.openxmlformats.org/markup-compatibility/2006">
-    <mc:Choice xmlns:p14="http://schemas.microsoft.com/office/powerpoint/2010/main" Requires="p14">
+  <mc:AlternateContent xmlns:mc="http://schemas.openxmlformats.org/markup-compatibility/2006" xmlns:p14="http://schemas.microsoft.com/office/powerpoint/2010/main">
+    <mc:Choice Requires="p14">
       <p:transition spd="med" p14:dur="700">
         <p:fade/>
       </p:transition>
     </mc:Choice>
-    <mc:Fallback>
+    <mc:Fallback xmlns="">
       <p:transition spd="med">
         <p:fade/>
       </p:transition>
@@ -3070,7 +3071,7 @@
           <a:p>
             <a:fld id="{1C1F2C98-C8FE-41C9-9C19-3C211CD93C9A}" type="datetimeFigureOut">
               <a:rPr lang="en-US" smtClean="0"/>
-              <a:t>7/10/2019</a:t>
+              <a:t>7/12/2019</a:t>
             </a:fld>
             <a:endParaRPr lang="en-US"/>
           </a:p>
@@ -3140,13 +3141,13 @@
   <p:clrMapOvr>
     <a:masterClrMapping/>
   </p:clrMapOvr>
-  <mc:AlternateContent xmlns:mc="http://schemas.openxmlformats.org/markup-compatibility/2006">
-    <mc:Choice xmlns:p14="http://schemas.microsoft.com/office/powerpoint/2010/main" Requires="p14">
+  <mc:AlternateContent xmlns:mc="http://schemas.openxmlformats.org/markup-compatibility/2006" xmlns:p14="http://schemas.microsoft.com/office/powerpoint/2010/main">
+    <mc:Choice Requires="p14">
       <p:transition spd="med" p14:dur="700">
         <p:fade/>
       </p:transition>
     </mc:Choice>
-    <mc:Fallback>
+    <mc:Fallback xmlns="">
       <p:transition spd="med">
         <p:fade/>
       </p:transition>
@@ -3494,7 +3495,7 @@
           <a:p>
             <a:fld id="{1C1F2C98-C8FE-41C9-9C19-3C211CD93C9A}" type="datetimeFigureOut">
               <a:rPr lang="en-US" smtClean="0"/>
-              <a:t>7/10/2019</a:t>
+              <a:t>7/12/2019</a:t>
             </a:fld>
             <a:endParaRPr lang="en-US"/>
           </a:p>
@@ -3564,13 +3565,13 @@
   <p:clrMapOvr>
     <a:masterClrMapping/>
   </p:clrMapOvr>
-  <mc:AlternateContent xmlns:mc="http://schemas.openxmlformats.org/markup-compatibility/2006">
-    <mc:Choice xmlns:p14="http://schemas.microsoft.com/office/powerpoint/2010/main" Requires="p14">
+  <mc:AlternateContent xmlns:mc="http://schemas.openxmlformats.org/markup-compatibility/2006" xmlns:p14="http://schemas.microsoft.com/office/powerpoint/2010/main">
+    <mc:Choice Requires="p14">
       <p:transition spd="med" p14:dur="700">
         <p:fade/>
       </p:transition>
     </mc:Choice>
-    <mc:Fallback>
+    <mc:Fallback xmlns="">
       <p:transition spd="med">
         <p:fade/>
       </p:transition>
@@ -3647,7 +3648,7 @@
           <a:p>
             <a:fld id="{1C1F2C98-C8FE-41C9-9C19-3C211CD93C9A}" type="datetimeFigureOut">
               <a:rPr lang="en-US" smtClean="0"/>
-              <a:t>7/10/2019</a:t>
+              <a:t>7/12/2019</a:t>
             </a:fld>
             <a:endParaRPr lang="en-US"/>
           </a:p>
@@ -3717,13 +3718,13 @@
   <p:clrMapOvr>
     <a:masterClrMapping/>
   </p:clrMapOvr>
-  <mc:AlternateContent xmlns:mc="http://schemas.openxmlformats.org/markup-compatibility/2006">
-    <mc:Choice xmlns:p14="http://schemas.microsoft.com/office/powerpoint/2010/main" Requires="p14">
+  <mc:AlternateContent xmlns:mc="http://schemas.openxmlformats.org/markup-compatibility/2006" xmlns:p14="http://schemas.microsoft.com/office/powerpoint/2010/main">
+    <mc:Choice Requires="p14">
       <p:transition spd="med" p14:dur="700">
         <p:fade/>
       </p:transition>
     </mc:Choice>
-    <mc:Fallback>
+    <mc:Fallback xmlns="">
       <p:transition spd="med">
         <p:fade/>
       </p:transition>
@@ -3772,7 +3773,7 @@
           <a:p>
             <a:fld id="{1C1F2C98-C8FE-41C9-9C19-3C211CD93C9A}" type="datetimeFigureOut">
               <a:rPr lang="en-US" smtClean="0"/>
-              <a:t>7/10/2019</a:t>
+              <a:t>7/12/2019</a:t>
             </a:fld>
             <a:endParaRPr lang="en-US"/>
           </a:p>
@@ -3842,13 +3843,13 @@
   <p:clrMapOvr>
     <a:masterClrMapping/>
   </p:clrMapOvr>
-  <mc:AlternateContent xmlns:mc="http://schemas.openxmlformats.org/markup-compatibility/2006">
-    <mc:Choice xmlns:p14="http://schemas.microsoft.com/office/powerpoint/2010/main" Requires="p14">
+  <mc:AlternateContent xmlns:mc="http://schemas.openxmlformats.org/markup-compatibility/2006" xmlns:p14="http://schemas.microsoft.com/office/powerpoint/2010/main">
+    <mc:Choice Requires="p14">
       <p:transition spd="med" p14:dur="700">
         <p:fade/>
       </p:transition>
     </mc:Choice>
-    <mc:Fallback>
+    <mc:Fallback xmlns="">
       <p:transition spd="med">
         <p:fade/>
       </p:transition>
@@ -4095,7 +4096,7 @@
           <a:p>
             <a:fld id="{1C1F2C98-C8FE-41C9-9C19-3C211CD93C9A}" type="datetimeFigureOut">
               <a:rPr lang="en-US" smtClean="0"/>
-              <a:t>7/10/2019</a:t>
+              <a:t>7/12/2019</a:t>
             </a:fld>
             <a:endParaRPr lang="en-US"/>
           </a:p>
@@ -4165,13 +4166,13 @@
   <p:clrMapOvr>
     <a:masterClrMapping/>
   </p:clrMapOvr>
-  <mc:AlternateContent xmlns:mc="http://schemas.openxmlformats.org/markup-compatibility/2006">
-    <mc:Choice xmlns:p14="http://schemas.microsoft.com/office/powerpoint/2010/main" Requires="p14">
+  <mc:AlternateContent xmlns:mc="http://schemas.openxmlformats.org/markup-compatibility/2006" xmlns:p14="http://schemas.microsoft.com/office/powerpoint/2010/main">
+    <mc:Choice Requires="p14">
       <p:transition spd="med" p14:dur="700">
         <p:fade/>
       </p:transition>
     </mc:Choice>
-    <mc:Fallback>
+    <mc:Fallback xmlns="">
       <p:transition spd="med">
         <p:fade/>
       </p:transition>
@@ -4395,7 +4396,7 @@
           <a:p>
             <a:fld id="{1C1F2C98-C8FE-41C9-9C19-3C211CD93C9A}" type="datetimeFigureOut">
               <a:rPr lang="en-US" smtClean="0"/>
-              <a:t>7/10/2019</a:t>
+              <a:t>7/12/2019</a:t>
             </a:fld>
             <a:endParaRPr lang="en-US"/>
           </a:p>
@@ -4465,13 +4466,13 @@
   <p:clrMapOvr>
     <a:masterClrMapping/>
   </p:clrMapOvr>
-  <mc:AlternateContent xmlns:mc="http://schemas.openxmlformats.org/markup-compatibility/2006">
-    <mc:Choice xmlns:p14="http://schemas.microsoft.com/office/powerpoint/2010/main" Requires="p14">
+  <mc:AlternateContent xmlns:mc="http://schemas.openxmlformats.org/markup-compatibility/2006" xmlns:p14="http://schemas.microsoft.com/office/powerpoint/2010/main">
+    <mc:Choice Requires="p14">
       <p:transition spd="med" p14:dur="700">
         <p:fade/>
       </p:transition>
     </mc:Choice>
-    <mc:Fallback>
+    <mc:Fallback xmlns="">
       <p:transition spd="med">
         <p:fade/>
       </p:transition>
@@ -4648,7 +4649,7 @@
           <a:p>
             <a:fld id="{1C1F2C98-C8FE-41C9-9C19-3C211CD93C9A}" type="datetimeFigureOut">
               <a:rPr lang="en-US" smtClean="0"/>
-              <a:t>7/10/2019</a:t>
+              <a:t>7/12/2019</a:t>
             </a:fld>
             <a:endParaRPr lang="en-US"/>
           </a:p>
@@ -4765,13 +4766,13 @@
     <p:sldLayoutId id="2147483658" r:id="rId10"/>
     <p:sldLayoutId id="2147483659" r:id="rId11"/>
   </p:sldLayoutIdLst>
-  <mc:AlternateContent xmlns:mc="http://schemas.openxmlformats.org/markup-compatibility/2006">
-    <mc:Choice xmlns:p14="http://schemas.microsoft.com/office/powerpoint/2010/main" Requires="p14">
+  <mc:AlternateContent xmlns:mc="http://schemas.openxmlformats.org/markup-compatibility/2006" xmlns:p14="http://schemas.microsoft.com/office/powerpoint/2010/main">
+    <mc:Choice Requires="p14">
       <p:transition spd="med" p14:dur="700">
         <p:fade/>
       </p:transition>
     </mc:Choice>
-    <mc:Fallback>
+    <mc:Fallback xmlns="">
       <p:transition spd="med">
         <p:fade/>
       </p:transition>
@@ -5151,13 +5152,13 @@
   <p:clrMapOvr>
     <a:masterClrMapping/>
   </p:clrMapOvr>
-  <mc:AlternateContent xmlns:mc="http://schemas.openxmlformats.org/markup-compatibility/2006">
-    <mc:Choice xmlns:p14="http://schemas.microsoft.com/office/powerpoint/2010/main" Requires="p14">
+  <mc:AlternateContent xmlns:mc="http://schemas.openxmlformats.org/markup-compatibility/2006" xmlns:p14="http://schemas.microsoft.com/office/powerpoint/2010/main">
+    <mc:Choice Requires="p14">
       <p:transition spd="med" p14:dur="700">
         <p:fade/>
       </p:transition>
     </mc:Choice>
-    <mc:Fallback>
+    <mc:Fallback xmlns="">
       <p:transition spd="med">
         <p:fade/>
       </p:transition>
@@ -5331,25 +5332,18 @@
   <p:clrMapOvr>
     <a:masterClrMapping/>
   </p:clrMapOvr>
-  <mc:AlternateContent xmlns:mc="http://schemas.openxmlformats.org/markup-compatibility/2006">
-    <mc:Choice xmlns:p14="http://schemas.microsoft.com/office/powerpoint/2010/main" Requires="p14">
+  <mc:AlternateContent xmlns:mc="http://schemas.openxmlformats.org/markup-compatibility/2006" xmlns:p14="http://schemas.microsoft.com/office/powerpoint/2010/main">
+    <mc:Choice Requires="p14">
       <p:transition spd="med" p14:dur="700">
         <p:fade/>
       </p:transition>
     </mc:Choice>
-    <mc:Fallback>
+    <mc:Fallback xmlns="">
       <p:transition spd="med">
         <p:fade/>
       </p:transition>
     </mc:Fallback>
   </mc:AlternateContent>
-  <p:timing>
-    <p:tnLst>
-      <p:par>
-        <p:cTn id="1" dur="indefinite" restart="never" nodeType="tmRoot"/>
-      </p:par>
-    </p:tnLst>
-  </p:timing>
 </p:sld>
 </file>
 
@@ -5559,25 +5553,18 @@
   <p:clrMapOvr>
     <a:masterClrMapping/>
   </p:clrMapOvr>
-  <mc:AlternateContent xmlns:mc="http://schemas.openxmlformats.org/markup-compatibility/2006">
-    <mc:Choice xmlns:p14="http://schemas.microsoft.com/office/powerpoint/2010/main" Requires="p14">
+  <mc:AlternateContent xmlns:mc="http://schemas.openxmlformats.org/markup-compatibility/2006" xmlns:p14="http://schemas.microsoft.com/office/powerpoint/2010/main">
+    <mc:Choice Requires="p14">
       <p:transition spd="med" p14:dur="700">
         <p:fade/>
       </p:transition>
     </mc:Choice>
-    <mc:Fallback>
+    <mc:Fallback xmlns="">
       <p:transition spd="med">
         <p:fade/>
       </p:transition>
     </mc:Fallback>
   </mc:AlternateContent>
-  <p:timing>
-    <p:tnLst>
-      <p:par>
-        <p:cTn id="1" dur="indefinite" restart="never" nodeType="tmRoot"/>
-      </p:par>
-    </p:tnLst>
-  </p:timing>
 </p:sld>
 </file>
 
@@ -5671,13 +5658,8 @@
           <a:p>
             <a:r>
               <a:rPr lang="en-US" sz="2000" dirty="0"/>
-              <a:t>Easy on </a:t>
-            </a:r>
-            <a:r>
-              <a:rPr lang="en-US" sz="2000" dirty="0" smtClean="0"/>
-              <a:t>memory</a:t>
-            </a:r>
-            <a:endParaRPr lang="en-US" sz="2000" dirty="0"/>
+              <a:t>Easy on memory</a:t>
+            </a:r>
           </a:p>
           <a:p>
             <a:pPr marL="0" indent="0">
@@ -5707,13 +5689,13 @@
   <p:clrMapOvr>
     <a:masterClrMapping/>
   </p:clrMapOvr>
-  <mc:AlternateContent xmlns:mc="http://schemas.openxmlformats.org/markup-compatibility/2006">
-    <mc:Choice xmlns:p14="http://schemas.microsoft.com/office/powerpoint/2010/main" Requires="p14">
+  <mc:AlternateContent xmlns:mc="http://schemas.openxmlformats.org/markup-compatibility/2006" xmlns:p14="http://schemas.microsoft.com/office/powerpoint/2010/main">
+    <mc:Choice Requires="p14">
       <p:transition spd="med" p14:dur="700">
         <p:fade/>
       </p:transition>
     </mc:Choice>
-    <mc:Fallback>
+    <mc:Fallback xmlns="">
       <p:transition spd="med">
         <p:fade/>
       </p:transition>
@@ -6231,25 +6213,18 @@
   <p:clrMapOvr>
     <a:masterClrMapping/>
   </p:clrMapOvr>
-  <mc:AlternateContent xmlns:mc="http://schemas.openxmlformats.org/markup-compatibility/2006">
-    <mc:Choice xmlns:p14="http://schemas.microsoft.com/office/powerpoint/2010/main" Requires="p14">
+  <mc:AlternateContent xmlns:mc="http://schemas.openxmlformats.org/markup-compatibility/2006" xmlns:p14="http://schemas.microsoft.com/office/powerpoint/2010/main">
+    <mc:Choice Requires="p14">
       <p:transition spd="med" p14:dur="700">
         <p:fade/>
       </p:transition>
     </mc:Choice>
-    <mc:Fallback>
+    <mc:Fallback xmlns="">
       <p:transition spd="med">
         <p:fade/>
       </p:transition>
     </mc:Fallback>
   </mc:AlternateContent>
-  <p:timing>
-    <p:tnLst>
-      <p:par>
-        <p:cTn id="1" dur="indefinite" restart="never" nodeType="tmRoot"/>
-      </p:par>
-    </p:tnLst>
-  </p:timing>
 </p:sld>
 </file>
 
@@ -6360,13 +6335,13 @@
   <p:clrMapOvr>
     <a:masterClrMapping/>
   </p:clrMapOvr>
-  <mc:AlternateContent xmlns:mc="http://schemas.openxmlformats.org/markup-compatibility/2006">
-    <mc:Choice xmlns:p14="http://schemas.microsoft.com/office/powerpoint/2010/main" Requires="p14">
+  <mc:AlternateContent xmlns:mc="http://schemas.openxmlformats.org/markup-compatibility/2006" xmlns:p14="http://schemas.microsoft.com/office/powerpoint/2010/main">
+    <mc:Choice Requires="p14">
       <p:transition spd="med" p14:dur="700">
         <p:fade/>
       </p:transition>
     </mc:Choice>
-    <mc:Fallback>
+    <mc:Fallback xmlns="">
       <p:transition spd="med">
         <p:fade/>
       </p:transition>
@@ -6631,10 +6606,6 @@
           </a:bodyPr>
           <a:lstStyle/>
           <a:p>
-            <a:r>
-              <a:rPr lang="en-US" sz="3200" dirty="0"/>
-              <a:t/>
-            </a:r>
             <a:br>
               <a:rPr lang="en-US" sz="3200" dirty="0"/>
             </a:br>
@@ -6690,16 +6661,11 @@
               <a:rPr lang="en-US" sz="2000" dirty="0"/>
               <a:t>OS might limit the memory use </a:t>
             </a:r>
-            <a:endParaRPr lang="en-US" sz="2000" dirty="0" smtClean="0"/>
-          </a:p>
-          <a:p>
-            <a:r>
-              <a:rPr lang="en-US" sz="2000" dirty="0" smtClean="0"/>
-              <a:t>Increase </a:t>
-            </a:r>
+          </a:p>
+          <a:p>
             <a:r>
               <a:rPr lang="en-US" sz="2000" dirty="0"/>
-              <a:t>system swap space – swap space is additional memory on disk (but it’s painfully slow!)</a:t>
+              <a:t>Increase system swap space – swap space is additional memory on disk (but it’s painfully slow!)</a:t>
             </a:r>
           </a:p>
         </p:txBody>
@@ -6749,13 +6715,13 @@
   <p:clrMapOvr>
     <a:masterClrMapping/>
   </p:clrMapOvr>
-  <mc:AlternateContent xmlns:mc="http://schemas.openxmlformats.org/markup-compatibility/2006">
-    <mc:Choice xmlns:p14="http://schemas.microsoft.com/office/powerpoint/2010/main" Requires="p14">
+  <mc:AlternateContent xmlns:mc="http://schemas.openxmlformats.org/markup-compatibility/2006" xmlns:p14="http://schemas.microsoft.com/office/powerpoint/2010/main">
+    <mc:Choice Requires="p14">
       <p:transition spd="med" p14:dur="700">
         <p:fade/>
       </p:transition>
     </mc:Choice>
-    <mc:Fallback>
+    <mc:Fallback xmlns="">
       <p:transition spd="med">
         <p:fade/>
       </p:transition>
@@ -7194,25 +7160,18 @@
   <p:clrMapOvr>
     <a:masterClrMapping/>
   </p:clrMapOvr>
-  <mc:AlternateContent xmlns:mc="http://schemas.openxmlformats.org/markup-compatibility/2006">
-    <mc:Choice xmlns:p14="http://schemas.microsoft.com/office/powerpoint/2010/main" Requires="p14">
+  <mc:AlternateContent xmlns:mc="http://schemas.openxmlformats.org/markup-compatibility/2006" xmlns:p14="http://schemas.microsoft.com/office/powerpoint/2010/main">
+    <mc:Choice Requires="p14">
       <p:transition spd="med" p14:dur="700">
         <p:fade/>
       </p:transition>
     </mc:Choice>
-    <mc:Fallback>
+    <mc:Fallback xmlns="">
       <p:transition spd="med">
         <p:fade/>
       </p:transition>
     </mc:Fallback>
   </mc:AlternateContent>
-  <p:timing>
-    <p:tnLst>
-      <p:par>
-        <p:cTn id="1" dur="indefinite" restart="never" nodeType="tmRoot"/>
-      </p:par>
-    </p:tnLst>
-  </p:timing>
 </p:sld>
 </file>
 
@@ -7334,25 +7293,18 @@
   <p:clrMapOvr>
     <a:masterClrMapping/>
   </p:clrMapOvr>
-  <mc:AlternateContent xmlns:mc="http://schemas.openxmlformats.org/markup-compatibility/2006">
-    <mc:Choice xmlns:p14="http://schemas.microsoft.com/office/powerpoint/2010/main" Requires="p14">
+  <mc:AlternateContent xmlns:mc="http://schemas.openxmlformats.org/markup-compatibility/2006" xmlns:p14="http://schemas.microsoft.com/office/powerpoint/2010/main">
+    <mc:Choice Requires="p14">
       <p:transition spd="med" p14:dur="700">
         <p:fade/>
       </p:transition>
     </mc:Choice>
-    <mc:Fallback>
+    <mc:Fallback xmlns="">
       <p:transition spd="med">
         <p:fade/>
       </p:transition>
     </mc:Fallback>
   </mc:AlternateContent>
-  <p:timing>
-    <p:tnLst>
-      <p:par>
-        <p:cTn id="1" dur="indefinite" restart="never" nodeType="tmRoot"/>
-      </p:par>
-    </p:tnLst>
-  </p:timing>
 </p:sld>
 </file>
 
@@ -7460,25 +7412,18 @@
   <p:clrMapOvr>
     <a:masterClrMapping/>
   </p:clrMapOvr>
-  <mc:AlternateContent xmlns:mc="http://schemas.openxmlformats.org/markup-compatibility/2006">
-    <mc:Choice xmlns:p14="http://schemas.microsoft.com/office/powerpoint/2010/main" Requires="p14">
+  <mc:AlternateContent xmlns:mc="http://schemas.openxmlformats.org/markup-compatibility/2006" xmlns:p14="http://schemas.microsoft.com/office/powerpoint/2010/main">
+    <mc:Choice Requires="p14">
       <p:transition spd="med" p14:dur="700">
         <p:fade/>
       </p:transition>
     </mc:Choice>
-    <mc:Fallback>
+    <mc:Fallback xmlns="">
       <p:transition spd="med">
         <p:fade/>
       </p:transition>
     </mc:Fallback>
   </mc:AlternateContent>
-  <p:timing>
-    <p:tnLst>
-      <p:par>
-        <p:cTn id="1" dur="indefinite" restart="never" nodeType="tmRoot"/>
-      </p:par>
-    </p:tnLst>
-  </p:timing>
 </p:sld>
 </file>
 
@@ -8066,25 +8011,18 @@
   <p:clrMapOvr>
     <a:masterClrMapping/>
   </p:clrMapOvr>
-  <mc:AlternateContent xmlns:mc="http://schemas.openxmlformats.org/markup-compatibility/2006">
-    <mc:Choice xmlns:p14="http://schemas.microsoft.com/office/powerpoint/2010/main" Requires="p14">
+  <mc:AlternateContent xmlns:mc="http://schemas.openxmlformats.org/markup-compatibility/2006" xmlns:p14="http://schemas.microsoft.com/office/powerpoint/2010/main">
+    <mc:Choice Requires="p14">
       <p:transition spd="med" p14:dur="700">
         <p:fade/>
       </p:transition>
     </mc:Choice>
-    <mc:Fallback>
+    <mc:Fallback xmlns="">
       <p:transition spd="med">
         <p:fade/>
       </p:transition>
     </mc:Fallback>
   </mc:AlternateContent>
-  <p:timing>
-    <p:tnLst>
-      <p:par>
-        <p:cTn id="1" dur="indefinite" restart="never" nodeType="tmRoot"/>
-      </p:par>
-    </p:tnLst>
-  </p:timing>
 </p:sld>
 </file>
 
@@ -8241,25 +8179,18 @@
   <p:clrMapOvr>
     <a:masterClrMapping/>
   </p:clrMapOvr>
-  <mc:AlternateContent xmlns:mc="http://schemas.openxmlformats.org/markup-compatibility/2006">
-    <mc:Choice xmlns:p14="http://schemas.microsoft.com/office/powerpoint/2010/main" Requires="p14">
+  <mc:AlternateContent xmlns:mc="http://schemas.openxmlformats.org/markup-compatibility/2006" xmlns:p14="http://schemas.microsoft.com/office/powerpoint/2010/main">
+    <mc:Choice Requires="p14">
       <p:transition spd="med" p14:dur="700">
         <p:fade/>
       </p:transition>
     </mc:Choice>
-    <mc:Fallback>
+    <mc:Fallback xmlns="">
       <p:transition spd="med">
         <p:fade/>
       </p:transition>
     </mc:Fallback>
   </mc:AlternateContent>
-  <p:timing>
-    <p:tnLst>
-      <p:par>
-        <p:cTn id="1" dur="indefinite" restart="never" nodeType="tmRoot"/>
-      </p:par>
-    </p:tnLst>
-  </p:timing>
 </p:sld>
 </file>
 
@@ -8373,25 +8304,18 @@
   <p:clrMapOvr>
     <a:masterClrMapping/>
   </p:clrMapOvr>
-  <mc:AlternateContent xmlns:mc="http://schemas.openxmlformats.org/markup-compatibility/2006">
-    <mc:Choice xmlns:p14="http://schemas.microsoft.com/office/powerpoint/2010/main" Requires="p14">
+  <mc:AlternateContent xmlns:mc="http://schemas.openxmlformats.org/markup-compatibility/2006" xmlns:p14="http://schemas.microsoft.com/office/powerpoint/2010/main">
+    <mc:Choice Requires="p14">
       <p:transition spd="med" p14:dur="700">
         <p:fade/>
       </p:transition>
     </mc:Choice>
-    <mc:Fallback>
+    <mc:Fallback xmlns="">
       <p:transition spd="med">
         <p:fade/>
       </p:transition>
     </mc:Fallback>
   </mc:AlternateContent>
-  <p:timing>
-    <p:tnLst>
-      <p:par>
-        <p:cTn id="1" dur="indefinite" restart="never" nodeType="tmRoot"/>
-      </p:par>
-    </p:tnLst>
-  </p:timing>
 </p:sld>
 </file>
 
@@ -8522,13 +8446,13 @@
   <p:clrMapOvr>
     <a:masterClrMapping/>
   </p:clrMapOvr>
-  <mc:AlternateContent xmlns:mc="http://schemas.openxmlformats.org/markup-compatibility/2006">
-    <mc:Choice xmlns:p14="http://schemas.microsoft.com/office/powerpoint/2010/main" Requires="p14">
+  <mc:AlternateContent xmlns:mc="http://schemas.openxmlformats.org/markup-compatibility/2006" xmlns:p14="http://schemas.microsoft.com/office/powerpoint/2010/main">
+    <mc:Choice Requires="p14">
       <p:transition spd="med" p14:dur="700">
         <p:fade/>
       </p:transition>
     </mc:Choice>
-    <mc:Fallback>
+    <mc:Fallback xmlns="">
       <p:transition spd="med">
         <p:fade/>
       </p:transition>
@@ -9053,25 +8977,18 @@
   <p:clrMapOvr>
     <a:masterClrMapping/>
   </p:clrMapOvr>
-  <mc:AlternateContent xmlns:mc="http://schemas.openxmlformats.org/markup-compatibility/2006">
-    <mc:Choice xmlns:p14="http://schemas.microsoft.com/office/powerpoint/2010/main" Requires="p14">
+  <mc:AlternateContent xmlns:mc="http://schemas.openxmlformats.org/markup-compatibility/2006" xmlns:p14="http://schemas.microsoft.com/office/powerpoint/2010/main">
+    <mc:Choice Requires="p14">
       <p:transition spd="med" p14:dur="700">
         <p:fade/>
       </p:transition>
     </mc:Choice>
-    <mc:Fallback>
+    <mc:Fallback xmlns="">
       <p:transition spd="med">
         <p:fade/>
       </p:transition>
     </mc:Fallback>
   </mc:AlternateContent>
-  <p:timing>
-    <p:tnLst>
-      <p:par>
-        <p:cTn id="1" dur="indefinite" restart="never" nodeType="tmRoot"/>
-      </p:par>
-    </p:tnLst>
-  </p:timing>
 </p:sld>
 </file>
 
@@ -9223,13 +9140,13 @@
   <p:clrMapOvr>
     <a:masterClrMapping/>
   </p:clrMapOvr>
-  <mc:AlternateContent xmlns:mc="http://schemas.openxmlformats.org/markup-compatibility/2006">
-    <mc:Choice xmlns:p14="http://schemas.microsoft.com/office/powerpoint/2010/main" Requires="p14">
+  <mc:AlternateContent xmlns:mc="http://schemas.openxmlformats.org/markup-compatibility/2006" xmlns:p14="http://schemas.microsoft.com/office/powerpoint/2010/main">
+    <mc:Choice Requires="p14">
       <p:transition spd="med" p14:dur="700">
         <p:fade/>
       </p:transition>
     </mc:Choice>
-    <mc:Fallback>
+    <mc:Fallback xmlns="">
       <p:transition spd="med">
         <p:fade/>
       </p:transition>
@@ -9685,25 +9602,18 @@
   <p:clrMapOvr>
     <a:masterClrMapping/>
   </p:clrMapOvr>
-  <mc:AlternateContent xmlns:mc="http://schemas.openxmlformats.org/markup-compatibility/2006">
-    <mc:Choice xmlns:p14="http://schemas.microsoft.com/office/powerpoint/2010/main" Requires="p14">
+  <mc:AlternateContent xmlns:mc="http://schemas.openxmlformats.org/markup-compatibility/2006" xmlns:p14="http://schemas.microsoft.com/office/powerpoint/2010/main">
+    <mc:Choice Requires="p14">
       <p:transition spd="med" p14:dur="700">
         <p:fade/>
       </p:transition>
     </mc:Choice>
-    <mc:Fallback>
+    <mc:Fallback xmlns="">
       <p:transition spd="med">
         <p:fade/>
       </p:transition>
     </mc:Fallback>
   </mc:AlternateContent>
-  <p:timing>
-    <p:tnLst>
-      <p:par>
-        <p:cTn id="1" dur="indefinite" restart="never" nodeType="tmRoot"/>
-      </p:par>
-    </p:tnLst>
-  </p:timing>
 </p:sld>
 </file>
 
@@ -9847,25 +9757,18 @@
   <p:clrMapOvr>
     <a:masterClrMapping/>
   </p:clrMapOvr>
-  <mc:AlternateContent xmlns:mc="http://schemas.openxmlformats.org/markup-compatibility/2006">
-    <mc:Choice xmlns:p14="http://schemas.microsoft.com/office/powerpoint/2010/main" Requires="p14">
+  <mc:AlternateContent xmlns:mc="http://schemas.openxmlformats.org/markup-compatibility/2006" xmlns:p14="http://schemas.microsoft.com/office/powerpoint/2010/main">
+    <mc:Choice Requires="p14">
       <p:transition spd="med" p14:dur="700">
         <p:fade/>
       </p:transition>
     </mc:Choice>
-    <mc:Fallback>
+    <mc:Fallback xmlns="">
       <p:transition spd="med">
         <p:fade/>
       </p:transition>
     </mc:Fallback>
   </mc:AlternateContent>
-  <p:timing>
-    <p:tnLst>
-      <p:par>
-        <p:cTn id="1" dur="indefinite" restart="never" nodeType="tmRoot"/>
-      </p:par>
-    </p:tnLst>
-  </p:timing>
 </p:sld>
 </file>
 
@@ -9929,25 +9832,18 @@
   <p:clrMapOvr>
     <a:masterClrMapping/>
   </p:clrMapOvr>
-  <mc:AlternateContent xmlns:mc="http://schemas.openxmlformats.org/markup-compatibility/2006">
-    <mc:Choice xmlns:p14="http://schemas.microsoft.com/office/powerpoint/2010/main" Requires="p14">
+  <mc:AlternateContent xmlns:mc="http://schemas.openxmlformats.org/markup-compatibility/2006" xmlns:p14="http://schemas.microsoft.com/office/powerpoint/2010/main">
+    <mc:Choice Requires="p14">
       <p:transition spd="med" p14:dur="700">
         <p:fade/>
       </p:transition>
     </mc:Choice>
-    <mc:Fallback>
+    <mc:Fallback xmlns="">
       <p:transition spd="med">
         <p:fade/>
       </p:transition>
     </mc:Fallback>
   </mc:AlternateContent>
-  <p:timing>
-    <p:tnLst>
-      <p:par>
-        <p:cTn id="1" dur="indefinite" restart="never" nodeType="tmRoot"/>
-      </p:par>
-    </p:tnLst>
-  </p:timing>
 </p:sld>
 </file>
 
@@ -10134,25 +10030,18 @@
   <p:clrMapOvr>
     <a:masterClrMapping/>
   </p:clrMapOvr>
-  <mc:AlternateContent xmlns:mc="http://schemas.openxmlformats.org/markup-compatibility/2006">
-    <mc:Choice xmlns:p14="http://schemas.microsoft.com/office/powerpoint/2010/main" Requires="p14">
+  <mc:AlternateContent xmlns:mc="http://schemas.openxmlformats.org/markup-compatibility/2006" xmlns:p14="http://schemas.microsoft.com/office/powerpoint/2010/main">
+    <mc:Choice Requires="p14">
       <p:transition spd="med" p14:dur="700">
         <p:fade/>
       </p:transition>
     </mc:Choice>
-    <mc:Fallback>
+    <mc:Fallback xmlns="">
       <p:transition spd="med">
         <p:fade/>
       </p:transition>
     </mc:Fallback>
   </mc:AlternateContent>
-  <p:timing>
-    <p:tnLst>
-      <p:par>
-        <p:cTn id="1" dur="indefinite" restart="never" nodeType="tmRoot"/>
-      </p:par>
-    </p:tnLst>
-  </p:timing>
 </p:sld>
 </file>
 
@@ -10273,25 +10162,18 @@
   <p:clrMapOvr>
     <a:masterClrMapping/>
   </p:clrMapOvr>
-  <mc:AlternateContent xmlns:mc="http://schemas.openxmlformats.org/markup-compatibility/2006">
-    <mc:Choice xmlns:p14="http://schemas.microsoft.com/office/powerpoint/2010/main" Requires="p14">
+  <mc:AlternateContent xmlns:mc="http://schemas.openxmlformats.org/markup-compatibility/2006" xmlns:p14="http://schemas.microsoft.com/office/powerpoint/2010/main">
+    <mc:Choice Requires="p14">
       <p:transition spd="med" p14:dur="700">
         <p:fade/>
       </p:transition>
     </mc:Choice>
-    <mc:Fallback>
+    <mc:Fallback xmlns="">
       <p:transition spd="med">
         <p:fade/>
       </p:transition>
     </mc:Fallback>
   </mc:AlternateContent>
-  <p:timing>
-    <p:tnLst>
-      <p:par>
-        <p:cTn id="1" dur="indefinite" restart="never" nodeType="tmRoot"/>
-      </p:par>
-    </p:tnLst>
-  </p:timing>
 </p:sld>
 </file>
 
@@ -10387,25 +10269,18 @@
   <p:clrMapOvr>
     <a:masterClrMapping/>
   </p:clrMapOvr>
-  <mc:AlternateContent xmlns:mc="http://schemas.openxmlformats.org/markup-compatibility/2006">
-    <mc:Choice xmlns:p14="http://schemas.microsoft.com/office/powerpoint/2010/main" Requires="p14">
+  <mc:AlternateContent xmlns:mc="http://schemas.openxmlformats.org/markup-compatibility/2006" xmlns:p14="http://schemas.microsoft.com/office/powerpoint/2010/main">
+    <mc:Choice Requires="p14">
       <p:transition spd="med" p14:dur="700">
         <p:fade/>
       </p:transition>
     </mc:Choice>
-    <mc:Fallback>
+    <mc:Fallback xmlns="">
       <p:transition spd="med">
         <p:fade/>
       </p:transition>
     </mc:Fallback>
   </mc:AlternateContent>
-  <p:timing>
-    <p:tnLst>
-      <p:par>
-        <p:cTn id="1" dur="indefinite" restart="never" nodeType="tmRoot"/>
-      </p:par>
-    </p:tnLst>
-  </p:timing>
 </p:sld>
 </file>
 
@@ -10577,25 +10452,18 @@
   <p:clrMapOvr>
     <a:masterClrMapping/>
   </p:clrMapOvr>
-  <mc:AlternateContent xmlns:mc="http://schemas.openxmlformats.org/markup-compatibility/2006">
-    <mc:Choice xmlns:p14="http://schemas.microsoft.com/office/powerpoint/2010/main" Requires="p14">
+  <mc:AlternateContent xmlns:mc="http://schemas.openxmlformats.org/markup-compatibility/2006" xmlns:p14="http://schemas.microsoft.com/office/powerpoint/2010/main">
+    <mc:Choice Requires="p14">
       <p:transition spd="med" p14:dur="700">
         <p:fade/>
       </p:transition>
     </mc:Choice>
-    <mc:Fallback>
+    <mc:Fallback xmlns="">
       <p:transition spd="med">
         <p:fade/>
       </p:transition>
     </mc:Fallback>
   </mc:AlternateContent>
-  <p:timing>
-    <p:tnLst>
-      <p:par>
-        <p:cTn id="1" dur="indefinite" restart="never" nodeType="tmRoot"/>
-      </p:par>
-    </p:tnLst>
-  </p:timing>
 </p:sld>
 </file>
 
@@ -10737,25 +10605,18 @@
   <p:clrMapOvr>
     <a:masterClrMapping/>
   </p:clrMapOvr>
-  <mc:AlternateContent xmlns:mc="http://schemas.openxmlformats.org/markup-compatibility/2006">
-    <mc:Choice xmlns:p14="http://schemas.microsoft.com/office/powerpoint/2010/main" Requires="p14">
+  <mc:AlternateContent xmlns:mc="http://schemas.openxmlformats.org/markup-compatibility/2006" xmlns:p14="http://schemas.microsoft.com/office/powerpoint/2010/main">
+    <mc:Choice Requires="p14">
       <p:transition spd="med" p14:dur="700">
         <p:fade/>
       </p:transition>
     </mc:Choice>
-    <mc:Fallback>
+    <mc:Fallback xmlns="">
       <p:transition spd="med">
         <p:fade/>
       </p:transition>
     </mc:Fallback>
   </mc:AlternateContent>
-  <p:timing>
-    <p:tnLst>
-      <p:par>
-        <p:cTn id="1" dur="indefinite" restart="never" nodeType="tmRoot"/>
-      </p:par>
-    </p:tnLst>
-  </p:timing>
 </p:sld>
 </file>
 
@@ -10886,13 +10747,13 @@
   <p:clrMapOvr>
     <a:masterClrMapping/>
   </p:clrMapOvr>
-  <mc:AlternateContent xmlns:mc="http://schemas.openxmlformats.org/markup-compatibility/2006">
-    <mc:Choice xmlns:p14="http://schemas.microsoft.com/office/powerpoint/2010/main" Requires="p14">
+  <mc:AlternateContent xmlns:mc="http://schemas.openxmlformats.org/markup-compatibility/2006" xmlns:p14="http://schemas.microsoft.com/office/powerpoint/2010/main">
+    <mc:Choice Requires="p14">
       <p:transition spd="med" p14:dur="700">
         <p:fade/>
       </p:transition>
     </mc:Choice>
-    <mc:Fallback>
+    <mc:Fallback xmlns="">
       <p:transition spd="med">
         <p:fade/>
       </p:transition>
@@ -11232,13 +11093,13 @@
   <p:clrMapOvr>
     <a:masterClrMapping/>
   </p:clrMapOvr>
-  <mc:AlternateContent xmlns:mc="http://schemas.openxmlformats.org/markup-compatibility/2006">
-    <mc:Choice xmlns:p14="http://schemas.microsoft.com/office/powerpoint/2010/main" Requires="p14">
+  <mc:AlternateContent xmlns:mc="http://schemas.openxmlformats.org/markup-compatibility/2006" xmlns:p14="http://schemas.microsoft.com/office/powerpoint/2010/main">
+    <mc:Choice Requires="p14">
       <p:transition spd="med" p14:dur="700">
         <p:fade/>
       </p:transition>
     </mc:Choice>
-    <mc:Fallback>
+    <mc:Fallback xmlns="">
       <p:transition spd="med">
         <p:fade/>
       </p:transition>
@@ -11703,15 +11564,7 @@
           <a:p>
             <a:r>
               <a:rPr lang="en-US" sz="2000" dirty="0"/>
-              <a:t>MATLAB client </a:t>
-            </a:r>
-            <a:r>
-              <a:rPr lang="en-US" sz="2000" dirty="0" smtClean="0"/>
-              <a:t>and </a:t>
-            </a:r>
-            <a:r>
-              <a:rPr lang="en-US" sz="2000" dirty="0"/>
-              <a:t>MATLAB workers use different random number generators.</a:t>
+              <a:t>MATLAB client and MATLAB workers use different random number generators.</a:t>
             </a:r>
             <a:endParaRPr lang="en-US" sz="1600" dirty="0"/>
           </a:p>
@@ -11727,13 +11580,13 @@
   <p:clrMapOvr>
     <a:masterClrMapping/>
   </p:clrMapOvr>
-  <mc:AlternateContent xmlns:mc="http://schemas.openxmlformats.org/markup-compatibility/2006">
-    <mc:Choice xmlns:p14="http://schemas.microsoft.com/office/powerpoint/2010/main" Requires="p14">
+  <mc:AlternateContent xmlns:mc="http://schemas.openxmlformats.org/markup-compatibility/2006" xmlns:p14="http://schemas.microsoft.com/office/powerpoint/2010/main">
+    <mc:Choice Requires="p14">
       <p:transition spd="med" p14:dur="700">
         <p:fade/>
       </p:transition>
     </mc:Choice>
-    <mc:Fallback>
+    <mc:Fallback xmlns="">
       <p:transition spd="med">
         <p:fade/>
       </p:transition>
@@ -12397,13 +12250,13 @@
   <p:clrMapOvr>
     <a:masterClrMapping/>
   </p:clrMapOvr>
-  <mc:AlternateContent xmlns:mc="http://schemas.openxmlformats.org/markup-compatibility/2006">
-    <mc:Choice xmlns:p14="http://schemas.microsoft.com/office/powerpoint/2010/main" Requires="p14">
+  <mc:AlternateContent xmlns:mc="http://schemas.openxmlformats.org/markup-compatibility/2006" xmlns:p14="http://schemas.microsoft.com/office/powerpoint/2010/main">
+    <mc:Choice Requires="p14">
       <p:transition spd="med" p14:dur="700">
         <p:fade/>
       </p:transition>
     </mc:Choice>
-    <mc:Fallback>
+    <mc:Fallback xmlns="">
       <p:transition spd="med">
         <p:fade/>
       </p:transition>
@@ -12806,25 +12659,18 @@
   <p:clrMapOvr>
     <a:masterClrMapping/>
   </p:clrMapOvr>
-  <mc:AlternateContent xmlns:mc="http://schemas.openxmlformats.org/markup-compatibility/2006">
-    <mc:Choice xmlns:p14="http://schemas.microsoft.com/office/powerpoint/2010/main" Requires="p14">
+  <mc:AlternateContent xmlns:mc="http://schemas.openxmlformats.org/markup-compatibility/2006" xmlns:p14="http://schemas.microsoft.com/office/powerpoint/2010/main">
+    <mc:Choice Requires="p14">
       <p:transition spd="med" p14:dur="700">
         <p:fade/>
       </p:transition>
     </mc:Choice>
-    <mc:Fallback>
+    <mc:Fallback xmlns="">
       <p:transition spd="med">
         <p:fade/>
       </p:transition>
     </mc:Fallback>
   </mc:AlternateContent>
-  <p:timing>
-    <p:tnLst>
-      <p:par>
-        <p:cTn id="1" dur="indefinite" restart="never" nodeType="tmRoot"/>
-      </p:par>
-    </p:tnLst>
-  </p:timing>
 </p:sld>
 </file>
 
@@ -13024,25 +12870,18 @@
   <p:clrMapOvr>
     <a:masterClrMapping/>
   </p:clrMapOvr>
-  <mc:AlternateContent xmlns:mc="http://schemas.openxmlformats.org/markup-compatibility/2006">
-    <mc:Choice xmlns:p14="http://schemas.microsoft.com/office/powerpoint/2010/main" Requires="p14">
+  <mc:AlternateContent xmlns:mc="http://schemas.openxmlformats.org/markup-compatibility/2006" xmlns:p14="http://schemas.microsoft.com/office/powerpoint/2010/main">
+    <mc:Choice Requires="p14">
       <p:transition spd="med" p14:dur="700">
         <p:fade/>
       </p:transition>
     </mc:Choice>
-    <mc:Fallback>
+    <mc:Fallback xmlns="">
       <p:transition spd="med">
         <p:fade/>
       </p:transition>
     </mc:Fallback>
   </mc:AlternateContent>
-  <p:timing>
-    <p:tnLst>
-      <p:par>
-        <p:cTn id="1" dur="indefinite" restart="never" nodeType="tmRoot"/>
-      </p:par>
-    </p:tnLst>
-  </p:timing>
 </p:sld>
 </file>
 
@@ -13138,25 +12977,18 @@
   <p:clrMapOvr>
     <a:masterClrMapping/>
   </p:clrMapOvr>
-  <mc:AlternateContent xmlns:mc="http://schemas.openxmlformats.org/markup-compatibility/2006">
-    <mc:Choice xmlns:p14="http://schemas.microsoft.com/office/powerpoint/2010/main" Requires="p14">
+  <mc:AlternateContent xmlns:mc="http://schemas.openxmlformats.org/markup-compatibility/2006" xmlns:p14="http://schemas.microsoft.com/office/powerpoint/2010/main">
+    <mc:Choice Requires="p14">
       <p:transition spd="med" p14:dur="700">
         <p:fade/>
       </p:transition>
     </mc:Choice>
-    <mc:Fallback>
+    <mc:Fallback xmlns="">
       <p:transition spd="med">
         <p:fade/>
       </p:transition>
     </mc:Fallback>
   </mc:AlternateContent>
-  <p:timing>
-    <p:tnLst>
-      <p:par>
-        <p:cTn id="1" dur="indefinite" restart="never" nodeType="tmRoot"/>
-      </p:par>
-    </p:tnLst>
-  </p:timing>
 </p:sld>
 </file>
 
@@ -13357,25 +13189,18 @@
   <p:clrMapOvr>
     <a:masterClrMapping/>
   </p:clrMapOvr>
-  <mc:AlternateContent xmlns:mc="http://schemas.openxmlformats.org/markup-compatibility/2006">
-    <mc:Choice xmlns:p14="http://schemas.microsoft.com/office/powerpoint/2010/main" Requires="p14">
+  <mc:AlternateContent xmlns:mc="http://schemas.openxmlformats.org/markup-compatibility/2006" xmlns:p14="http://schemas.microsoft.com/office/powerpoint/2010/main">
+    <mc:Choice Requires="p14">
       <p:transition spd="med" p14:dur="700">
         <p:fade/>
       </p:transition>
     </mc:Choice>
-    <mc:Fallback>
+    <mc:Fallback xmlns="">
       <p:transition spd="med">
         <p:fade/>
       </p:transition>
     </mc:Fallback>
   </mc:AlternateContent>
-  <p:timing>
-    <p:tnLst>
-      <p:par>
-        <p:cTn id="1" dur="indefinite" restart="never" nodeType="tmRoot"/>
-      </p:par>
-    </p:tnLst>
-  </p:timing>
 </p:sld>
 </file>
 
@@ -13485,25 +13310,18 @@
   <p:clrMapOvr>
     <a:masterClrMapping/>
   </p:clrMapOvr>
-  <mc:AlternateContent xmlns:mc="http://schemas.openxmlformats.org/markup-compatibility/2006">
-    <mc:Choice xmlns:p14="http://schemas.microsoft.com/office/powerpoint/2010/main" Requires="p14">
+  <mc:AlternateContent xmlns:mc="http://schemas.openxmlformats.org/markup-compatibility/2006" xmlns:p14="http://schemas.microsoft.com/office/powerpoint/2010/main">
+    <mc:Choice Requires="p14">
       <p:transition spd="med" p14:dur="700">
         <p:fade/>
       </p:transition>
     </mc:Choice>
-    <mc:Fallback>
+    <mc:Fallback xmlns="">
       <p:transition spd="med">
         <p:fade/>
       </p:transition>
     </mc:Fallback>
   </mc:AlternateContent>
-  <p:timing>
-    <p:tnLst>
-      <p:par>
-        <p:cTn id="1" dur="indefinite" restart="never" nodeType="tmRoot"/>
-      </p:par>
-    </p:tnLst>
-  </p:timing>
 </p:sld>
 </file>
 
@@ -13626,13 +13444,8 @@
           <a:p>
             <a:r>
               <a:rPr lang="en-US" sz="2000" dirty="0"/>
-              <a:t>Consider not using code when you can use </a:t>
-            </a:r>
-            <a:r>
-              <a:rPr lang="en-US" sz="2000" dirty="0" smtClean="0"/>
-              <a:t>data (for simulation)</a:t>
-            </a:r>
-            <a:endParaRPr lang="en-US" sz="2000" dirty="0"/>
+              <a:t>Consider not using code when you can use data (for simulation)</a:t>
+            </a:r>
           </a:p>
           <a:p>
             <a:endParaRPr lang="en-US" sz="2000" dirty="0"/>
@@ -13664,13 +13477,13 @@
   <p:clrMapOvr>
     <a:masterClrMapping/>
   </p:clrMapOvr>
-  <mc:AlternateContent xmlns:mc="http://schemas.openxmlformats.org/markup-compatibility/2006">
-    <mc:Choice xmlns:p14="http://schemas.microsoft.com/office/powerpoint/2010/main" Requires="p14">
+  <mc:AlternateContent xmlns:mc="http://schemas.openxmlformats.org/markup-compatibility/2006" xmlns:p14="http://schemas.microsoft.com/office/powerpoint/2010/main">
+    <mc:Choice Requires="p14">
       <p:transition spd="med" p14:dur="700">
         <p:fade/>
       </p:transition>
     </mc:Choice>
-    <mc:Fallback>
+    <mc:Fallback xmlns="">
       <p:transition spd="med">
         <p:fade/>
       </p:transition>
@@ -14243,25 +14056,18 @@
   <p:clrMapOvr>
     <a:masterClrMapping/>
   </p:clrMapOvr>
-  <mc:AlternateContent xmlns:mc="http://schemas.openxmlformats.org/markup-compatibility/2006">
-    <mc:Choice xmlns:p14="http://schemas.microsoft.com/office/powerpoint/2010/main" Requires="p14">
+  <mc:AlternateContent xmlns:mc="http://schemas.openxmlformats.org/markup-compatibility/2006" xmlns:p14="http://schemas.microsoft.com/office/powerpoint/2010/main">
+    <mc:Choice Requires="p14">
       <p:transition spd="med" p14:dur="700">
         <p:fade/>
       </p:transition>
     </mc:Choice>
-    <mc:Fallback>
+    <mc:Fallback xmlns="">
       <p:transition spd="med">
         <p:fade/>
       </p:transition>
     </mc:Fallback>
   </mc:AlternateContent>
-  <p:timing>
-    <p:tnLst>
-      <p:par>
-        <p:cTn id="1" dur="indefinite" restart="never" nodeType="tmRoot"/>
-      </p:par>
-    </p:tnLst>
-  </p:timing>
 </p:sld>
 </file>
 
@@ -14467,25 +14273,18 @@
   <p:clrMapOvr>
     <a:masterClrMapping/>
   </p:clrMapOvr>
-  <mc:AlternateContent xmlns:mc="http://schemas.openxmlformats.org/markup-compatibility/2006">
-    <mc:Choice xmlns:p14="http://schemas.microsoft.com/office/powerpoint/2010/main" Requires="p14">
+  <mc:AlternateContent xmlns:mc="http://schemas.openxmlformats.org/markup-compatibility/2006" xmlns:p14="http://schemas.microsoft.com/office/powerpoint/2010/main">
+    <mc:Choice Requires="p14">
       <p:transition spd="med" p14:dur="700">
         <p:fade/>
       </p:transition>
     </mc:Choice>
-    <mc:Fallback>
+    <mc:Fallback xmlns="">
       <p:transition spd="med">
         <p:fade/>
       </p:transition>
     </mc:Fallback>
   </mc:AlternateContent>
-  <p:timing>
-    <p:tnLst>
-      <p:par>
-        <p:cTn id="1" dur="indefinite" restart="never" nodeType="tmRoot"/>
-      </p:par>
-    </p:tnLst>
-  </p:timing>
 </p:sld>
 </file>
 
@@ -14524,10 +14323,9 @@
           <a:lstStyle/>
           <a:p>
             <a:r>
-              <a:rPr lang="en-US" sz="3200" dirty="0" smtClean="0"/>
+              <a:rPr lang="en-US" sz="3200" dirty="0"/>
               <a:t>Why translate MATLAB to C?</a:t>
             </a:r>
-            <a:endParaRPr lang="en-US" sz="3200" dirty="0"/>
           </a:p>
         </p:txBody>
       </p:sp>
@@ -14549,25 +14347,25 @@
           <a:lstStyle/>
           <a:p>
             <a:r>
-              <a:rPr lang="en-US" sz="2000" dirty="0" smtClean="0"/>
+              <a:rPr lang="en-US" sz="2000" dirty="0"/>
               <a:t>Implementing C codes on the hardware</a:t>
             </a:r>
           </a:p>
           <a:p>
             <a:r>
-              <a:rPr lang="en-US" sz="2000" dirty="0" smtClean="0"/>
+              <a:rPr lang="en-US" sz="2000" dirty="0"/>
               <a:t>Integrating MATLAB with existing C environment</a:t>
             </a:r>
           </a:p>
           <a:p>
             <a:r>
-              <a:rPr lang="en-US" sz="2000" dirty="0" smtClean="0"/>
+              <a:rPr lang="en-US" sz="2000" dirty="0"/>
               <a:t>Prototype MATLAB algorithms as standalone executables</a:t>
             </a:r>
           </a:p>
           <a:p>
             <a:r>
-              <a:rPr lang="en-US" sz="2000" dirty="0" smtClean="0"/>
+              <a:rPr lang="en-US" sz="2000" dirty="0"/>
               <a:t>Accelerate MATLAB algorithms</a:t>
             </a:r>
           </a:p>
@@ -14579,10 +14377,9 @@
               <a:buNone/>
             </a:pPr>
             <a:r>
-              <a:rPr lang="en-US" sz="2000" dirty="0" smtClean="0"/>
+              <a:rPr lang="en-US" sz="2000" dirty="0"/>
               <a:t>Ideally need an automated way of translating the code: Enter “MATLAB Coder toolbox”</a:t>
             </a:r>
-            <a:endParaRPr lang="en-US" sz="2000" dirty="0"/>
           </a:p>
         </p:txBody>
       </p:sp>
@@ -14596,25 +14393,18 @@
   <p:clrMapOvr>
     <a:masterClrMapping/>
   </p:clrMapOvr>
-  <mc:AlternateContent xmlns:mc="http://schemas.openxmlformats.org/markup-compatibility/2006">
-    <mc:Choice xmlns:p14="http://schemas.microsoft.com/office/powerpoint/2010/main" Requires="p14">
+  <mc:AlternateContent xmlns:mc="http://schemas.openxmlformats.org/markup-compatibility/2006" xmlns:p14="http://schemas.microsoft.com/office/powerpoint/2010/main">
+    <mc:Choice Requires="p14">
       <p:transition spd="med" p14:dur="700">
         <p:fade/>
       </p:transition>
     </mc:Choice>
-    <mc:Fallback>
+    <mc:Fallback xmlns="">
       <p:transition spd="med">
         <p:fade/>
       </p:transition>
     </mc:Fallback>
   </mc:AlternateContent>
-  <p:timing>
-    <p:tnLst>
-      <p:par>
-        <p:cTn id="1" dur="indefinite" restart="never" nodeType="tmRoot"/>
-      </p:par>
-    </p:tnLst>
-  </p:timing>
 </p:sld>
 </file>
 
@@ -14698,25 +14488,18 @@
   <p:clrMapOvr>
     <a:masterClrMapping/>
   </p:clrMapOvr>
-  <mc:AlternateContent xmlns:mc="http://schemas.openxmlformats.org/markup-compatibility/2006">
-    <mc:Choice xmlns:p14="http://schemas.microsoft.com/office/powerpoint/2010/main" Requires="p14">
+  <mc:AlternateContent xmlns:mc="http://schemas.openxmlformats.org/markup-compatibility/2006" xmlns:p14="http://schemas.microsoft.com/office/powerpoint/2010/main">
+    <mc:Choice Requires="p14">
       <p:transition spd="med" p14:dur="700">
         <p:fade/>
       </p:transition>
     </mc:Choice>
-    <mc:Fallback>
+    <mc:Fallback xmlns="">
       <p:transition spd="med">
         <p:fade/>
       </p:transition>
     </mc:Fallback>
   </mc:AlternateContent>
-  <p:timing>
-    <p:tnLst>
-      <p:par>
-        <p:cTn id="1" dur="indefinite" restart="never" nodeType="tmRoot"/>
-      </p:par>
-    </p:tnLst>
-  </p:timing>
 </p:sld>
 </file>
 
@@ -14756,65 +14539,26 @@
           <a:p>
             <a:r>
               <a:rPr lang="en-US" sz="2000" dirty="0"/>
-              <a:t>Memory allocation. </a:t>
-            </a:r>
-            <a:r>
-              <a:rPr lang="en-US" sz="2000" dirty="0" smtClean="0"/>
-              <a:t>In </a:t>
-            </a:r>
+              <a:t>Memory allocation. In C code, memory allocation is either static, dynamic or stack that needs to be defined.</a:t>
+            </a:r>
+          </a:p>
+          <a:p>
             <a:r>
               <a:rPr lang="en-US" sz="2000" dirty="0"/>
-              <a:t>C code, memory allocation </a:t>
-            </a:r>
-            <a:r>
-              <a:rPr lang="en-US" sz="2000" dirty="0" smtClean="0"/>
-              <a:t>is either static, dynamic or stack that needs to be defined.</a:t>
-            </a:r>
-            <a:endParaRPr lang="en-US" sz="2000" dirty="0"/>
+              <a:t>Array-based language. C code requires explicit for-loops instead of array operations.</a:t>
+            </a:r>
           </a:p>
           <a:p>
             <a:r>
               <a:rPr lang="en-US" sz="2000" dirty="0"/>
-              <a:t>Array-based language. </a:t>
-            </a:r>
-            <a:r>
-              <a:rPr lang="en-US" sz="2000" dirty="0" smtClean="0"/>
-              <a:t>C </a:t>
-            </a:r>
+              <a:t>Dynamic typing. MATLAB automatically determines the data types and sizes as the code runs. </a:t>
+            </a:r>
+          </a:p>
+          <a:p>
             <a:r>
               <a:rPr lang="en-US" sz="2000" dirty="0"/>
-              <a:t>code requires explicit </a:t>
-            </a:r>
-            <a:r>
-              <a:rPr lang="en-US" sz="2000" dirty="0" smtClean="0"/>
-              <a:t>for-loops instead of array operations.</a:t>
-            </a:r>
-            <a:endParaRPr lang="en-US" sz="2000" dirty="0"/>
-          </a:p>
-          <a:p>
-            <a:r>
-              <a:rPr lang="en-US" sz="2000" dirty="0"/>
-              <a:t>Dynamic typing. MATLAB automatically determines the data types and sizes as </a:t>
-            </a:r>
-            <a:r>
-              <a:rPr lang="en-US" sz="2000" dirty="0" smtClean="0"/>
-              <a:t>the </a:t>
-            </a:r>
-            <a:r>
-              <a:rPr lang="en-US" sz="2000" dirty="0"/>
-              <a:t>code runs. </a:t>
-            </a:r>
-          </a:p>
-          <a:p>
-            <a:r>
-              <a:rPr lang="en-US" sz="2000" dirty="0"/>
-              <a:t>Polymorphism. MATLAB functions can support many different input </a:t>
-            </a:r>
-            <a:r>
-              <a:rPr lang="en-US" sz="2000" dirty="0" smtClean="0"/>
-              <a:t>types. A single line of MATLAB can have multiple meanings!</a:t>
-            </a:r>
-            <a:endParaRPr lang="en-US" sz="2000" dirty="0"/>
+              <a:t>Polymorphism. MATLAB functions can support many different input types. A single line of MATLAB can have multiple meanings!</a:t>
+            </a:r>
           </a:p>
         </p:txBody>
       </p:sp>
@@ -14841,10 +14585,9 @@
           <a:lstStyle/>
           <a:p>
             <a:r>
-              <a:rPr lang="en-US" sz="3200" dirty="0" smtClean="0"/>
+              <a:rPr lang="en-US" sz="3200" dirty="0"/>
               <a:t>But remember these differences between C and MATLAB</a:t>
             </a:r>
-            <a:endParaRPr lang="en-US" sz="3200" dirty="0"/>
           </a:p>
         </p:txBody>
       </p:sp>
@@ -14858,25 +14601,18 @@
   <p:clrMapOvr>
     <a:masterClrMapping/>
   </p:clrMapOvr>
-  <mc:AlternateContent xmlns:mc="http://schemas.openxmlformats.org/markup-compatibility/2006">
-    <mc:Choice xmlns:p14="http://schemas.microsoft.com/office/powerpoint/2010/main" Requires="p14">
+  <mc:AlternateContent xmlns:mc="http://schemas.openxmlformats.org/markup-compatibility/2006" xmlns:p14="http://schemas.microsoft.com/office/powerpoint/2010/main">
+    <mc:Choice Requires="p14">
       <p:transition spd="med" p14:dur="700">
         <p:fade/>
       </p:transition>
     </mc:Choice>
-    <mc:Fallback>
+    <mc:Fallback xmlns="">
       <p:transition spd="med">
         <p:fade/>
       </p:transition>
     </mc:Fallback>
   </mc:AlternateContent>
-  <p:timing>
-    <p:tnLst>
-      <p:par>
-        <p:cTn id="1" dur="indefinite" restart="never" nodeType="tmRoot"/>
-      </p:par>
-    </p:tnLst>
-  </p:timing>
 </p:sld>
 </file>
 
@@ -14915,10 +14651,9 @@
           <a:lstStyle/>
           <a:p>
             <a:r>
-              <a:rPr lang="en-US" sz="2800" dirty="0" smtClean="0"/>
+              <a:rPr lang="en-US" sz="2800" dirty="0"/>
               <a:t>Can I change every MATLAB code to C?</a:t>
             </a:r>
-            <a:endParaRPr lang="en-US" sz="2800" dirty="0"/>
           </a:p>
         </p:txBody>
       </p:sp>
@@ -14987,18 +14722,13 @@
           <a:p>
             <a:pPr algn="ctr"/>
             <a:r>
-              <a:rPr lang="en-US" dirty="0" smtClean="0">
+              <a:rPr lang="en-US" dirty="0">
                 <a:solidFill>
                   <a:sysClr val="windowText" lastClr="000000"/>
                 </a:solidFill>
               </a:rPr>
               <a:t>Only some aspects of MATLAB supported…</a:t>
             </a:r>
-            <a:endParaRPr lang="en-US" dirty="0">
-              <a:solidFill>
-                <a:sysClr val="windowText" lastClr="000000"/>
-              </a:solidFill>
-            </a:endParaRPr>
           </a:p>
         </p:txBody>
       </p:sp>
@@ -15080,25 +14810,18 @@
   <p:clrMapOvr>
     <a:masterClrMapping/>
   </p:clrMapOvr>
-  <mc:AlternateContent xmlns:mc="http://schemas.openxmlformats.org/markup-compatibility/2006">
-    <mc:Choice xmlns:p14="http://schemas.microsoft.com/office/powerpoint/2010/main" Requires="p14">
+  <mc:AlternateContent xmlns:mc="http://schemas.openxmlformats.org/markup-compatibility/2006" xmlns:p14="http://schemas.microsoft.com/office/powerpoint/2010/main">
+    <mc:Choice Requires="p14">
       <p:transition spd="med" p14:dur="700">
         <p:fade/>
       </p:transition>
     </mc:Choice>
-    <mc:Fallback>
+    <mc:Fallback xmlns="">
       <p:transition spd="med">
         <p:fade/>
       </p:transition>
     </mc:Fallback>
   </mc:AlternateContent>
-  <p:timing>
-    <p:tnLst>
-      <p:par>
-        <p:cTn id="1" dur="indefinite" restart="never" nodeType="tmRoot"/>
-      </p:par>
-    </p:tnLst>
-  </p:timing>
 </p:sld>
 </file>
 
@@ -15121,6 +14844,1510 @@
       </p:grpSpPr>
       <p:sp>
         <p:nvSpPr>
+          <p:cNvPr id="4" name="Rectangle 3">
+            <a:extLst>
+              <a:ext uri="{FF2B5EF4-FFF2-40B4-BE49-F238E27FC236}">
+                <a16:creationId xmlns:a16="http://schemas.microsoft.com/office/drawing/2014/main" id="{78B70BBD-488B-4BE4-8951-CE11F4C78AAF}"/>
+              </a:ext>
+            </a:extLst>
+          </p:cNvPr>
+          <p:cNvSpPr/>
+          <p:nvPr/>
+        </p:nvSpPr>
+        <p:spPr>
+          <a:xfrm>
+            <a:off x="324091" y="3058610"/>
+            <a:ext cx="2071868" cy="740780"/>
+          </a:xfrm>
+          <a:prstGeom prst="rect">
+            <a:avLst/>
+          </a:prstGeom>
+          <a:solidFill>
+            <a:schemeClr val="accent1">
+              <a:lumMod val="20000"/>
+              <a:lumOff val="80000"/>
+            </a:schemeClr>
+          </a:solidFill>
+          <a:ln>
+            <a:noFill/>
+          </a:ln>
+        </p:spPr>
+        <p:style>
+          <a:lnRef idx="2">
+            <a:schemeClr val="accent1">
+              <a:shade val="50000"/>
+            </a:schemeClr>
+          </a:lnRef>
+          <a:fillRef idx="1">
+            <a:schemeClr val="accent1"/>
+          </a:fillRef>
+          <a:effectRef idx="0">
+            <a:schemeClr val="accent1"/>
+          </a:effectRef>
+          <a:fontRef idx="minor">
+            <a:schemeClr val="lt1"/>
+          </a:fontRef>
+        </p:style>
+        <p:txBody>
+          <a:bodyPr rtlCol="0" anchor="ctr"/>
+          <a:lstStyle/>
+          <a:p>
+            <a:pPr algn="ctr"/>
+            <a:r>
+              <a:rPr lang="en-US" dirty="0">
+                <a:solidFill>
+                  <a:schemeClr val="tx1"/>
+                </a:solidFill>
+              </a:rPr>
+              <a:t>Big data or faster processing?</a:t>
+            </a:r>
+          </a:p>
+        </p:txBody>
+      </p:sp>
+      <p:sp>
+        <p:nvSpPr>
+          <p:cNvPr id="5" name="Rectangle 4">
+            <a:extLst>
+              <a:ext uri="{FF2B5EF4-FFF2-40B4-BE49-F238E27FC236}">
+                <a16:creationId xmlns:a16="http://schemas.microsoft.com/office/drawing/2014/main" id="{0FBAF154-23BB-44C4-A602-468222E6BCD6}"/>
+              </a:ext>
+            </a:extLst>
+          </p:cNvPr>
+          <p:cNvSpPr/>
+          <p:nvPr/>
+        </p:nvSpPr>
+        <p:spPr>
+          <a:xfrm>
+            <a:off x="1853878" y="1092843"/>
+            <a:ext cx="2071868" cy="740780"/>
+          </a:xfrm>
+          <a:prstGeom prst="rect">
+            <a:avLst/>
+          </a:prstGeom>
+          <a:solidFill>
+            <a:schemeClr val="accent1">
+              <a:lumMod val="20000"/>
+              <a:lumOff val="80000"/>
+            </a:schemeClr>
+          </a:solidFill>
+          <a:ln>
+            <a:noFill/>
+          </a:ln>
+        </p:spPr>
+        <p:style>
+          <a:lnRef idx="2">
+            <a:schemeClr val="accent1">
+              <a:shade val="50000"/>
+            </a:schemeClr>
+          </a:lnRef>
+          <a:fillRef idx="1">
+            <a:schemeClr val="accent1"/>
+          </a:fillRef>
+          <a:effectRef idx="0">
+            <a:schemeClr val="accent1"/>
+          </a:effectRef>
+          <a:fontRef idx="minor">
+            <a:schemeClr val="lt1"/>
+          </a:fontRef>
+        </p:style>
+        <p:txBody>
+          <a:bodyPr rtlCol="0" anchor="ctr"/>
+          <a:lstStyle/>
+          <a:p>
+            <a:pPr algn="ctr"/>
+            <a:r>
+              <a:rPr lang="en-US" dirty="0">
+                <a:solidFill>
+                  <a:schemeClr val="tx1"/>
+                </a:solidFill>
+              </a:rPr>
+              <a:t>Does it fit in memory?</a:t>
+            </a:r>
+          </a:p>
+        </p:txBody>
+      </p:sp>
+      <p:sp>
+        <p:nvSpPr>
+          <p:cNvPr id="6" name="Rectangle 5">
+            <a:extLst>
+              <a:ext uri="{FF2B5EF4-FFF2-40B4-BE49-F238E27FC236}">
+                <a16:creationId xmlns:a16="http://schemas.microsoft.com/office/drawing/2014/main" id="{47F1688A-A0B2-4FE3-8033-C23B661D2464}"/>
+              </a:ext>
+            </a:extLst>
+          </p:cNvPr>
+          <p:cNvSpPr/>
+          <p:nvPr/>
+        </p:nvSpPr>
+        <p:spPr>
+          <a:xfrm>
+            <a:off x="1853878" y="5024377"/>
+            <a:ext cx="2071868" cy="740780"/>
+          </a:xfrm>
+          <a:prstGeom prst="rect">
+            <a:avLst/>
+          </a:prstGeom>
+          <a:solidFill>
+            <a:schemeClr val="accent1">
+              <a:lumMod val="20000"/>
+              <a:lumOff val="80000"/>
+            </a:schemeClr>
+          </a:solidFill>
+          <a:ln>
+            <a:noFill/>
+          </a:ln>
+        </p:spPr>
+        <p:style>
+          <a:lnRef idx="2">
+            <a:schemeClr val="accent1">
+              <a:shade val="50000"/>
+            </a:schemeClr>
+          </a:lnRef>
+          <a:fillRef idx="1">
+            <a:schemeClr val="accent1"/>
+          </a:fillRef>
+          <a:effectRef idx="0">
+            <a:schemeClr val="accent1"/>
+          </a:effectRef>
+          <a:fontRef idx="minor">
+            <a:schemeClr val="lt1"/>
+          </a:fontRef>
+        </p:style>
+        <p:txBody>
+          <a:bodyPr rtlCol="0" anchor="ctr"/>
+          <a:lstStyle/>
+          <a:p>
+            <a:pPr algn="ctr"/>
+            <a:r>
+              <a:rPr lang="en-US" dirty="0">
+                <a:solidFill>
+                  <a:schemeClr val="tx1"/>
+                </a:solidFill>
+              </a:rPr>
+              <a:t>Profile, vectorize, use basic steps</a:t>
+            </a:r>
+          </a:p>
+        </p:txBody>
+      </p:sp>
+      <p:cxnSp>
+        <p:nvCxnSpPr>
+          <p:cNvPr id="10" name="Straight Arrow Connector 9">
+            <a:extLst>
+              <a:ext uri="{FF2B5EF4-FFF2-40B4-BE49-F238E27FC236}">
+                <a16:creationId xmlns:a16="http://schemas.microsoft.com/office/drawing/2014/main" id="{7F6078FC-0C93-41FC-8271-9F3A3C622317}"/>
+              </a:ext>
+            </a:extLst>
+          </p:cNvPr>
+          <p:cNvCxnSpPr>
+            <a:cxnSpLocks/>
+          </p:cNvCxnSpPr>
+          <p:nvPr/>
+        </p:nvCxnSpPr>
+        <p:spPr>
+          <a:xfrm flipV="1">
+            <a:off x="1360025" y="1990846"/>
+            <a:ext cx="908613" cy="904272"/>
+          </a:xfrm>
+          <a:prstGeom prst="straightConnector1">
+            <a:avLst/>
+          </a:prstGeom>
+          <a:ln>
+            <a:tailEnd type="triangle"/>
+          </a:ln>
+        </p:spPr>
+        <p:style>
+          <a:lnRef idx="1">
+            <a:schemeClr val="accent1"/>
+          </a:lnRef>
+          <a:fillRef idx="0">
+            <a:schemeClr val="accent1"/>
+          </a:fillRef>
+          <a:effectRef idx="0">
+            <a:schemeClr val="accent1"/>
+          </a:effectRef>
+          <a:fontRef idx="minor">
+            <a:schemeClr val="tx1"/>
+          </a:fontRef>
+        </p:style>
+      </p:cxnSp>
+      <p:cxnSp>
+        <p:nvCxnSpPr>
+          <p:cNvPr id="13" name="Straight Arrow Connector 12">
+            <a:extLst>
+              <a:ext uri="{FF2B5EF4-FFF2-40B4-BE49-F238E27FC236}">
+                <a16:creationId xmlns:a16="http://schemas.microsoft.com/office/drawing/2014/main" id="{5C13455C-9EE6-42C2-BF4B-B7B48AA0A0D8}"/>
+              </a:ext>
+            </a:extLst>
+          </p:cNvPr>
+          <p:cNvCxnSpPr>
+            <a:cxnSpLocks/>
+          </p:cNvCxnSpPr>
+          <p:nvPr/>
+        </p:nvCxnSpPr>
+        <p:spPr>
+          <a:xfrm>
+            <a:off x="1360024" y="3959748"/>
+            <a:ext cx="908614" cy="855320"/>
+          </a:xfrm>
+          <a:prstGeom prst="straightConnector1">
+            <a:avLst/>
+          </a:prstGeom>
+          <a:ln>
+            <a:tailEnd type="triangle"/>
+          </a:ln>
+        </p:spPr>
+        <p:style>
+          <a:lnRef idx="1">
+            <a:schemeClr val="accent1"/>
+          </a:lnRef>
+          <a:fillRef idx="0">
+            <a:schemeClr val="accent1"/>
+          </a:fillRef>
+          <a:effectRef idx="0">
+            <a:schemeClr val="accent1"/>
+          </a:effectRef>
+          <a:fontRef idx="minor">
+            <a:schemeClr val="tx1"/>
+          </a:fontRef>
+        </p:style>
+      </p:cxnSp>
+      <p:sp>
+        <p:nvSpPr>
+          <p:cNvPr id="15" name="TextBox 14">
+            <a:extLst>
+              <a:ext uri="{FF2B5EF4-FFF2-40B4-BE49-F238E27FC236}">
+                <a16:creationId xmlns:a16="http://schemas.microsoft.com/office/drawing/2014/main" id="{7BB2297A-5FAD-4B4D-8855-203A53CE6088}"/>
+              </a:ext>
+            </a:extLst>
+          </p:cNvPr>
+          <p:cNvSpPr txBox="1"/>
+          <p:nvPr/>
+        </p:nvSpPr>
+        <p:spPr>
+          <a:xfrm rot="18892983">
+            <a:off x="1106557" y="2112525"/>
+            <a:ext cx="1064871" cy="369332"/>
+          </a:xfrm>
+          <a:prstGeom prst="rect">
+            <a:avLst/>
+          </a:prstGeom>
+          <a:noFill/>
+        </p:spPr>
+        <p:txBody>
+          <a:bodyPr wrap="square" rtlCol="0">
+            <a:spAutoFit/>
+          </a:bodyPr>
+          <a:lstStyle/>
+          <a:p>
+            <a:r>
+              <a:rPr lang="en-US" dirty="0"/>
+              <a:t>Big data</a:t>
+            </a:r>
+          </a:p>
+        </p:txBody>
+      </p:sp>
+      <p:sp>
+        <p:nvSpPr>
+          <p:cNvPr id="16" name="TextBox 15">
+            <a:extLst>
+              <a:ext uri="{FF2B5EF4-FFF2-40B4-BE49-F238E27FC236}">
+                <a16:creationId xmlns:a16="http://schemas.microsoft.com/office/drawing/2014/main" id="{D9B9E351-6B1D-4D6B-80DC-61F1A819A57D}"/>
+              </a:ext>
+            </a:extLst>
+          </p:cNvPr>
+          <p:cNvSpPr txBox="1"/>
+          <p:nvPr/>
+        </p:nvSpPr>
+        <p:spPr>
+          <a:xfrm rot="2585992">
+            <a:off x="829520" y="4258562"/>
+            <a:ext cx="1253923" cy="646331"/>
+          </a:xfrm>
+          <a:prstGeom prst="rect">
+            <a:avLst/>
+          </a:prstGeom>
+          <a:noFill/>
+        </p:spPr>
+        <p:txBody>
+          <a:bodyPr wrap="square" rtlCol="0">
+            <a:spAutoFit/>
+          </a:bodyPr>
+          <a:lstStyle/>
+          <a:p>
+            <a:r>
+              <a:rPr lang="en-US" dirty="0"/>
+              <a:t>Faster processing</a:t>
+            </a:r>
+          </a:p>
+        </p:txBody>
+      </p:sp>
+      <p:sp>
+        <p:nvSpPr>
+          <p:cNvPr id="17" name="Rectangle 16">
+            <a:extLst>
+              <a:ext uri="{FF2B5EF4-FFF2-40B4-BE49-F238E27FC236}">
+                <a16:creationId xmlns:a16="http://schemas.microsoft.com/office/drawing/2014/main" id="{56B3BF28-DBF6-4D39-98DD-41972BC723B1}"/>
+              </a:ext>
+            </a:extLst>
+          </p:cNvPr>
+          <p:cNvSpPr/>
+          <p:nvPr/>
+        </p:nvSpPr>
+        <p:spPr>
+          <a:xfrm>
+            <a:off x="4483260" y="238246"/>
+            <a:ext cx="2071868" cy="740780"/>
+          </a:xfrm>
+          <a:prstGeom prst="rect">
+            <a:avLst/>
+          </a:prstGeom>
+          <a:solidFill>
+            <a:schemeClr val="accent1">
+              <a:lumMod val="20000"/>
+              <a:lumOff val="80000"/>
+            </a:schemeClr>
+          </a:solidFill>
+          <a:ln>
+            <a:noFill/>
+          </a:ln>
+        </p:spPr>
+        <p:style>
+          <a:lnRef idx="2">
+            <a:schemeClr val="accent1">
+              <a:shade val="50000"/>
+            </a:schemeClr>
+          </a:lnRef>
+          <a:fillRef idx="1">
+            <a:schemeClr val="accent1"/>
+          </a:fillRef>
+          <a:effectRef idx="0">
+            <a:schemeClr val="accent1"/>
+          </a:effectRef>
+          <a:fontRef idx="minor">
+            <a:schemeClr val="lt1"/>
+          </a:fontRef>
+        </p:style>
+        <p:txBody>
+          <a:bodyPr rtlCol="0" anchor="ctr"/>
+          <a:lstStyle/>
+          <a:p>
+            <a:pPr algn="ctr"/>
+            <a:r>
+              <a:rPr lang="en-US" dirty="0">
+                <a:solidFill>
+                  <a:schemeClr val="tx1"/>
+                </a:solidFill>
+              </a:rPr>
+              <a:t>Tall arrays</a:t>
+            </a:r>
+          </a:p>
+        </p:txBody>
+      </p:sp>
+      <p:sp>
+        <p:nvSpPr>
+          <p:cNvPr id="18" name="Rectangle 17">
+            <a:extLst>
+              <a:ext uri="{FF2B5EF4-FFF2-40B4-BE49-F238E27FC236}">
+                <a16:creationId xmlns:a16="http://schemas.microsoft.com/office/drawing/2014/main" id="{88440D2E-2361-45D0-9489-AB965F8D3AD5}"/>
+              </a:ext>
+            </a:extLst>
+          </p:cNvPr>
+          <p:cNvSpPr/>
+          <p:nvPr/>
+        </p:nvSpPr>
+        <p:spPr>
+          <a:xfrm>
+            <a:off x="4483260" y="2072592"/>
+            <a:ext cx="2071868" cy="740780"/>
+          </a:xfrm>
+          <a:prstGeom prst="rect">
+            <a:avLst/>
+          </a:prstGeom>
+          <a:solidFill>
+            <a:schemeClr val="accent1">
+              <a:lumMod val="20000"/>
+              <a:lumOff val="80000"/>
+            </a:schemeClr>
+          </a:solidFill>
+          <a:ln>
+            <a:noFill/>
+          </a:ln>
+        </p:spPr>
+        <p:style>
+          <a:lnRef idx="2">
+            <a:schemeClr val="accent1">
+              <a:shade val="50000"/>
+            </a:schemeClr>
+          </a:lnRef>
+          <a:fillRef idx="1">
+            <a:schemeClr val="accent1"/>
+          </a:fillRef>
+          <a:effectRef idx="0">
+            <a:schemeClr val="accent1"/>
+          </a:effectRef>
+          <a:fontRef idx="minor">
+            <a:schemeClr val="lt1"/>
+          </a:fontRef>
+        </p:style>
+        <p:txBody>
+          <a:bodyPr rtlCol="0" anchor="ctr"/>
+          <a:lstStyle/>
+          <a:p>
+            <a:pPr algn="ctr"/>
+            <a:r>
+              <a:rPr lang="en-US" dirty="0">
+                <a:solidFill>
+                  <a:schemeClr val="tx1"/>
+                </a:solidFill>
+              </a:rPr>
+              <a:t>Distributed arrays</a:t>
+            </a:r>
+          </a:p>
+        </p:txBody>
+      </p:sp>
+      <p:sp>
+        <p:nvSpPr>
+          <p:cNvPr id="19" name="TextBox 18">
+            <a:extLst>
+              <a:ext uri="{FF2B5EF4-FFF2-40B4-BE49-F238E27FC236}">
+                <a16:creationId xmlns:a16="http://schemas.microsoft.com/office/drawing/2014/main" id="{5F50B6EC-403D-4051-9557-2EF4F9EF13F7}"/>
+              </a:ext>
+            </a:extLst>
+          </p:cNvPr>
+          <p:cNvSpPr txBox="1"/>
+          <p:nvPr/>
+        </p:nvSpPr>
+        <p:spPr>
+          <a:xfrm rot="19792886">
+            <a:off x="3514333" y="343366"/>
+            <a:ext cx="1064871" cy="369332"/>
+          </a:xfrm>
+          <a:prstGeom prst="rect">
+            <a:avLst/>
+          </a:prstGeom>
+          <a:noFill/>
+        </p:spPr>
+        <p:txBody>
+          <a:bodyPr wrap="square" rtlCol="0">
+            <a:spAutoFit/>
+          </a:bodyPr>
+          <a:lstStyle/>
+          <a:p>
+            <a:r>
+              <a:rPr lang="en-US" dirty="0"/>
+              <a:t>No</a:t>
+            </a:r>
+          </a:p>
+        </p:txBody>
+      </p:sp>
+      <p:sp>
+        <p:nvSpPr>
+          <p:cNvPr id="20" name="TextBox 19">
+            <a:extLst>
+              <a:ext uri="{FF2B5EF4-FFF2-40B4-BE49-F238E27FC236}">
+                <a16:creationId xmlns:a16="http://schemas.microsoft.com/office/drawing/2014/main" id="{65F436B3-FFE9-4DA6-84E2-31926416F951}"/>
+              </a:ext>
+            </a:extLst>
+          </p:cNvPr>
+          <p:cNvSpPr txBox="1"/>
+          <p:nvPr/>
+        </p:nvSpPr>
+        <p:spPr>
+          <a:xfrm rot="2012703">
+            <a:off x="3615619" y="2262322"/>
+            <a:ext cx="1064871" cy="369332"/>
+          </a:xfrm>
+          <a:prstGeom prst="rect">
+            <a:avLst/>
+          </a:prstGeom>
+          <a:noFill/>
+        </p:spPr>
+        <p:txBody>
+          <a:bodyPr wrap="square" rtlCol="0">
+            <a:spAutoFit/>
+          </a:bodyPr>
+          <a:lstStyle/>
+          <a:p>
+            <a:r>
+              <a:rPr lang="en-US" dirty="0"/>
+              <a:t>Yes</a:t>
+            </a:r>
+          </a:p>
+        </p:txBody>
+      </p:sp>
+      <p:sp>
+        <p:nvSpPr>
+          <p:cNvPr id="21" name="Rectangle 20">
+            <a:extLst>
+              <a:ext uri="{FF2B5EF4-FFF2-40B4-BE49-F238E27FC236}">
+                <a16:creationId xmlns:a16="http://schemas.microsoft.com/office/drawing/2014/main" id="{35564FEB-61AD-4626-B12E-DE3C1A20202D}"/>
+              </a:ext>
+            </a:extLst>
+          </p:cNvPr>
+          <p:cNvSpPr/>
+          <p:nvPr/>
+        </p:nvSpPr>
+        <p:spPr>
+          <a:xfrm>
+            <a:off x="4483260" y="5024377"/>
+            <a:ext cx="2071868" cy="740780"/>
+          </a:xfrm>
+          <a:prstGeom prst="rect">
+            <a:avLst/>
+          </a:prstGeom>
+          <a:solidFill>
+            <a:schemeClr val="accent1">
+              <a:lumMod val="20000"/>
+              <a:lumOff val="80000"/>
+            </a:schemeClr>
+          </a:solidFill>
+          <a:ln>
+            <a:noFill/>
+          </a:ln>
+        </p:spPr>
+        <p:style>
+          <a:lnRef idx="2">
+            <a:schemeClr val="accent1">
+              <a:shade val="50000"/>
+            </a:schemeClr>
+          </a:lnRef>
+          <a:fillRef idx="1">
+            <a:schemeClr val="accent1"/>
+          </a:fillRef>
+          <a:effectRef idx="0">
+            <a:schemeClr val="accent1"/>
+          </a:effectRef>
+          <a:fontRef idx="minor">
+            <a:schemeClr val="lt1"/>
+          </a:fontRef>
+        </p:style>
+        <p:txBody>
+          <a:bodyPr rtlCol="0" anchor="ctr"/>
+          <a:lstStyle/>
+          <a:p>
+            <a:pPr algn="ctr"/>
+            <a:r>
+              <a:rPr lang="en-US" dirty="0">
+                <a:solidFill>
+                  <a:schemeClr val="tx1"/>
+                </a:solidFill>
+              </a:rPr>
+              <a:t>GPU?</a:t>
+            </a:r>
+          </a:p>
+        </p:txBody>
+      </p:sp>
+      <p:sp>
+        <p:nvSpPr>
+          <p:cNvPr id="22" name="Rectangle 21">
+            <a:extLst>
+              <a:ext uri="{FF2B5EF4-FFF2-40B4-BE49-F238E27FC236}">
+                <a16:creationId xmlns:a16="http://schemas.microsoft.com/office/drawing/2014/main" id="{A846A354-2184-418B-BFB8-D3E9F99AA012}"/>
+              </a:ext>
+            </a:extLst>
+          </p:cNvPr>
+          <p:cNvSpPr/>
+          <p:nvPr/>
+        </p:nvSpPr>
+        <p:spPr>
+          <a:xfrm>
+            <a:off x="4483260" y="3589358"/>
+            <a:ext cx="2071868" cy="740780"/>
+          </a:xfrm>
+          <a:prstGeom prst="rect">
+            <a:avLst/>
+          </a:prstGeom>
+          <a:solidFill>
+            <a:schemeClr val="accent1">
+              <a:lumMod val="20000"/>
+              <a:lumOff val="80000"/>
+            </a:schemeClr>
+          </a:solidFill>
+          <a:ln>
+            <a:noFill/>
+          </a:ln>
+        </p:spPr>
+        <p:style>
+          <a:lnRef idx="2">
+            <a:schemeClr val="accent1">
+              <a:shade val="50000"/>
+            </a:schemeClr>
+          </a:lnRef>
+          <a:fillRef idx="1">
+            <a:schemeClr val="accent1"/>
+          </a:fillRef>
+          <a:effectRef idx="0">
+            <a:schemeClr val="accent1"/>
+          </a:effectRef>
+          <a:fontRef idx="minor">
+            <a:schemeClr val="lt1"/>
+          </a:fontRef>
+        </p:style>
+        <p:txBody>
+          <a:bodyPr rtlCol="0" anchor="ctr"/>
+          <a:lstStyle/>
+          <a:p>
+            <a:pPr algn="ctr"/>
+            <a:r>
+              <a:rPr lang="en-US" dirty="0" err="1">
+                <a:solidFill>
+                  <a:schemeClr val="tx1"/>
+                </a:solidFill>
+              </a:rPr>
+              <a:t>gpuArray</a:t>
+            </a:r>
+            <a:endParaRPr lang="en-US" dirty="0">
+              <a:solidFill>
+                <a:schemeClr val="tx1"/>
+              </a:solidFill>
+            </a:endParaRPr>
+          </a:p>
+        </p:txBody>
+      </p:sp>
+      <p:sp>
+        <p:nvSpPr>
+          <p:cNvPr id="23" name="Rectangle 22">
+            <a:extLst>
+              <a:ext uri="{FF2B5EF4-FFF2-40B4-BE49-F238E27FC236}">
+                <a16:creationId xmlns:a16="http://schemas.microsoft.com/office/drawing/2014/main" id="{1E05347F-4698-4118-BA92-63751E0285CD}"/>
+              </a:ext>
+            </a:extLst>
+          </p:cNvPr>
+          <p:cNvSpPr/>
+          <p:nvPr/>
+        </p:nvSpPr>
+        <p:spPr>
+          <a:xfrm>
+            <a:off x="7112642" y="5024377"/>
+            <a:ext cx="2071868" cy="740780"/>
+          </a:xfrm>
+          <a:prstGeom prst="rect">
+            <a:avLst/>
+          </a:prstGeom>
+          <a:solidFill>
+            <a:schemeClr val="accent1">
+              <a:lumMod val="20000"/>
+              <a:lumOff val="80000"/>
+            </a:schemeClr>
+          </a:solidFill>
+          <a:ln>
+            <a:noFill/>
+          </a:ln>
+        </p:spPr>
+        <p:style>
+          <a:lnRef idx="2">
+            <a:schemeClr val="accent1">
+              <a:shade val="50000"/>
+            </a:schemeClr>
+          </a:lnRef>
+          <a:fillRef idx="1">
+            <a:schemeClr val="accent1"/>
+          </a:fillRef>
+          <a:effectRef idx="0">
+            <a:schemeClr val="accent1"/>
+          </a:effectRef>
+          <a:fontRef idx="minor">
+            <a:schemeClr val="lt1"/>
+          </a:fontRef>
+        </p:style>
+        <p:txBody>
+          <a:bodyPr rtlCol="0" anchor="ctr"/>
+          <a:lstStyle/>
+          <a:p>
+            <a:pPr algn="ctr"/>
+            <a:r>
+              <a:rPr lang="en-US" dirty="0">
+                <a:solidFill>
+                  <a:schemeClr val="tx1"/>
+                </a:solidFill>
+              </a:rPr>
+              <a:t>Multi-core?</a:t>
+            </a:r>
+          </a:p>
+        </p:txBody>
+      </p:sp>
+      <p:sp>
+        <p:nvSpPr>
+          <p:cNvPr id="24" name="Rectangle 23">
+            <a:extLst>
+              <a:ext uri="{FF2B5EF4-FFF2-40B4-BE49-F238E27FC236}">
+                <a16:creationId xmlns:a16="http://schemas.microsoft.com/office/drawing/2014/main" id="{0ECD2A3F-927D-4A1D-A9A2-A731845EECD4}"/>
+              </a:ext>
+            </a:extLst>
+          </p:cNvPr>
+          <p:cNvSpPr/>
+          <p:nvPr/>
+        </p:nvSpPr>
+        <p:spPr>
+          <a:xfrm>
+            <a:off x="7112642" y="3589358"/>
+            <a:ext cx="2071868" cy="740780"/>
+          </a:xfrm>
+          <a:prstGeom prst="rect">
+            <a:avLst/>
+          </a:prstGeom>
+          <a:solidFill>
+            <a:schemeClr val="accent1">
+              <a:lumMod val="20000"/>
+              <a:lumOff val="80000"/>
+            </a:schemeClr>
+          </a:solidFill>
+          <a:ln>
+            <a:noFill/>
+          </a:ln>
+        </p:spPr>
+        <p:style>
+          <a:lnRef idx="2">
+            <a:schemeClr val="accent1">
+              <a:shade val="50000"/>
+            </a:schemeClr>
+          </a:lnRef>
+          <a:fillRef idx="1">
+            <a:schemeClr val="accent1"/>
+          </a:fillRef>
+          <a:effectRef idx="0">
+            <a:schemeClr val="accent1"/>
+          </a:effectRef>
+          <a:fontRef idx="minor">
+            <a:schemeClr val="lt1"/>
+          </a:fontRef>
+        </p:style>
+        <p:txBody>
+          <a:bodyPr rtlCol="0" anchor="ctr"/>
+          <a:lstStyle/>
+          <a:p>
+            <a:pPr algn="ctr"/>
+            <a:r>
+              <a:rPr lang="en-US" dirty="0" err="1">
+                <a:solidFill>
+                  <a:schemeClr val="tx1"/>
+                </a:solidFill>
+              </a:rPr>
+              <a:t>Parfor</a:t>
+            </a:r>
+            <a:r>
+              <a:rPr lang="en-US" dirty="0">
+                <a:solidFill>
+                  <a:schemeClr val="tx1"/>
+                </a:solidFill>
+              </a:rPr>
+              <a:t>, </a:t>
+            </a:r>
+            <a:r>
+              <a:rPr lang="en-US" dirty="0" err="1">
+                <a:solidFill>
+                  <a:schemeClr val="tx1"/>
+                </a:solidFill>
+              </a:rPr>
+              <a:t>spmd</a:t>
+            </a:r>
+            <a:endParaRPr lang="en-US" dirty="0">
+              <a:solidFill>
+                <a:schemeClr val="tx1"/>
+              </a:solidFill>
+            </a:endParaRPr>
+          </a:p>
+        </p:txBody>
+      </p:sp>
+      <p:sp>
+        <p:nvSpPr>
+          <p:cNvPr id="25" name="Rectangle 24">
+            <a:extLst>
+              <a:ext uri="{FF2B5EF4-FFF2-40B4-BE49-F238E27FC236}">
+                <a16:creationId xmlns:a16="http://schemas.microsoft.com/office/drawing/2014/main" id="{71FB198A-EB5C-4779-80B5-855524E56285}"/>
+              </a:ext>
+            </a:extLst>
+          </p:cNvPr>
+          <p:cNvSpPr/>
+          <p:nvPr/>
+        </p:nvSpPr>
+        <p:spPr>
+          <a:xfrm>
+            <a:off x="9742024" y="3058610"/>
+            <a:ext cx="2071868" cy="740780"/>
+          </a:xfrm>
+          <a:prstGeom prst="rect">
+            <a:avLst/>
+          </a:prstGeom>
+          <a:solidFill>
+            <a:schemeClr val="accent1">
+              <a:lumMod val="20000"/>
+              <a:lumOff val="80000"/>
+            </a:schemeClr>
+          </a:solidFill>
+          <a:ln>
+            <a:noFill/>
+          </a:ln>
+        </p:spPr>
+        <p:style>
+          <a:lnRef idx="2">
+            <a:schemeClr val="accent1">
+              <a:shade val="50000"/>
+            </a:schemeClr>
+          </a:lnRef>
+          <a:fillRef idx="1">
+            <a:schemeClr val="accent1"/>
+          </a:fillRef>
+          <a:effectRef idx="0">
+            <a:schemeClr val="accent1"/>
+          </a:effectRef>
+          <a:fontRef idx="minor">
+            <a:schemeClr val="lt1"/>
+          </a:fontRef>
+        </p:style>
+        <p:txBody>
+          <a:bodyPr rtlCol="0" anchor="ctr"/>
+          <a:lstStyle/>
+          <a:p>
+            <a:pPr algn="ctr"/>
+            <a:r>
+              <a:rPr lang="en-US" dirty="0">
+                <a:solidFill>
+                  <a:schemeClr val="tx1"/>
+                </a:solidFill>
+              </a:rPr>
+              <a:t>Use Batch to offload to cloud</a:t>
+            </a:r>
+          </a:p>
+        </p:txBody>
+      </p:sp>
+      <p:cxnSp>
+        <p:nvCxnSpPr>
+          <p:cNvPr id="26" name="Straight Arrow Connector 25">
+            <a:extLst>
+              <a:ext uri="{FF2B5EF4-FFF2-40B4-BE49-F238E27FC236}">
+                <a16:creationId xmlns:a16="http://schemas.microsoft.com/office/drawing/2014/main" id="{67908A31-6246-4C0E-8C68-CBA09A10761C}"/>
+              </a:ext>
+            </a:extLst>
+          </p:cNvPr>
+          <p:cNvCxnSpPr>
+            <a:cxnSpLocks/>
+          </p:cNvCxnSpPr>
+          <p:nvPr/>
+        </p:nvCxnSpPr>
+        <p:spPr>
+          <a:xfrm flipV="1">
+            <a:off x="3493555" y="536053"/>
+            <a:ext cx="989705" cy="556789"/>
+          </a:xfrm>
+          <a:prstGeom prst="straightConnector1">
+            <a:avLst/>
+          </a:prstGeom>
+          <a:ln>
+            <a:tailEnd type="triangle"/>
+          </a:ln>
+        </p:spPr>
+        <p:style>
+          <a:lnRef idx="1">
+            <a:schemeClr val="accent1"/>
+          </a:lnRef>
+          <a:fillRef idx="0">
+            <a:schemeClr val="accent1"/>
+          </a:fillRef>
+          <a:effectRef idx="0">
+            <a:schemeClr val="accent1"/>
+          </a:effectRef>
+          <a:fontRef idx="minor">
+            <a:schemeClr val="tx1"/>
+          </a:fontRef>
+        </p:style>
+      </p:cxnSp>
+      <p:cxnSp>
+        <p:nvCxnSpPr>
+          <p:cNvPr id="28" name="Straight Arrow Connector 27">
+            <a:extLst>
+              <a:ext uri="{FF2B5EF4-FFF2-40B4-BE49-F238E27FC236}">
+                <a16:creationId xmlns:a16="http://schemas.microsoft.com/office/drawing/2014/main" id="{F6626013-2207-4F59-80C1-4E49477CA89D}"/>
+              </a:ext>
+            </a:extLst>
+          </p:cNvPr>
+          <p:cNvCxnSpPr>
+            <a:cxnSpLocks/>
+            <a:endCxn id="18" idx="1"/>
+          </p:cNvCxnSpPr>
+          <p:nvPr/>
+        </p:nvCxnSpPr>
+        <p:spPr>
+          <a:xfrm>
+            <a:off x="3493554" y="1829584"/>
+            <a:ext cx="989706" cy="613398"/>
+          </a:xfrm>
+          <a:prstGeom prst="straightConnector1">
+            <a:avLst/>
+          </a:prstGeom>
+          <a:ln>
+            <a:tailEnd type="triangle"/>
+          </a:ln>
+        </p:spPr>
+        <p:style>
+          <a:lnRef idx="1">
+            <a:schemeClr val="accent1"/>
+          </a:lnRef>
+          <a:fillRef idx="0">
+            <a:schemeClr val="accent1"/>
+          </a:fillRef>
+          <a:effectRef idx="0">
+            <a:schemeClr val="accent1"/>
+          </a:effectRef>
+          <a:fontRef idx="minor">
+            <a:schemeClr val="tx1"/>
+          </a:fontRef>
+        </p:style>
+      </p:cxnSp>
+      <p:cxnSp>
+        <p:nvCxnSpPr>
+          <p:cNvPr id="30" name="Straight Arrow Connector 29">
+            <a:extLst>
+              <a:ext uri="{FF2B5EF4-FFF2-40B4-BE49-F238E27FC236}">
+                <a16:creationId xmlns:a16="http://schemas.microsoft.com/office/drawing/2014/main" id="{6F06077D-5B33-4272-B83C-9FAD4F49C511}"/>
+              </a:ext>
+            </a:extLst>
+          </p:cNvPr>
+          <p:cNvCxnSpPr>
+            <a:cxnSpLocks/>
+          </p:cNvCxnSpPr>
+          <p:nvPr/>
+        </p:nvCxnSpPr>
+        <p:spPr>
+          <a:xfrm>
+            <a:off x="6553581" y="576399"/>
+            <a:ext cx="4361346" cy="2359141"/>
+          </a:xfrm>
+          <a:prstGeom prst="straightConnector1">
+            <a:avLst/>
+          </a:prstGeom>
+          <a:ln>
+            <a:tailEnd type="triangle"/>
+          </a:ln>
+        </p:spPr>
+        <p:style>
+          <a:lnRef idx="1">
+            <a:schemeClr val="accent1"/>
+          </a:lnRef>
+          <a:fillRef idx="0">
+            <a:schemeClr val="accent1"/>
+          </a:fillRef>
+          <a:effectRef idx="0">
+            <a:schemeClr val="accent1"/>
+          </a:effectRef>
+          <a:fontRef idx="minor">
+            <a:schemeClr val="tx1"/>
+          </a:fontRef>
+        </p:style>
+      </p:cxnSp>
+      <p:cxnSp>
+        <p:nvCxnSpPr>
+          <p:cNvPr id="32" name="Straight Arrow Connector 31">
+            <a:extLst>
+              <a:ext uri="{FF2B5EF4-FFF2-40B4-BE49-F238E27FC236}">
+                <a16:creationId xmlns:a16="http://schemas.microsoft.com/office/drawing/2014/main" id="{435E002B-781D-4E86-BA7A-89E16D3CA0A2}"/>
+              </a:ext>
+            </a:extLst>
+          </p:cNvPr>
+          <p:cNvCxnSpPr>
+            <a:cxnSpLocks/>
+            <a:stCxn id="18" idx="3"/>
+          </p:cNvCxnSpPr>
+          <p:nvPr/>
+        </p:nvCxnSpPr>
+        <p:spPr>
+          <a:xfrm>
+            <a:off x="6555128" y="2442982"/>
+            <a:ext cx="4359799" cy="492558"/>
+          </a:xfrm>
+          <a:prstGeom prst="straightConnector1">
+            <a:avLst/>
+          </a:prstGeom>
+          <a:ln>
+            <a:tailEnd type="triangle"/>
+          </a:ln>
+        </p:spPr>
+        <p:style>
+          <a:lnRef idx="1">
+            <a:schemeClr val="accent1"/>
+          </a:lnRef>
+          <a:fillRef idx="0">
+            <a:schemeClr val="accent1"/>
+          </a:fillRef>
+          <a:effectRef idx="0">
+            <a:schemeClr val="accent1"/>
+          </a:effectRef>
+          <a:fontRef idx="minor">
+            <a:schemeClr val="tx1"/>
+          </a:fontRef>
+        </p:style>
+      </p:cxnSp>
+      <p:cxnSp>
+        <p:nvCxnSpPr>
+          <p:cNvPr id="35" name="Straight Arrow Connector 34">
+            <a:extLst>
+              <a:ext uri="{FF2B5EF4-FFF2-40B4-BE49-F238E27FC236}">
+                <a16:creationId xmlns:a16="http://schemas.microsoft.com/office/drawing/2014/main" id="{6AB6ECD0-A338-4A0D-9812-FF93CE193797}"/>
+              </a:ext>
+            </a:extLst>
+          </p:cNvPr>
+          <p:cNvCxnSpPr>
+            <a:cxnSpLocks/>
+          </p:cNvCxnSpPr>
+          <p:nvPr/>
+        </p:nvCxnSpPr>
+        <p:spPr>
+          <a:xfrm>
+            <a:off x="3991812" y="5466627"/>
+            <a:ext cx="406568" cy="0"/>
+          </a:xfrm>
+          <a:prstGeom prst="straightConnector1">
+            <a:avLst/>
+          </a:prstGeom>
+          <a:ln>
+            <a:tailEnd type="triangle"/>
+          </a:ln>
+        </p:spPr>
+        <p:style>
+          <a:lnRef idx="1">
+            <a:schemeClr val="accent1"/>
+          </a:lnRef>
+          <a:fillRef idx="0">
+            <a:schemeClr val="accent1"/>
+          </a:fillRef>
+          <a:effectRef idx="0">
+            <a:schemeClr val="accent1"/>
+          </a:effectRef>
+          <a:fontRef idx="minor">
+            <a:schemeClr val="tx1"/>
+          </a:fontRef>
+        </p:style>
+      </p:cxnSp>
+      <p:cxnSp>
+        <p:nvCxnSpPr>
+          <p:cNvPr id="37" name="Straight Arrow Connector 36">
+            <a:extLst>
+              <a:ext uri="{FF2B5EF4-FFF2-40B4-BE49-F238E27FC236}">
+                <a16:creationId xmlns:a16="http://schemas.microsoft.com/office/drawing/2014/main" id="{F27AD3FD-1BB8-4135-98F6-669C2575DC1A}"/>
+              </a:ext>
+            </a:extLst>
+          </p:cNvPr>
+          <p:cNvCxnSpPr>
+            <a:cxnSpLocks/>
+          </p:cNvCxnSpPr>
+          <p:nvPr/>
+        </p:nvCxnSpPr>
+        <p:spPr>
+          <a:xfrm flipV="1">
+            <a:off x="5519194" y="4387408"/>
+            <a:ext cx="0" cy="619125"/>
+          </a:xfrm>
+          <a:prstGeom prst="straightConnector1">
+            <a:avLst/>
+          </a:prstGeom>
+          <a:ln>
+            <a:tailEnd type="triangle"/>
+          </a:ln>
+        </p:spPr>
+        <p:style>
+          <a:lnRef idx="1">
+            <a:schemeClr val="accent1"/>
+          </a:lnRef>
+          <a:fillRef idx="0">
+            <a:schemeClr val="accent1"/>
+          </a:fillRef>
+          <a:effectRef idx="0">
+            <a:schemeClr val="accent1"/>
+          </a:effectRef>
+          <a:fontRef idx="minor">
+            <a:schemeClr val="tx1"/>
+          </a:fontRef>
+        </p:style>
+      </p:cxnSp>
+      <p:cxnSp>
+        <p:nvCxnSpPr>
+          <p:cNvPr id="39" name="Straight Arrow Connector 38">
+            <a:extLst>
+              <a:ext uri="{FF2B5EF4-FFF2-40B4-BE49-F238E27FC236}">
+                <a16:creationId xmlns:a16="http://schemas.microsoft.com/office/drawing/2014/main" id="{D6F4C554-B1F9-45B5-B76F-49E909AF24B2}"/>
+              </a:ext>
+            </a:extLst>
+          </p:cNvPr>
+          <p:cNvCxnSpPr>
+            <a:cxnSpLocks/>
+          </p:cNvCxnSpPr>
+          <p:nvPr/>
+        </p:nvCxnSpPr>
+        <p:spPr>
+          <a:xfrm flipV="1">
+            <a:off x="6605285" y="5394767"/>
+            <a:ext cx="385824" cy="51289"/>
+          </a:xfrm>
+          <a:prstGeom prst="straightConnector1">
+            <a:avLst/>
+          </a:prstGeom>
+          <a:ln>
+            <a:tailEnd type="triangle"/>
+          </a:ln>
+        </p:spPr>
+        <p:style>
+          <a:lnRef idx="1">
+            <a:schemeClr val="accent1"/>
+          </a:lnRef>
+          <a:fillRef idx="0">
+            <a:schemeClr val="accent1"/>
+          </a:fillRef>
+          <a:effectRef idx="0">
+            <a:schemeClr val="accent1"/>
+          </a:effectRef>
+          <a:fontRef idx="minor">
+            <a:schemeClr val="tx1"/>
+          </a:fontRef>
+        </p:style>
+      </p:cxnSp>
+      <p:cxnSp>
+        <p:nvCxnSpPr>
+          <p:cNvPr id="42" name="Straight Arrow Connector 41">
+            <a:extLst>
+              <a:ext uri="{FF2B5EF4-FFF2-40B4-BE49-F238E27FC236}">
+                <a16:creationId xmlns:a16="http://schemas.microsoft.com/office/drawing/2014/main" id="{25EB8911-52F5-4224-922C-94E141624734}"/>
+              </a:ext>
+            </a:extLst>
+          </p:cNvPr>
+          <p:cNvCxnSpPr>
+            <a:cxnSpLocks/>
+          </p:cNvCxnSpPr>
+          <p:nvPr/>
+        </p:nvCxnSpPr>
+        <p:spPr>
+          <a:xfrm flipV="1">
+            <a:off x="8148576" y="4352765"/>
+            <a:ext cx="0" cy="619125"/>
+          </a:xfrm>
+          <a:prstGeom prst="straightConnector1">
+            <a:avLst/>
+          </a:prstGeom>
+          <a:ln>
+            <a:tailEnd type="triangle"/>
+          </a:ln>
+        </p:spPr>
+        <p:style>
+          <a:lnRef idx="1">
+            <a:schemeClr val="accent1"/>
+          </a:lnRef>
+          <a:fillRef idx="0">
+            <a:schemeClr val="accent1"/>
+          </a:fillRef>
+          <a:effectRef idx="0">
+            <a:schemeClr val="accent1"/>
+          </a:effectRef>
+          <a:fontRef idx="minor">
+            <a:schemeClr val="tx1"/>
+          </a:fontRef>
+        </p:style>
+      </p:cxnSp>
+      <p:cxnSp>
+        <p:nvCxnSpPr>
+          <p:cNvPr id="43" name="Straight Arrow Connector 42">
+            <a:extLst>
+              <a:ext uri="{FF2B5EF4-FFF2-40B4-BE49-F238E27FC236}">
+                <a16:creationId xmlns:a16="http://schemas.microsoft.com/office/drawing/2014/main" id="{5253C7F4-A49D-4D2E-9391-5420911CF1AB}"/>
+              </a:ext>
+            </a:extLst>
+          </p:cNvPr>
+          <p:cNvCxnSpPr>
+            <a:cxnSpLocks/>
+          </p:cNvCxnSpPr>
+          <p:nvPr/>
+        </p:nvCxnSpPr>
+        <p:spPr>
+          <a:xfrm flipV="1">
+            <a:off x="9284824" y="3959748"/>
+            <a:ext cx="1493134" cy="1595892"/>
+          </a:xfrm>
+          <a:prstGeom prst="straightConnector1">
+            <a:avLst/>
+          </a:prstGeom>
+          <a:ln>
+            <a:tailEnd type="triangle"/>
+          </a:ln>
+        </p:spPr>
+        <p:style>
+          <a:lnRef idx="1">
+            <a:schemeClr val="accent1"/>
+          </a:lnRef>
+          <a:fillRef idx="0">
+            <a:schemeClr val="accent1"/>
+          </a:fillRef>
+          <a:effectRef idx="0">
+            <a:schemeClr val="accent1"/>
+          </a:effectRef>
+          <a:fontRef idx="minor">
+            <a:schemeClr val="tx1"/>
+          </a:fontRef>
+        </p:style>
+      </p:cxnSp>
+      <p:cxnSp>
+        <p:nvCxnSpPr>
+          <p:cNvPr id="45" name="Straight Arrow Connector 44">
+            <a:extLst>
+              <a:ext uri="{FF2B5EF4-FFF2-40B4-BE49-F238E27FC236}">
+                <a16:creationId xmlns:a16="http://schemas.microsoft.com/office/drawing/2014/main" id="{B94C0E32-BFFA-4DB7-94F1-AC33033E6300}"/>
+              </a:ext>
+            </a:extLst>
+          </p:cNvPr>
+          <p:cNvCxnSpPr>
+            <a:cxnSpLocks/>
+          </p:cNvCxnSpPr>
+          <p:nvPr/>
+        </p:nvCxnSpPr>
+        <p:spPr>
+          <a:xfrm>
+            <a:off x="6628433" y="4038874"/>
+            <a:ext cx="383895" cy="1207203"/>
+          </a:xfrm>
+          <a:prstGeom prst="straightConnector1">
+            <a:avLst/>
+          </a:prstGeom>
+          <a:ln>
+            <a:tailEnd type="triangle"/>
+          </a:ln>
+        </p:spPr>
+        <p:style>
+          <a:lnRef idx="1">
+            <a:schemeClr val="accent1"/>
+          </a:lnRef>
+          <a:fillRef idx="0">
+            <a:schemeClr val="accent1"/>
+          </a:fillRef>
+          <a:effectRef idx="0">
+            <a:schemeClr val="accent1"/>
+          </a:effectRef>
+          <a:fontRef idx="minor">
+            <a:schemeClr val="tx1"/>
+          </a:fontRef>
+        </p:style>
+      </p:cxnSp>
+      <p:cxnSp>
+        <p:nvCxnSpPr>
+          <p:cNvPr id="47" name="Straight Arrow Connector 46">
+            <a:extLst>
+              <a:ext uri="{FF2B5EF4-FFF2-40B4-BE49-F238E27FC236}">
+                <a16:creationId xmlns:a16="http://schemas.microsoft.com/office/drawing/2014/main" id="{7E62BEC7-64D2-4785-9C04-275B3AAC538C}"/>
+              </a:ext>
+            </a:extLst>
+          </p:cNvPr>
+          <p:cNvCxnSpPr>
+            <a:cxnSpLocks/>
+            <a:stCxn id="24" idx="3"/>
+          </p:cNvCxnSpPr>
+          <p:nvPr/>
+        </p:nvCxnSpPr>
+        <p:spPr>
+          <a:xfrm flipV="1">
+            <a:off x="9184510" y="3607102"/>
+            <a:ext cx="557514" cy="352646"/>
+          </a:xfrm>
+          <a:prstGeom prst="straightConnector1">
+            <a:avLst/>
+          </a:prstGeom>
+          <a:ln>
+            <a:tailEnd type="triangle"/>
+          </a:ln>
+        </p:spPr>
+        <p:style>
+          <a:lnRef idx="1">
+            <a:schemeClr val="accent1"/>
+          </a:lnRef>
+          <a:fillRef idx="0">
+            <a:schemeClr val="accent1"/>
+          </a:fillRef>
+          <a:effectRef idx="0">
+            <a:schemeClr val="accent1"/>
+          </a:effectRef>
+          <a:fontRef idx="minor">
+            <a:schemeClr val="tx1"/>
+          </a:fontRef>
+        </p:style>
+      </p:cxnSp>
+      <p:sp>
+        <p:nvSpPr>
+          <p:cNvPr id="50" name="TextBox 49">
+            <a:extLst>
+              <a:ext uri="{FF2B5EF4-FFF2-40B4-BE49-F238E27FC236}">
+                <a16:creationId xmlns:a16="http://schemas.microsoft.com/office/drawing/2014/main" id="{8C3A6BEF-ADEC-4E22-B419-0736A005A44A}"/>
+              </a:ext>
+            </a:extLst>
+          </p:cNvPr>
+          <p:cNvSpPr txBox="1"/>
+          <p:nvPr/>
+        </p:nvSpPr>
+        <p:spPr>
+          <a:xfrm>
+            <a:off x="5536430" y="4642475"/>
+            <a:ext cx="1047758" cy="369332"/>
+          </a:xfrm>
+          <a:prstGeom prst="rect">
+            <a:avLst/>
+          </a:prstGeom>
+          <a:noFill/>
+        </p:spPr>
+        <p:txBody>
+          <a:bodyPr wrap="square" rtlCol="0">
+            <a:spAutoFit/>
+          </a:bodyPr>
+          <a:lstStyle/>
+          <a:p>
+            <a:r>
+              <a:rPr lang="en-US" dirty="0"/>
+              <a:t>Yes</a:t>
+            </a:r>
+          </a:p>
+        </p:txBody>
+      </p:sp>
+      <p:sp>
+        <p:nvSpPr>
+          <p:cNvPr id="51" name="TextBox 50">
+            <a:extLst>
+              <a:ext uri="{FF2B5EF4-FFF2-40B4-BE49-F238E27FC236}">
+                <a16:creationId xmlns:a16="http://schemas.microsoft.com/office/drawing/2014/main" id="{71B209DE-58A4-4C49-8AE3-3B47BE981980}"/>
+              </a:ext>
+            </a:extLst>
+          </p:cNvPr>
+          <p:cNvSpPr txBox="1"/>
+          <p:nvPr/>
+        </p:nvSpPr>
+        <p:spPr>
+          <a:xfrm rot="21030361">
+            <a:off x="6544915" y="5343940"/>
+            <a:ext cx="1064871" cy="369332"/>
+          </a:xfrm>
+          <a:prstGeom prst="rect">
+            <a:avLst/>
+          </a:prstGeom>
+          <a:noFill/>
+        </p:spPr>
+        <p:txBody>
+          <a:bodyPr wrap="square" rtlCol="0">
+            <a:spAutoFit/>
+          </a:bodyPr>
+          <a:lstStyle/>
+          <a:p>
+            <a:r>
+              <a:rPr lang="en-US" dirty="0"/>
+              <a:t>No</a:t>
+            </a:r>
+          </a:p>
+        </p:txBody>
+      </p:sp>
+      <p:sp>
+        <p:nvSpPr>
+          <p:cNvPr id="52" name="TextBox 51">
+            <a:extLst>
+              <a:ext uri="{FF2B5EF4-FFF2-40B4-BE49-F238E27FC236}">
+                <a16:creationId xmlns:a16="http://schemas.microsoft.com/office/drawing/2014/main" id="{DAA2B2AF-D2D9-44FA-8395-B729DE11CD30}"/>
+              </a:ext>
+            </a:extLst>
+          </p:cNvPr>
+          <p:cNvSpPr txBox="1"/>
+          <p:nvPr/>
+        </p:nvSpPr>
+        <p:spPr>
+          <a:xfrm rot="18877312">
+            <a:off x="9453105" y="4396705"/>
+            <a:ext cx="1064871" cy="369332"/>
+          </a:xfrm>
+          <a:prstGeom prst="rect">
+            <a:avLst/>
+          </a:prstGeom>
+          <a:noFill/>
+        </p:spPr>
+        <p:txBody>
+          <a:bodyPr wrap="square" rtlCol="0">
+            <a:spAutoFit/>
+          </a:bodyPr>
+          <a:lstStyle/>
+          <a:p>
+            <a:r>
+              <a:rPr lang="en-US" dirty="0"/>
+              <a:t>No</a:t>
+            </a:r>
+          </a:p>
+        </p:txBody>
+      </p:sp>
+      <p:sp>
+        <p:nvSpPr>
+          <p:cNvPr id="53" name="TextBox 52">
+            <a:extLst>
+              <a:ext uri="{FF2B5EF4-FFF2-40B4-BE49-F238E27FC236}">
+                <a16:creationId xmlns:a16="http://schemas.microsoft.com/office/drawing/2014/main" id="{88A4C792-5349-448A-96C4-344E87015F11}"/>
+              </a:ext>
+            </a:extLst>
+          </p:cNvPr>
+          <p:cNvSpPr txBox="1"/>
+          <p:nvPr/>
+        </p:nvSpPr>
+        <p:spPr>
+          <a:xfrm>
+            <a:off x="8197255" y="4570295"/>
+            <a:ext cx="1047758" cy="369332"/>
+          </a:xfrm>
+          <a:prstGeom prst="rect">
+            <a:avLst/>
+          </a:prstGeom>
+          <a:noFill/>
+        </p:spPr>
+        <p:txBody>
+          <a:bodyPr wrap="square" rtlCol="0">
+            <a:spAutoFit/>
+          </a:bodyPr>
+          <a:lstStyle/>
+          <a:p>
+            <a:r>
+              <a:rPr lang="en-US" dirty="0"/>
+              <a:t>Yes</a:t>
+            </a:r>
+          </a:p>
+        </p:txBody>
+      </p:sp>
+    </p:spTree>
+    <p:extLst>
+      <p:ext uri="{BB962C8B-B14F-4D97-AF65-F5344CB8AC3E}">
+        <p14:creationId xmlns:p14="http://schemas.microsoft.com/office/powerpoint/2010/main" val="2605823728"/>
+      </p:ext>
+    </p:extLst>
+  </p:cSld>
+  <p:clrMapOvr>
+    <a:masterClrMapping/>
+  </p:clrMapOvr>
+  <mc:AlternateContent xmlns:mc="http://schemas.openxmlformats.org/markup-compatibility/2006" xmlns:p14="http://schemas.microsoft.com/office/powerpoint/2010/main">
+    <mc:Choice Requires="p14">
+      <p:transition spd="med" p14:dur="700">
+        <p:fade/>
+      </p:transition>
+    </mc:Choice>
+    <mc:Fallback xmlns="">
+      <p:transition spd="med">
+        <p:fade/>
+      </p:transition>
+    </mc:Fallback>
+  </mc:AlternateContent>
+</p:sld>
+</file>
+
+<file path=ppt/slides/slide47.xml><?xml version="1.0" encoding="utf-8"?>
+<p:sld xmlns:a="http://schemas.openxmlformats.org/drawingml/2006/main" xmlns:r="http://schemas.openxmlformats.org/officeDocument/2006/relationships" xmlns:p="http://schemas.openxmlformats.org/presentationml/2006/main">
+  <p:cSld>
+    <p:spTree>
+      <p:nvGrpSpPr>
+        <p:cNvPr id="1" name=""/>
+        <p:cNvGrpSpPr/>
+        <p:nvPr/>
+      </p:nvGrpSpPr>
+      <p:grpSpPr>
+        <a:xfrm>
+          <a:off x="0" y="0"/>
+          <a:ext cx="0" cy="0"/>
+          <a:chOff x="0" y="0"/>
+          <a:chExt cx="0" cy="0"/>
+        </a:xfrm>
+      </p:grpSpPr>
+      <p:sp>
+        <p:nvSpPr>
           <p:cNvPr id="3" name="Content Placeholder 2"/>
           <p:cNvSpPr>
             <a:spLocks noGrp="1"/>
@@ -15137,39 +16364,42 @@
           <a:lstStyle/>
           <a:p>
             <a:r>
-              <a:rPr lang="en-US" sz="2000" dirty="0" smtClean="0">
+              <a:rPr lang="en-US" sz="2000" dirty="0">
                 <a:hlinkClick r:id="rId2"/>
               </a:rPr>
               <a:t>Master-class: Advanced Programming Techniques in MATLAB</a:t>
             </a:r>
-            <a:endParaRPr lang="en-US" sz="2000" dirty="0" smtClean="0"/>
+            <a:endParaRPr lang="en-US" sz="2000" dirty="0"/>
           </a:p>
           <a:p>
             <a:r>
               <a:rPr lang="en-US" sz="2000" dirty="0">
                 <a:hlinkClick r:id="rId3"/>
               </a:rPr>
-              <a:t>Parallel Computing with </a:t>
-            </a:r>
-            <a:r>
-              <a:rPr lang="en-US" sz="2000" dirty="0" smtClean="0">
-                <a:hlinkClick r:id="rId3"/>
-              </a:rPr>
-              <a:t>MATLAB</a:t>
-            </a:r>
-            <a:endParaRPr lang="en-US" sz="2000" dirty="0" smtClean="0"/>
-          </a:p>
-          <a:p>
-            <a:r>
-              <a:rPr lang="en-US" sz="2000" dirty="0" smtClean="0">
+              <a:t>Parallel Computing with MATLAB</a:t>
+            </a:r>
+            <a:endParaRPr lang="en-US" sz="2000" dirty="0"/>
+          </a:p>
+          <a:p>
+            <a:r>
+              <a:rPr lang="en-US" sz="2000" dirty="0">
                 <a:hlinkClick r:id="rId4"/>
               </a:rPr>
               <a:t>Loren on the Art of MATLAB</a:t>
             </a:r>
-            <a:endParaRPr lang="en-US" sz="2000" dirty="0" smtClean="0"/>
-          </a:p>
-          <a:p>
-            <a:endParaRPr lang="en-US" sz="2000" dirty="0" smtClean="0"/>
+            <a:endParaRPr lang="en-US" sz="2000" dirty="0"/>
+          </a:p>
+          <a:p>
+            <a:r>
+              <a:rPr lang="en-US" sz="2000" dirty="0">
+                <a:hlinkClick r:id="rId5"/>
+              </a:rPr>
+              <a:t>MATLAB to C made easy</a:t>
+            </a:r>
+            <a:endParaRPr lang="en-US" sz="2000" dirty="0"/>
+          </a:p>
+          <a:p>
+            <a:endParaRPr lang="en-US" sz="2000" dirty="0"/>
           </a:p>
           <a:p>
             <a:endParaRPr lang="en-US" sz="2000" dirty="0"/>
@@ -15205,10 +16435,9 @@
           <a:lstStyle/>
           <a:p>
             <a:r>
-              <a:rPr lang="en-US" sz="3200" dirty="0" smtClean="0"/>
+              <a:rPr lang="en-US" sz="3200" dirty="0"/>
               <a:t>Resources:</a:t>
             </a:r>
-            <a:endParaRPr lang="en-US" sz="3200" dirty="0"/>
           </a:p>
         </p:txBody>
       </p:sp>
@@ -15222,25 +16451,18 @@
   <p:clrMapOvr>
     <a:masterClrMapping/>
   </p:clrMapOvr>
-  <mc:AlternateContent xmlns:mc="http://schemas.openxmlformats.org/markup-compatibility/2006">
-    <mc:Choice xmlns:p14="http://schemas.microsoft.com/office/powerpoint/2010/main" Requires="p14">
+  <mc:AlternateContent xmlns:mc="http://schemas.openxmlformats.org/markup-compatibility/2006" xmlns:p14="http://schemas.microsoft.com/office/powerpoint/2010/main">
+    <mc:Choice Requires="p14">
       <p:transition spd="med" p14:dur="700">
         <p:fade/>
       </p:transition>
     </mc:Choice>
-    <mc:Fallback>
+    <mc:Fallback xmlns="">
       <p:transition spd="med">
         <p:fade/>
       </p:transition>
     </mc:Fallback>
   </mc:AlternateContent>
-  <p:timing>
-    <p:tnLst>
-      <p:par>
-        <p:cTn id="1" dur="indefinite" restart="never" nodeType="tmRoot"/>
-      </p:par>
-    </p:tnLst>
-  </p:timing>
 </p:sld>
 </file>
 
@@ -15420,13 +16642,13 @@
   <p:clrMapOvr>
     <a:masterClrMapping/>
   </p:clrMapOvr>
-  <mc:AlternateContent xmlns:mc="http://schemas.openxmlformats.org/markup-compatibility/2006">
-    <mc:Choice xmlns:p14="http://schemas.microsoft.com/office/powerpoint/2010/main" Requires="p14">
+  <mc:AlternateContent xmlns:mc="http://schemas.openxmlformats.org/markup-compatibility/2006" xmlns:p14="http://schemas.microsoft.com/office/powerpoint/2010/main">
+    <mc:Choice Requires="p14">
       <p:transition spd="med" p14:dur="700">
         <p:fade/>
       </p:transition>
     </mc:Choice>
-    <mc:Fallback>
+    <mc:Fallback xmlns="">
       <p:transition spd="med">
         <p:fade/>
       </p:transition>
@@ -15966,23 +17188,14 @@
           <a:lstStyle/>
           <a:p>
             <a:r>
-              <a:rPr lang="en-US" sz="2000" dirty="0" smtClean="0"/>
-              <a:t>“For </a:t>
-            </a:r>
-            <a:r>
               <a:rPr lang="en-US" sz="2000" dirty="0"/>
-              <a:t>and while loops that incrementally increase the size of data structure through the loop can adversely affect performance and memory use” </a:t>
-            </a:r>
-            <a:endParaRPr lang="en-US" sz="2000" dirty="0" smtClean="0"/>
-          </a:p>
-          <a:p>
-            <a:r>
-              <a:rPr lang="en-US" sz="2000" dirty="0" smtClean="0"/>
-              <a:t>Memory </a:t>
-            </a:r>
+              <a:t>“For and while loops that incrementally increase the size of data structure through the loop can adversely affect performance and memory use” </a:t>
+            </a:r>
+          </a:p>
+          <a:p>
             <a:r>
               <a:rPr lang="en-US" sz="2000" dirty="0"/>
-              <a:t>needs to be allocated at each iteration – BAD!</a:t>
+              <a:t>Memory needs to be allocated at each iteration – BAD!</a:t>
             </a:r>
           </a:p>
           <a:p>
@@ -16039,13 +17252,13 @@
   <p:clrMapOvr>
     <a:masterClrMapping/>
   </p:clrMapOvr>
-  <mc:AlternateContent xmlns:mc="http://schemas.openxmlformats.org/markup-compatibility/2006">
-    <mc:Choice xmlns:p14="http://schemas.microsoft.com/office/powerpoint/2010/main" Requires="p14">
+  <mc:AlternateContent xmlns:mc="http://schemas.openxmlformats.org/markup-compatibility/2006" xmlns:p14="http://schemas.microsoft.com/office/powerpoint/2010/main">
+    <mc:Choice Requires="p14">
       <p:transition spd="med" p14:dur="700">
         <p:fade/>
       </p:transition>
     </mc:Choice>
-    <mc:Fallback>
+    <mc:Fallback xmlns="">
       <p:transition spd="med">
         <p:fade/>
       </p:transition>
@@ -16520,13 +17733,13 @@
   <p:clrMapOvr>
     <a:masterClrMapping/>
   </p:clrMapOvr>
-  <mc:AlternateContent xmlns:mc="http://schemas.openxmlformats.org/markup-compatibility/2006">
-    <mc:Choice xmlns:p14="http://schemas.microsoft.com/office/powerpoint/2010/main" Requires="p14">
+  <mc:AlternateContent xmlns:mc="http://schemas.openxmlformats.org/markup-compatibility/2006" xmlns:p14="http://schemas.microsoft.com/office/powerpoint/2010/main">
+    <mc:Choice Requires="p14">
       <p:transition spd="med" p14:dur="700">
         <p:fade/>
       </p:transition>
     </mc:Choice>
-    <mc:Fallback>
+    <mc:Fallback xmlns="">
       <p:transition spd="med">
         <p:fade/>
       </p:transition>
@@ -17011,13 +18224,13 @@
   <p:clrMapOvr>
     <a:masterClrMapping/>
   </p:clrMapOvr>
-  <mc:AlternateContent xmlns:mc="http://schemas.openxmlformats.org/markup-compatibility/2006">
-    <mc:Choice xmlns:p14="http://schemas.microsoft.com/office/powerpoint/2010/main" Requires="p14">
+  <mc:AlternateContent xmlns:mc="http://schemas.openxmlformats.org/markup-compatibility/2006" xmlns:p14="http://schemas.microsoft.com/office/powerpoint/2010/main">
+    <mc:Choice Requires="p14">
       <p:transition spd="med" p14:dur="700">
         <p:fade/>
       </p:transition>
     </mc:Choice>
-    <mc:Fallback>
+    <mc:Fallback xmlns="">
       <p:transition spd="med">
         <p:fade/>
       </p:transition>
@@ -17497,13 +18710,13 @@
   <p:clrMapOvr>
     <a:masterClrMapping/>
   </p:clrMapOvr>
-  <mc:AlternateContent xmlns:mc="http://schemas.openxmlformats.org/markup-compatibility/2006">
-    <mc:Choice xmlns:p14="http://schemas.microsoft.com/office/powerpoint/2010/main" Requires="p14">
+  <mc:AlternateContent xmlns:mc="http://schemas.openxmlformats.org/markup-compatibility/2006" xmlns:p14="http://schemas.microsoft.com/office/powerpoint/2010/main">
+    <mc:Choice Requires="p14">
       <p:transition spd="med" p14:dur="700">
         <p:fade/>
       </p:transition>
     </mc:Choice>
-    <mc:Fallback>
+    <mc:Fallback xmlns="">
       <p:transition spd="med">
         <p:fade/>
       </p:transition>

--- a/Advanced MATLAB Workshop.pptx
+++ b/Advanced MATLAB Workshop.pptx
@@ -564,7 +564,7 @@
           <a:p>
             <a:r>
               <a:rPr lang="en-US" dirty="0"/>
-              <a:t>Check comfort level of the audience.</a:t>
+              <a:t>Check the comfort level of the audience</a:t>
             </a:r>
           </a:p>
         </p:txBody>
@@ -7305,6 +7305,283 @@
       </p:transition>
     </mc:Fallback>
   </mc:AlternateContent>
+  <p:timing>
+    <p:tnLst>
+      <p:par>
+        <p:cTn id="1" dur="indefinite" restart="never" nodeType="tmRoot">
+          <p:childTnLst>
+            <p:seq concurrent="1" nextAc="seek">
+              <p:cTn id="2" dur="indefinite" nodeType="mainSeq">
+                <p:childTnLst>
+                  <p:par>
+                    <p:cTn id="3" fill="hold">
+                      <p:stCondLst>
+                        <p:cond delay="indefinite"/>
+                      </p:stCondLst>
+                      <p:childTnLst>
+                        <p:par>
+                          <p:cTn id="4" fill="hold">
+                            <p:stCondLst>
+                              <p:cond delay="0"/>
+                            </p:stCondLst>
+                            <p:childTnLst>
+                              <p:par>
+                                <p:cTn id="5" presetID="10" presetClass="entr" presetSubtype="0" fill="hold" grpId="0" nodeType="clickEffect">
+                                  <p:stCondLst>
+                                    <p:cond delay="0"/>
+                                  </p:stCondLst>
+                                  <p:childTnLst>
+                                    <p:set>
+                                      <p:cBhvr>
+                                        <p:cTn id="6" dur="1" fill="hold">
+                                          <p:stCondLst>
+                                            <p:cond delay="0"/>
+                                          </p:stCondLst>
+                                        </p:cTn>
+                                        <p:tgtEl>
+                                          <p:spTgt spid="3">
+                                            <p:txEl>
+                                              <p:pRg st="0" end="0"/>
+                                            </p:txEl>
+                                          </p:spTgt>
+                                        </p:tgtEl>
+                                        <p:attrNameLst>
+                                          <p:attrName>style.visibility</p:attrName>
+                                        </p:attrNameLst>
+                                      </p:cBhvr>
+                                      <p:to>
+                                        <p:strVal val="visible"/>
+                                      </p:to>
+                                    </p:set>
+                                    <p:animEffect transition="in" filter="fade">
+                                      <p:cBhvr>
+                                        <p:cTn id="7" dur="500"/>
+                                        <p:tgtEl>
+                                          <p:spTgt spid="3">
+                                            <p:txEl>
+                                              <p:pRg st="0" end="0"/>
+                                            </p:txEl>
+                                          </p:spTgt>
+                                        </p:tgtEl>
+                                      </p:cBhvr>
+                                    </p:animEffect>
+                                  </p:childTnLst>
+                                </p:cTn>
+                              </p:par>
+                            </p:childTnLst>
+                          </p:cTn>
+                        </p:par>
+                      </p:childTnLst>
+                    </p:cTn>
+                  </p:par>
+                  <p:par>
+                    <p:cTn id="8" fill="hold">
+                      <p:stCondLst>
+                        <p:cond delay="indefinite"/>
+                      </p:stCondLst>
+                      <p:childTnLst>
+                        <p:par>
+                          <p:cTn id="9" fill="hold">
+                            <p:stCondLst>
+                              <p:cond delay="0"/>
+                            </p:stCondLst>
+                            <p:childTnLst>
+                              <p:par>
+                                <p:cTn id="10" presetID="10" presetClass="entr" presetSubtype="0" fill="hold" grpId="0" nodeType="clickEffect">
+                                  <p:stCondLst>
+                                    <p:cond delay="0"/>
+                                  </p:stCondLst>
+                                  <p:childTnLst>
+                                    <p:set>
+                                      <p:cBhvr>
+                                        <p:cTn id="11" dur="1" fill="hold">
+                                          <p:stCondLst>
+                                            <p:cond delay="0"/>
+                                          </p:stCondLst>
+                                        </p:cTn>
+                                        <p:tgtEl>
+                                          <p:spTgt spid="3">
+                                            <p:txEl>
+                                              <p:pRg st="1" end="1"/>
+                                            </p:txEl>
+                                          </p:spTgt>
+                                        </p:tgtEl>
+                                        <p:attrNameLst>
+                                          <p:attrName>style.visibility</p:attrName>
+                                        </p:attrNameLst>
+                                      </p:cBhvr>
+                                      <p:to>
+                                        <p:strVal val="visible"/>
+                                      </p:to>
+                                    </p:set>
+                                    <p:animEffect transition="in" filter="fade">
+                                      <p:cBhvr>
+                                        <p:cTn id="12" dur="500"/>
+                                        <p:tgtEl>
+                                          <p:spTgt spid="3">
+                                            <p:txEl>
+                                              <p:pRg st="1" end="1"/>
+                                            </p:txEl>
+                                          </p:spTgt>
+                                        </p:tgtEl>
+                                      </p:cBhvr>
+                                    </p:animEffect>
+                                  </p:childTnLst>
+                                </p:cTn>
+                              </p:par>
+                            </p:childTnLst>
+                          </p:cTn>
+                        </p:par>
+                      </p:childTnLst>
+                    </p:cTn>
+                  </p:par>
+                  <p:par>
+                    <p:cTn id="13" fill="hold">
+                      <p:stCondLst>
+                        <p:cond delay="indefinite"/>
+                      </p:stCondLst>
+                      <p:childTnLst>
+                        <p:par>
+                          <p:cTn id="14" fill="hold">
+                            <p:stCondLst>
+                              <p:cond delay="0"/>
+                            </p:stCondLst>
+                            <p:childTnLst>
+                              <p:par>
+                                <p:cTn id="15" presetID="10" presetClass="entr" presetSubtype="0" fill="hold" grpId="0" nodeType="clickEffect">
+                                  <p:stCondLst>
+                                    <p:cond delay="0"/>
+                                  </p:stCondLst>
+                                  <p:childTnLst>
+                                    <p:set>
+                                      <p:cBhvr>
+                                        <p:cTn id="16" dur="1" fill="hold">
+                                          <p:stCondLst>
+                                            <p:cond delay="0"/>
+                                          </p:stCondLst>
+                                        </p:cTn>
+                                        <p:tgtEl>
+                                          <p:spTgt spid="3">
+                                            <p:txEl>
+                                              <p:pRg st="2" end="2"/>
+                                            </p:txEl>
+                                          </p:spTgt>
+                                        </p:tgtEl>
+                                        <p:attrNameLst>
+                                          <p:attrName>style.visibility</p:attrName>
+                                        </p:attrNameLst>
+                                      </p:cBhvr>
+                                      <p:to>
+                                        <p:strVal val="visible"/>
+                                      </p:to>
+                                    </p:set>
+                                    <p:animEffect transition="in" filter="fade">
+                                      <p:cBhvr>
+                                        <p:cTn id="17" dur="500"/>
+                                        <p:tgtEl>
+                                          <p:spTgt spid="3">
+                                            <p:txEl>
+                                              <p:pRg st="2" end="2"/>
+                                            </p:txEl>
+                                          </p:spTgt>
+                                        </p:tgtEl>
+                                      </p:cBhvr>
+                                    </p:animEffect>
+                                  </p:childTnLst>
+                                </p:cTn>
+                              </p:par>
+                            </p:childTnLst>
+                          </p:cTn>
+                        </p:par>
+                      </p:childTnLst>
+                    </p:cTn>
+                  </p:par>
+                  <p:par>
+                    <p:cTn id="18" fill="hold">
+                      <p:stCondLst>
+                        <p:cond delay="indefinite"/>
+                      </p:stCondLst>
+                      <p:childTnLst>
+                        <p:par>
+                          <p:cTn id="19" fill="hold">
+                            <p:stCondLst>
+                              <p:cond delay="0"/>
+                            </p:stCondLst>
+                            <p:childTnLst>
+                              <p:par>
+                                <p:cTn id="20" presetID="10" presetClass="entr" presetSubtype="0" fill="hold" grpId="0" nodeType="clickEffect">
+                                  <p:stCondLst>
+                                    <p:cond delay="0"/>
+                                  </p:stCondLst>
+                                  <p:childTnLst>
+                                    <p:set>
+                                      <p:cBhvr>
+                                        <p:cTn id="21" dur="1" fill="hold">
+                                          <p:stCondLst>
+                                            <p:cond delay="0"/>
+                                          </p:stCondLst>
+                                        </p:cTn>
+                                        <p:tgtEl>
+                                          <p:spTgt spid="3">
+                                            <p:txEl>
+                                              <p:pRg st="3" end="3"/>
+                                            </p:txEl>
+                                          </p:spTgt>
+                                        </p:tgtEl>
+                                        <p:attrNameLst>
+                                          <p:attrName>style.visibility</p:attrName>
+                                        </p:attrNameLst>
+                                      </p:cBhvr>
+                                      <p:to>
+                                        <p:strVal val="visible"/>
+                                      </p:to>
+                                    </p:set>
+                                    <p:animEffect transition="in" filter="fade">
+                                      <p:cBhvr>
+                                        <p:cTn id="22" dur="500"/>
+                                        <p:tgtEl>
+                                          <p:spTgt spid="3">
+                                            <p:txEl>
+                                              <p:pRg st="3" end="3"/>
+                                            </p:txEl>
+                                          </p:spTgt>
+                                        </p:tgtEl>
+                                      </p:cBhvr>
+                                    </p:animEffect>
+                                  </p:childTnLst>
+                                </p:cTn>
+                              </p:par>
+                            </p:childTnLst>
+                          </p:cTn>
+                        </p:par>
+                      </p:childTnLst>
+                    </p:cTn>
+                  </p:par>
+                </p:childTnLst>
+              </p:cTn>
+              <p:prevCondLst>
+                <p:cond evt="onPrev" delay="0">
+                  <p:tgtEl>
+                    <p:sldTgt/>
+                  </p:tgtEl>
+                </p:cond>
+              </p:prevCondLst>
+              <p:nextCondLst>
+                <p:cond evt="onNext" delay="0">
+                  <p:tgtEl>
+                    <p:sldTgt/>
+                  </p:tgtEl>
+                </p:cond>
+              </p:nextCondLst>
+            </p:seq>
+          </p:childTnLst>
+        </p:cTn>
+      </p:par>
+    </p:tnLst>
+    <p:bldLst>
+      <p:bldP spid="3" grpId="0" build="p"/>
+    </p:bldLst>
+  </p:timing>
 </p:sld>
 </file>
 
@@ -7424,6 +7701,222 @@
       </p:transition>
     </mc:Fallback>
   </mc:AlternateContent>
+  <p:timing>
+    <p:tnLst>
+      <p:par>
+        <p:cTn id="1" dur="indefinite" restart="never" nodeType="tmRoot">
+          <p:childTnLst>
+            <p:seq concurrent="1" nextAc="seek">
+              <p:cTn id="2" dur="indefinite" nodeType="mainSeq">
+                <p:childTnLst>
+                  <p:par>
+                    <p:cTn id="3" fill="hold">
+                      <p:stCondLst>
+                        <p:cond delay="indefinite"/>
+                      </p:stCondLst>
+                      <p:childTnLst>
+                        <p:par>
+                          <p:cTn id="4" fill="hold">
+                            <p:stCondLst>
+                              <p:cond delay="0"/>
+                            </p:stCondLst>
+                            <p:childTnLst>
+                              <p:par>
+                                <p:cTn id="5" presetID="10" presetClass="entr" presetSubtype="0" fill="hold" grpId="0" nodeType="clickEffect">
+                                  <p:stCondLst>
+                                    <p:cond delay="0"/>
+                                  </p:stCondLst>
+                                  <p:childTnLst>
+                                    <p:set>
+                                      <p:cBhvr>
+                                        <p:cTn id="6" dur="1" fill="hold">
+                                          <p:stCondLst>
+                                            <p:cond delay="0"/>
+                                          </p:stCondLst>
+                                        </p:cTn>
+                                        <p:tgtEl>
+                                          <p:spTgt spid="3">
+                                            <p:txEl>
+                                              <p:pRg st="0" end="0"/>
+                                            </p:txEl>
+                                          </p:spTgt>
+                                        </p:tgtEl>
+                                        <p:attrNameLst>
+                                          <p:attrName>style.visibility</p:attrName>
+                                        </p:attrNameLst>
+                                      </p:cBhvr>
+                                      <p:to>
+                                        <p:strVal val="visible"/>
+                                      </p:to>
+                                    </p:set>
+                                    <p:animEffect transition="in" filter="fade">
+                                      <p:cBhvr>
+                                        <p:cTn id="7" dur="500"/>
+                                        <p:tgtEl>
+                                          <p:spTgt spid="3">
+                                            <p:txEl>
+                                              <p:pRg st="0" end="0"/>
+                                            </p:txEl>
+                                          </p:spTgt>
+                                        </p:tgtEl>
+                                      </p:cBhvr>
+                                    </p:animEffect>
+                                  </p:childTnLst>
+                                </p:cTn>
+                              </p:par>
+                            </p:childTnLst>
+                          </p:cTn>
+                        </p:par>
+                      </p:childTnLst>
+                    </p:cTn>
+                  </p:par>
+                  <p:par>
+                    <p:cTn id="8" fill="hold">
+                      <p:stCondLst>
+                        <p:cond delay="indefinite"/>
+                      </p:stCondLst>
+                      <p:childTnLst>
+                        <p:par>
+                          <p:cTn id="9" fill="hold">
+                            <p:stCondLst>
+                              <p:cond delay="0"/>
+                            </p:stCondLst>
+                            <p:childTnLst>
+                              <p:par>
+                                <p:cTn id="10" presetID="10" presetClass="entr" presetSubtype="0" fill="hold" grpId="0" nodeType="clickEffect">
+                                  <p:stCondLst>
+                                    <p:cond delay="0"/>
+                                  </p:stCondLst>
+                                  <p:childTnLst>
+                                    <p:set>
+                                      <p:cBhvr>
+                                        <p:cTn id="11" dur="1" fill="hold">
+                                          <p:stCondLst>
+                                            <p:cond delay="0"/>
+                                          </p:stCondLst>
+                                        </p:cTn>
+                                        <p:tgtEl>
+                                          <p:spTgt spid="3">
+                                            <p:txEl>
+                                              <p:pRg st="1" end="1"/>
+                                            </p:txEl>
+                                          </p:spTgt>
+                                        </p:tgtEl>
+                                        <p:attrNameLst>
+                                          <p:attrName>style.visibility</p:attrName>
+                                        </p:attrNameLst>
+                                      </p:cBhvr>
+                                      <p:to>
+                                        <p:strVal val="visible"/>
+                                      </p:to>
+                                    </p:set>
+                                    <p:animEffect transition="in" filter="fade">
+                                      <p:cBhvr>
+                                        <p:cTn id="12" dur="500"/>
+                                        <p:tgtEl>
+                                          <p:spTgt spid="3">
+                                            <p:txEl>
+                                              <p:pRg st="1" end="1"/>
+                                            </p:txEl>
+                                          </p:spTgt>
+                                        </p:tgtEl>
+                                      </p:cBhvr>
+                                    </p:animEffect>
+                                  </p:childTnLst>
+                                </p:cTn>
+                              </p:par>
+                            </p:childTnLst>
+                          </p:cTn>
+                        </p:par>
+                      </p:childTnLst>
+                    </p:cTn>
+                  </p:par>
+                  <p:par>
+                    <p:cTn id="13" fill="hold">
+                      <p:stCondLst>
+                        <p:cond delay="indefinite"/>
+                      </p:stCondLst>
+                      <p:childTnLst>
+                        <p:par>
+                          <p:cTn id="14" fill="hold">
+                            <p:stCondLst>
+                              <p:cond delay="0"/>
+                            </p:stCondLst>
+                            <p:childTnLst>
+                              <p:par>
+                                <p:cTn id="15" presetID="10" presetClass="entr" presetSubtype="0" fill="hold" grpId="0" nodeType="clickEffect">
+                                  <p:stCondLst>
+                                    <p:cond delay="0"/>
+                                  </p:stCondLst>
+                                  <p:childTnLst>
+                                    <p:set>
+                                      <p:cBhvr>
+                                        <p:cTn id="16" dur="1" fill="hold">
+                                          <p:stCondLst>
+                                            <p:cond delay="0"/>
+                                          </p:stCondLst>
+                                        </p:cTn>
+                                        <p:tgtEl>
+                                          <p:spTgt spid="3">
+                                            <p:txEl>
+                                              <p:pRg st="2" end="2"/>
+                                            </p:txEl>
+                                          </p:spTgt>
+                                        </p:tgtEl>
+                                        <p:attrNameLst>
+                                          <p:attrName>style.visibility</p:attrName>
+                                        </p:attrNameLst>
+                                      </p:cBhvr>
+                                      <p:to>
+                                        <p:strVal val="visible"/>
+                                      </p:to>
+                                    </p:set>
+                                    <p:animEffect transition="in" filter="fade">
+                                      <p:cBhvr>
+                                        <p:cTn id="17" dur="500"/>
+                                        <p:tgtEl>
+                                          <p:spTgt spid="3">
+                                            <p:txEl>
+                                              <p:pRg st="2" end="2"/>
+                                            </p:txEl>
+                                          </p:spTgt>
+                                        </p:tgtEl>
+                                      </p:cBhvr>
+                                    </p:animEffect>
+                                  </p:childTnLst>
+                                </p:cTn>
+                              </p:par>
+                            </p:childTnLst>
+                          </p:cTn>
+                        </p:par>
+                      </p:childTnLst>
+                    </p:cTn>
+                  </p:par>
+                </p:childTnLst>
+              </p:cTn>
+              <p:prevCondLst>
+                <p:cond evt="onPrev" delay="0">
+                  <p:tgtEl>
+                    <p:sldTgt/>
+                  </p:tgtEl>
+                </p:cond>
+              </p:prevCondLst>
+              <p:nextCondLst>
+                <p:cond evt="onNext" delay="0">
+                  <p:tgtEl>
+                    <p:sldTgt/>
+                  </p:tgtEl>
+                </p:cond>
+              </p:nextCondLst>
+            </p:seq>
+          </p:childTnLst>
+        </p:cTn>
+      </p:par>
+    </p:tnLst>
+    <p:bldLst>
+      <p:bldP spid="3" grpId="0" build="p"/>
+    </p:bldLst>
+  </p:timing>
 </p:sld>
 </file>
 
@@ -8023,6 +8516,278 @@
       </p:transition>
     </mc:Fallback>
   </mc:AlternateContent>
+  <p:timing>
+    <p:tnLst>
+      <p:par>
+        <p:cTn id="1" dur="indefinite" restart="never" nodeType="tmRoot">
+          <p:childTnLst>
+            <p:seq concurrent="1" nextAc="seek">
+              <p:cTn id="2" dur="indefinite" nodeType="mainSeq">
+                <p:childTnLst>
+                  <p:par>
+                    <p:cTn id="3" fill="hold">
+                      <p:stCondLst>
+                        <p:cond delay="indefinite"/>
+                      </p:stCondLst>
+                      <p:childTnLst>
+                        <p:par>
+                          <p:cTn id="4" fill="hold">
+                            <p:stCondLst>
+                              <p:cond delay="0"/>
+                            </p:stCondLst>
+                            <p:childTnLst>
+                              <p:par>
+                                <p:cTn id="5" presetID="10" presetClass="entr" presetSubtype="0" fill="hold" grpId="0" nodeType="clickEffect">
+                                  <p:stCondLst>
+                                    <p:cond delay="0"/>
+                                  </p:stCondLst>
+                                  <p:childTnLst>
+                                    <p:set>
+                                      <p:cBhvr>
+                                        <p:cTn id="6" dur="1" fill="hold">
+                                          <p:stCondLst>
+                                            <p:cond delay="0"/>
+                                          </p:stCondLst>
+                                        </p:cTn>
+                                        <p:tgtEl>
+                                          <p:spTgt spid="3">
+                                            <p:txEl>
+                                              <p:pRg st="0" end="0"/>
+                                            </p:txEl>
+                                          </p:spTgt>
+                                        </p:tgtEl>
+                                        <p:attrNameLst>
+                                          <p:attrName>style.visibility</p:attrName>
+                                        </p:attrNameLst>
+                                      </p:cBhvr>
+                                      <p:to>
+                                        <p:strVal val="visible"/>
+                                      </p:to>
+                                    </p:set>
+                                    <p:animEffect transition="in" filter="fade">
+                                      <p:cBhvr>
+                                        <p:cTn id="7" dur="500"/>
+                                        <p:tgtEl>
+                                          <p:spTgt spid="3">
+                                            <p:txEl>
+                                              <p:pRg st="0" end="0"/>
+                                            </p:txEl>
+                                          </p:spTgt>
+                                        </p:tgtEl>
+                                      </p:cBhvr>
+                                    </p:animEffect>
+                                  </p:childTnLst>
+                                </p:cTn>
+                              </p:par>
+                              <p:par>
+                                <p:cTn id="8" presetID="10" presetClass="entr" presetSubtype="0" fill="hold" nodeType="withEffect">
+                                  <p:stCondLst>
+                                    <p:cond delay="0"/>
+                                  </p:stCondLst>
+                                  <p:childTnLst>
+                                    <p:set>
+                                      <p:cBhvr>
+                                        <p:cTn id="9" dur="1" fill="hold">
+                                          <p:stCondLst>
+                                            <p:cond delay="0"/>
+                                          </p:stCondLst>
+                                        </p:cTn>
+                                        <p:tgtEl>
+                                          <p:spTgt spid="4"/>
+                                        </p:tgtEl>
+                                        <p:attrNameLst>
+                                          <p:attrName>style.visibility</p:attrName>
+                                        </p:attrNameLst>
+                                      </p:cBhvr>
+                                      <p:to>
+                                        <p:strVal val="visible"/>
+                                      </p:to>
+                                    </p:set>
+                                    <p:animEffect transition="in" filter="fade">
+                                      <p:cBhvr>
+                                        <p:cTn id="10" dur="500"/>
+                                        <p:tgtEl>
+                                          <p:spTgt spid="4"/>
+                                        </p:tgtEl>
+                                      </p:cBhvr>
+                                    </p:animEffect>
+                                  </p:childTnLst>
+                                </p:cTn>
+                              </p:par>
+                            </p:childTnLst>
+                          </p:cTn>
+                        </p:par>
+                      </p:childTnLst>
+                    </p:cTn>
+                  </p:par>
+                  <p:par>
+                    <p:cTn id="11" fill="hold">
+                      <p:stCondLst>
+                        <p:cond delay="indefinite"/>
+                      </p:stCondLst>
+                      <p:childTnLst>
+                        <p:par>
+                          <p:cTn id="12" fill="hold">
+                            <p:stCondLst>
+                              <p:cond delay="0"/>
+                            </p:stCondLst>
+                            <p:childTnLst>
+                              <p:par>
+                                <p:cTn id="13" presetID="10" presetClass="entr" presetSubtype="0" fill="hold" grpId="0" nodeType="clickEffect">
+                                  <p:stCondLst>
+                                    <p:cond delay="0"/>
+                                  </p:stCondLst>
+                                  <p:childTnLst>
+                                    <p:set>
+                                      <p:cBhvr>
+                                        <p:cTn id="14" dur="1" fill="hold">
+                                          <p:stCondLst>
+                                            <p:cond delay="0"/>
+                                          </p:stCondLst>
+                                        </p:cTn>
+                                        <p:tgtEl>
+                                          <p:spTgt spid="5"/>
+                                        </p:tgtEl>
+                                        <p:attrNameLst>
+                                          <p:attrName>style.visibility</p:attrName>
+                                        </p:attrNameLst>
+                                      </p:cBhvr>
+                                      <p:to>
+                                        <p:strVal val="visible"/>
+                                      </p:to>
+                                    </p:set>
+                                    <p:animEffect transition="in" filter="fade">
+                                      <p:cBhvr>
+                                        <p:cTn id="15" dur="500"/>
+                                        <p:tgtEl>
+                                          <p:spTgt spid="5"/>
+                                        </p:tgtEl>
+                                      </p:cBhvr>
+                                    </p:animEffect>
+                                  </p:childTnLst>
+                                </p:cTn>
+                              </p:par>
+                              <p:par>
+                                <p:cTn id="16" presetID="10" presetClass="entr" presetSubtype="0" fill="hold" nodeType="withEffect">
+                                  <p:stCondLst>
+                                    <p:cond delay="0"/>
+                                  </p:stCondLst>
+                                  <p:childTnLst>
+                                    <p:set>
+                                      <p:cBhvr>
+                                        <p:cTn id="17" dur="1" fill="hold">
+                                          <p:stCondLst>
+                                            <p:cond delay="0"/>
+                                          </p:stCondLst>
+                                        </p:cTn>
+                                        <p:tgtEl>
+                                          <p:spTgt spid="6"/>
+                                        </p:tgtEl>
+                                        <p:attrNameLst>
+                                          <p:attrName>style.visibility</p:attrName>
+                                        </p:attrNameLst>
+                                      </p:cBhvr>
+                                      <p:to>
+                                        <p:strVal val="visible"/>
+                                      </p:to>
+                                    </p:set>
+                                    <p:animEffect transition="in" filter="fade">
+                                      <p:cBhvr>
+                                        <p:cTn id="18" dur="500"/>
+                                        <p:tgtEl>
+                                          <p:spTgt spid="6"/>
+                                        </p:tgtEl>
+                                      </p:cBhvr>
+                                    </p:animEffect>
+                                  </p:childTnLst>
+                                </p:cTn>
+                              </p:par>
+                            </p:childTnLst>
+                          </p:cTn>
+                        </p:par>
+                      </p:childTnLst>
+                    </p:cTn>
+                  </p:par>
+                  <p:par>
+                    <p:cTn id="19" fill="hold">
+                      <p:stCondLst>
+                        <p:cond delay="indefinite"/>
+                      </p:stCondLst>
+                      <p:childTnLst>
+                        <p:par>
+                          <p:cTn id="20" fill="hold">
+                            <p:stCondLst>
+                              <p:cond delay="0"/>
+                            </p:stCondLst>
+                            <p:childTnLst>
+                              <p:par>
+                                <p:cTn id="21" presetID="10" presetClass="entr" presetSubtype="0" fill="hold" grpId="0" nodeType="clickEffect">
+                                  <p:stCondLst>
+                                    <p:cond delay="0"/>
+                                  </p:stCondLst>
+                                  <p:childTnLst>
+                                    <p:set>
+                                      <p:cBhvr>
+                                        <p:cTn id="22" dur="1" fill="hold">
+                                          <p:stCondLst>
+                                            <p:cond delay="0"/>
+                                          </p:stCondLst>
+                                        </p:cTn>
+                                        <p:tgtEl>
+                                          <p:spTgt spid="7"/>
+                                        </p:tgtEl>
+                                        <p:attrNameLst>
+                                          <p:attrName>style.visibility</p:attrName>
+                                        </p:attrNameLst>
+                                      </p:cBhvr>
+                                      <p:to>
+                                        <p:strVal val="visible"/>
+                                      </p:to>
+                                    </p:set>
+                                    <p:animEffect transition="in" filter="fade">
+                                      <p:cBhvr>
+                                        <p:cTn id="23" dur="500"/>
+                                        <p:tgtEl>
+                                          <p:spTgt spid="7"/>
+                                        </p:tgtEl>
+                                      </p:cBhvr>
+                                    </p:animEffect>
+                                  </p:childTnLst>
+                                </p:cTn>
+                              </p:par>
+                            </p:childTnLst>
+                          </p:cTn>
+                        </p:par>
+                      </p:childTnLst>
+                    </p:cTn>
+                  </p:par>
+                </p:childTnLst>
+              </p:cTn>
+              <p:prevCondLst>
+                <p:cond evt="onPrev" delay="0">
+                  <p:tgtEl>
+                    <p:sldTgt/>
+                  </p:tgtEl>
+                </p:cond>
+              </p:prevCondLst>
+              <p:nextCondLst>
+                <p:cond evt="onNext" delay="0">
+                  <p:tgtEl>
+                    <p:sldTgt/>
+                  </p:tgtEl>
+                </p:cond>
+              </p:nextCondLst>
+            </p:seq>
+          </p:childTnLst>
+        </p:cTn>
+      </p:par>
+    </p:tnLst>
+    <p:bldLst>
+      <p:bldP spid="3" grpId="0" build="p"/>
+      <p:bldP spid="5" grpId="0"/>
+      <p:bldP spid="7" grpId="0"/>
+    </p:bldLst>
+  </p:timing>
 </p:sld>
 </file>
 
@@ -8316,6 +9081,222 @@
       </p:transition>
     </mc:Fallback>
   </mc:AlternateContent>
+  <p:timing>
+    <p:tnLst>
+      <p:par>
+        <p:cTn id="1" dur="indefinite" restart="never" nodeType="tmRoot">
+          <p:childTnLst>
+            <p:seq concurrent="1" nextAc="seek">
+              <p:cTn id="2" dur="indefinite" nodeType="mainSeq">
+                <p:childTnLst>
+                  <p:par>
+                    <p:cTn id="3" fill="hold">
+                      <p:stCondLst>
+                        <p:cond delay="indefinite"/>
+                      </p:stCondLst>
+                      <p:childTnLst>
+                        <p:par>
+                          <p:cTn id="4" fill="hold">
+                            <p:stCondLst>
+                              <p:cond delay="0"/>
+                            </p:stCondLst>
+                            <p:childTnLst>
+                              <p:par>
+                                <p:cTn id="5" presetID="10" presetClass="entr" presetSubtype="0" fill="hold" grpId="0" nodeType="clickEffect">
+                                  <p:stCondLst>
+                                    <p:cond delay="0"/>
+                                  </p:stCondLst>
+                                  <p:childTnLst>
+                                    <p:set>
+                                      <p:cBhvr>
+                                        <p:cTn id="6" dur="1" fill="hold">
+                                          <p:stCondLst>
+                                            <p:cond delay="0"/>
+                                          </p:stCondLst>
+                                        </p:cTn>
+                                        <p:tgtEl>
+                                          <p:spTgt spid="3">
+                                            <p:txEl>
+                                              <p:pRg st="0" end="0"/>
+                                            </p:txEl>
+                                          </p:spTgt>
+                                        </p:tgtEl>
+                                        <p:attrNameLst>
+                                          <p:attrName>style.visibility</p:attrName>
+                                        </p:attrNameLst>
+                                      </p:cBhvr>
+                                      <p:to>
+                                        <p:strVal val="visible"/>
+                                      </p:to>
+                                    </p:set>
+                                    <p:animEffect transition="in" filter="fade">
+                                      <p:cBhvr>
+                                        <p:cTn id="7" dur="500"/>
+                                        <p:tgtEl>
+                                          <p:spTgt spid="3">
+                                            <p:txEl>
+                                              <p:pRg st="0" end="0"/>
+                                            </p:txEl>
+                                          </p:spTgt>
+                                        </p:tgtEl>
+                                      </p:cBhvr>
+                                    </p:animEffect>
+                                  </p:childTnLst>
+                                </p:cTn>
+                              </p:par>
+                            </p:childTnLst>
+                          </p:cTn>
+                        </p:par>
+                      </p:childTnLst>
+                    </p:cTn>
+                  </p:par>
+                  <p:par>
+                    <p:cTn id="8" fill="hold">
+                      <p:stCondLst>
+                        <p:cond delay="indefinite"/>
+                      </p:stCondLst>
+                      <p:childTnLst>
+                        <p:par>
+                          <p:cTn id="9" fill="hold">
+                            <p:stCondLst>
+                              <p:cond delay="0"/>
+                            </p:stCondLst>
+                            <p:childTnLst>
+                              <p:par>
+                                <p:cTn id="10" presetID="10" presetClass="entr" presetSubtype="0" fill="hold" grpId="0" nodeType="clickEffect">
+                                  <p:stCondLst>
+                                    <p:cond delay="0"/>
+                                  </p:stCondLst>
+                                  <p:childTnLst>
+                                    <p:set>
+                                      <p:cBhvr>
+                                        <p:cTn id="11" dur="1" fill="hold">
+                                          <p:stCondLst>
+                                            <p:cond delay="0"/>
+                                          </p:stCondLst>
+                                        </p:cTn>
+                                        <p:tgtEl>
+                                          <p:spTgt spid="3">
+                                            <p:txEl>
+                                              <p:pRg st="1" end="1"/>
+                                            </p:txEl>
+                                          </p:spTgt>
+                                        </p:tgtEl>
+                                        <p:attrNameLst>
+                                          <p:attrName>style.visibility</p:attrName>
+                                        </p:attrNameLst>
+                                      </p:cBhvr>
+                                      <p:to>
+                                        <p:strVal val="visible"/>
+                                      </p:to>
+                                    </p:set>
+                                    <p:animEffect transition="in" filter="fade">
+                                      <p:cBhvr>
+                                        <p:cTn id="12" dur="500"/>
+                                        <p:tgtEl>
+                                          <p:spTgt spid="3">
+                                            <p:txEl>
+                                              <p:pRg st="1" end="1"/>
+                                            </p:txEl>
+                                          </p:spTgt>
+                                        </p:tgtEl>
+                                      </p:cBhvr>
+                                    </p:animEffect>
+                                  </p:childTnLst>
+                                </p:cTn>
+                              </p:par>
+                            </p:childTnLst>
+                          </p:cTn>
+                        </p:par>
+                      </p:childTnLst>
+                    </p:cTn>
+                  </p:par>
+                  <p:par>
+                    <p:cTn id="13" fill="hold">
+                      <p:stCondLst>
+                        <p:cond delay="indefinite"/>
+                      </p:stCondLst>
+                      <p:childTnLst>
+                        <p:par>
+                          <p:cTn id="14" fill="hold">
+                            <p:stCondLst>
+                              <p:cond delay="0"/>
+                            </p:stCondLst>
+                            <p:childTnLst>
+                              <p:par>
+                                <p:cTn id="15" presetID="10" presetClass="entr" presetSubtype="0" fill="hold" grpId="0" nodeType="clickEffect">
+                                  <p:stCondLst>
+                                    <p:cond delay="0"/>
+                                  </p:stCondLst>
+                                  <p:childTnLst>
+                                    <p:set>
+                                      <p:cBhvr>
+                                        <p:cTn id="16" dur="1" fill="hold">
+                                          <p:stCondLst>
+                                            <p:cond delay="0"/>
+                                          </p:stCondLst>
+                                        </p:cTn>
+                                        <p:tgtEl>
+                                          <p:spTgt spid="3">
+                                            <p:txEl>
+                                              <p:pRg st="2" end="2"/>
+                                            </p:txEl>
+                                          </p:spTgt>
+                                        </p:tgtEl>
+                                        <p:attrNameLst>
+                                          <p:attrName>style.visibility</p:attrName>
+                                        </p:attrNameLst>
+                                      </p:cBhvr>
+                                      <p:to>
+                                        <p:strVal val="visible"/>
+                                      </p:to>
+                                    </p:set>
+                                    <p:animEffect transition="in" filter="fade">
+                                      <p:cBhvr>
+                                        <p:cTn id="17" dur="500"/>
+                                        <p:tgtEl>
+                                          <p:spTgt spid="3">
+                                            <p:txEl>
+                                              <p:pRg st="2" end="2"/>
+                                            </p:txEl>
+                                          </p:spTgt>
+                                        </p:tgtEl>
+                                      </p:cBhvr>
+                                    </p:animEffect>
+                                  </p:childTnLst>
+                                </p:cTn>
+                              </p:par>
+                            </p:childTnLst>
+                          </p:cTn>
+                        </p:par>
+                      </p:childTnLst>
+                    </p:cTn>
+                  </p:par>
+                </p:childTnLst>
+              </p:cTn>
+              <p:prevCondLst>
+                <p:cond evt="onPrev" delay="0">
+                  <p:tgtEl>
+                    <p:sldTgt/>
+                  </p:tgtEl>
+                </p:cond>
+              </p:prevCondLst>
+              <p:nextCondLst>
+                <p:cond evt="onNext" delay="0">
+                  <p:tgtEl>
+                    <p:sldTgt/>
+                  </p:tgtEl>
+                </p:cond>
+              </p:nextCondLst>
+            </p:seq>
+          </p:childTnLst>
+        </p:cTn>
+      </p:par>
+    </p:tnLst>
+    <p:bldLst>
+      <p:bldP spid="3" grpId="0" build="p"/>
+    </p:bldLst>
+  </p:timing>
 </p:sld>
 </file>
 
@@ -9769,6 +10750,283 @@
       </p:transition>
     </mc:Fallback>
   </mc:AlternateContent>
+  <p:timing>
+    <p:tnLst>
+      <p:par>
+        <p:cTn id="1" dur="indefinite" restart="never" nodeType="tmRoot">
+          <p:childTnLst>
+            <p:seq concurrent="1" nextAc="seek">
+              <p:cTn id="2" dur="indefinite" nodeType="mainSeq">
+                <p:childTnLst>
+                  <p:par>
+                    <p:cTn id="3" fill="hold">
+                      <p:stCondLst>
+                        <p:cond delay="indefinite"/>
+                      </p:stCondLst>
+                      <p:childTnLst>
+                        <p:par>
+                          <p:cTn id="4" fill="hold">
+                            <p:stCondLst>
+                              <p:cond delay="0"/>
+                            </p:stCondLst>
+                            <p:childTnLst>
+                              <p:par>
+                                <p:cTn id="5" presetID="10" presetClass="entr" presetSubtype="0" fill="hold" grpId="0" nodeType="clickEffect">
+                                  <p:stCondLst>
+                                    <p:cond delay="0"/>
+                                  </p:stCondLst>
+                                  <p:childTnLst>
+                                    <p:set>
+                                      <p:cBhvr>
+                                        <p:cTn id="6" dur="1" fill="hold">
+                                          <p:stCondLst>
+                                            <p:cond delay="0"/>
+                                          </p:stCondLst>
+                                        </p:cTn>
+                                        <p:tgtEl>
+                                          <p:spTgt spid="3">
+                                            <p:txEl>
+                                              <p:pRg st="0" end="0"/>
+                                            </p:txEl>
+                                          </p:spTgt>
+                                        </p:tgtEl>
+                                        <p:attrNameLst>
+                                          <p:attrName>style.visibility</p:attrName>
+                                        </p:attrNameLst>
+                                      </p:cBhvr>
+                                      <p:to>
+                                        <p:strVal val="visible"/>
+                                      </p:to>
+                                    </p:set>
+                                    <p:animEffect transition="in" filter="fade">
+                                      <p:cBhvr>
+                                        <p:cTn id="7" dur="500"/>
+                                        <p:tgtEl>
+                                          <p:spTgt spid="3">
+                                            <p:txEl>
+                                              <p:pRg st="0" end="0"/>
+                                            </p:txEl>
+                                          </p:spTgt>
+                                        </p:tgtEl>
+                                      </p:cBhvr>
+                                    </p:animEffect>
+                                  </p:childTnLst>
+                                </p:cTn>
+                              </p:par>
+                            </p:childTnLst>
+                          </p:cTn>
+                        </p:par>
+                      </p:childTnLst>
+                    </p:cTn>
+                  </p:par>
+                  <p:par>
+                    <p:cTn id="8" fill="hold">
+                      <p:stCondLst>
+                        <p:cond delay="indefinite"/>
+                      </p:stCondLst>
+                      <p:childTnLst>
+                        <p:par>
+                          <p:cTn id="9" fill="hold">
+                            <p:stCondLst>
+                              <p:cond delay="0"/>
+                            </p:stCondLst>
+                            <p:childTnLst>
+                              <p:par>
+                                <p:cTn id="10" presetID="10" presetClass="entr" presetSubtype="0" fill="hold" grpId="0" nodeType="clickEffect">
+                                  <p:stCondLst>
+                                    <p:cond delay="0"/>
+                                  </p:stCondLst>
+                                  <p:childTnLst>
+                                    <p:set>
+                                      <p:cBhvr>
+                                        <p:cTn id="11" dur="1" fill="hold">
+                                          <p:stCondLst>
+                                            <p:cond delay="0"/>
+                                          </p:stCondLst>
+                                        </p:cTn>
+                                        <p:tgtEl>
+                                          <p:spTgt spid="3">
+                                            <p:txEl>
+                                              <p:pRg st="1" end="1"/>
+                                            </p:txEl>
+                                          </p:spTgt>
+                                        </p:tgtEl>
+                                        <p:attrNameLst>
+                                          <p:attrName>style.visibility</p:attrName>
+                                        </p:attrNameLst>
+                                      </p:cBhvr>
+                                      <p:to>
+                                        <p:strVal val="visible"/>
+                                      </p:to>
+                                    </p:set>
+                                    <p:animEffect transition="in" filter="fade">
+                                      <p:cBhvr>
+                                        <p:cTn id="12" dur="500"/>
+                                        <p:tgtEl>
+                                          <p:spTgt spid="3">
+                                            <p:txEl>
+                                              <p:pRg st="1" end="1"/>
+                                            </p:txEl>
+                                          </p:spTgt>
+                                        </p:tgtEl>
+                                      </p:cBhvr>
+                                    </p:animEffect>
+                                  </p:childTnLst>
+                                </p:cTn>
+                              </p:par>
+                            </p:childTnLst>
+                          </p:cTn>
+                        </p:par>
+                      </p:childTnLst>
+                    </p:cTn>
+                  </p:par>
+                  <p:par>
+                    <p:cTn id="13" fill="hold">
+                      <p:stCondLst>
+                        <p:cond delay="indefinite"/>
+                      </p:stCondLst>
+                      <p:childTnLst>
+                        <p:par>
+                          <p:cTn id="14" fill="hold">
+                            <p:stCondLst>
+                              <p:cond delay="0"/>
+                            </p:stCondLst>
+                            <p:childTnLst>
+                              <p:par>
+                                <p:cTn id="15" presetID="10" presetClass="entr" presetSubtype="0" fill="hold" grpId="0" nodeType="clickEffect">
+                                  <p:stCondLst>
+                                    <p:cond delay="0"/>
+                                  </p:stCondLst>
+                                  <p:childTnLst>
+                                    <p:set>
+                                      <p:cBhvr>
+                                        <p:cTn id="16" dur="1" fill="hold">
+                                          <p:stCondLst>
+                                            <p:cond delay="0"/>
+                                          </p:stCondLst>
+                                        </p:cTn>
+                                        <p:tgtEl>
+                                          <p:spTgt spid="3">
+                                            <p:txEl>
+                                              <p:pRg st="2" end="2"/>
+                                            </p:txEl>
+                                          </p:spTgt>
+                                        </p:tgtEl>
+                                        <p:attrNameLst>
+                                          <p:attrName>style.visibility</p:attrName>
+                                        </p:attrNameLst>
+                                      </p:cBhvr>
+                                      <p:to>
+                                        <p:strVal val="visible"/>
+                                      </p:to>
+                                    </p:set>
+                                    <p:animEffect transition="in" filter="fade">
+                                      <p:cBhvr>
+                                        <p:cTn id="17" dur="500"/>
+                                        <p:tgtEl>
+                                          <p:spTgt spid="3">
+                                            <p:txEl>
+                                              <p:pRg st="2" end="2"/>
+                                            </p:txEl>
+                                          </p:spTgt>
+                                        </p:tgtEl>
+                                      </p:cBhvr>
+                                    </p:animEffect>
+                                  </p:childTnLst>
+                                </p:cTn>
+                              </p:par>
+                            </p:childTnLst>
+                          </p:cTn>
+                        </p:par>
+                      </p:childTnLst>
+                    </p:cTn>
+                  </p:par>
+                  <p:par>
+                    <p:cTn id="18" fill="hold">
+                      <p:stCondLst>
+                        <p:cond delay="indefinite"/>
+                      </p:stCondLst>
+                      <p:childTnLst>
+                        <p:par>
+                          <p:cTn id="19" fill="hold">
+                            <p:stCondLst>
+                              <p:cond delay="0"/>
+                            </p:stCondLst>
+                            <p:childTnLst>
+                              <p:par>
+                                <p:cTn id="20" presetID="10" presetClass="entr" presetSubtype="0" fill="hold" grpId="0" nodeType="clickEffect">
+                                  <p:stCondLst>
+                                    <p:cond delay="0"/>
+                                  </p:stCondLst>
+                                  <p:childTnLst>
+                                    <p:set>
+                                      <p:cBhvr>
+                                        <p:cTn id="21" dur="1" fill="hold">
+                                          <p:stCondLst>
+                                            <p:cond delay="0"/>
+                                          </p:stCondLst>
+                                        </p:cTn>
+                                        <p:tgtEl>
+                                          <p:spTgt spid="3">
+                                            <p:txEl>
+                                              <p:pRg st="3" end="3"/>
+                                            </p:txEl>
+                                          </p:spTgt>
+                                        </p:tgtEl>
+                                        <p:attrNameLst>
+                                          <p:attrName>style.visibility</p:attrName>
+                                        </p:attrNameLst>
+                                      </p:cBhvr>
+                                      <p:to>
+                                        <p:strVal val="visible"/>
+                                      </p:to>
+                                    </p:set>
+                                    <p:animEffect transition="in" filter="fade">
+                                      <p:cBhvr>
+                                        <p:cTn id="22" dur="500"/>
+                                        <p:tgtEl>
+                                          <p:spTgt spid="3">
+                                            <p:txEl>
+                                              <p:pRg st="3" end="3"/>
+                                            </p:txEl>
+                                          </p:spTgt>
+                                        </p:tgtEl>
+                                      </p:cBhvr>
+                                    </p:animEffect>
+                                  </p:childTnLst>
+                                </p:cTn>
+                              </p:par>
+                            </p:childTnLst>
+                          </p:cTn>
+                        </p:par>
+                      </p:childTnLst>
+                    </p:cTn>
+                  </p:par>
+                </p:childTnLst>
+              </p:cTn>
+              <p:prevCondLst>
+                <p:cond evt="onPrev" delay="0">
+                  <p:tgtEl>
+                    <p:sldTgt/>
+                  </p:tgtEl>
+                </p:cond>
+              </p:prevCondLst>
+              <p:nextCondLst>
+                <p:cond evt="onNext" delay="0">
+                  <p:tgtEl>
+                    <p:sldTgt/>
+                  </p:tgtEl>
+                </p:cond>
+              </p:nextCondLst>
+            </p:seq>
+          </p:childTnLst>
+        </p:cTn>
+      </p:par>
+    </p:tnLst>
+    <p:bldLst>
+      <p:bldP spid="3" grpId="0" build="p"/>
+    </p:bldLst>
+  </p:timing>
 </p:sld>
 </file>
 
@@ -12671,6 +13929,222 @@
       </p:transition>
     </mc:Fallback>
   </mc:AlternateContent>
+  <p:timing>
+    <p:tnLst>
+      <p:par>
+        <p:cTn id="1" dur="indefinite" restart="never" nodeType="tmRoot">
+          <p:childTnLst>
+            <p:seq concurrent="1" nextAc="seek">
+              <p:cTn id="2" dur="indefinite" nodeType="mainSeq">
+                <p:childTnLst>
+                  <p:par>
+                    <p:cTn id="3" fill="hold">
+                      <p:stCondLst>
+                        <p:cond delay="indefinite"/>
+                      </p:stCondLst>
+                      <p:childTnLst>
+                        <p:par>
+                          <p:cTn id="4" fill="hold">
+                            <p:stCondLst>
+                              <p:cond delay="0"/>
+                            </p:stCondLst>
+                            <p:childTnLst>
+                              <p:par>
+                                <p:cTn id="5" presetID="10" presetClass="entr" presetSubtype="0" fill="hold" grpId="0" nodeType="clickEffect">
+                                  <p:stCondLst>
+                                    <p:cond delay="0"/>
+                                  </p:stCondLst>
+                                  <p:childTnLst>
+                                    <p:set>
+                                      <p:cBhvr>
+                                        <p:cTn id="6" dur="1" fill="hold">
+                                          <p:stCondLst>
+                                            <p:cond delay="0"/>
+                                          </p:stCondLst>
+                                        </p:cTn>
+                                        <p:tgtEl>
+                                          <p:spTgt spid="6">
+                                            <p:txEl>
+                                              <p:pRg st="0" end="0"/>
+                                            </p:txEl>
+                                          </p:spTgt>
+                                        </p:tgtEl>
+                                        <p:attrNameLst>
+                                          <p:attrName>style.visibility</p:attrName>
+                                        </p:attrNameLst>
+                                      </p:cBhvr>
+                                      <p:to>
+                                        <p:strVal val="visible"/>
+                                      </p:to>
+                                    </p:set>
+                                    <p:animEffect transition="in" filter="fade">
+                                      <p:cBhvr>
+                                        <p:cTn id="7" dur="500"/>
+                                        <p:tgtEl>
+                                          <p:spTgt spid="6">
+                                            <p:txEl>
+                                              <p:pRg st="0" end="0"/>
+                                            </p:txEl>
+                                          </p:spTgt>
+                                        </p:tgtEl>
+                                      </p:cBhvr>
+                                    </p:animEffect>
+                                  </p:childTnLst>
+                                </p:cTn>
+                              </p:par>
+                            </p:childTnLst>
+                          </p:cTn>
+                        </p:par>
+                      </p:childTnLst>
+                    </p:cTn>
+                  </p:par>
+                  <p:par>
+                    <p:cTn id="8" fill="hold">
+                      <p:stCondLst>
+                        <p:cond delay="indefinite"/>
+                      </p:stCondLst>
+                      <p:childTnLst>
+                        <p:par>
+                          <p:cTn id="9" fill="hold">
+                            <p:stCondLst>
+                              <p:cond delay="0"/>
+                            </p:stCondLst>
+                            <p:childTnLst>
+                              <p:par>
+                                <p:cTn id="10" presetID="10" presetClass="entr" presetSubtype="0" fill="hold" grpId="0" nodeType="clickEffect">
+                                  <p:stCondLst>
+                                    <p:cond delay="0"/>
+                                  </p:stCondLst>
+                                  <p:childTnLst>
+                                    <p:set>
+                                      <p:cBhvr>
+                                        <p:cTn id="11" dur="1" fill="hold">
+                                          <p:stCondLst>
+                                            <p:cond delay="0"/>
+                                          </p:stCondLst>
+                                        </p:cTn>
+                                        <p:tgtEl>
+                                          <p:spTgt spid="6">
+                                            <p:txEl>
+                                              <p:pRg st="1" end="1"/>
+                                            </p:txEl>
+                                          </p:spTgt>
+                                        </p:tgtEl>
+                                        <p:attrNameLst>
+                                          <p:attrName>style.visibility</p:attrName>
+                                        </p:attrNameLst>
+                                      </p:cBhvr>
+                                      <p:to>
+                                        <p:strVal val="visible"/>
+                                      </p:to>
+                                    </p:set>
+                                    <p:animEffect transition="in" filter="fade">
+                                      <p:cBhvr>
+                                        <p:cTn id="12" dur="500"/>
+                                        <p:tgtEl>
+                                          <p:spTgt spid="6">
+                                            <p:txEl>
+                                              <p:pRg st="1" end="1"/>
+                                            </p:txEl>
+                                          </p:spTgt>
+                                        </p:tgtEl>
+                                      </p:cBhvr>
+                                    </p:animEffect>
+                                  </p:childTnLst>
+                                </p:cTn>
+                              </p:par>
+                            </p:childTnLst>
+                          </p:cTn>
+                        </p:par>
+                      </p:childTnLst>
+                    </p:cTn>
+                  </p:par>
+                  <p:par>
+                    <p:cTn id="13" fill="hold">
+                      <p:stCondLst>
+                        <p:cond delay="indefinite"/>
+                      </p:stCondLst>
+                      <p:childTnLst>
+                        <p:par>
+                          <p:cTn id="14" fill="hold">
+                            <p:stCondLst>
+                              <p:cond delay="0"/>
+                            </p:stCondLst>
+                            <p:childTnLst>
+                              <p:par>
+                                <p:cTn id="15" presetID="10" presetClass="entr" presetSubtype="0" fill="hold" grpId="0" nodeType="clickEffect">
+                                  <p:stCondLst>
+                                    <p:cond delay="0"/>
+                                  </p:stCondLst>
+                                  <p:childTnLst>
+                                    <p:set>
+                                      <p:cBhvr>
+                                        <p:cTn id="16" dur="1" fill="hold">
+                                          <p:stCondLst>
+                                            <p:cond delay="0"/>
+                                          </p:stCondLst>
+                                        </p:cTn>
+                                        <p:tgtEl>
+                                          <p:spTgt spid="6">
+                                            <p:txEl>
+                                              <p:pRg st="2" end="2"/>
+                                            </p:txEl>
+                                          </p:spTgt>
+                                        </p:tgtEl>
+                                        <p:attrNameLst>
+                                          <p:attrName>style.visibility</p:attrName>
+                                        </p:attrNameLst>
+                                      </p:cBhvr>
+                                      <p:to>
+                                        <p:strVal val="visible"/>
+                                      </p:to>
+                                    </p:set>
+                                    <p:animEffect transition="in" filter="fade">
+                                      <p:cBhvr>
+                                        <p:cTn id="17" dur="500"/>
+                                        <p:tgtEl>
+                                          <p:spTgt spid="6">
+                                            <p:txEl>
+                                              <p:pRg st="2" end="2"/>
+                                            </p:txEl>
+                                          </p:spTgt>
+                                        </p:tgtEl>
+                                      </p:cBhvr>
+                                    </p:animEffect>
+                                  </p:childTnLst>
+                                </p:cTn>
+                              </p:par>
+                            </p:childTnLst>
+                          </p:cTn>
+                        </p:par>
+                      </p:childTnLst>
+                    </p:cTn>
+                  </p:par>
+                </p:childTnLst>
+              </p:cTn>
+              <p:prevCondLst>
+                <p:cond evt="onPrev" delay="0">
+                  <p:tgtEl>
+                    <p:sldTgt/>
+                  </p:tgtEl>
+                </p:cond>
+              </p:prevCondLst>
+              <p:nextCondLst>
+                <p:cond evt="onNext" delay="0">
+                  <p:tgtEl>
+                    <p:sldTgt/>
+                  </p:tgtEl>
+                </p:cond>
+              </p:nextCondLst>
+            </p:seq>
+          </p:childTnLst>
+        </p:cTn>
+      </p:par>
+    </p:tnLst>
+    <p:bldLst>
+      <p:bldP spid="6" grpId="0" build="p"/>
+    </p:bldLst>
+  </p:timing>
 </p:sld>
 </file>
 
@@ -13322,6 +14796,161 @@
       </p:transition>
     </mc:Fallback>
   </mc:AlternateContent>
+  <p:timing>
+    <p:tnLst>
+      <p:par>
+        <p:cTn id="1" dur="indefinite" restart="never" nodeType="tmRoot">
+          <p:childTnLst>
+            <p:seq concurrent="1" nextAc="seek">
+              <p:cTn id="2" dur="indefinite" nodeType="mainSeq">
+                <p:childTnLst>
+                  <p:par>
+                    <p:cTn id="3" fill="hold">
+                      <p:stCondLst>
+                        <p:cond delay="indefinite"/>
+                      </p:stCondLst>
+                      <p:childTnLst>
+                        <p:par>
+                          <p:cTn id="4" fill="hold">
+                            <p:stCondLst>
+                              <p:cond delay="0"/>
+                            </p:stCondLst>
+                            <p:childTnLst>
+                              <p:par>
+                                <p:cTn id="5" presetID="10" presetClass="entr" presetSubtype="0" fill="hold" grpId="0" nodeType="clickEffect">
+                                  <p:stCondLst>
+                                    <p:cond delay="0"/>
+                                  </p:stCondLst>
+                                  <p:childTnLst>
+                                    <p:set>
+                                      <p:cBhvr>
+                                        <p:cTn id="6" dur="1" fill="hold">
+                                          <p:stCondLst>
+                                            <p:cond delay="0"/>
+                                          </p:stCondLst>
+                                        </p:cTn>
+                                        <p:tgtEl>
+                                          <p:spTgt spid="6">
+                                            <p:txEl>
+                                              <p:pRg st="0" end="0"/>
+                                            </p:txEl>
+                                          </p:spTgt>
+                                        </p:tgtEl>
+                                        <p:attrNameLst>
+                                          <p:attrName>style.visibility</p:attrName>
+                                        </p:attrNameLst>
+                                      </p:cBhvr>
+                                      <p:to>
+                                        <p:strVal val="visible"/>
+                                      </p:to>
+                                    </p:set>
+                                    <p:animEffect transition="in" filter="fade">
+                                      <p:cBhvr>
+                                        <p:cTn id="7" dur="500"/>
+                                        <p:tgtEl>
+                                          <p:spTgt spid="6">
+                                            <p:txEl>
+                                              <p:pRg st="0" end="0"/>
+                                            </p:txEl>
+                                          </p:spTgt>
+                                        </p:tgtEl>
+                                      </p:cBhvr>
+                                    </p:animEffect>
+                                  </p:childTnLst>
+                                </p:cTn>
+                              </p:par>
+                            </p:childTnLst>
+                          </p:cTn>
+                        </p:par>
+                      </p:childTnLst>
+                    </p:cTn>
+                  </p:par>
+                  <p:par>
+                    <p:cTn id="8" fill="hold">
+                      <p:stCondLst>
+                        <p:cond delay="indefinite"/>
+                      </p:stCondLst>
+                      <p:childTnLst>
+                        <p:par>
+                          <p:cTn id="9" fill="hold">
+                            <p:stCondLst>
+                              <p:cond delay="0"/>
+                            </p:stCondLst>
+                            <p:childTnLst>
+                              <p:par>
+                                <p:cTn id="10" presetID="10" presetClass="entr" presetSubtype="0" fill="hold" grpId="0" nodeType="clickEffect">
+                                  <p:stCondLst>
+                                    <p:cond delay="0"/>
+                                  </p:stCondLst>
+                                  <p:childTnLst>
+                                    <p:set>
+                                      <p:cBhvr>
+                                        <p:cTn id="11" dur="1" fill="hold">
+                                          <p:stCondLst>
+                                            <p:cond delay="0"/>
+                                          </p:stCondLst>
+                                        </p:cTn>
+                                        <p:tgtEl>
+                                          <p:spTgt spid="6">
+                                            <p:txEl>
+                                              <p:pRg st="1" end="1"/>
+                                            </p:txEl>
+                                          </p:spTgt>
+                                        </p:tgtEl>
+                                        <p:attrNameLst>
+                                          <p:attrName>style.visibility</p:attrName>
+                                        </p:attrNameLst>
+                                      </p:cBhvr>
+                                      <p:to>
+                                        <p:strVal val="visible"/>
+                                      </p:to>
+                                    </p:set>
+                                    <p:animEffect transition="in" filter="fade">
+                                      <p:cBhvr>
+                                        <p:cTn id="12" dur="500"/>
+                                        <p:tgtEl>
+                                          <p:spTgt spid="6">
+                                            <p:txEl>
+                                              <p:pRg st="1" end="1"/>
+                                            </p:txEl>
+                                          </p:spTgt>
+                                        </p:tgtEl>
+                                      </p:cBhvr>
+                                    </p:animEffect>
+                                  </p:childTnLst>
+                                </p:cTn>
+                              </p:par>
+                            </p:childTnLst>
+                          </p:cTn>
+                        </p:par>
+                      </p:childTnLst>
+                    </p:cTn>
+                  </p:par>
+                </p:childTnLst>
+              </p:cTn>
+              <p:prevCondLst>
+                <p:cond evt="onPrev" delay="0">
+                  <p:tgtEl>
+                    <p:sldTgt/>
+                  </p:tgtEl>
+                </p:cond>
+              </p:prevCondLst>
+              <p:nextCondLst>
+                <p:cond evt="onNext" delay="0">
+                  <p:tgtEl>
+                    <p:sldTgt/>
+                  </p:tgtEl>
+                </p:cond>
+              </p:nextCondLst>
+            </p:seq>
+          </p:childTnLst>
+        </p:cTn>
+      </p:par>
+    </p:tnLst>
+    <p:bldLst>
+      <p:bldP spid="6" grpId="0" build="p"/>
+    </p:bldLst>
+  </p:timing>
 </p:sld>
 </file>
 
@@ -14405,6 +16034,344 @@
       </p:transition>
     </mc:Fallback>
   </mc:AlternateContent>
+  <p:timing>
+    <p:tnLst>
+      <p:par>
+        <p:cTn id="1" dur="indefinite" restart="never" nodeType="tmRoot">
+          <p:childTnLst>
+            <p:seq concurrent="1" nextAc="seek">
+              <p:cTn id="2" dur="indefinite" nodeType="mainSeq">
+                <p:childTnLst>
+                  <p:par>
+                    <p:cTn id="3" fill="hold">
+                      <p:stCondLst>
+                        <p:cond delay="indefinite"/>
+                      </p:stCondLst>
+                      <p:childTnLst>
+                        <p:par>
+                          <p:cTn id="4" fill="hold">
+                            <p:stCondLst>
+                              <p:cond delay="0"/>
+                            </p:stCondLst>
+                            <p:childTnLst>
+                              <p:par>
+                                <p:cTn id="5" presetID="10" presetClass="entr" presetSubtype="0" fill="hold" grpId="0" nodeType="clickEffect">
+                                  <p:stCondLst>
+                                    <p:cond delay="0"/>
+                                  </p:stCondLst>
+                                  <p:childTnLst>
+                                    <p:set>
+                                      <p:cBhvr>
+                                        <p:cTn id="6" dur="1" fill="hold">
+                                          <p:stCondLst>
+                                            <p:cond delay="0"/>
+                                          </p:stCondLst>
+                                        </p:cTn>
+                                        <p:tgtEl>
+                                          <p:spTgt spid="3">
+                                            <p:txEl>
+                                              <p:pRg st="0" end="0"/>
+                                            </p:txEl>
+                                          </p:spTgt>
+                                        </p:tgtEl>
+                                        <p:attrNameLst>
+                                          <p:attrName>style.visibility</p:attrName>
+                                        </p:attrNameLst>
+                                      </p:cBhvr>
+                                      <p:to>
+                                        <p:strVal val="visible"/>
+                                      </p:to>
+                                    </p:set>
+                                    <p:animEffect transition="in" filter="fade">
+                                      <p:cBhvr>
+                                        <p:cTn id="7" dur="500"/>
+                                        <p:tgtEl>
+                                          <p:spTgt spid="3">
+                                            <p:txEl>
+                                              <p:pRg st="0" end="0"/>
+                                            </p:txEl>
+                                          </p:spTgt>
+                                        </p:tgtEl>
+                                      </p:cBhvr>
+                                    </p:animEffect>
+                                  </p:childTnLst>
+                                </p:cTn>
+                              </p:par>
+                            </p:childTnLst>
+                          </p:cTn>
+                        </p:par>
+                      </p:childTnLst>
+                    </p:cTn>
+                  </p:par>
+                  <p:par>
+                    <p:cTn id="8" fill="hold">
+                      <p:stCondLst>
+                        <p:cond delay="indefinite"/>
+                      </p:stCondLst>
+                      <p:childTnLst>
+                        <p:par>
+                          <p:cTn id="9" fill="hold">
+                            <p:stCondLst>
+                              <p:cond delay="0"/>
+                            </p:stCondLst>
+                            <p:childTnLst>
+                              <p:par>
+                                <p:cTn id="10" presetID="10" presetClass="entr" presetSubtype="0" fill="hold" grpId="0" nodeType="clickEffect">
+                                  <p:stCondLst>
+                                    <p:cond delay="0"/>
+                                  </p:stCondLst>
+                                  <p:childTnLst>
+                                    <p:set>
+                                      <p:cBhvr>
+                                        <p:cTn id="11" dur="1" fill="hold">
+                                          <p:stCondLst>
+                                            <p:cond delay="0"/>
+                                          </p:stCondLst>
+                                        </p:cTn>
+                                        <p:tgtEl>
+                                          <p:spTgt spid="3">
+                                            <p:txEl>
+                                              <p:pRg st="1" end="1"/>
+                                            </p:txEl>
+                                          </p:spTgt>
+                                        </p:tgtEl>
+                                        <p:attrNameLst>
+                                          <p:attrName>style.visibility</p:attrName>
+                                        </p:attrNameLst>
+                                      </p:cBhvr>
+                                      <p:to>
+                                        <p:strVal val="visible"/>
+                                      </p:to>
+                                    </p:set>
+                                    <p:animEffect transition="in" filter="fade">
+                                      <p:cBhvr>
+                                        <p:cTn id="12" dur="500"/>
+                                        <p:tgtEl>
+                                          <p:spTgt spid="3">
+                                            <p:txEl>
+                                              <p:pRg st="1" end="1"/>
+                                            </p:txEl>
+                                          </p:spTgt>
+                                        </p:tgtEl>
+                                      </p:cBhvr>
+                                    </p:animEffect>
+                                  </p:childTnLst>
+                                </p:cTn>
+                              </p:par>
+                            </p:childTnLst>
+                          </p:cTn>
+                        </p:par>
+                      </p:childTnLst>
+                    </p:cTn>
+                  </p:par>
+                  <p:par>
+                    <p:cTn id="13" fill="hold">
+                      <p:stCondLst>
+                        <p:cond delay="indefinite"/>
+                      </p:stCondLst>
+                      <p:childTnLst>
+                        <p:par>
+                          <p:cTn id="14" fill="hold">
+                            <p:stCondLst>
+                              <p:cond delay="0"/>
+                            </p:stCondLst>
+                            <p:childTnLst>
+                              <p:par>
+                                <p:cTn id="15" presetID="10" presetClass="entr" presetSubtype="0" fill="hold" grpId="0" nodeType="clickEffect">
+                                  <p:stCondLst>
+                                    <p:cond delay="0"/>
+                                  </p:stCondLst>
+                                  <p:childTnLst>
+                                    <p:set>
+                                      <p:cBhvr>
+                                        <p:cTn id="16" dur="1" fill="hold">
+                                          <p:stCondLst>
+                                            <p:cond delay="0"/>
+                                          </p:stCondLst>
+                                        </p:cTn>
+                                        <p:tgtEl>
+                                          <p:spTgt spid="3">
+                                            <p:txEl>
+                                              <p:pRg st="2" end="2"/>
+                                            </p:txEl>
+                                          </p:spTgt>
+                                        </p:tgtEl>
+                                        <p:attrNameLst>
+                                          <p:attrName>style.visibility</p:attrName>
+                                        </p:attrNameLst>
+                                      </p:cBhvr>
+                                      <p:to>
+                                        <p:strVal val="visible"/>
+                                      </p:to>
+                                    </p:set>
+                                    <p:animEffect transition="in" filter="fade">
+                                      <p:cBhvr>
+                                        <p:cTn id="17" dur="500"/>
+                                        <p:tgtEl>
+                                          <p:spTgt spid="3">
+                                            <p:txEl>
+                                              <p:pRg st="2" end="2"/>
+                                            </p:txEl>
+                                          </p:spTgt>
+                                        </p:tgtEl>
+                                      </p:cBhvr>
+                                    </p:animEffect>
+                                  </p:childTnLst>
+                                </p:cTn>
+                              </p:par>
+                            </p:childTnLst>
+                          </p:cTn>
+                        </p:par>
+                      </p:childTnLst>
+                    </p:cTn>
+                  </p:par>
+                  <p:par>
+                    <p:cTn id="18" fill="hold">
+                      <p:stCondLst>
+                        <p:cond delay="indefinite"/>
+                      </p:stCondLst>
+                      <p:childTnLst>
+                        <p:par>
+                          <p:cTn id="19" fill="hold">
+                            <p:stCondLst>
+                              <p:cond delay="0"/>
+                            </p:stCondLst>
+                            <p:childTnLst>
+                              <p:par>
+                                <p:cTn id="20" presetID="10" presetClass="entr" presetSubtype="0" fill="hold" grpId="0" nodeType="clickEffect">
+                                  <p:stCondLst>
+                                    <p:cond delay="0"/>
+                                  </p:stCondLst>
+                                  <p:childTnLst>
+                                    <p:set>
+                                      <p:cBhvr>
+                                        <p:cTn id="21" dur="1" fill="hold">
+                                          <p:stCondLst>
+                                            <p:cond delay="0"/>
+                                          </p:stCondLst>
+                                        </p:cTn>
+                                        <p:tgtEl>
+                                          <p:spTgt spid="3">
+                                            <p:txEl>
+                                              <p:pRg st="3" end="3"/>
+                                            </p:txEl>
+                                          </p:spTgt>
+                                        </p:tgtEl>
+                                        <p:attrNameLst>
+                                          <p:attrName>style.visibility</p:attrName>
+                                        </p:attrNameLst>
+                                      </p:cBhvr>
+                                      <p:to>
+                                        <p:strVal val="visible"/>
+                                      </p:to>
+                                    </p:set>
+                                    <p:animEffect transition="in" filter="fade">
+                                      <p:cBhvr>
+                                        <p:cTn id="22" dur="500"/>
+                                        <p:tgtEl>
+                                          <p:spTgt spid="3">
+                                            <p:txEl>
+                                              <p:pRg st="3" end="3"/>
+                                            </p:txEl>
+                                          </p:spTgt>
+                                        </p:tgtEl>
+                                      </p:cBhvr>
+                                    </p:animEffect>
+                                  </p:childTnLst>
+                                </p:cTn>
+                              </p:par>
+                            </p:childTnLst>
+                          </p:cTn>
+                        </p:par>
+                      </p:childTnLst>
+                    </p:cTn>
+                  </p:par>
+                  <p:par>
+                    <p:cTn id="23" fill="hold">
+                      <p:stCondLst>
+                        <p:cond delay="indefinite"/>
+                      </p:stCondLst>
+                      <p:childTnLst>
+                        <p:par>
+                          <p:cTn id="24" fill="hold">
+                            <p:stCondLst>
+                              <p:cond delay="0"/>
+                            </p:stCondLst>
+                            <p:childTnLst>
+                              <p:par>
+                                <p:cTn id="25" presetID="10" presetClass="entr" presetSubtype="0" fill="hold" grpId="0" nodeType="clickEffect">
+                                  <p:stCondLst>
+                                    <p:cond delay="0"/>
+                                  </p:stCondLst>
+                                  <p:childTnLst>
+                                    <p:set>
+                                      <p:cBhvr>
+                                        <p:cTn id="26" dur="1" fill="hold">
+                                          <p:stCondLst>
+                                            <p:cond delay="0"/>
+                                          </p:stCondLst>
+                                        </p:cTn>
+                                        <p:tgtEl>
+                                          <p:spTgt spid="3">
+                                            <p:txEl>
+                                              <p:pRg st="5" end="5"/>
+                                            </p:txEl>
+                                          </p:spTgt>
+                                        </p:tgtEl>
+                                        <p:attrNameLst>
+                                          <p:attrName>style.visibility</p:attrName>
+                                        </p:attrNameLst>
+                                      </p:cBhvr>
+                                      <p:to>
+                                        <p:strVal val="visible"/>
+                                      </p:to>
+                                    </p:set>
+                                    <p:animEffect transition="in" filter="fade">
+                                      <p:cBhvr>
+                                        <p:cTn id="27" dur="500"/>
+                                        <p:tgtEl>
+                                          <p:spTgt spid="3">
+                                            <p:txEl>
+                                              <p:pRg st="5" end="5"/>
+                                            </p:txEl>
+                                          </p:spTgt>
+                                        </p:tgtEl>
+                                      </p:cBhvr>
+                                    </p:animEffect>
+                                  </p:childTnLst>
+                                </p:cTn>
+                              </p:par>
+                            </p:childTnLst>
+                          </p:cTn>
+                        </p:par>
+                      </p:childTnLst>
+                    </p:cTn>
+                  </p:par>
+                </p:childTnLst>
+              </p:cTn>
+              <p:prevCondLst>
+                <p:cond evt="onPrev" delay="0">
+                  <p:tgtEl>
+                    <p:sldTgt/>
+                  </p:tgtEl>
+                </p:cond>
+              </p:prevCondLst>
+              <p:nextCondLst>
+                <p:cond evt="onNext" delay="0">
+                  <p:tgtEl>
+                    <p:sldTgt/>
+                  </p:tgtEl>
+                </p:cond>
+              </p:nextCondLst>
+            </p:seq>
+          </p:childTnLst>
+        </p:cTn>
+      </p:par>
+    </p:tnLst>
+    <p:bldLst>
+      <p:bldP spid="3" grpId="0" build="p"/>
+    </p:bldLst>
+  </p:timing>
 </p:sld>
 </file>
 
@@ -14613,6 +16580,283 @@
       </p:transition>
     </mc:Fallback>
   </mc:AlternateContent>
+  <p:timing>
+    <p:tnLst>
+      <p:par>
+        <p:cTn id="1" dur="indefinite" restart="never" nodeType="tmRoot">
+          <p:childTnLst>
+            <p:seq concurrent="1" nextAc="seek">
+              <p:cTn id="2" dur="indefinite" nodeType="mainSeq">
+                <p:childTnLst>
+                  <p:par>
+                    <p:cTn id="3" fill="hold">
+                      <p:stCondLst>
+                        <p:cond delay="indefinite"/>
+                      </p:stCondLst>
+                      <p:childTnLst>
+                        <p:par>
+                          <p:cTn id="4" fill="hold">
+                            <p:stCondLst>
+                              <p:cond delay="0"/>
+                            </p:stCondLst>
+                            <p:childTnLst>
+                              <p:par>
+                                <p:cTn id="5" presetID="10" presetClass="entr" presetSubtype="0" fill="hold" grpId="0" nodeType="clickEffect">
+                                  <p:stCondLst>
+                                    <p:cond delay="0"/>
+                                  </p:stCondLst>
+                                  <p:childTnLst>
+                                    <p:set>
+                                      <p:cBhvr>
+                                        <p:cTn id="6" dur="1" fill="hold">
+                                          <p:stCondLst>
+                                            <p:cond delay="0"/>
+                                          </p:stCondLst>
+                                        </p:cTn>
+                                        <p:tgtEl>
+                                          <p:spTgt spid="3">
+                                            <p:txEl>
+                                              <p:pRg st="0" end="0"/>
+                                            </p:txEl>
+                                          </p:spTgt>
+                                        </p:tgtEl>
+                                        <p:attrNameLst>
+                                          <p:attrName>style.visibility</p:attrName>
+                                        </p:attrNameLst>
+                                      </p:cBhvr>
+                                      <p:to>
+                                        <p:strVal val="visible"/>
+                                      </p:to>
+                                    </p:set>
+                                    <p:animEffect transition="in" filter="fade">
+                                      <p:cBhvr>
+                                        <p:cTn id="7" dur="500"/>
+                                        <p:tgtEl>
+                                          <p:spTgt spid="3">
+                                            <p:txEl>
+                                              <p:pRg st="0" end="0"/>
+                                            </p:txEl>
+                                          </p:spTgt>
+                                        </p:tgtEl>
+                                      </p:cBhvr>
+                                    </p:animEffect>
+                                  </p:childTnLst>
+                                </p:cTn>
+                              </p:par>
+                            </p:childTnLst>
+                          </p:cTn>
+                        </p:par>
+                      </p:childTnLst>
+                    </p:cTn>
+                  </p:par>
+                  <p:par>
+                    <p:cTn id="8" fill="hold">
+                      <p:stCondLst>
+                        <p:cond delay="indefinite"/>
+                      </p:stCondLst>
+                      <p:childTnLst>
+                        <p:par>
+                          <p:cTn id="9" fill="hold">
+                            <p:stCondLst>
+                              <p:cond delay="0"/>
+                            </p:stCondLst>
+                            <p:childTnLst>
+                              <p:par>
+                                <p:cTn id="10" presetID="10" presetClass="entr" presetSubtype="0" fill="hold" grpId="0" nodeType="clickEffect">
+                                  <p:stCondLst>
+                                    <p:cond delay="0"/>
+                                  </p:stCondLst>
+                                  <p:childTnLst>
+                                    <p:set>
+                                      <p:cBhvr>
+                                        <p:cTn id="11" dur="1" fill="hold">
+                                          <p:stCondLst>
+                                            <p:cond delay="0"/>
+                                          </p:stCondLst>
+                                        </p:cTn>
+                                        <p:tgtEl>
+                                          <p:spTgt spid="3">
+                                            <p:txEl>
+                                              <p:pRg st="1" end="1"/>
+                                            </p:txEl>
+                                          </p:spTgt>
+                                        </p:tgtEl>
+                                        <p:attrNameLst>
+                                          <p:attrName>style.visibility</p:attrName>
+                                        </p:attrNameLst>
+                                      </p:cBhvr>
+                                      <p:to>
+                                        <p:strVal val="visible"/>
+                                      </p:to>
+                                    </p:set>
+                                    <p:animEffect transition="in" filter="fade">
+                                      <p:cBhvr>
+                                        <p:cTn id="12" dur="500"/>
+                                        <p:tgtEl>
+                                          <p:spTgt spid="3">
+                                            <p:txEl>
+                                              <p:pRg st="1" end="1"/>
+                                            </p:txEl>
+                                          </p:spTgt>
+                                        </p:tgtEl>
+                                      </p:cBhvr>
+                                    </p:animEffect>
+                                  </p:childTnLst>
+                                </p:cTn>
+                              </p:par>
+                            </p:childTnLst>
+                          </p:cTn>
+                        </p:par>
+                      </p:childTnLst>
+                    </p:cTn>
+                  </p:par>
+                  <p:par>
+                    <p:cTn id="13" fill="hold">
+                      <p:stCondLst>
+                        <p:cond delay="indefinite"/>
+                      </p:stCondLst>
+                      <p:childTnLst>
+                        <p:par>
+                          <p:cTn id="14" fill="hold">
+                            <p:stCondLst>
+                              <p:cond delay="0"/>
+                            </p:stCondLst>
+                            <p:childTnLst>
+                              <p:par>
+                                <p:cTn id="15" presetID="10" presetClass="entr" presetSubtype="0" fill="hold" grpId="0" nodeType="clickEffect">
+                                  <p:stCondLst>
+                                    <p:cond delay="0"/>
+                                  </p:stCondLst>
+                                  <p:childTnLst>
+                                    <p:set>
+                                      <p:cBhvr>
+                                        <p:cTn id="16" dur="1" fill="hold">
+                                          <p:stCondLst>
+                                            <p:cond delay="0"/>
+                                          </p:stCondLst>
+                                        </p:cTn>
+                                        <p:tgtEl>
+                                          <p:spTgt spid="3">
+                                            <p:txEl>
+                                              <p:pRg st="2" end="2"/>
+                                            </p:txEl>
+                                          </p:spTgt>
+                                        </p:tgtEl>
+                                        <p:attrNameLst>
+                                          <p:attrName>style.visibility</p:attrName>
+                                        </p:attrNameLst>
+                                      </p:cBhvr>
+                                      <p:to>
+                                        <p:strVal val="visible"/>
+                                      </p:to>
+                                    </p:set>
+                                    <p:animEffect transition="in" filter="fade">
+                                      <p:cBhvr>
+                                        <p:cTn id="17" dur="500"/>
+                                        <p:tgtEl>
+                                          <p:spTgt spid="3">
+                                            <p:txEl>
+                                              <p:pRg st="2" end="2"/>
+                                            </p:txEl>
+                                          </p:spTgt>
+                                        </p:tgtEl>
+                                      </p:cBhvr>
+                                    </p:animEffect>
+                                  </p:childTnLst>
+                                </p:cTn>
+                              </p:par>
+                            </p:childTnLst>
+                          </p:cTn>
+                        </p:par>
+                      </p:childTnLst>
+                    </p:cTn>
+                  </p:par>
+                  <p:par>
+                    <p:cTn id="18" fill="hold">
+                      <p:stCondLst>
+                        <p:cond delay="indefinite"/>
+                      </p:stCondLst>
+                      <p:childTnLst>
+                        <p:par>
+                          <p:cTn id="19" fill="hold">
+                            <p:stCondLst>
+                              <p:cond delay="0"/>
+                            </p:stCondLst>
+                            <p:childTnLst>
+                              <p:par>
+                                <p:cTn id="20" presetID="10" presetClass="entr" presetSubtype="0" fill="hold" grpId="0" nodeType="clickEffect">
+                                  <p:stCondLst>
+                                    <p:cond delay="0"/>
+                                  </p:stCondLst>
+                                  <p:childTnLst>
+                                    <p:set>
+                                      <p:cBhvr>
+                                        <p:cTn id="21" dur="1" fill="hold">
+                                          <p:stCondLst>
+                                            <p:cond delay="0"/>
+                                          </p:stCondLst>
+                                        </p:cTn>
+                                        <p:tgtEl>
+                                          <p:spTgt spid="3">
+                                            <p:txEl>
+                                              <p:pRg st="3" end="3"/>
+                                            </p:txEl>
+                                          </p:spTgt>
+                                        </p:tgtEl>
+                                        <p:attrNameLst>
+                                          <p:attrName>style.visibility</p:attrName>
+                                        </p:attrNameLst>
+                                      </p:cBhvr>
+                                      <p:to>
+                                        <p:strVal val="visible"/>
+                                      </p:to>
+                                    </p:set>
+                                    <p:animEffect transition="in" filter="fade">
+                                      <p:cBhvr>
+                                        <p:cTn id="22" dur="500"/>
+                                        <p:tgtEl>
+                                          <p:spTgt spid="3">
+                                            <p:txEl>
+                                              <p:pRg st="3" end="3"/>
+                                            </p:txEl>
+                                          </p:spTgt>
+                                        </p:tgtEl>
+                                      </p:cBhvr>
+                                    </p:animEffect>
+                                  </p:childTnLst>
+                                </p:cTn>
+                              </p:par>
+                            </p:childTnLst>
+                          </p:cTn>
+                        </p:par>
+                      </p:childTnLst>
+                    </p:cTn>
+                  </p:par>
+                </p:childTnLst>
+              </p:cTn>
+              <p:prevCondLst>
+                <p:cond evt="onPrev" delay="0">
+                  <p:tgtEl>
+                    <p:sldTgt/>
+                  </p:tgtEl>
+                </p:cond>
+              </p:prevCondLst>
+              <p:nextCondLst>
+                <p:cond evt="onNext" delay="0">
+                  <p:tgtEl>
+                    <p:sldTgt/>
+                  </p:tgtEl>
+                </p:cond>
+              </p:nextCondLst>
+            </p:seq>
+          </p:childTnLst>
+        </p:cTn>
+      </p:par>
+    </p:tnLst>
+    <p:bldLst>
+      <p:bldP spid="3" grpId="0" build="p"/>
+    </p:bldLst>
+  </p:timing>
 </p:sld>
 </file>
 

--- a/Advanced MATLAB Workshop.pptx
+++ b/Advanced MATLAB Workshop.pptx
@@ -251,7 +251,7 @@
           <a:p>
             <a:fld id="{B44DB2A5-721C-4590-AD57-37BABA192C78}" type="datetimeFigureOut">
               <a:rPr lang="en-US" smtClean="0"/>
-              <a:t>7/12/2019</a:t>
+              <a:t>9/27/2020</a:t>
             </a:fld>
             <a:endParaRPr lang="en-US"/>
           </a:p>
@@ -1867,7 +1867,7 @@
           <a:p>
             <a:fld id="{1C1F2C98-C8FE-41C9-9C19-3C211CD93C9A}" type="datetimeFigureOut">
               <a:rPr lang="en-US" smtClean="0"/>
-              <a:t>7/12/2019</a:t>
+              <a:t>9/27/2020</a:t>
             </a:fld>
             <a:endParaRPr lang="en-US"/>
           </a:p>
@@ -2077,7 +2077,7 @@
           <a:p>
             <a:fld id="{1C1F2C98-C8FE-41C9-9C19-3C211CD93C9A}" type="datetimeFigureOut">
               <a:rPr lang="en-US" smtClean="0"/>
-              <a:t>7/12/2019</a:t>
+              <a:t>9/27/2020</a:t>
             </a:fld>
             <a:endParaRPr lang="en-US"/>
           </a:p>
@@ -2297,7 +2297,7 @@
           <a:p>
             <a:fld id="{1C1F2C98-C8FE-41C9-9C19-3C211CD93C9A}" type="datetimeFigureOut">
               <a:rPr lang="en-US" smtClean="0"/>
-              <a:t>7/12/2019</a:t>
+              <a:t>9/27/2020</a:t>
             </a:fld>
             <a:endParaRPr lang="en-US"/>
           </a:p>
@@ -2507,7 +2507,7 @@
           <a:p>
             <a:fld id="{1C1F2C98-C8FE-41C9-9C19-3C211CD93C9A}" type="datetimeFigureOut">
               <a:rPr lang="en-US" smtClean="0"/>
-              <a:t>7/12/2019</a:t>
+              <a:t>9/27/2020</a:t>
             </a:fld>
             <a:endParaRPr lang="en-US"/>
           </a:p>
@@ -2794,7 +2794,7 @@
           <a:p>
             <a:fld id="{1C1F2C98-C8FE-41C9-9C19-3C211CD93C9A}" type="datetimeFigureOut">
               <a:rPr lang="en-US" smtClean="0"/>
-              <a:t>7/12/2019</a:t>
+              <a:t>9/27/2020</a:t>
             </a:fld>
             <a:endParaRPr lang="en-US"/>
           </a:p>
@@ -3071,7 +3071,7 @@
           <a:p>
             <a:fld id="{1C1F2C98-C8FE-41C9-9C19-3C211CD93C9A}" type="datetimeFigureOut">
               <a:rPr lang="en-US" smtClean="0"/>
-              <a:t>7/12/2019</a:t>
+              <a:t>9/27/2020</a:t>
             </a:fld>
             <a:endParaRPr lang="en-US"/>
           </a:p>
@@ -3495,7 +3495,7 @@
           <a:p>
             <a:fld id="{1C1F2C98-C8FE-41C9-9C19-3C211CD93C9A}" type="datetimeFigureOut">
               <a:rPr lang="en-US" smtClean="0"/>
-              <a:t>7/12/2019</a:t>
+              <a:t>9/27/2020</a:t>
             </a:fld>
             <a:endParaRPr lang="en-US"/>
           </a:p>
@@ -3648,7 +3648,7 @@
           <a:p>
             <a:fld id="{1C1F2C98-C8FE-41C9-9C19-3C211CD93C9A}" type="datetimeFigureOut">
               <a:rPr lang="en-US" smtClean="0"/>
-              <a:t>7/12/2019</a:t>
+              <a:t>9/27/2020</a:t>
             </a:fld>
             <a:endParaRPr lang="en-US"/>
           </a:p>
@@ -3773,7 +3773,7 @@
           <a:p>
             <a:fld id="{1C1F2C98-C8FE-41C9-9C19-3C211CD93C9A}" type="datetimeFigureOut">
               <a:rPr lang="en-US" smtClean="0"/>
-              <a:t>7/12/2019</a:t>
+              <a:t>9/27/2020</a:t>
             </a:fld>
             <a:endParaRPr lang="en-US"/>
           </a:p>
@@ -4096,7 +4096,7 @@
           <a:p>
             <a:fld id="{1C1F2C98-C8FE-41C9-9C19-3C211CD93C9A}" type="datetimeFigureOut">
               <a:rPr lang="en-US" smtClean="0"/>
-              <a:t>7/12/2019</a:t>
+              <a:t>9/27/2020</a:t>
             </a:fld>
             <a:endParaRPr lang="en-US"/>
           </a:p>
@@ -4396,7 +4396,7 @@
           <a:p>
             <a:fld id="{1C1F2C98-C8FE-41C9-9C19-3C211CD93C9A}" type="datetimeFigureOut">
               <a:rPr lang="en-US" smtClean="0"/>
-              <a:t>7/12/2019</a:t>
+              <a:t>9/27/2020</a:t>
             </a:fld>
             <a:endParaRPr lang="en-US"/>
           </a:p>
@@ -4649,7 +4649,7 @@
           <a:p>
             <a:fld id="{1C1F2C98-C8FE-41C9-9C19-3C211CD93C9A}" type="datetimeFigureOut">
               <a:rPr lang="en-US" smtClean="0"/>
-              <a:t>7/12/2019</a:t>
+              <a:t>9/27/2020</a:t>
             </a:fld>
             <a:endParaRPr lang="en-US"/>
           </a:p>
@@ -5137,8 +5137,13 @@
           <a:p>
             <a:r>
               <a:rPr lang="en-US" dirty="0"/>
-              <a:t>July 12, 2019</a:t>
-            </a:r>
+              <a:t>September 28</a:t>
+            </a:r>
+            <a:r>
+              <a:rPr lang="en-US"/>
+              <a:t>, 2020</a:t>
+            </a:r>
+            <a:endParaRPr lang="en-US" dirty="0"/>
           </a:p>
         </p:txBody>
       </p:sp>
